--- a/projects/project_1/results/Project_1_Presentation.pptx
+++ b/projects/project_1/results/Project_1_Presentation.pptx
@@ -7,7 +7,7 @@
     <p:sldMasterId id="2147483721" r:id="rId6"/>
   </p:sldMasterIdLst>
   <p:notesMasterIdLst>
-    <p:notesMasterId r:id="rId25"/>
+    <p:notesMasterId r:id="rId27"/>
   </p:notesMasterIdLst>
   <p:sldIdLst>
     <p:sldId id="261" r:id="rId7"/>
@@ -19,15 +19,17 @@
     <p:sldId id="278" r:id="rId13"/>
     <p:sldId id="266" r:id="rId14"/>
     <p:sldId id="282" r:id="rId15"/>
-    <p:sldId id="279" r:id="rId16"/>
-    <p:sldId id="267" r:id="rId17"/>
-    <p:sldId id="259" r:id="rId18"/>
-    <p:sldId id="269" r:id="rId19"/>
-    <p:sldId id="270" r:id="rId20"/>
-    <p:sldId id="271" r:id="rId21"/>
-    <p:sldId id="272" r:id="rId22"/>
-    <p:sldId id="263" r:id="rId23"/>
-    <p:sldId id="280" r:id="rId24"/>
+    <p:sldId id="283" r:id="rId16"/>
+    <p:sldId id="279" r:id="rId17"/>
+    <p:sldId id="284" r:id="rId18"/>
+    <p:sldId id="267" r:id="rId19"/>
+    <p:sldId id="259" r:id="rId20"/>
+    <p:sldId id="269" r:id="rId21"/>
+    <p:sldId id="270" r:id="rId22"/>
+    <p:sldId id="271" r:id="rId23"/>
+    <p:sldId id="272" r:id="rId24"/>
+    <p:sldId id="263" r:id="rId25"/>
+    <p:sldId id="280" r:id="rId26"/>
   </p:sldIdLst>
   <p:sldSz cx="12192000" cy="6858000"/>
   <p:notesSz cx="6858000" cy="9144000"/>
@@ -1227,7 +1229,7 @@
           <a:p>
             <a:fld id="{B6FD6BE2-EA2E-6E41-9967-AB7622447780}" type="datetimeFigureOut">
               <a:rPr lang="en-US" smtClean="0"/>
-              <a:t>9/24/25</a:t>
+              <a:t>9/26/25</a:t>
             </a:fld>
             <a:endParaRPr lang="en-US"/>
           </a:p>
@@ -1603,7 +1605,7 @@
   <p:cSld>
     <p:spTree>
       <p:nvGrpSpPr>
-        <p:cNvPr id="1" name="Shape 236"/>
+        <p:cNvPr id="1" name="Shape 256"/>
         <p:cNvGrpSpPr/>
         <p:nvPr/>
       </p:nvGrpSpPr>
@@ -1617,7 +1619,7 @@
       </p:grpSpPr>
       <p:sp>
         <p:nvSpPr>
-          <p:cNvPr id="237" name="Google Shape;237;g54dda1946d_6_322:notes"/>
+          <p:cNvPr id="257" name="Google Shape;257;g54dda1946d_6_308:notes"/>
           <p:cNvSpPr>
             <a:spLocks noGrp="1" noRot="1" noChangeAspect="1"/>
           </p:cNvSpPr>
@@ -1658,7 +1660,7 @@
       </p:sp>
       <p:sp>
         <p:nvSpPr>
-          <p:cNvPr id="238" name="Google Shape;238;g54dda1946d_6_322:notes"/>
+          <p:cNvPr id="258" name="Google Shape;258;g54dda1946d_6_308:notes"/>
           <p:cNvSpPr txBox="1">
             <a:spLocks noGrp="1"/>
           </p:cNvSpPr>
@@ -1697,7 +1699,7 @@
     </p:spTree>
     <p:extLst>
       <p:ext uri="{BB962C8B-B14F-4D97-AF65-F5344CB8AC3E}">
-        <p14:creationId xmlns:p14="http://schemas.microsoft.com/office/powerpoint/2010/main" val="3128793868"/>
+        <p14:creationId xmlns:p14="http://schemas.microsoft.com/office/powerpoint/2010/main" val="1404605148"/>
       </p:ext>
     </p:extLst>
   </p:cSld>
@@ -1804,11 +1806,6 @@
         </p:txBody>
       </p:sp>
     </p:spTree>
-    <p:extLst>
-      <p:ext uri="{BB962C8B-B14F-4D97-AF65-F5344CB8AC3E}">
-        <p14:creationId xmlns:p14="http://schemas.microsoft.com/office/powerpoint/2010/main" val="734733597"/>
-      </p:ext>
-    </p:extLst>
   </p:cSld>
   <p:clrMapOvr>
     <a:masterClrMapping/>
@@ -1915,7 +1912,7 @@
     </p:spTree>
     <p:extLst>
       <p:ext uri="{BB962C8B-B14F-4D97-AF65-F5344CB8AC3E}">
-        <p14:creationId xmlns:p14="http://schemas.microsoft.com/office/powerpoint/2010/main" val="2190812181"/>
+        <p14:creationId xmlns:p14="http://schemas.microsoft.com/office/powerpoint/2010/main" val="3128793868"/>
       </p:ext>
     </p:extLst>
   </p:cSld>
@@ -2024,6 +2021,224 @@
     </p:spTree>
     <p:extLst>
       <p:ext uri="{BB962C8B-B14F-4D97-AF65-F5344CB8AC3E}">
+        <p14:creationId xmlns:p14="http://schemas.microsoft.com/office/powerpoint/2010/main" val="734733597"/>
+      </p:ext>
+    </p:extLst>
+  </p:cSld>
+  <p:clrMapOvr>
+    <a:masterClrMapping/>
+  </p:clrMapOvr>
+</p:notes>
+</file>
+
+<file path=ppt/notesSlides/notesSlide14.xml><?xml version="1.0" encoding="utf-8"?>
+<p:notes xmlns:a="http://schemas.openxmlformats.org/drawingml/2006/main" xmlns:r="http://schemas.openxmlformats.org/officeDocument/2006/relationships" xmlns:p="http://schemas.openxmlformats.org/presentationml/2006/main" showMasterSp="0" showMasterPhAnim="0">
+  <p:cSld>
+    <p:spTree>
+      <p:nvGrpSpPr>
+        <p:cNvPr id="1" name="Shape 236"/>
+        <p:cNvGrpSpPr/>
+        <p:nvPr/>
+      </p:nvGrpSpPr>
+      <p:grpSpPr>
+        <a:xfrm>
+          <a:off x="0" y="0"/>
+          <a:ext cx="0" cy="0"/>
+          <a:chOff x="0" y="0"/>
+          <a:chExt cx="0" cy="0"/>
+        </a:xfrm>
+      </p:grpSpPr>
+      <p:sp>
+        <p:nvSpPr>
+          <p:cNvPr id="237" name="Google Shape;237;g54dda1946d_6_322:notes"/>
+          <p:cNvSpPr>
+            <a:spLocks noGrp="1" noRot="1" noChangeAspect="1"/>
+          </p:cNvSpPr>
+          <p:nvPr>
+            <p:ph type="sldImg" idx="2"/>
+          </p:nvPr>
+        </p:nvSpPr>
+        <p:spPr>
+          <a:xfrm>
+            <a:off x="381000" y="685800"/>
+            <a:ext cx="6096000" cy="3429000"/>
+          </a:xfrm>
+          <a:custGeom>
+            <a:avLst/>
+            <a:gdLst/>
+            <a:ahLst/>
+            <a:cxnLst/>
+            <a:rect l="l" t="t" r="r" b="b"/>
+            <a:pathLst>
+              <a:path w="120000" h="120000" extrusionOk="0">
+                <a:moveTo>
+                  <a:pt x="0" y="0"/>
+                </a:moveTo>
+                <a:lnTo>
+                  <a:pt x="120000" y="0"/>
+                </a:lnTo>
+                <a:lnTo>
+                  <a:pt x="120000" y="120000"/>
+                </a:lnTo>
+                <a:lnTo>
+                  <a:pt x="0" y="120000"/>
+                </a:lnTo>
+                <a:close/>
+              </a:path>
+            </a:pathLst>
+          </a:custGeom>
+        </p:spPr>
+      </p:sp>
+      <p:sp>
+        <p:nvSpPr>
+          <p:cNvPr id="238" name="Google Shape;238;g54dda1946d_6_322:notes"/>
+          <p:cNvSpPr txBox="1">
+            <a:spLocks noGrp="1"/>
+          </p:cNvSpPr>
+          <p:nvPr>
+            <p:ph type="body" idx="1"/>
+          </p:nvPr>
+        </p:nvSpPr>
+        <p:spPr>
+          <a:xfrm>
+            <a:off x="685800" y="4343400"/>
+            <a:ext cx="5486400" cy="4114800"/>
+          </a:xfrm>
+          <a:prstGeom prst="rect">
+            <a:avLst/>
+          </a:prstGeom>
+        </p:spPr>
+        <p:txBody>
+          <a:bodyPr spcFirstLastPara="1" wrap="square" lIns="91425" tIns="91425" rIns="91425" bIns="91425" anchor="t" anchorCtr="0">
+            <a:noAutofit/>
+          </a:bodyPr>
+          <a:lstStyle/>
+          <a:p>
+            <a:pPr marL="0" lvl="0" indent="0" algn="l" rtl="0">
+              <a:spcBef>
+                <a:spcPts val="0"/>
+              </a:spcBef>
+              <a:spcAft>
+                <a:spcPts val="0"/>
+              </a:spcAft>
+              <a:buNone/>
+            </a:pPr>
+            <a:endParaRPr/>
+          </a:p>
+        </p:txBody>
+      </p:sp>
+    </p:spTree>
+    <p:extLst>
+      <p:ext uri="{BB962C8B-B14F-4D97-AF65-F5344CB8AC3E}">
+        <p14:creationId xmlns:p14="http://schemas.microsoft.com/office/powerpoint/2010/main" val="2190812181"/>
+      </p:ext>
+    </p:extLst>
+  </p:cSld>
+  <p:clrMapOvr>
+    <a:masterClrMapping/>
+  </p:clrMapOvr>
+</p:notes>
+</file>
+
+<file path=ppt/notesSlides/notesSlide15.xml><?xml version="1.0" encoding="utf-8"?>
+<p:notes xmlns:a="http://schemas.openxmlformats.org/drawingml/2006/main" xmlns:r="http://schemas.openxmlformats.org/officeDocument/2006/relationships" xmlns:p="http://schemas.openxmlformats.org/presentationml/2006/main" showMasterSp="0" showMasterPhAnim="0">
+  <p:cSld>
+    <p:spTree>
+      <p:nvGrpSpPr>
+        <p:cNvPr id="1" name="Shape 236"/>
+        <p:cNvGrpSpPr/>
+        <p:nvPr/>
+      </p:nvGrpSpPr>
+      <p:grpSpPr>
+        <a:xfrm>
+          <a:off x="0" y="0"/>
+          <a:ext cx="0" cy="0"/>
+          <a:chOff x="0" y="0"/>
+          <a:chExt cx="0" cy="0"/>
+        </a:xfrm>
+      </p:grpSpPr>
+      <p:sp>
+        <p:nvSpPr>
+          <p:cNvPr id="237" name="Google Shape;237;g54dda1946d_6_322:notes"/>
+          <p:cNvSpPr>
+            <a:spLocks noGrp="1" noRot="1" noChangeAspect="1"/>
+          </p:cNvSpPr>
+          <p:nvPr>
+            <p:ph type="sldImg" idx="2"/>
+          </p:nvPr>
+        </p:nvSpPr>
+        <p:spPr>
+          <a:xfrm>
+            <a:off x="381000" y="685800"/>
+            <a:ext cx="6096000" cy="3429000"/>
+          </a:xfrm>
+          <a:custGeom>
+            <a:avLst/>
+            <a:gdLst/>
+            <a:ahLst/>
+            <a:cxnLst/>
+            <a:rect l="l" t="t" r="r" b="b"/>
+            <a:pathLst>
+              <a:path w="120000" h="120000" extrusionOk="0">
+                <a:moveTo>
+                  <a:pt x="0" y="0"/>
+                </a:moveTo>
+                <a:lnTo>
+                  <a:pt x="120000" y="0"/>
+                </a:lnTo>
+                <a:lnTo>
+                  <a:pt x="120000" y="120000"/>
+                </a:lnTo>
+                <a:lnTo>
+                  <a:pt x="0" y="120000"/>
+                </a:lnTo>
+                <a:close/>
+              </a:path>
+            </a:pathLst>
+          </a:custGeom>
+        </p:spPr>
+      </p:sp>
+      <p:sp>
+        <p:nvSpPr>
+          <p:cNvPr id="238" name="Google Shape;238;g54dda1946d_6_322:notes"/>
+          <p:cNvSpPr txBox="1">
+            <a:spLocks noGrp="1"/>
+          </p:cNvSpPr>
+          <p:nvPr>
+            <p:ph type="body" idx="1"/>
+          </p:nvPr>
+        </p:nvSpPr>
+        <p:spPr>
+          <a:xfrm>
+            <a:off x="685800" y="4343400"/>
+            <a:ext cx="5486400" cy="4114800"/>
+          </a:xfrm>
+          <a:prstGeom prst="rect">
+            <a:avLst/>
+          </a:prstGeom>
+        </p:spPr>
+        <p:txBody>
+          <a:bodyPr spcFirstLastPara="1" wrap="square" lIns="91425" tIns="91425" rIns="91425" bIns="91425" anchor="t" anchorCtr="0">
+            <a:noAutofit/>
+          </a:bodyPr>
+          <a:lstStyle/>
+          <a:p>
+            <a:pPr marL="0" lvl="0" indent="0" algn="l" rtl="0">
+              <a:spcBef>
+                <a:spcPts val="0"/>
+              </a:spcBef>
+              <a:spcAft>
+                <a:spcPts val="0"/>
+              </a:spcAft>
+              <a:buNone/>
+            </a:pPr>
+            <a:endParaRPr/>
+          </a:p>
+        </p:txBody>
+      </p:sp>
+    </p:spTree>
+    <p:extLst>
+      <p:ext uri="{BB962C8B-B14F-4D97-AF65-F5344CB8AC3E}">
         <p14:creationId xmlns:p14="http://schemas.microsoft.com/office/powerpoint/2010/main" val="1744884118"/>
       </p:ext>
     </p:extLst>
@@ -2034,7 +2249,7 @@
 </p:notes>
 </file>
 
-<file path=ppt/notesSlides/notesSlide14.xml><?xml version="1.0" encoding="utf-8"?>
+<file path=ppt/notesSlides/notesSlide16.xml><?xml version="1.0" encoding="utf-8"?>
 <p:notes xmlns:a="http://schemas.openxmlformats.org/drawingml/2006/main" xmlns:r="http://schemas.openxmlformats.org/officeDocument/2006/relationships" xmlns:p="http://schemas.openxmlformats.org/presentationml/2006/main" showMasterSp="0" showMasterPhAnim="0">
   <p:cSld>
     <p:spTree>
@@ -2138,7 +2353,7 @@
 </p:notes>
 </file>
 
-<file path=ppt/notesSlides/notesSlide15.xml><?xml version="1.0" encoding="utf-8"?>
+<file path=ppt/notesSlides/notesSlide17.xml><?xml version="1.0" encoding="utf-8"?>
 <p:notes xmlns:a="http://schemas.openxmlformats.org/drawingml/2006/main" xmlns:r="http://schemas.openxmlformats.org/officeDocument/2006/relationships" xmlns:p="http://schemas.openxmlformats.org/presentationml/2006/main" showMasterSp="0" showMasterPhAnim="0">
   <p:cSld>
     <p:spTree>
@@ -2901,7 +3116,13 @@
   <p:cSld>
     <p:spTree>
       <p:nvGrpSpPr>
-        <p:cNvPr id="1" name="Shape 256"/>
+        <p:cNvPr id="1" name="Shape 242">
+          <a:extLst>
+            <a:ext uri="{FF2B5EF4-FFF2-40B4-BE49-F238E27FC236}">
+              <a16:creationId xmlns:a16="http://schemas.microsoft.com/office/drawing/2014/main" id="{7E051CBC-1CA3-5560-3D8E-1D37501181D4}"/>
+            </a:ext>
+          </a:extLst>
+        </p:cNvPr>
         <p:cNvGrpSpPr/>
         <p:nvPr/>
       </p:nvGrpSpPr>
@@ -2915,7 +3136,13 @@
       </p:grpSpPr>
       <p:sp>
         <p:nvSpPr>
-          <p:cNvPr id="257" name="Google Shape;257;g54dda1946d_6_308:notes"/>
+          <p:cNvPr id="243" name="Google Shape;243;g184d99d1a72_0_15:notes">
+            <a:extLst>
+              <a:ext uri="{FF2B5EF4-FFF2-40B4-BE49-F238E27FC236}">
+                <a16:creationId xmlns:a16="http://schemas.microsoft.com/office/drawing/2014/main" id="{879F1108-5013-3AB3-D0CD-57B5466793AC}"/>
+              </a:ext>
+            </a:extLst>
+          </p:cNvPr>
           <p:cNvSpPr>
             <a:spLocks noGrp="1" noRot="1" noChangeAspect="1"/>
           </p:cNvSpPr>
@@ -2956,7 +3183,13 @@
       </p:sp>
       <p:sp>
         <p:nvSpPr>
-          <p:cNvPr id="258" name="Google Shape;258;g54dda1946d_6_308:notes"/>
+          <p:cNvPr id="244" name="Google Shape;244;g184d99d1a72_0_15:notes">
+            <a:extLst>
+              <a:ext uri="{FF2B5EF4-FFF2-40B4-BE49-F238E27FC236}">
+                <a16:creationId xmlns:a16="http://schemas.microsoft.com/office/drawing/2014/main" id="{5895D140-C83B-FA74-EC61-5F7CA8673F2E}"/>
+              </a:ext>
+            </a:extLst>
+          </p:cNvPr>
           <p:cNvSpPr txBox="1">
             <a:spLocks noGrp="1"/>
           </p:cNvSpPr>
@@ -2995,7 +3228,7 @@
     </p:spTree>
     <p:extLst>
       <p:ext uri="{BB962C8B-B14F-4D97-AF65-F5344CB8AC3E}">
-        <p14:creationId xmlns:p14="http://schemas.microsoft.com/office/powerpoint/2010/main" val="1404605148"/>
+        <p14:creationId xmlns:p14="http://schemas.microsoft.com/office/powerpoint/2010/main" val="2381045573"/>
       </p:ext>
     </p:extLst>
   </p:cSld>
@@ -3010,7 +3243,13 @@
   <p:cSld>
     <p:spTree>
       <p:nvGrpSpPr>
-        <p:cNvPr id="1" name="Shape 236"/>
+        <p:cNvPr id="1" name="Shape 242">
+          <a:extLst>
+            <a:ext uri="{FF2B5EF4-FFF2-40B4-BE49-F238E27FC236}">
+              <a16:creationId xmlns:a16="http://schemas.microsoft.com/office/drawing/2014/main" id="{D56C9781-8A7A-682B-AAB8-794D3EC0A219}"/>
+            </a:ext>
+          </a:extLst>
+        </p:cNvPr>
         <p:cNvGrpSpPr/>
         <p:nvPr/>
       </p:nvGrpSpPr>
@@ -3024,7 +3263,13 @@
       </p:grpSpPr>
       <p:sp>
         <p:nvSpPr>
-          <p:cNvPr id="237" name="Google Shape;237;g54dda1946d_6_322:notes"/>
+          <p:cNvPr id="243" name="Google Shape;243;g184d99d1a72_0_15:notes">
+            <a:extLst>
+              <a:ext uri="{FF2B5EF4-FFF2-40B4-BE49-F238E27FC236}">
+                <a16:creationId xmlns:a16="http://schemas.microsoft.com/office/drawing/2014/main" id="{84A1B171-8ED0-6C9B-60E4-7DE64545FF07}"/>
+              </a:ext>
+            </a:extLst>
+          </p:cNvPr>
           <p:cNvSpPr>
             <a:spLocks noGrp="1" noRot="1" noChangeAspect="1"/>
           </p:cNvSpPr>
@@ -3065,7 +3310,13 @@
       </p:sp>
       <p:sp>
         <p:nvSpPr>
-          <p:cNvPr id="238" name="Google Shape;238;g54dda1946d_6_322:notes"/>
+          <p:cNvPr id="244" name="Google Shape;244;g184d99d1a72_0_15:notes">
+            <a:extLst>
+              <a:ext uri="{FF2B5EF4-FFF2-40B4-BE49-F238E27FC236}">
+                <a16:creationId xmlns:a16="http://schemas.microsoft.com/office/drawing/2014/main" id="{4EEC6F4F-CADA-E915-2953-5CABBB064B2C}"/>
+              </a:ext>
+            </a:extLst>
+          </p:cNvPr>
           <p:cNvSpPr txBox="1">
             <a:spLocks noGrp="1"/>
           </p:cNvSpPr>
@@ -3102,6 +3353,11 @@
         </p:txBody>
       </p:sp>
     </p:spTree>
+    <p:extLst>
+      <p:ext uri="{BB962C8B-B14F-4D97-AF65-F5344CB8AC3E}">
+        <p14:creationId xmlns:p14="http://schemas.microsoft.com/office/powerpoint/2010/main" val="672139737"/>
+      </p:ext>
+    </p:extLst>
   </p:cSld>
   <p:clrMapOvr>
     <a:masterClrMapping/>
@@ -46510,6 +46766,563 @@
   <p:cSld>
     <p:spTree>
       <p:nvGrpSpPr>
+        <p:cNvPr id="1" name="Shape 245">
+          <a:extLst>
+            <a:ext uri="{FF2B5EF4-FFF2-40B4-BE49-F238E27FC236}">
+              <a16:creationId xmlns:a16="http://schemas.microsoft.com/office/drawing/2014/main" id="{E233266B-8096-0664-201D-959FEBDCD6F6}"/>
+            </a:ext>
+          </a:extLst>
+        </p:cNvPr>
+        <p:cNvGrpSpPr/>
+        <p:nvPr/>
+      </p:nvGrpSpPr>
+      <p:grpSpPr>
+        <a:xfrm>
+          <a:off x="0" y="0"/>
+          <a:ext cx="0" cy="0"/>
+          <a:chOff x="0" y="0"/>
+          <a:chExt cx="0" cy="0"/>
+        </a:xfrm>
+      </p:grpSpPr>
+      <p:sp>
+        <p:nvSpPr>
+          <p:cNvPr id="246" name="Google Shape;246;p32">
+            <a:extLst>
+              <a:ext uri="{FF2B5EF4-FFF2-40B4-BE49-F238E27FC236}">
+                <a16:creationId xmlns:a16="http://schemas.microsoft.com/office/drawing/2014/main" id="{B6A9905A-6515-667F-0DA7-E12B3D865687}"/>
+              </a:ext>
+            </a:extLst>
+          </p:cNvPr>
+          <p:cNvSpPr txBox="1">
+            <a:spLocks noGrp="1"/>
+          </p:cNvSpPr>
+          <p:nvPr>
+            <p:ph type="title"/>
+          </p:nvPr>
+        </p:nvSpPr>
+        <p:spPr>
+          <a:xfrm>
+            <a:off x="960000" y="593367"/>
+            <a:ext cx="10272000" cy="763600"/>
+          </a:xfrm>
+          <a:prstGeom prst="rect">
+            <a:avLst/>
+          </a:prstGeom>
+        </p:spPr>
+        <p:txBody>
+          <a:bodyPr spcFirstLastPara="1" wrap="square" lIns="121900" tIns="121900" rIns="121900" bIns="121900" anchor="t" anchorCtr="0">
+            <a:noAutofit/>
+          </a:bodyPr>
+          <a:lstStyle/>
+          <a:p>
+            <a:r>
+              <a:rPr lang="en" dirty="0"/>
+              <a:t>Support Vector Machine</a:t>
+            </a:r>
+            <a:endParaRPr dirty="0"/>
+          </a:p>
+        </p:txBody>
+      </p:sp>
+      <p:sp>
+        <p:nvSpPr>
+          <p:cNvPr id="247" name="Google Shape;247;p32">
+            <a:extLst>
+              <a:ext uri="{FF2B5EF4-FFF2-40B4-BE49-F238E27FC236}">
+                <a16:creationId xmlns:a16="http://schemas.microsoft.com/office/drawing/2014/main" id="{4DB1E7E5-23C9-7705-62FA-8B4F3467B2D8}"/>
+              </a:ext>
+            </a:extLst>
+          </p:cNvPr>
+          <p:cNvSpPr txBox="1">
+            <a:spLocks noGrp="1"/>
+          </p:cNvSpPr>
+          <p:nvPr>
+            <p:ph type="subTitle" idx="4"/>
+          </p:nvPr>
+        </p:nvSpPr>
+        <p:spPr>
+          <a:xfrm>
+            <a:off x="959917" y="1612143"/>
+            <a:ext cx="2907710" cy="763600"/>
+          </a:xfrm>
+          <a:prstGeom prst="rect">
+            <a:avLst/>
+          </a:prstGeom>
+          <a:ln>
+            <a:solidFill>
+              <a:schemeClr val="tx1"/>
+            </a:solidFill>
+          </a:ln>
+        </p:spPr>
+        <p:txBody>
+          <a:bodyPr spcFirstLastPara="1" wrap="square" lIns="121900" tIns="121900" rIns="121900" bIns="121900" anchor="b" anchorCtr="0">
+            <a:noAutofit/>
+          </a:bodyPr>
+          <a:lstStyle/>
+          <a:p>
+            <a:pPr marL="0" indent="0"/>
+            <a:r>
+              <a:rPr lang="en" sz="2400" dirty="0"/>
+              <a:t>Methodology</a:t>
+            </a:r>
+            <a:endParaRPr sz="2400" dirty="0"/>
+          </a:p>
+        </p:txBody>
+      </p:sp>
+      <p:sp>
+        <p:nvSpPr>
+          <p:cNvPr id="248" name="Google Shape;248;p32">
+            <a:extLst>
+              <a:ext uri="{FF2B5EF4-FFF2-40B4-BE49-F238E27FC236}">
+                <a16:creationId xmlns:a16="http://schemas.microsoft.com/office/drawing/2014/main" id="{0B41A65F-EDCF-45C2-CA61-D36E2BF13284}"/>
+              </a:ext>
+            </a:extLst>
+          </p:cNvPr>
+          <p:cNvSpPr txBox="1">
+            <a:spLocks noGrp="1"/>
+          </p:cNvSpPr>
+          <p:nvPr>
+            <p:ph type="subTitle" idx="5"/>
+          </p:nvPr>
+        </p:nvSpPr>
+        <p:spPr>
+          <a:xfrm>
+            <a:off x="3867627" y="1612143"/>
+            <a:ext cx="4456658" cy="763601"/>
+          </a:xfrm>
+          <a:prstGeom prst="rect">
+            <a:avLst/>
+          </a:prstGeom>
+          <a:ln>
+            <a:solidFill>
+              <a:schemeClr val="tx1"/>
+            </a:solidFill>
+          </a:ln>
+        </p:spPr>
+        <p:txBody>
+          <a:bodyPr spcFirstLastPara="1" wrap="square" lIns="121900" tIns="121900" rIns="121900" bIns="121900" anchor="b" anchorCtr="0">
+            <a:noAutofit/>
+          </a:bodyPr>
+          <a:lstStyle/>
+          <a:p>
+            <a:pPr marL="0" indent="0"/>
+            <a:r>
+              <a:rPr lang="en" sz="2400" dirty="0"/>
+              <a:t>Challenges</a:t>
+            </a:r>
+            <a:endParaRPr sz="2400" dirty="0"/>
+          </a:p>
+        </p:txBody>
+      </p:sp>
+      <p:sp>
+        <p:nvSpPr>
+          <p:cNvPr id="249" name="Google Shape;249;p32">
+            <a:extLst>
+              <a:ext uri="{FF2B5EF4-FFF2-40B4-BE49-F238E27FC236}">
+                <a16:creationId xmlns:a16="http://schemas.microsoft.com/office/drawing/2014/main" id="{CA43969E-1F47-854E-8F9C-77BF508E8B2C}"/>
+              </a:ext>
+            </a:extLst>
+          </p:cNvPr>
+          <p:cNvSpPr txBox="1">
+            <a:spLocks noGrp="1"/>
+          </p:cNvSpPr>
+          <p:nvPr>
+            <p:ph type="subTitle" idx="1"/>
+          </p:nvPr>
+        </p:nvSpPr>
+        <p:spPr>
+          <a:xfrm>
+            <a:off x="959920" y="2375743"/>
+            <a:ext cx="2907711" cy="3543794"/>
+          </a:xfrm>
+          <a:prstGeom prst="rect">
+            <a:avLst/>
+          </a:prstGeom>
+          <a:ln>
+            <a:solidFill>
+              <a:schemeClr val="tx1"/>
+            </a:solidFill>
+          </a:ln>
+        </p:spPr>
+        <p:txBody>
+          <a:bodyPr spcFirstLastPara="1" wrap="square" lIns="121900" tIns="121900" rIns="121900" bIns="121900" anchor="t" anchorCtr="0">
+            <a:noAutofit/>
+          </a:bodyPr>
+          <a:lstStyle/>
+          <a:p>
+            <a:pPr marL="171450" indent="-171450">
+              <a:spcAft>
+                <a:spcPts val="600"/>
+              </a:spcAft>
+              <a:buFont typeface="Arial" panose="020B0604020202020204" pitchFamily="34" charset="0"/>
+              <a:buChar char="•"/>
+            </a:pPr>
+            <a:r>
+              <a:rPr lang="en-US" dirty="0"/>
+              <a:t>Three kernel types tested: Linear, RBF, Polynomial</a:t>
+            </a:r>
+          </a:p>
+          <a:p>
+            <a:pPr marL="171450" indent="-171450">
+              <a:spcAft>
+                <a:spcPts val="600"/>
+              </a:spcAft>
+              <a:buFont typeface="Arial" panose="020B0604020202020204" pitchFamily="34" charset="0"/>
+              <a:buChar char="•"/>
+            </a:pPr>
+            <a:r>
+              <a:rPr lang="en-US" dirty="0"/>
+              <a:t> SVC class with different kernel configurations</a:t>
+            </a:r>
+          </a:p>
+          <a:p>
+            <a:pPr marL="171450" indent="-171450">
+              <a:spcAft>
+                <a:spcPts val="600"/>
+              </a:spcAft>
+              <a:buFont typeface="Arial" panose="020B0604020202020204" pitchFamily="34" charset="0"/>
+              <a:buChar char="•"/>
+            </a:pPr>
+            <a:r>
+              <a:rPr lang="en-US" dirty="0"/>
+              <a:t>Cross-validation for parameter selection (3-fold CV)</a:t>
+            </a:r>
+          </a:p>
+          <a:p>
+            <a:pPr marL="171450" indent="-171450">
+              <a:spcAft>
+                <a:spcPts val="600"/>
+              </a:spcAft>
+              <a:buFont typeface="Arial" panose="020B0604020202020204" pitchFamily="34" charset="0"/>
+              <a:buChar char="•"/>
+            </a:pPr>
+            <a:r>
+              <a:rPr lang="en-US" dirty="0"/>
+              <a:t>C values tested: [0.1, 1, 10]</a:t>
+            </a:r>
+          </a:p>
+          <a:p>
+            <a:pPr marL="171450" indent="-171450">
+              <a:spcAft>
+                <a:spcPts val="600"/>
+              </a:spcAft>
+              <a:buFont typeface="Arial" panose="020B0604020202020204" pitchFamily="34" charset="0"/>
+              <a:buChar char="•"/>
+            </a:pPr>
+            <a:r>
+              <a:rPr lang="en-US" dirty="0"/>
+              <a:t>Gamma values: ['scale', 'auto'] for RBF kernel</a:t>
+            </a:r>
+          </a:p>
+          <a:p>
+            <a:pPr marL="171450" indent="-171450">
+              <a:spcAft>
+                <a:spcPts val="600"/>
+              </a:spcAft>
+              <a:buFont typeface="Arial" panose="020B0604020202020204" pitchFamily="34" charset="0"/>
+              <a:buChar char="•"/>
+            </a:pPr>
+            <a:r>
+              <a:rPr lang="en-US" dirty="0"/>
+              <a:t>Support vector highlighting in decision boundaries</a:t>
+            </a:r>
+          </a:p>
+          <a:p>
+            <a:pPr marL="171450" indent="-171450">
+              <a:spcAft>
+                <a:spcPts val="600"/>
+              </a:spcAft>
+              <a:buFont typeface="Arial" panose="020B0604020202020204" pitchFamily="34" charset="0"/>
+              <a:buChar char="•"/>
+            </a:pPr>
+            <a:r>
+              <a:rPr lang="en-US" dirty="0"/>
+              <a:t>PCA integration with 32 components (95% variance)</a:t>
+            </a:r>
+            <a:endParaRPr dirty="0"/>
+          </a:p>
+        </p:txBody>
+      </p:sp>
+      <p:sp>
+        <p:nvSpPr>
+          <p:cNvPr id="250" name="Google Shape;250;p32">
+            <a:extLst>
+              <a:ext uri="{FF2B5EF4-FFF2-40B4-BE49-F238E27FC236}">
+                <a16:creationId xmlns:a16="http://schemas.microsoft.com/office/drawing/2014/main" id="{00E48BBA-E207-ABEC-6D77-E2A2C01100C0}"/>
+              </a:ext>
+            </a:extLst>
+          </p:cNvPr>
+          <p:cNvSpPr txBox="1">
+            <a:spLocks noGrp="1"/>
+          </p:cNvSpPr>
+          <p:nvPr>
+            <p:ph type="subTitle" idx="2"/>
+          </p:nvPr>
+        </p:nvSpPr>
+        <p:spPr>
+          <a:xfrm>
+            <a:off x="3867632" y="2375743"/>
+            <a:ext cx="4456667" cy="3543794"/>
+          </a:xfrm>
+          <a:prstGeom prst="rect">
+            <a:avLst/>
+          </a:prstGeom>
+          <a:ln>
+            <a:solidFill>
+              <a:schemeClr val="tx1"/>
+            </a:solidFill>
+          </a:ln>
+        </p:spPr>
+        <p:txBody>
+          <a:bodyPr spcFirstLastPara="1" wrap="square" lIns="121900" tIns="121900" rIns="121900" bIns="121900" anchor="t" anchorCtr="0">
+            <a:noAutofit/>
+          </a:bodyPr>
+          <a:lstStyle/>
+          <a:p>
+            <a:pPr marL="323850" indent="-171450">
+              <a:spcAft>
+                <a:spcPts val="600"/>
+              </a:spcAft>
+              <a:buFont typeface="Arial" panose="020B0604020202020204" pitchFamily="34" charset="0"/>
+              <a:buChar char="•"/>
+            </a:pPr>
+            <a:r>
+              <a:rPr lang="en-US" dirty="0"/>
+              <a:t>Multiple kernel selection and parameter tuning</a:t>
+            </a:r>
+          </a:p>
+          <a:p>
+            <a:pPr marL="323850" indent="-171450">
+              <a:spcAft>
+                <a:spcPts val="600"/>
+              </a:spcAft>
+              <a:buFont typeface="Arial" panose="020B0604020202020204" pitchFamily="34" charset="0"/>
+              <a:buChar char="•"/>
+            </a:pPr>
+            <a:r>
+              <a:rPr lang="en-US" dirty="0"/>
+              <a:t>Computational complexity with RBF kernel</a:t>
+            </a:r>
+          </a:p>
+          <a:p>
+            <a:pPr marL="323850" indent="-171450">
+              <a:spcAft>
+                <a:spcPts val="600"/>
+              </a:spcAft>
+              <a:buFont typeface="Arial" panose="020B0604020202020204" pitchFamily="34" charset="0"/>
+              <a:buChar char="•"/>
+            </a:pPr>
+            <a:r>
+              <a:rPr lang="en-US" dirty="0"/>
+              <a:t>Cross-validation time for multiple parameter combinations</a:t>
+            </a:r>
+          </a:p>
+          <a:p>
+            <a:pPr marL="323850" indent="-171450">
+              <a:spcAft>
+                <a:spcPts val="600"/>
+              </a:spcAft>
+              <a:buFont typeface="Arial" panose="020B0604020202020204" pitchFamily="34" charset="0"/>
+              <a:buChar char="•"/>
+            </a:pPr>
+            <a:r>
+              <a:rPr lang="en-US" dirty="0"/>
+              <a:t>Feature dimensionality (95 features) affecting performance</a:t>
+            </a:r>
+          </a:p>
+          <a:p>
+            <a:pPr marL="323850" indent="-171450">
+              <a:spcAft>
+                <a:spcPts val="600"/>
+              </a:spcAft>
+              <a:buFont typeface="Arial" panose="020B0604020202020204" pitchFamily="34" charset="0"/>
+              <a:buChar char="•"/>
+            </a:pPr>
+            <a:r>
+              <a:rPr lang="en-US" dirty="0"/>
+              <a:t>Balancing model complexity vs. interpretability</a:t>
+            </a:r>
+            <a:endParaRPr dirty="0"/>
+          </a:p>
+        </p:txBody>
+      </p:sp>
+      <p:sp>
+        <p:nvSpPr>
+          <p:cNvPr id="251" name="Google Shape;251;p32">
+            <a:extLst>
+              <a:ext uri="{FF2B5EF4-FFF2-40B4-BE49-F238E27FC236}">
+                <a16:creationId xmlns:a16="http://schemas.microsoft.com/office/drawing/2014/main" id="{D6F7A379-9735-0AED-56B8-02B42DEA53F6}"/>
+              </a:ext>
+            </a:extLst>
+          </p:cNvPr>
+          <p:cNvSpPr txBox="1">
+            <a:spLocks noGrp="1"/>
+          </p:cNvSpPr>
+          <p:nvPr>
+            <p:ph type="subTitle" idx="3"/>
+          </p:nvPr>
+        </p:nvSpPr>
+        <p:spPr>
+          <a:xfrm>
+            <a:off x="8324299" y="2375742"/>
+            <a:ext cx="2907701" cy="3543795"/>
+          </a:xfrm>
+          <a:prstGeom prst="rect">
+            <a:avLst/>
+          </a:prstGeom>
+          <a:ln>
+            <a:solidFill>
+              <a:schemeClr val="tx1"/>
+            </a:solidFill>
+          </a:ln>
+        </p:spPr>
+        <p:txBody>
+          <a:bodyPr spcFirstLastPara="1" wrap="square" lIns="121900" tIns="121900" rIns="121900" bIns="121900" anchor="t" anchorCtr="0">
+            <a:noAutofit/>
+          </a:bodyPr>
+          <a:lstStyle/>
+          <a:p>
+            <a:pPr marL="171450" indent="-171450">
+              <a:spcAft>
+                <a:spcPts val="600"/>
+              </a:spcAft>
+              <a:buFont typeface="Arial" panose="020B0604020202020204" pitchFamily="34" charset="0"/>
+              <a:buChar char="•"/>
+            </a:pPr>
+            <a:r>
+              <a:rPr lang="en-US" dirty="0"/>
+              <a:t>Linear Kernel: 85.15% CV accuracy (C=10), 85.00% test accuracy</a:t>
+            </a:r>
+          </a:p>
+          <a:p>
+            <a:pPr marL="171450" indent="-171450">
+              <a:spcAft>
+                <a:spcPts val="600"/>
+              </a:spcAft>
+              <a:buFont typeface="Arial" panose="020B0604020202020204" pitchFamily="34" charset="0"/>
+              <a:buChar char="•"/>
+            </a:pPr>
+            <a:r>
+              <a:rPr lang="en-US" dirty="0"/>
+              <a:t>RBF Kernel: 85.49% CV accuracy (C=1, gamma='scale'), 85.00% test accuracy</a:t>
+            </a:r>
+          </a:p>
+          <a:p>
+            <a:pPr marL="171450" indent="-171450">
+              <a:spcAft>
+                <a:spcPts val="600"/>
+              </a:spcAft>
+              <a:buFont typeface="Arial" panose="020B0604020202020204" pitchFamily="34" charset="0"/>
+              <a:buChar char="•"/>
+            </a:pPr>
+            <a:r>
+              <a:rPr lang="en-US" dirty="0"/>
+              <a:t>Polynomial Kernel: 85.17% CV accuracy (C=1), 85.00% test accuracy</a:t>
+            </a:r>
+          </a:p>
+          <a:p>
+            <a:pPr marL="171450" indent="-171450">
+              <a:spcAft>
+                <a:spcPts val="600"/>
+              </a:spcAft>
+              <a:buFont typeface="Arial" panose="020B0604020202020204" pitchFamily="34" charset="0"/>
+              <a:buChar char="•"/>
+            </a:pPr>
+            <a:r>
+              <a:rPr lang="en-US" dirty="0"/>
+              <a:t>Best Overall: RBF kernel with C=1, gamma='scale'</a:t>
+            </a:r>
+          </a:p>
+          <a:p>
+            <a:pPr marL="171450" indent="-171450">
+              <a:spcAft>
+                <a:spcPts val="600"/>
+              </a:spcAft>
+              <a:buFont typeface="Arial" panose="020B0604020202020204" pitchFamily="34" charset="0"/>
+              <a:buChar char="•"/>
+            </a:pPr>
+            <a:r>
+              <a:rPr lang="en-US" dirty="0"/>
+              <a:t>PCA Integration: 85.25% accuracy with dimensionality reduction</a:t>
+            </a:r>
+          </a:p>
+          <a:p>
+            <a:pPr marL="171450" indent="-171450">
+              <a:spcAft>
+                <a:spcPts val="600"/>
+              </a:spcAft>
+              <a:buFont typeface="Arial" panose="020B0604020202020204" pitchFamily="34" charset="0"/>
+              <a:buChar char="•"/>
+            </a:pPr>
+            <a:r>
+              <a:rPr lang="en-US" dirty="0"/>
+              <a:t> Kernel Ranking: RBF &gt; Polynomial &gt; Linear</a:t>
+            </a:r>
+          </a:p>
+        </p:txBody>
+      </p:sp>
+      <p:sp>
+        <p:nvSpPr>
+          <p:cNvPr id="252" name="Google Shape;252;p32">
+            <a:extLst>
+              <a:ext uri="{FF2B5EF4-FFF2-40B4-BE49-F238E27FC236}">
+                <a16:creationId xmlns:a16="http://schemas.microsoft.com/office/drawing/2014/main" id="{B634F38A-C6EE-4560-6DE7-801AA3406482}"/>
+              </a:ext>
+            </a:extLst>
+          </p:cNvPr>
+          <p:cNvSpPr txBox="1">
+            <a:spLocks noGrp="1"/>
+          </p:cNvSpPr>
+          <p:nvPr>
+            <p:ph type="subTitle" idx="6"/>
+          </p:nvPr>
+        </p:nvSpPr>
+        <p:spPr>
+          <a:xfrm>
+            <a:off x="8324290" y="1612143"/>
+            <a:ext cx="2907710" cy="763602"/>
+          </a:xfrm>
+          <a:prstGeom prst="rect">
+            <a:avLst/>
+          </a:prstGeom>
+          <a:ln>
+            <a:solidFill>
+              <a:schemeClr val="tx1"/>
+            </a:solidFill>
+          </a:ln>
+        </p:spPr>
+        <p:txBody>
+          <a:bodyPr spcFirstLastPara="1" wrap="square" lIns="121900" tIns="121900" rIns="121900" bIns="121900" anchor="b" anchorCtr="0">
+            <a:noAutofit/>
+          </a:bodyPr>
+          <a:lstStyle/>
+          <a:p>
+            <a:pPr marL="0" indent="0"/>
+            <a:r>
+              <a:rPr lang="en" sz="2400" dirty="0"/>
+              <a:t>Results</a:t>
+            </a:r>
+            <a:endParaRPr sz="2400" dirty="0"/>
+          </a:p>
+        </p:txBody>
+      </p:sp>
+    </p:spTree>
+    <p:extLst>
+      <p:ext uri="{BB962C8B-B14F-4D97-AF65-F5344CB8AC3E}">
+        <p14:creationId xmlns:p14="http://schemas.microsoft.com/office/powerpoint/2010/main" val="3450558807"/>
+      </p:ext>
+    </p:extLst>
+  </p:cSld>
+  <p:clrMapOvr>
+    <a:masterClrMapping/>
+  </p:clrMapOvr>
+</p:sld>
+</file>
+
+<file path=ppt/slides/slide11.xml><?xml version="1.0" encoding="utf-8"?>
+<p:sld xmlns:a="http://schemas.openxmlformats.org/drawingml/2006/main" xmlns:r="http://schemas.openxmlformats.org/officeDocument/2006/relationships" xmlns:p="http://schemas.openxmlformats.org/presentationml/2006/main">
+  <p:cSld>
+    <p:spTree>
+      <p:nvGrpSpPr>
         <p:cNvPr id="1" name=""/>
         <p:cNvGrpSpPr/>
         <p:nvPr/>
@@ -46563,7 +47376,277 @@
 </p:sld>
 </file>
 
-<file path=ppt/slides/slide11.xml><?xml version="1.0" encoding="utf-8"?>
+<file path=ppt/slides/slide12.xml><?xml version="1.0" encoding="utf-8"?>
+<p:sld xmlns:a="http://schemas.openxmlformats.org/drawingml/2006/main" xmlns:r="http://schemas.openxmlformats.org/officeDocument/2006/relationships" xmlns:p="http://schemas.openxmlformats.org/presentationml/2006/main">
+  <p:cSld>
+    <p:spTree>
+      <p:nvGrpSpPr>
+        <p:cNvPr id="1" name="Shape 245">
+          <a:extLst>
+            <a:ext uri="{FF2B5EF4-FFF2-40B4-BE49-F238E27FC236}">
+              <a16:creationId xmlns:a16="http://schemas.microsoft.com/office/drawing/2014/main" id="{817E7CFB-3557-222A-329E-F0E6BF6CCE55}"/>
+            </a:ext>
+          </a:extLst>
+        </p:cNvPr>
+        <p:cNvGrpSpPr/>
+        <p:nvPr/>
+      </p:nvGrpSpPr>
+      <p:grpSpPr>
+        <a:xfrm>
+          <a:off x="0" y="0"/>
+          <a:ext cx="0" cy="0"/>
+          <a:chOff x="0" y="0"/>
+          <a:chExt cx="0" cy="0"/>
+        </a:xfrm>
+      </p:grpSpPr>
+      <p:sp>
+        <p:nvSpPr>
+          <p:cNvPr id="246" name="Google Shape;246;p32">
+            <a:extLst>
+              <a:ext uri="{FF2B5EF4-FFF2-40B4-BE49-F238E27FC236}">
+                <a16:creationId xmlns:a16="http://schemas.microsoft.com/office/drawing/2014/main" id="{34C6E70D-75C5-685C-C831-0EA6FA2DAC58}"/>
+              </a:ext>
+            </a:extLst>
+          </p:cNvPr>
+          <p:cNvSpPr txBox="1">
+            <a:spLocks noGrp="1"/>
+          </p:cNvSpPr>
+          <p:nvPr>
+            <p:ph type="title"/>
+          </p:nvPr>
+        </p:nvSpPr>
+        <p:spPr>
+          <a:xfrm>
+            <a:off x="960000" y="593367"/>
+            <a:ext cx="10272000" cy="763600"/>
+          </a:xfrm>
+          <a:prstGeom prst="rect">
+            <a:avLst/>
+          </a:prstGeom>
+        </p:spPr>
+        <p:txBody>
+          <a:bodyPr spcFirstLastPara="1" wrap="square" lIns="121900" tIns="121900" rIns="121900" bIns="121900" anchor="t" anchorCtr="0">
+            <a:noAutofit/>
+          </a:bodyPr>
+          <a:lstStyle/>
+          <a:p>
+            <a:r>
+              <a:rPr lang="en" dirty="0"/>
+              <a:t>Logistic Regression &amp; SVM</a:t>
+            </a:r>
+            <a:endParaRPr dirty="0"/>
+          </a:p>
+        </p:txBody>
+      </p:sp>
+      <p:sp>
+        <p:nvSpPr>
+          <p:cNvPr id="248" name="Google Shape;248;p32">
+            <a:extLst>
+              <a:ext uri="{FF2B5EF4-FFF2-40B4-BE49-F238E27FC236}">
+                <a16:creationId xmlns:a16="http://schemas.microsoft.com/office/drawing/2014/main" id="{840351CC-F586-3D6D-C18D-58FB3AC29D5B}"/>
+              </a:ext>
+            </a:extLst>
+          </p:cNvPr>
+          <p:cNvSpPr txBox="1">
+            <a:spLocks noGrp="1"/>
+          </p:cNvSpPr>
+          <p:nvPr>
+            <p:ph type="subTitle" idx="5"/>
+          </p:nvPr>
+        </p:nvSpPr>
+        <p:spPr>
+          <a:xfrm>
+            <a:off x="960000" y="1612143"/>
+            <a:ext cx="10272000" cy="763601"/>
+          </a:xfrm>
+          <a:prstGeom prst="rect">
+            <a:avLst/>
+          </a:prstGeom>
+          <a:ln>
+            <a:solidFill>
+              <a:schemeClr val="tx1"/>
+            </a:solidFill>
+          </a:ln>
+        </p:spPr>
+        <p:txBody>
+          <a:bodyPr spcFirstLastPara="1" wrap="square" lIns="121900" tIns="121900" rIns="121900" bIns="121900" anchor="b" anchorCtr="0">
+            <a:noAutofit/>
+          </a:bodyPr>
+          <a:lstStyle/>
+          <a:p>
+            <a:pPr marL="0" indent="0"/>
+            <a:r>
+              <a:rPr lang="en" sz="2400" dirty="0"/>
+              <a:t>K</a:t>
+            </a:r>
+            <a:r>
+              <a:rPr lang="en-US" sz="2400" dirty="0"/>
+              <a:t>e</a:t>
+            </a:r>
+            <a:r>
+              <a:rPr lang="en" sz="2400" dirty="0"/>
+              <a:t>y Insights</a:t>
+            </a:r>
+            <a:endParaRPr sz="2400" dirty="0"/>
+          </a:p>
+        </p:txBody>
+      </p:sp>
+      <p:sp>
+        <p:nvSpPr>
+          <p:cNvPr id="250" name="Google Shape;250;p32">
+            <a:extLst>
+              <a:ext uri="{FF2B5EF4-FFF2-40B4-BE49-F238E27FC236}">
+                <a16:creationId xmlns:a16="http://schemas.microsoft.com/office/drawing/2014/main" id="{946B399D-D066-270D-84A9-4F1B41CAFFA3}"/>
+              </a:ext>
+            </a:extLst>
+          </p:cNvPr>
+          <p:cNvSpPr txBox="1">
+            <a:spLocks noGrp="1"/>
+          </p:cNvSpPr>
+          <p:nvPr>
+            <p:ph type="subTitle" idx="2"/>
+          </p:nvPr>
+        </p:nvSpPr>
+        <p:spPr>
+          <a:xfrm>
+            <a:off x="960000" y="2375743"/>
+            <a:ext cx="10272000" cy="3543794"/>
+          </a:xfrm>
+          <a:prstGeom prst="rect">
+            <a:avLst/>
+          </a:prstGeom>
+          <a:ln>
+            <a:solidFill>
+              <a:schemeClr val="tx1"/>
+            </a:solidFill>
+          </a:ln>
+        </p:spPr>
+        <p:txBody>
+          <a:bodyPr spcFirstLastPara="1" wrap="square" lIns="121900" tIns="121900" rIns="121900" bIns="121900" anchor="t" anchorCtr="0">
+            <a:noAutofit/>
+          </a:bodyPr>
+          <a:lstStyle/>
+          <a:p>
+            <a:pPr marL="323850" indent="-171450">
+              <a:spcAft>
+                <a:spcPts val="600"/>
+              </a:spcAft>
+              <a:buFont typeface="Arial" panose="020B0604020202020204" pitchFamily="34" charset="0"/>
+              <a:buChar char="•"/>
+            </a:pPr>
+            <a:r>
+              <a:rPr lang="en-US" sz="1400" b="1" dirty="0"/>
+              <a:t>SVM with RBF kernel achieved highest overall performance </a:t>
+            </a:r>
+          </a:p>
+          <a:p>
+            <a:pPr marL="781050" lvl="1" indent="-171450" algn="l">
+              <a:spcAft>
+                <a:spcPts val="600"/>
+              </a:spcAft>
+              <a:buFont typeface="Arial" panose="020B0604020202020204" pitchFamily="34" charset="0"/>
+              <a:buChar char="•"/>
+            </a:pPr>
+            <a:r>
+              <a:rPr lang="en-US" sz="1400" dirty="0"/>
+              <a:t>The RBF kernel delivered the best cross-validation accuracy of 85.49% and maintained 85.00% test accuracy, outperforming both linear and polynomial kernels.</a:t>
+            </a:r>
+          </a:p>
+          <a:p>
+            <a:pPr marL="323850" indent="-171450">
+              <a:spcAft>
+                <a:spcPts val="600"/>
+              </a:spcAft>
+              <a:buFont typeface="Arial" panose="020B0604020202020204" pitchFamily="34" charset="0"/>
+              <a:buChar char="•"/>
+            </a:pPr>
+            <a:r>
+              <a:rPr lang="en-US" sz="1400" b="1" dirty="0"/>
+              <a:t>Non-linear kernels captured complex feature relationships </a:t>
+            </a:r>
+          </a:p>
+          <a:p>
+            <a:pPr marL="781050" lvl="1" indent="-171450" algn="l">
+              <a:spcAft>
+                <a:spcPts val="600"/>
+              </a:spcAft>
+              <a:buFont typeface="Arial" panose="020B0604020202020204" pitchFamily="34" charset="0"/>
+              <a:buChar char="•"/>
+            </a:pPr>
+            <a:r>
+              <a:rPr lang="en-US" sz="1400" dirty="0"/>
+              <a:t>Both RBF and polynomial kernels significantly outperformed the linear kernel, demonstrating that the underlying data relationships are non-linear. </a:t>
+            </a:r>
+          </a:p>
+          <a:p>
+            <a:pPr marL="323850" indent="-171450">
+              <a:spcAft>
+                <a:spcPts val="600"/>
+              </a:spcAft>
+              <a:buFont typeface="Arial" panose="020B0604020202020204" pitchFamily="34" charset="0"/>
+              <a:buChar char="•"/>
+            </a:pPr>
+            <a:r>
+              <a:rPr lang="en-US" sz="1400" b="1" dirty="0"/>
+              <a:t>PCA integration slightly improved SVM performance </a:t>
+            </a:r>
+          </a:p>
+          <a:p>
+            <a:pPr marL="781050" lvl="1" indent="-171450" algn="l">
+              <a:spcAft>
+                <a:spcPts val="600"/>
+              </a:spcAft>
+              <a:buFont typeface="Arial" panose="020B0604020202020204" pitchFamily="34" charset="0"/>
+              <a:buChar char="•"/>
+            </a:pPr>
+            <a:r>
+              <a:rPr lang="en-US" sz="1400" dirty="0"/>
+              <a:t>Dimensionality reduction from 95 original features to 32 principal components resulted in 85.25% accuracy, which was an improvement. This suggests that while some features contained noise, many patterns were preserved in the reduced dimensional space.</a:t>
+            </a:r>
+          </a:p>
+          <a:p>
+            <a:pPr marL="323850" indent="-171450">
+              <a:spcAft>
+                <a:spcPts val="600"/>
+              </a:spcAft>
+              <a:buFont typeface="Arial" panose="020B0604020202020204" pitchFamily="34" charset="0"/>
+              <a:buChar char="•"/>
+            </a:pPr>
+            <a:r>
+              <a:rPr lang="en-US" sz="1400" b="1" dirty="0"/>
+              <a:t>Support vectors highlighted critical decision points</a:t>
+            </a:r>
+          </a:p>
+          <a:p>
+            <a:pPr marL="781050" lvl="1" indent="-171450" algn="l">
+              <a:spcAft>
+                <a:spcPts val="600"/>
+              </a:spcAft>
+              <a:buFont typeface="Arial" panose="020B0604020202020204" pitchFamily="34" charset="0"/>
+              <a:buChar char="•"/>
+            </a:pPr>
+            <a:r>
+              <a:rPr lang="en-US" sz="1400" dirty="0"/>
+              <a:t> The SVM models identified key data points that define the decision boundaries as seen in the decision boundary plots.</a:t>
+            </a:r>
+            <a:endParaRPr sz="1400" dirty="0"/>
+          </a:p>
+        </p:txBody>
+      </p:sp>
+    </p:spTree>
+    <p:extLst>
+      <p:ext uri="{BB962C8B-B14F-4D97-AF65-F5344CB8AC3E}">
+        <p14:creationId xmlns:p14="http://schemas.microsoft.com/office/powerpoint/2010/main" val="2231102763"/>
+      </p:ext>
+    </p:extLst>
+  </p:cSld>
+  <p:clrMapOvr>
+    <a:masterClrMapping/>
+  </p:clrMapOvr>
+</p:sld>
+</file>
+
+<file path=ppt/slides/slide13.xml><?xml version="1.0" encoding="utf-8"?>
 <p:sld xmlns:a="http://schemas.openxmlformats.org/drawingml/2006/main" xmlns:r="http://schemas.openxmlformats.org/officeDocument/2006/relationships" xmlns:p="http://schemas.openxmlformats.org/presentationml/2006/main">
   <p:cSld>
     <p:spTree>
@@ -46726,7 +47809,7 @@
 </p:sld>
 </file>
 
-<file path=ppt/slides/slide12.xml><?xml version="1.0" encoding="utf-8"?>
+<file path=ppt/slides/slide14.xml><?xml version="1.0" encoding="utf-8"?>
 <p:sld xmlns:a="http://schemas.openxmlformats.org/drawingml/2006/main" xmlns:r="http://schemas.openxmlformats.org/officeDocument/2006/relationships" xmlns:p="http://schemas.openxmlformats.org/presentationml/2006/main">
   <p:cSld>
     <p:spTree>
@@ -46820,7 +47903,7 @@
 </p:sld>
 </file>
 
-<file path=ppt/slides/slide13.xml><?xml version="1.0" encoding="utf-8"?>
+<file path=ppt/slides/slide15.xml><?xml version="1.0" encoding="utf-8"?>
 <p:sld xmlns:a="http://schemas.openxmlformats.org/drawingml/2006/main" xmlns:r="http://schemas.openxmlformats.org/officeDocument/2006/relationships" xmlns:p="http://schemas.openxmlformats.org/presentationml/2006/main">
   <p:cSld>
     <p:spTree>
@@ -46919,7 +48002,7 @@
 </p:sld>
 </file>
 
-<file path=ppt/slides/slide14.xml><?xml version="1.0" encoding="utf-8"?>
+<file path=ppt/slides/slide16.xml><?xml version="1.0" encoding="utf-8"?>
 <p:sld xmlns:a="http://schemas.openxmlformats.org/drawingml/2006/main" xmlns:r="http://schemas.openxmlformats.org/officeDocument/2006/relationships" xmlns:p="http://schemas.openxmlformats.org/presentationml/2006/main">
   <p:cSld>
     <p:spTree>
@@ -47025,7 +48108,7 @@
 </p:sld>
 </file>
 
-<file path=ppt/slides/slide15.xml><?xml version="1.0" encoding="utf-8"?>
+<file path=ppt/slides/slide17.xml><?xml version="1.0" encoding="utf-8"?>
 <p:sld xmlns:a="http://schemas.openxmlformats.org/drawingml/2006/main" xmlns:r="http://schemas.openxmlformats.org/officeDocument/2006/relationships" xmlns:p="http://schemas.openxmlformats.org/presentationml/2006/main">
   <p:cSld>
     <p:spTree>
@@ -47131,7 +48214,7 @@
 </p:sld>
 </file>
 
-<file path=ppt/slides/slide16.xml><?xml version="1.0" encoding="utf-8"?>
+<file path=ppt/slides/slide18.xml><?xml version="1.0" encoding="utf-8"?>
 <p:sld xmlns:a="http://schemas.openxmlformats.org/drawingml/2006/main" xmlns:r="http://schemas.openxmlformats.org/officeDocument/2006/relationships" xmlns:p="http://schemas.openxmlformats.org/presentationml/2006/main">
   <p:cSld>
     <p:spTree>
@@ -47230,7 +48313,7 @@
 </p:sld>
 </file>
 
-<file path=ppt/slides/slide17.xml><?xml version="1.0" encoding="utf-8"?>
+<file path=ppt/slides/slide19.xml><?xml version="1.0" encoding="utf-8"?>
 <p:sld xmlns:a="http://schemas.openxmlformats.org/drawingml/2006/main" xmlns:r="http://schemas.openxmlformats.org/officeDocument/2006/relationships" xmlns:p="http://schemas.openxmlformats.org/presentationml/2006/main">
   <p:cSld>
     <p:spTree>
@@ -47852,134 +48935,6 @@
 </p:sld>
 </file>
 
-<file path=ppt/slides/slide18.xml><?xml version="1.0" encoding="utf-8"?>
-<p:sld xmlns:a="http://schemas.openxmlformats.org/drawingml/2006/main" xmlns:r="http://schemas.openxmlformats.org/officeDocument/2006/relationships" xmlns:p="http://schemas.openxmlformats.org/presentationml/2006/main">
-  <p:cSld>
-    <p:spTree>
-      <p:nvGrpSpPr>
-        <p:cNvPr id="1" name="Shape 521"/>
-        <p:cNvGrpSpPr/>
-        <p:nvPr/>
-      </p:nvGrpSpPr>
-      <p:grpSpPr>
-        <a:xfrm>
-          <a:off x="0" y="0"/>
-          <a:ext cx="0" cy="0"/>
-          <a:chOff x="0" y="0"/>
-          <a:chExt cx="0" cy="0"/>
-        </a:xfrm>
-      </p:grpSpPr>
-      <p:sp>
-        <p:nvSpPr>
-          <p:cNvPr id="522" name="Google Shape;522;p49"/>
-          <p:cNvSpPr txBox="1">
-            <a:spLocks noGrp="1"/>
-          </p:cNvSpPr>
-          <p:nvPr>
-            <p:ph type="body" idx="1"/>
-          </p:nvPr>
-        </p:nvSpPr>
-        <p:spPr>
-          <a:xfrm>
-            <a:off x="960000" y="1356967"/>
-            <a:ext cx="10272000" cy="4781600"/>
-          </a:xfrm>
-          <a:prstGeom prst="rect">
-            <a:avLst/>
-          </a:prstGeom>
-        </p:spPr>
-        <p:txBody>
-          <a:bodyPr spcFirstLastPara="1" wrap="square" lIns="121900" tIns="121900" rIns="121900" bIns="121900" anchor="t" anchorCtr="0">
-            <a:noAutofit/>
-          </a:bodyPr>
-          <a:lstStyle/>
-          <a:p>
-            <a:pPr marL="0" indent="0">
-              <a:spcBef>
-                <a:spcPts val="1333"/>
-              </a:spcBef>
-              <a:buNone/>
-            </a:pPr>
-            <a:r>
-              <a:rPr lang="en" b="1" dirty="0"/>
-              <a:t>words</a:t>
-            </a:r>
-            <a:endParaRPr b="1" dirty="0"/>
-          </a:p>
-          <a:p>
-            <a:pPr>
-              <a:buFont typeface="Poppins Light"/>
-              <a:buChar char="●"/>
-            </a:pPr>
-            <a:r>
-              <a:rPr lang="en-US" u="sng" dirty="0">
-                <a:solidFill>
-                  <a:schemeClr val="hlink"/>
-                </a:solidFill>
-              </a:rPr>
-              <a:t>website</a:t>
-            </a:r>
-            <a:endParaRPr dirty="0"/>
-          </a:p>
-        </p:txBody>
-      </p:sp>
-      <p:sp>
-        <p:nvSpPr>
-          <p:cNvPr id="523" name="Google Shape;523;p49"/>
-          <p:cNvSpPr txBox="1">
-            <a:spLocks noGrp="1"/>
-          </p:cNvSpPr>
-          <p:nvPr>
-            <p:ph type="title"/>
-          </p:nvPr>
-        </p:nvSpPr>
-        <p:spPr>
-          <a:xfrm>
-            <a:off x="960000" y="593367"/>
-            <a:ext cx="10272000" cy="763600"/>
-          </a:xfrm>
-          <a:prstGeom prst="rect">
-            <a:avLst/>
-          </a:prstGeom>
-        </p:spPr>
-        <p:txBody>
-          <a:bodyPr spcFirstLastPara="1" wrap="square" lIns="121900" tIns="121900" rIns="121900" bIns="121900" anchor="t" anchorCtr="0">
-            <a:noAutofit/>
-          </a:bodyPr>
-          <a:lstStyle/>
-          <a:p>
-            <a:r>
-              <a:rPr lang="en" dirty="0"/>
-              <a:t>SOURCES?? </a:t>
-            </a:r>
-            <a:r>
-              <a:rPr lang="en-US" dirty="0"/>
-              <a:t>I</a:t>
-            </a:r>
-            <a:r>
-              <a:rPr lang="en" dirty="0"/>
-              <a:t>dk </a:t>
-            </a:r>
-            <a:r>
-              <a:rPr lang="en-US" dirty="0"/>
-              <a:t>I</a:t>
-            </a:r>
-            <a:r>
-              <a:rPr lang="en" dirty="0"/>
-              <a:t> don’t think we need to cite</a:t>
-            </a:r>
-            <a:endParaRPr dirty="0"/>
-          </a:p>
-        </p:txBody>
-      </p:sp>
-    </p:spTree>
-  </p:cSld>
-  <p:clrMapOvr>
-    <a:masterClrMapping/>
-  </p:clrMapOvr>
-</p:sld>
-</file>
-
 <file path=ppt/slides/slide2.xml><?xml version="1.0" encoding="utf-8"?>
 <p:sld xmlns:a="http://schemas.openxmlformats.org/drawingml/2006/main" xmlns:r="http://schemas.openxmlformats.org/officeDocument/2006/relationships" xmlns:p="http://schemas.openxmlformats.org/presentationml/2006/main">
   <p:cSld>
@@ -48136,6 +49091,134 @@
         <p14:creationId xmlns:p14="http://schemas.microsoft.com/office/powerpoint/2010/main" val="3399869354"/>
       </p:ext>
     </p:extLst>
+  </p:cSld>
+  <p:clrMapOvr>
+    <a:masterClrMapping/>
+  </p:clrMapOvr>
+</p:sld>
+</file>
+
+<file path=ppt/slides/slide20.xml><?xml version="1.0" encoding="utf-8"?>
+<p:sld xmlns:a="http://schemas.openxmlformats.org/drawingml/2006/main" xmlns:r="http://schemas.openxmlformats.org/officeDocument/2006/relationships" xmlns:p="http://schemas.openxmlformats.org/presentationml/2006/main">
+  <p:cSld>
+    <p:spTree>
+      <p:nvGrpSpPr>
+        <p:cNvPr id="1" name="Shape 521"/>
+        <p:cNvGrpSpPr/>
+        <p:nvPr/>
+      </p:nvGrpSpPr>
+      <p:grpSpPr>
+        <a:xfrm>
+          <a:off x="0" y="0"/>
+          <a:ext cx="0" cy="0"/>
+          <a:chOff x="0" y="0"/>
+          <a:chExt cx="0" cy="0"/>
+        </a:xfrm>
+      </p:grpSpPr>
+      <p:sp>
+        <p:nvSpPr>
+          <p:cNvPr id="522" name="Google Shape;522;p49"/>
+          <p:cNvSpPr txBox="1">
+            <a:spLocks noGrp="1"/>
+          </p:cNvSpPr>
+          <p:nvPr>
+            <p:ph type="body" idx="1"/>
+          </p:nvPr>
+        </p:nvSpPr>
+        <p:spPr>
+          <a:xfrm>
+            <a:off x="960000" y="1356967"/>
+            <a:ext cx="10272000" cy="4781600"/>
+          </a:xfrm>
+          <a:prstGeom prst="rect">
+            <a:avLst/>
+          </a:prstGeom>
+        </p:spPr>
+        <p:txBody>
+          <a:bodyPr spcFirstLastPara="1" wrap="square" lIns="121900" tIns="121900" rIns="121900" bIns="121900" anchor="t" anchorCtr="0">
+            <a:noAutofit/>
+          </a:bodyPr>
+          <a:lstStyle/>
+          <a:p>
+            <a:pPr marL="0" indent="0">
+              <a:spcBef>
+                <a:spcPts val="1333"/>
+              </a:spcBef>
+              <a:buNone/>
+            </a:pPr>
+            <a:r>
+              <a:rPr lang="en" b="1" dirty="0"/>
+              <a:t>words</a:t>
+            </a:r>
+            <a:endParaRPr b="1" dirty="0"/>
+          </a:p>
+          <a:p>
+            <a:pPr>
+              <a:buFont typeface="Poppins Light"/>
+              <a:buChar char="●"/>
+            </a:pPr>
+            <a:r>
+              <a:rPr lang="en-US" u="sng" dirty="0">
+                <a:solidFill>
+                  <a:schemeClr val="hlink"/>
+                </a:solidFill>
+              </a:rPr>
+              <a:t>website</a:t>
+            </a:r>
+            <a:endParaRPr dirty="0"/>
+          </a:p>
+        </p:txBody>
+      </p:sp>
+      <p:sp>
+        <p:nvSpPr>
+          <p:cNvPr id="523" name="Google Shape;523;p49"/>
+          <p:cNvSpPr txBox="1">
+            <a:spLocks noGrp="1"/>
+          </p:cNvSpPr>
+          <p:nvPr>
+            <p:ph type="title"/>
+          </p:nvPr>
+        </p:nvSpPr>
+        <p:spPr>
+          <a:xfrm>
+            <a:off x="960000" y="593367"/>
+            <a:ext cx="10272000" cy="763600"/>
+          </a:xfrm>
+          <a:prstGeom prst="rect">
+            <a:avLst/>
+          </a:prstGeom>
+        </p:spPr>
+        <p:txBody>
+          <a:bodyPr spcFirstLastPara="1" wrap="square" lIns="121900" tIns="121900" rIns="121900" bIns="121900" anchor="t" anchorCtr="0">
+            <a:noAutofit/>
+          </a:bodyPr>
+          <a:lstStyle/>
+          <a:p>
+            <a:r>
+              <a:rPr lang="en" dirty="0"/>
+              <a:t>SOURCES?? </a:t>
+            </a:r>
+            <a:r>
+              <a:rPr lang="en-US" dirty="0"/>
+              <a:t>I</a:t>
+            </a:r>
+            <a:r>
+              <a:rPr lang="en" dirty="0"/>
+              <a:t>dk </a:t>
+            </a:r>
+            <a:r>
+              <a:rPr lang="en-US" dirty="0"/>
+              <a:t>I</a:t>
+            </a:r>
+            <a:r>
+              <a:rPr lang="en" dirty="0"/>
+              <a:t> don’t think we need to cite</a:t>
+            </a:r>
+            <a:endParaRPr dirty="0"/>
+          </a:p>
+        </p:txBody>
+      </p:sp>
+    </p:spTree>
   </p:cSld>
   <p:clrMapOvr>
     <a:masterClrMapping/>
@@ -49817,7 +50900,7 @@
           <a:p>
             <a:r>
               <a:rPr lang="en" dirty="0"/>
-              <a:t>Logistic Regression &amp; Support Vector Machines</a:t>
+              <a:t>Logistic Regression</a:t>
             </a:r>
             <a:endParaRPr dirty="0"/>
           </a:p>
@@ -49940,7 +51023,88 @@
             </a:pPr>
             <a:r>
               <a:rPr lang="en-US" dirty="0"/>
-              <a:t>words</a:t>
+              <a:t>- L-BFGS solver for convergence optimization</a:t>
+            </a:r>
+          </a:p>
+          <a:p>
+            <a:pPr marL="171450" indent="-171450">
+              <a:spcAft>
+                <a:spcPts val="600"/>
+              </a:spcAft>
+              <a:buFont typeface="Arial" panose="020B0604020202020204" pitchFamily="34" charset="0"/>
+              <a:buChar char="•"/>
+            </a:pPr>
+            <a:r>
+              <a:rPr lang="en-US" dirty="0"/>
+              <a:t>  - L2 regularization with C parameter tuning</a:t>
+            </a:r>
+          </a:p>
+          <a:p>
+            <a:pPr marL="171450" indent="-171450">
+              <a:spcAft>
+                <a:spcPts val="600"/>
+              </a:spcAft>
+              <a:buFont typeface="Arial" panose="020B0604020202020204" pitchFamily="34" charset="0"/>
+              <a:buChar char="•"/>
+            </a:pPr>
+            <a:r>
+              <a:rPr lang="en-US" dirty="0"/>
+              <a:t>  - </a:t>
+            </a:r>
+            <a:r>
+              <a:rPr lang="en-US" dirty="0" err="1"/>
+              <a:t>GridSearchCV</a:t>
+            </a:r>
+            <a:r>
+              <a:rPr lang="en-US" dirty="0"/>
+              <a:t> with 5-fold cross-validation</a:t>
+            </a:r>
+          </a:p>
+          <a:p>
+            <a:pPr marL="171450" indent="-171450">
+              <a:spcAft>
+                <a:spcPts val="600"/>
+              </a:spcAft>
+              <a:buFont typeface="Arial" panose="020B0604020202020204" pitchFamily="34" charset="0"/>
+              <a:buChar char="•"/>
+            </a:pPr>
+            <a:r>
+              <a:rPr lang="en-US" dirty="0"/>
+              <a:t>  - C values from 0.01 to 100 (logarithmic scale)</a:t>
+            </a:r>
+          </a:p>
+          <a:p>
+            <a:pPr marL="171450" indent="-171450">
+              <a:spcAft>
+                <a:spcPts val="600"/>
+              </a:spcAft>
+              <a:buFont typeface="Arial" panose="020B0604020202020204" pitchFamily="34" charset="0"/>
+              <a:buChar char="•"/>
+            </a:pPr>
+            <a:r>
+              <a:rPr lang="en-US" dirty="0"/>
+              <a:t>  - Required </a:t>
+            </a:r>
+            <a:r>
+              <a:rPr lang="en-US" dirty="0" err="1"/>
+              <a:t>max_iter</a:t>
+            </a:r>
+            <a:r>
+              <a:rPr lang="en-US" dirty="0"/>
+              <a:t>=300 for stable convergence</a:t>
+            </a:r>
+          </a:p>
+          <a:p>
+            <a:pPr marL="171450" indent="-171450">
+              <a:spcAft>
+                <a:spcPts val="600"/>
+              </a:spcAft>
+              <a:buFont typeface="Arial" panose="020B0604020202020204" pitchFamily="34" charset="0"/>
+              <a:buChar char="•"/>
+            </a:pPr>
+            <a:r>
+              <a:rPr lang="en-US" dirty="0"/>
+              <a:t>  - Decision boundary visualization for all numerical feature pairs</a:t>
             </a:r>
             <a:endParaRPr dirty="0"/>
           </a:p>
@@ -49985,11 +51149,63 @@
             </a:pPr>
             <a:r>
               <a:rPr lang="en-US" dirty="0"/>
-              <a:t>words</a:t>
+              <a:t>Convergence issues requiring increased </a:t>
+            </a:r>
+            <a:r>
+              <a:rPr lang="en-US" dirty="0" err="1"/>
+              <a:t>max_iter</a:t>
+            </a:r>
+            <a:r>
+              <a:rPr lang="en-US" dirty="0"/>
+              <a:t> to 300</a:t>
             </a:r>
           </a:p>
           <a:p>
-            <a:pPr marL="0" indent="0"/>
+            <a:pPr marL="323850" indent="-171450">
+              <a:spcAft>
+                <a:spcPts val="600"/>
+              </a:spcAft>
+              <a:buFont typeface="Arial" panose="020B0604020202020204" pitchFamily="34" charset="0"/>
+              <a:buChar char="•"/>
+            </a:pPr>
+            <a:r>
+              <a:rPr lang="en-US" dirty="0"/>
+              <a:t>Large parameter search space (20 C values)</a:t>
+            </a:r>
+          </a:p>
+          <a:p>
+            <a:pPr marL="323850" indent="-171450">
+              <a:spcAft>
+                <a:spcPts val="600"/>
+              </a:spcAft>
+              <a:buFont typeface="Arial" panose="020B0604020202020204" pitchFamily="34" charset="0"/>
+              <a:buChar char="•"/>
+            </a:pPr>
+            <a:r>
+              <a:rPr lang="en-US" dirty="0"/>
+              <a:t>Computational time for </a:t>
+            </a:r>
+            <a:r>
+              <a:rPr lang="en-US" dirty="0" err="1"/>
+              <a:t>GridSearchCV</a:t>
+            </a:r>
+            <a:r>
+              <a:rPr lang="en-US" dirty="0"/>
+              <a:t> (100 total fits)</a:t>
+            </a:r>
+          </a:p>
+          <a:p>
+            <a:pPr marL="323850" indent="-171450">
+              <a:spcAft>
+                <a:spcPts val="600"/>
+              </a:spcAft>
+              <a:buFont typeface="Arial" panose="020B0604020202020204" pitchFamily="34" charset="0"/>
+              <a:buChar char="•"/>
+            </a:pPr>
+            <a:r>
+              <a:rPr lang="en-US" dirty="0"/>
+              <a:t>Linear decision boundary limitations for complex patterns</a:t>
+            </a:r>
             <a:endParaRPr dirty="0"/>
           </a:p>
         </p:txBody>
@@ -50033,9 +51249,73 @@
             </a:pPr>
             <a:r>
               <a:rPr lang="en-US" dirty="0"/>
-              <a:t>words</a:t>
+              <a:t>Best Cross-validation Accuracy: 85.09%</a:t>
             </a:r>
-            <a:endParaRPr dirty="0"/>
+          </a:p>
+          <a:p>
+            <a:pPr marL="171450" indent="-171450">
+              <a:spcAft>
+                <a:spcPts val="600"/>
+              </a:spcAft>
+              <a:buFont typeface="Arial" panose="020B0604020202020204" pitchFamily="34" charset="0"/>
+              <a:buChar char="•"/>
+            </a:pPr>
+            <a:r>
+              <a:rPr lang="en-US" dirty="0"/>
+              <a:t>Test Set Accuracy: 84.89%</a:t>
+            </a:r>
+          </a:p>
+          <a:p>
+            <a:pPr marL="171450" indent="-171450">
+              <a:spcAft>
+                <a:spcPts val="600"/>
+              </a:spcAft>
+              <a:buFont typeface="Arial" panose="020B0604020202020204" pitchFamily="34" charset="0"/>
+              <a:buChar char="•"/>
+            </a:pPr>
+            <a:r>
+              <a:rPr lang="en-US" dirty="0"/>
+              <a:t>Optimal Parameters: C = 0.785</a:t>
+            </a:r>
+          </a:p>
+          <a:p>
+            <a:pPr marL="171450" indent="-171450">
+              <a:spcAft>
+                <a:spcPts val="600"/>
+              </a:spcAft>
+              <a:buFont typeface="Arial" panose="020B0604020202020204" pitchFamily="34" charset="0"/>
+              <a:buChar char="•"/>
+            </a:pPr>
+            <a:r>
+              <a:rPr lang="en-US" dirty="0"/>
+              <a:t>Confusion Matrix: 3,693 TN, 311 FP, 476 FN, 730 TP</a:t>
+            </a:r>
+          </a:p>
+          <a:p>
+            <a:pPr marL="171450" indent="-171450">
+              <a:spcAft>
+                <a:spcPts val="600"/>
+              </a:spcAft>
+              <a:buFont typeface="Arial" panose="020B0604020202020204" pitchFamily="34" charset="0"/>
+              <a:buChar char="•"/>
+            </a:pPr>
+            <a:r>
+              <a:rPr lang="en-US" dirty="0"/>
+              <a:t>Precision: 0.70 (class 1), 0.89 (class 0)</a:t>
+            </a:r>
+          </a:p>
+          <a:p>
+            <a:pPr marL="171450" indent="-171450">
+              <a:spcAft>
+                <a:spcPts val="600"/>
+              </a:spcAft>
+              <a:buFont typeface="Arial" panose="020B0604020202020204" pitchFamily="34" charset="0"/>
+              <a:buChar char="•"/>
+            </a:pPr>
+            <a:r>
+              <a:rPr lang="en-US" dirty="0"/>
+              <a:t>Recall: 0.61 (class 1), 0.92 (class 0)</a:t>
+            </a:r>
           </a:p>
         </p:txBody>
       </p:sp>
@@ -51230,6 +52510,21 @@
 </file>
 
 <file path=customXml/item1.xml><?xml version="1.0" encoding="utf-8"?>
+<p:properties xmlns:p="http://schemas.microsoft.com/office/2006/metadata/properties" xmlns:xsi="http://www.w3.org/2001/XMLSchema-instance" xmlns:pc="http://schemas.microsoft.com/office/infopath/2007/PartnerControls">
+  <documentManagement/>
+</p:properties>
+</file>
+
+<file path=customXml/item2.xml><?xml version="1.0" encoding="utf-8"?>
+<?mso-contentType ?>
+<FormTemplates xmlns="http://schemas.microsoft.com/sharepoint/v3/contenttype/forms">
+  <Display>DocumentLibraryForm</Display>
+  <Edit>DocumentLibraryForm</Edit>
+  <New>DocumentLibraryForm</New>
+</FormTemplates>
+</file>
+
+<file path=customXml/item3.xml><?xml version="1.0" encoding="utf-8"?>
 <ct:contentTypeSchema xmlns:ct="http://schemas.microsoft.com/office/2006/metadata/contentType" xmlns:ma="http://schemas.microsoft.com/office/2006/metadata/properties/metaAttributes" ct:_="" ma:_="" ma:contentTypeName="Document" ma:contentTypeID="0x010100A2980AF668775C489F286D3ACC930043" ma:contentTypeVersion="3" ma:contentTypeDescription="Create a new document." ma:contentTypeScope="" ma:versionID="7c5c9651b1cc8a4dcfd74fcd40ef1255">
   <xsd:schema xmlns:xsd="http://www.w3.org/2001/XMLSchema" xmlns:xs="http://www.w3.org/2001/XMLSchema" xmlns:p="http://schemas.microsoft.com/office/2006/metadata/properties" xmlns:ns2="1f16dbf7-1624-42b0-94f0-c170d6d8c99c" targetNamespace="http://schemas.microsoft.com/office/2006/metadata/properties" ma:root="true" ma:fieldsID="3a6ed51a2a70db089d9b560b51ffe8cc" ns2:_="">
     <xsd:import namespace="1f16dbf7-1624-42b0-94f0-c170d6d8c99c"/>
@@ -51367,22 +52662,31 @@
 </ct:contentTypeSchema>
 </file>
 
-<file path=customXml/item2.xml><?xml version="1.0" encoding="utf-8"?>
-<?mso-contentType ?>
-<FormTemplates xmlns="http://schemas.microsoft.com/sharepoint/v3/contenttype/forms">
-  <Display>DocumentLibraryForm</Display>
-  <Edit>DocumentLibraryForm</Edit>
-  <New>DocumentLibraryForm</New>
-</FormTemplates>
+<file path=customXml/itemProps1.xml><?xml version="1.0" encoding="utf-8"?>
+<ds:datastoreItem xmlns:ds="http://schemas.openxmlformats.org/officeDocument/2006/customXml" ds:itemID="{CBC51F0B-AD1D-429D-8DF3-FC6ABB1F1DD6}">
+  <ds:schemaRefs>
+    <ds:schemaRef ds:uri="http://purl.org/dc/terms/"/>
+    <ds:schemaRef ds:uri="http://purl.org/dc/dcmitype/"/>
+    <ds:schemaRef ds:uri="http://schemas.microsoft.com/office/2006/documentManagement/types"/>
+    <ds:schemaRef ds:uri="http://www.w3.org/XML/1998/namespace"/>
+    <ds:schemaRef ds:uri="http://schemas.microsoft.com/office/infopath/2007/PartnerControls"/>
+    <ds:schemaRef ds:uri="http://schemas.openxmlformats.org/package/2006/metadata/core-properties"/>
+    <ds:schemaRef ds:uri="1f16dbf7-1624-42b0-94f0-c170d6d8c99c"/>
+    <ds:schemaRef ds:uri="http://schemas.microsoft.com/office/2006/metadata/properties"/>
+    <ds:schemaRef ds:uri="http://purl.org/dc/elements/1.1/"/>
+  </ds:schemaRefs>
+</ds:datastoreItem>
 </file>
 
-<file path=customXml/item3.xml><?xml version="1.0" encoding="utf-8"?>
-<p:properties xmlns:p="http://schemas.microsoft.com/office/2006/metadata/properties" xmlns:xsi="http://www.w3.org/2001/XMLSchema-instance" xmlns:pc="http://schemas.microsoft.com/office/infopath/2007/PartnerControls">
-  <documentManagement/>
-</p:properties>
+<file path=customXml/itemProps2.xml><?xml version="1.0" encoding="utf-8"?>
+<ds:datastoreItem xmlns:ds="http://schemas.openxmlformats.org/officeDocument/2006/customXml" ds:itemID="{476E9091-9C02-40F7-8824-5283B494FEC7}">
+  <ds:schemaRefs>
+    <ds:schemaRef ds:uri="http://schemas.microsoft.com/sharepoint/v3/contenttype/forms"/>
+  </ds:schemaRefs>
+</ds:datastoreItem>
 </file>
 
-<file path=customXml/itemProps1.xml><?xml version="1.0" encoding="utf-8"?>
+<file path=customXml/itemProps3.xml><?xml version="1.0" encoding="utf-8"?>
 <ds:datastoreItem xmlns:ds="http://schemas.openxmlformats.org/officeDocument/2006/customXml" ds:itemID="{58F29B6A-6356-441D-8343-7E25C4B84F9B}">
   <ds:schemaRefs>
     <ds:schemaRef ds:uri="http://schemas.microsoft.com/office/2006/metadata/contentType"/>
@@ -51398,28 +52702,4 @@
     <ds:schemaRef ds:uri="http://schemas.microsoft.com/internal/obd"/>
   </ds:schemaRefs>
 </ds:datastoreItem>
-</file>
-
-<file path=customXml/itemProps2.xml><?xml version="1.0" encoding="utf-8"?>
-<ds:datastoreItem xmlns:ds="http://schemas.openxmlformats.org/officeDocument/2006/customXml" ds:itemID="{476E9091-9C02-40F7-8824-5283B494FEC7}">
-  <ds:schemaRefs>
-    <ds:schemaRef ds:uri="http://schemas.microsoft.com/sharepoint/v3/contenttype/forms"/>
-  </ds:schemaRefs>
-</ds:datastoreItem>
-</file>
-
-<file path=customXml/itemProps3.xml><?xml version="1.0" encoding="utf-8"?>
-<ds:datastoreItem xmlns:ds="http://schemas.openxmlformats.org/officeDocument/2006/customXml" ds:itemID="{CBC51F0B-AD1D-429D-8DF3-FC6ABB1F1DD6}">
-  <ds:schemaRefs>
-    <ds:schemaRef ds:uri="http://purl.org/dc/terms/"/>
-    <ds:schemaRef ds:uri="http://purl.org/dc/dcmitype/"/>
-    <ds:schemaRef ds:uri="http://schemas.microsoft.com/office/2006/documentManagement/types"/>
-    <ds:schemaRef ds:uri="http://www.w3.org/XML/1998/namespace"/>
-    <ds:schemaRef ds:uri="http://schemas.microsoft.com/office/infopath/2007/PartnerControls"/>
-    <ds:schemaRef ds:uri="http://schemas.openxmlformats.org/package/2006/metadata/core-properties"/>
-    <ds:schemaRef ds:uri="1f16dbf7-1624-42b0-94f0-c170d6d8c99c"/>
-    <ds:schemaRef ds:uri="http://schemas.microsoft.com/office/2006/metadata/properties"/>
-    <ds:schemaRef ds:uri="http://purl.org/dc/elements/1.1/"/>
-  </ds:schemaRefs>
-</ds:datastoreItem>
 </file>
--- a/projects/project_1/results/Project_1_Presentation.pptx
+++ b/projects/project_1/results/Project_1_Presentation.pptx
@@ -7,7 +7,7 @@
     <p:sldMasterId id="2147483721" r:id="rId6"/>
   </p:sldMasterIdLst>
   <p:notesMasterIdLst>
-    <p:notesMasterId r:id="rId27"/>
+    <p:notesMasterId r:id="rId31"/>
   </p:notesMasterIdLst>
   <p:sldIdLst>
     <p:sldId id="261" r:id="rId7"/>
@@ -17,19 +17,23 @@
     <p:sldId id="265" r:id="rId11"/>
     <p:sldId id="281" r:id="rId12"/>
     <p:sldId id="278" r:id="rId13"/>
-    <p:sldId id="266" r:id="rId14"/>
-    <p:sldId id="282" r:id="rId15"/>
-    <p:sldId id="283" r:id="rId16"/>
-    <p:sldId id="279" r:id="rId17"/>
-    <p:sldId id="284" r:id="rId18"/>
-    <p:sldId id="267" r:id="rId19"/>
-    <p:sldId id="259" r:id="rId20"/>
-    <p:sldId id="269" r:id="rId21"/>
-    <p:sldId id="270" r:id="rId22"/>
-    <p:sldId id="271" r:id="rId23"/>
-    <p:sldId id="272" r:id="rId24"/>
-    <p:sldId id="263" r:id="rId25"/>
-    <p:sldId id="280" r:id="rId26"/>
+    <p:sldId id="287" r:id="rId14"/>
+    <p:sldId id="286" r:id="rId15"/>
+    <p:sldId id="285" r:id="rId16"/>
+    <p:sldId id="266" r:id="rId17"/>
+    <p:sldId id="282" r:id="rId18"/>
+    <p:sldId id="279" r:id="rId19"/>
+    <p:sldId id="283" r:id="rId20"/>
+    <p:sldId id="288" r:id="rId21"/>
+    <p:sldId id="284" r:id="rId22"/>
+    <p:sldId id="267" r:id="rId23"/>
+    <p:sldId id="259" r:id="rId24"/>
+    <p:sldId id="269" r:id="rId25"/>
+    <p:sldId id="270" r:id="rId26"/>
+    <p:sldId id="271" r:id="rId27"/>
+    <p:sldId id="272" r:id="rId28"/>
+    <p:sldId id="263" r:id="rId29"/>
+    <p:sldId id="280" r:id="rId30"/>
   </p:sldIdLst>
   <p:sldSz cx="12192000" cy="6858000"/>
   <p:notesSz cx="6858000" cy="9144000"/>
@@ -1229,7 +1233,7 @@
           <a:p>
             <a:fld id="{B6FD6BE2-EA2E-6E41-9967-AB7622447780}" type="datetimeFigureOut">
               <a:rPr lang="en-US" smtClean="0"/>
-              <a:t>9/26/25</a:t>
+              <a:t>9/27/25</a:t>
             </a:fld>
             <a:endParaRPr lang="en-US"/>
           </a:p>
@@ -46766,6 +46770,985 @@
   <p:cSld>
     <p:spTree>
       <p:nvGrpSpPr>
+        <p:cNvPr id="1" name="">
+          <a:extLst>
+            <a:ext uri="{FF2B5EF4-FFF2-40B4-BE49-F238E27FC236}">
+              <a16:creationId xmlns:a16="http://schemas.microsoft.com/office/drawing/2014/main" id="{456ACD8F-4EBE-FDCB-6E1B-64362B0273C6}"/>
+            </a:ext>
+          </a:extLst>
+        </p:cNvPr>
+        <p:cNvGrpSpPr/>
+        <p:nvPr/>
+      </p:nvGrpSpPr>
+      <p:grpSpPr>
+        <a:xfrm>
+          <a:off x="0" y="0"/>
+          <a:ext cx="0" cy="0"/>
+          <a:chOff x="0" y="0"/>
+          <a:chExt cx="0" cy="0"/>
+        </a:xfrm>
+      </p:grpSpPr>
+      <p:sp>
+        <p:nvSpPr>
+          <p:cNvPr id="7" name="Title 6">
+            <a:extLst>
+              <a:ext uri="{FF2B5EF4-FFF2-40B4-BE49-F238E27FC236}">
+                <a16:creationId xmlns:a16="http://schemas.microsoft.com/office/drawing/2014/main" id="{F035883A-74E5-2F81-40B4-B4DE0E2797E3}"/>
+              </a:ext>
+            </a:extLst>
+          </p:cNvPr>
+          <p:cNvSpPr>
+            <a:spLocks noGrp="1"/>
+          </p:cNvSpPr>
+          <p:nvPr>
+            <p:ph type="title"/>
+          </p:nvPr>
+        </p:nvSpPr>
+        <p:spPr>
+          <a:xfrm>
+            <a:off x="510326" y="334943"/>
+            <a:ext cx="10272000" cy="763600"/>
+          </a:xfrm>
+        </p:spPr>
+        <p:txBody>
+          <a:bodyPr/>
+          <a:lstStyle/>
+          <a:p>
+            <a:r>
+              <a:rPr lang="en-US" dirty="0"/>
+              <a:t>Perceptron (20 / 25 epochs)</a:t>
+            </a:r>
+          </a:p>
+        </p:txBody>
+      </p:sp>
+      <p:pic>
+        <p:nvPicPr>
+          <p:cNvPr id="3" name="Picture 2" descr="A screenshot of a graph&#10;&#10;AI-generated content may be incorrect.">
+            <a:extLst>
+              <a:ext uri="{FF2B5EF4-FFF2-40B4-BE49-F238E27FC236}">
+                <a16:creationId xmlns:a16="http://schemas.microsoft.com/office/drawing/2014/main" id="{9382A8FE-E1E5-8947-E98F-7B525C4C4AA7}"/>
+              </a:ext>
+            </a:extLst>
+          </p:cNvPr>
+          <p:cNvPicPr>
+            <a:picLocks noChangeAspect="1"/>
+          </p:cNvPicPr>
+          <p:nvPr/>
+        </p:nvPicPr>
+        <p:blipFill>
+          <a:blip r:embed="rId2">
+            <a:extLst>
+              <a:ext uri="{28A0092B-C50C-407E-A947-70E740481C1C}">
+                <a14:useLocalDpi xmlns:a14="http://schemas.microsoft.com/office/drawing/2010/main" val="0"/>
+              </a:ext>
+            </a:extLst>
+          </a:blip>
+          <a:srcRect l="180" t="61821" r="-180"/>
+          <a:stretch>
+            <a:fillRect/>
+          </a:stretch>
+        </p:blipFill>
+        <p:spPr>
+          <a:xfrm>
+            <a:off x="84715" y="1249983"/>
+            <a:ext cx="11123222" cy="4358033"/>
+          </a:xfrm>
+          <a:prstGeom prst="rect">
+            <a:avLst/>
+          </a:prstGeom>
+        </p:spPr>
+      </p:pic>
+    </p:spTree>
+    <p:extLst>
+      <p:ext uri="{BB962C8B-B14F-4D97-AF65-F5344CB8AC3E}">
+        <p14:creationId xmlns:p14="http://schemas.microsoft.com/office/powerpoint/2010/main" val="1010025027"/>
+      </p:ext>
+    </p:extLst>
+  </p:cSld>
+  <p:clrMapOvr>
+    <a:masterClrMapping/>
+  </p:clrMapOvr>
+</p:sld>
+</file>
+
+<file path=ppt/slides/slide11.xml><?xml version="1.0" encoding="utf-8"?>
+<p:sld xmlns:a="http://schemas.openxmlformats.org/drawingml/2006/main" xmlns:r="http://schemas.openxmlformats.org/officeDocument/2006/relationships" xmlns:p="http://schemas.openxmlformats.org/presentationml/2006/main">
+  <p:cSld>
+    <p:spTree>
+      <p:nvGrpSpPr>
+        <p:cNvPr id="1" name="Shape 259"/>
+        <p:cNvGrpSpPr/>
+        <p:nvPr/>
+      </p:nvGrpSpPr>
+      <p:grpSpPr>
+        <a:xfrm>
+          <a:off x="0" y="0"/>
+          <a:ext cx="0" cy="0"/>
+          <a:chOff x="0" y="0"/>
+          <a:chExt cx="0" cy="0"/>
+        </a:xfrm>
+      </p:grpSpPr>
+      <p:sp>
+        <p:nvSpPr>
+          <p:cNvPr id="260" name="Google Shape;260;p33"/>
+          <p:cNvSpPr txBox="1">
+            <a:spLocks noGrp="1"/>
+          </p:cNvSpPr>
+          <p:nvPr>
+            <p:ph type="title"/>
+          </p:nvPr>
+        </p:nvSpPr>
+        <p:spPr>
+          <a:xfrm>
+            <a:off x="970741" y="3590626"/>
+            <a:ext cx="5766390" cy="1122400"/>
+          </a:xfrm>
+          <a:prstGeom prst="rect">
+            <a:avLst/>
+          </a:prstGeom>
+        </p:spPr>
+        <p:txBody>
+          <a:bodyPr spcFirstLastPara="1" wrap="square" lIns="121900" tIns="121900" rIns="121900" bIns="121900" anchor="t" anchorCtr="0">
+            <a:noAutofit/>
+          </a:bodyPr>
+          <a:lstStyle/>
+          <a:p>
+            <a:r>
+              <a:rPr lang="en" sz="4400" dirty="0"/>
+              <a:t>Logistic Regression &amp; SVM</a:t>
+            </a:r>
+            <a:endParaRPr sz="4400" dirty="0"/>
+          </a:p>
+        </p:txBody>
+      </p:sp>
+      <p:sp>
+        <p:nvSpPr>
+          <p:cNvPr id="261" name="Google Shape;261;p33"/>
+          <p:cNvSpPr txBox="1">
+            <a:spLocks noGrp="1"/>
+          </p:cNvSpPr>
+          <p:nvPr>
+            <p:ph type="title" idx="2"/>
+          </p:nvPr>
+        </p:nvSpPr>
+        <p:spPr>
+          <a:xfrm>
+            <a:off x="970741" y="2125238"/>
+            <a:ext cx="3913700" cy="1122400"/>
+          </a:xfrm>
+          <a:prstGeom prst="rect">
+            <a:avLst/>
+          </a:prstGeom>
+        </p:spPr>
+        <p:txBody>
+          <a:bodyPr spcFirstLastPara="1" wrap="square" lIns="121900" tIns="121900" rIns="121900" bIns="121900" anchor="b" anchorCtr="0">
+            <a:noAutofit/>
+          </a:bodyPr>
+          <a:lstStyle/>
+          <a:p>
+            <a:r>
+              <a:rPr lang="en" dirty="0"/>
+              <a:t>Part 3</a:t>
+            </a:r>
+            <a:endParaRPr dirty="0"/>
+          </a:p>
+        </p:txBody>
+      </p:sp>
+      <p:grpSp>
+        <p:nvGrpSpPr>
+          <p:cNvPr id="262" name="Google Shape;262;p33"/>
+          <p:cNvGrpSpPr/>
+          <p:nvPr/>
+        </p:nvGrpSpPr>
+        <p:grpSpPr>
+          <a:xfrm flipH="1">
+            <a:off x="-124833" y="3361967"/>
+            <a:ext cx="6658000" cy="0"/>
+            <a:chOff x="2220050" y="1547100"/>
+            <a:chExt cx="4993500" cy="0"/>
+          </a:xfrm>
+        </p:grpSpPr>
+        <p:cxnSp>
+          <p:nvCxnSpPr>
+            <p:cNvPr id="263" name="Google Shape;263;p33"/>
+            <p:cNvCxnSpPr/>
+            <p:nvPr/>
+          </p:nvCxnSpPr>
+          <p:spPr>
+            <a:xfrm>
+              <a:off x="2220050" y="1547100"/>
+              <a:ext cx="464400" cy="0"/>
+            </a:xfrm>
+            <a:prstGeom prst="straightConnector1">
+              <a:avLst/>
+            </a:prstGeom>
+            <a:noFill/>
+            <a:ln w="114300" cap="flat" cmpd="sng">
+              <a:solidFill>
+                <a:schemeClr val="dk1"/>
+              </a:solidFill>
+              <a:prstDash val="solid"/>
+              <a:round/>
+              <a:headEnd type="none" w="med" len="med"/>
+              <a:tailEnd type="none" w="med" len="med"/>
+            </a:ln>
+          </p:spPr>
+        </p:cxnSp>
+        <p:cxnSp>
+          <p:nvCxnSpPr>
+            <p:cNvPr id="264" name="Google Shape;264;p33"/>
+            <p:cNvCxnSpPr/>
+            <p:nvPr/>
+          </p:nvCxnSpPr>
+          <p:spPr>
+            <a:xfrm>
+              <a:off x="2684450" y="1547100"/>
+              <a:ext cx="4529100" cy="0"/>
+            </a:xfrm>
+            <a:prstGeom prst="straightConnector1">
+              <a:avLst/>
+            </a:prstGeom>
+            <a:noFill/>
+            <a:ln w="9525" cap="flat" cmpd="sng">
+              <a:solidFill>
+                <a:schemeClr val="dk1"/>
+              </a:solidFill>
+              <a:prstDash val="solid"/>
+              <a:round/>
+              <a:headEnd type="none" w="med" len="med"/>
+              <a:tailEnd type="none" w="med" len="med"/>
+            </a:ln>
+          </p:spPr>
+        </p:cxnSp>
+      </p:grpSp>
+    </p:spTree>
+    <p:extLst>
+      <p:ext uri="{BB962C8B-B14F-4D97-AF65-F5344CB8AC3E}">
+        <p14:creationId xmlns:p14="http://schemas.microsoft.com/office/powerpoint/2010/main" val="3316156399"/>
+      </p:ext>
+    </p:extLst>
+  </p:cSld>
+  <p:clrMapOvr>
+    <a:masterClrMapping/>
+  </p:clrMapOvr>
+</p:sld>
+</file>
+
+<file path=ppt/slides/slide12.xml><?xml version="1.0" encoding="utf-8"?>
+<p:sld xmlns:a="http://schemas.openxmlformats.org/drawingml/2006/main" xmlns:r="http://schemas.openxmlformats.org/officeDocument/2006/relationships" xmlns:p="http://schemas.openxmlformats.org/presentationml/2006/main">
+  <p:cSld>
+    <p:spTree>
+      <p:nvGrpSpPr>
+        <p:cNvPr id="1" name="Shape 245"/>
+        <p:cNvGrpSpPr/>
+        <p:nvPr/>
+      </p:nvGrpSpPr>
+      <p:grpSpPr>
+        <a:xfrm>
+          <a:off x="0" y="0"/>
+          <a:ext cx="0" cy="0"/>
+          <a:chOff x="0" y="0"/>
+          <a:chExt cx="0" cy="0"/>
+        </a:xfrm>
+      </p:grpSpPr>
+      <p:sp>
+        <p:nvSpPr>
+          <p:cNvPr id="246" name="Google Shape;246;p32"/>
+          <p:cNvSpPr txBox="1">
+            <a:spLocks noGrp="1"/>
+          </p:cNvSpPr>
+          <p:nvPr>
+            <p:ph type="title"/>
+          </p:nvPr>
+        </p:nvSpPr>
+        <p:spPr>
+          <a:xfrm>
+            <a:off x="960000" y="593367"/>
+            <a:ext cx="10272000" cy="763600"/>
+          </a:xfrm>
+          <a:prstGeom prst="rect">
+            <a:avLst/>
+          </a:prstGeom>
+        </p:spPr>
+        <p:txBody>
+          <a:bodyPr spcFirstLastPara="1" wrap="square" lIns="121900" tIns="121900" rIns="121900" bIns="121900" anchor="t" anchorCtr="0">
+            <a:noAutofit/>
+          </a:bodyPr>
+          <a:lstStyle/>
+          <a:p>
+            <a:r>
+              <a:rPr lang="en" dirty="0"/>
+              <a:t>Logistic Regression</a:t>
+            </a:r>
+            <a:endParaRPr dirty="0"/>
+          </a:p>
+        </p:txBody>
+      </p:sp>
+      <p:sp>
+        <p:nvSpPr>
+          <p:cNvPr id="247" name="Google Shape;247;p32"/>
+          <p:cNvSpPr txBox="1">
+            <a:spLocks noGrp="1"/>
+          </p:cNvSpPr>
+          <p:nvPr>
+            <p:ph type="subTitle" idx="4"/>
+          </p:nvPr>
+        </p:nvSpPr>
+        <p:spPr>
+          <a:xfrm>
+            <a:off x="959917" y="1612143"/>
+            <a:ext cx="2907710" cy="763600"/>
+          </a:xfrm>
+          <a:prstGeom prst="rect">
+            <a:avLst/>
+          </a:prstGeom>
+          <a:ln>
+            <a:solidFill>
+              <a:schemeClr val="tx1"/>
+            </a:solidFill>
+          </a:ln>
+        </p:spPr>
+        <p:txBody>
+          <a:bodyPr spcFirstLastPara="1" wrap="square" lIns="121900" tIns="121900" rIns="121900" bIns="121900" anchor="b" anchorCtr="0">
+            <a:noAutofit/>
+          </a:bodyPr>
+          <a:lstStyle/>
+          <a:p>
+            <a:pPr marL="0" indent="0"/>
+            <a:r>
+              <a:rPr lang="en" sz="2400" dirty="0"/>
+              <a:t>Methodology</a:t>
+            </a:r>
+            <a:endParaRPr sz="2400" dirty="0"/>
+          </a:p>
+        </p:txBody>
+      </p:sp>
+      <p:sp>
+        <p:nvSpPr>
+          <p:cNvPr id="248" name="Google Shape;248;p32"/>
+          <p:cNvSpPr txBox="1">
+            <a:spLocks noGrp="1"/>
+          </p:cNvSpPr>
+          <p:nvPr>
+            <p:ph type="subTitle" idx="5"/>
+          </p:nvPr>
+        </p:nvSpPr>
+        <p:spPr>
+          <a:xfrm>
+            <a:off x="3867627" y="1612143"/>
+            <a:ext cx="4456658" cy="763601"/>
+          </a:xfrm>
+          <a:prstGeom prst="rect">
+            <a:avLst/>
+          </a:prstGeom>
+          <a:ln>
+            <a:solidFill>
+              <a:schemeClr val="tx1"/>
+            </a:solidFill>
+          </a:ln>
+        </p:spPr>
+        <p:txBody>
+          <a:bodyPr spcFirstLastPara="1" wrap="square" lIns="121900" tIns="121900" rIns="121900" bIns="121900" anchor="b" anchorCtr="0">
+            <a:noAutofit/>
+          </a:bodyPr>
+          <a:lstStyle/>
+          <a:p>
+            <a:pPr marL="0" indent="0"/>
+            <a:r>
+              <a:rPr lang="en" sz="2400" dirty="0"/>
+              <a:t>Challenges</a:t>
+            </a:r>
+            <a:endParaRPr sz="2400" dirty="0"/>
+          </a:p>
+        </p:txBody>
+      </p:sp>
+      <p:sp>
+        <p:nvSpPr>
+          <p:cNvPr id="249" name="Google Shape;249;p32"/>
+          <p:cNvSpPr txBox="1">
+            <a:spLocks noGrp="1"/>
+          </p:cNvSpPr>
+          <p:nvPr>
+            <p:ph type="subTitle" idx="1"/>
+          </p:nvPr>
+        </p:nvSpPr>
+        <p:spPr>
+          <a:xfrm>
+            <a:off x="959920" y="2375743"/>
+            <a:ext cx="2907711" cy="3218543"/>
+          </a:xfrm>
+          <a:prstGeom prst="rect">
+            <a:avLst/>
+          </a:prstGeom>
+          <a:ln>
+            <a:solidFill>
+              <a:schemeClr val="tx1"/>
+            </a:solidFill>
+          </a:ln>
+        </p:spPr>
+        <p:txBody>
+          <a:bodyPr spcFirstLastPara="1" wrap="square" lIns="121900" tIns="121900" rIns="121900" bIns="121900" anchor="t" anchorCtr="0">
+            <a:noAutofit/>
+          </a:bodyPr>
+          <a:lstStyle/>
+          <a:p>
+            <a:pPr marL="171450" indent="-171450">
+              <a:spcAft>
+                <a:spcPts val="600"/>
+              </a:spcAft>
+              <a:buFont typeface="Arial" panose="020B0604020202020204" pitchFamily="34" charset="0"/>
+              <a:buChar char="•"/>
+            </a:pPr>
+            <a:r>
+              <a:rPr lang="en-US" dirty="0"/>
+              <a:t>- L-BFGS solver for convergence optimization</a:t>
+            </a:r>
+          </a:p>
+          <a:p>
+            <a:pPr marL="171450" indent="-171450">
+              <a:spcAft>
+                <a:spcPts val="600"/>
+              </a:spcAft>
+              <a:buFont typeface="Arial" panose="020B0604020202020204" pitchFamily="34" charset="0"/>
+              <a:buChar char="•"/>
+            </a:pPr>
+            <a:r>
+              <a:rPr lang="en-US" dirty="0"/>
+              <a:t>  - L2 regularization with C parameter tuning</a:t>
+            </a:r>
+          </a:p>
+          <a:p>
+            <a:pPr marL="171450" indent="-171450">
+              <a:spcAft>
+                <a:spcPts val="600"/>
+              </a:spcAft>
+              <a:buFont typeface="Arial" panose="020B0604020202020204" pitchFamily="34" charset="0"/>
+              <a:buChar char="•"/>
+            </a:pPr>
+            <a:r>
+              <a:rPr lang="en-US" dirty="0"/>
+              <a:t>  - </a:t>
+            </a:r>
+            <a:r>
+              <a:rPr lang="en-US" dirty="0" err="1"/>
+              <a:t>GridSearchCV</a:t>
+            </a:r>
+            <a:r>
+              <a:rPr lang="en-US" dirty="0"/>
+              <a:t> with 5-fold cross-validation</a:t>
+            </a:r>
+          </a:p>
+          <a:p>
+            <a:pPr marL="171450" indent="-171450">
+              <a:spcAft>
+                <a:spcPts val="600"/>
+              </a:spcAft>
+              <a:buFont typeface="Arial" panose="020B0604020202020204" pitchFamily="34" charset="0"/>
+              <a:buChar char="•"/>
+            </a:pPr>
+            <a:r>
+              <a:rPr lang="en-US" dirty="0"/>
+              <a:t>  - C values from 0.01 to 100 (logarithmic scale)</a:t>
+            </a:r>
+          </a:p>
+          <a:p>
+            <a:pPr marL="171450" indent="-171450">
+              <a:spcAft>
+                <a:spcPts val="600"/>
+              </a:spcAft>
+              <a:buFont typeface="Arial" panose="020B0604020202020204" pitchFamily="34" charset="0"/>
+              <a:buChar char="•"/>
+            </a:pPr>
+            <a:r>
+              <a:rPr lang="en-US" dirty="0"/>
+              <a:t>  - Required </a:t>
+            </a:r>
+            <a:r>
+              <a:rPr lang="en-US" dirty="0" err="1"/>
+              <a:t>max_iter</a:t>
+            </a:r>
+            <a:r>
+              <a:rPr lang="en-US" dirty="0"/>
+              <a:t>=300 for stable convergence</a:t>
+            </a:r>
+          </a:p>
+          <a:p>
+            <a:pPr marL="171450" indent="-171450">
+              <a:spcAft>
+                <a:spcPts val="600"/>
+              </a:spcAft>
+              <a:buFont typeface="Arial" panose="020B0604020202020204" pitchFamily="34" charset="0"/>
+              <a:buChar char="•"/>
+            </a:pPr>
+            <a:r>
+              <a:rPr lang="en-US" dirty="0"/>
+              <a:t>  - Decision boundary visualization for all numerical feature pairs</a:t>
+            </a:r>
+            <a:endParaRPr dirty="0"/>
+          </a:p>
+        </p:txBody>
+      </p:sp>
+      <p:sp>
+        <p:nvSpPr>
+          <p:cNvPr id="250" name="Google Shape;250;p32"/>
+          <p:cNvSpPr txBox="1">
+            <a:spLocks noGrp="1"/>
+          </p:cNvSpPr>
+          <p:nvPr>
+            <p:ph type="subTitle" idx="2"/>
+          </p:nvPr>
+        </p:nvSpPr>
+        <p:spPr>
+          <a:xfrm>
+            <a:off x="3867632" y="2375743"/>
+            <a:ext cx="4456667" cy="3218548"/>
+          </a:xfrm>
+          <a:prstGeom prst="rect">
+            <a:avLst/>
+          </a:prstGeom>
+          <a:ln>
+            <a:solidFill>
+              <a:schemeClr val="tx1"/>
+            </a:solidFill>
+          </a:ln>
+        </p:spPr>
+        <p:txBody>
+          <a:bodyPr spcFirstLastPara="1" wrap="square" lIns="121900" tIns="121900" rIns="121900" bIns="121900" anchor="t" anchorCtr="0">
+            <a:noAutofit/>
+          </a:bodyPr>
+          <a:lstStyle/>
+          <a:p>
+            <a:pPr marL="323850" indent="-171450">
+              <a:spcAft>
+                <a:spcPts val="600"/>
+              </a:spcAft>
+              <a:buFont typeface="Arial" panose="020B0604020202020204" pitchFamily="34" charset="0"/>
+              <a:buChar char="•"/>
+            </a:pPr>
+            <a:r>
+              <a:rPr lang="en-US" dirty="0"/>
+              <a:t>Convergence issues requiring increased </a:t>
+            </a:r>
+            <a:r>
+              <a:rPr lang="en-US" dirty="0" err="1"/>
+              <a:t>max_iter</a:t>
+            </a:r>
+            <a:r>
+              <a:rPr lang="en-US" dirty="0"/>
+              <a:t> to 300</a:t>
+            </a:r>
+          </a:p>
+          <a:p>
+            <a:pPr marL="323850" indent="-171450">
+              <a:spcAft>
+                <a:spcPts val="600"/>
+              </a:spcAft>
+              <a:buFont typeface="Arial" panose="020B0604020202020204" pitchFamily="34" charset="0"/>
+              <a:buChar char="•"/>
+            </a:pPr>
+            <a:r>
+              <a:rPr lang="en-US" dirty="0"/>
+              <a:t>Large parameter search space (20 C values)</a:t>
+            </a:r>
+          </a:p>
+          <a:p>
+            <a:pPr marL="323850" indent="-171450">
+              <a:spcAft>
+                <a:spcPts val="600"/>
+              </a:spcAft>
+              <a:buFont typeface="Arial" panose="020B0604020202020204" pitchFamily="34" charset="0"/>
+              <a:buChar char="•"/>
+            </a:pPr>
+            <a:r>
+              <a:rPr lang="en-US" dirty="0"/>
+              <a:t>Computational time for </a:t>
+            </a:r>
+            <a:r>
+              <a:rPr lang="en-US" dirty="0" err="1"/>
+              <a:t>GridSearchCV</a:t>
+            </a:r>
+            <a:r>
+              <a:rPr lang="en-US" dirty="0"/>
+              <a:t> (100 total fits)</a:t>
+            </a:r>
+          </a:p>
+          <a:p>
+            <a:pPr marL="323850" indent="-171450">
+              <a:spcAft>
+                <a:spcPts val="600"/>
+              </a:spcAft>
+              <a:buFont typeface="Arial" panose="020B0604020202020204" pitchFamily="34" charset="0"/>
+              <a:buChar char="•"/>
+            </a:pPr>
+            <a:r>
+              <a:rPr lang="en-US" dirty="0"/>
+              <a:t>Linear decision boundary limitations for complex patterns</a:t>
+            </a:r>
+            <a:endParaRPr dirty="0"/>
+          </a:p>
+        </p:txBody>
+      </p:sp>
+      <p:sp>
+        <p:nvSpPr>
+          <p:cNvPr id="251" name="Google Shape;251;p32"/>
+          <p:cNvSpPr txBox="1">
+            <a:spLocks noGrp="1"/>
+          </p:cNvSpPr>
+          <p:nvPr>
+            <p:ph type="subTitle" idx="3"/>
+          </p:nvPr>
+        </p:nvSpPr>
+        <p:spPr>
+          <a:xfrm>
+            <a:off x="8324299" y="2375742"/>
+            <a:ext cx="2907701" cy="3218535"/>
+          </a:xfrm>
+          <a:prstGeom prst="rect">
+            <a:avLst/>
+          </a:prstGeom>
+          <a:ln>
+            <a:solidFill>
+              <a:schemeClr val="tx1"/>
+            </a:solidFill>
+          </a:ln>
+        </p:spPr>
+        <p:txBody>
+          <a:bodyPr spcFirstLastPara="1" wrap="square" lIns="121900" tIns="121900" rIns="121900" bIns="121900" anchor="t" anchorCtr="0">
+            <a:noAutofit/>
+          </a:bodyPr>
+          <a:lstStyle/>
+          <a:p>
+            <a:pPr marL="171450" indent="-171450">
+              <a:spcAft>
+                <a:spcPts val="600"/>
+              </a:spcAft>
+              <a:buFont typeface="Arial" panose="020B0604020202020204" pitchFamily="34" charset="0"/>
+              <a:buChar char="•"/>
+            </a:pPr>
+            <a:r>
+              <a:rPr lang="en-US" dirty="0"/>
+              <a:t>Best Cross-validation Accuracy: 85.09%</a:t>
+            </a:r>
+          </a:p>
+          <a:p>
+            <a:pPr marL="171450" indent="-171450">
+              <a:spcAft>
+                <a:spcPts val="600"/>
+              </a:spcAft>
+              <a:buFont typeface="Arial" panose="020B0604020202020204" pitchFamily="34" charset="0"/>
+              <a:buChar char="•"/>
+            </a:pPr>
+            <a:r>
+              <a:rPr lang="en-US" dirty="0"/>
+              <a:t>Test Set Accuracy: 84.89%</a:t>
+            </a:r>
+          </a:p>
+          <a:p>
+            <a:pPr marL="171450" indent="-171450">
+              <a:spcAft>
+                <a:spcPts val="600"/>
+              </a:spcAft>
+              <a:buFont typeface="Arial" panose="020B0604020202020204" pitchFamily="34" charset="0"/>
+              <a:buChar char="•"/>
+            </a:pPr>
+            <a:r>
+              <a:rPr lang="en-US" dirty="0"/>
+              <a:t>Optimal Parameters: C = 0.785</a:t>
+            </a:r>
+          </a:p>
+          <a:p>
+            <a:pPr marL="171450" indent="-171450">
+              <a:spcAft>
+                <a:spcPts val="600"/>
+              </a:spcAft>
+              <a:buFont typeface="Arial" panose="020B0604020202020204" pitchFamily="34" charset="0"/>
+              <a:buChar char="•"/>
+            </a:pPr>
+            <a:r>
+              <a:rPr lang="en-US" dirty="0"/>
+              <a:t>Confusion Matrix: 3,693 TN, 311 FP, 476 FN, 730 TP</a:t>
+            </a:r>
+          </a:p>
+          <a:p>
+            <a:pPr marL="171450" indent="-171450">
+              <a:spcAft>
+                <a:spcPts val="600"/>
+              </a:spcAft>
+              <a:buFont typeface="Arial" panose="020B0604020202020204" pitchFamily="34" charset="0"/>
+              <a:buChar char="•"/>
+            </a:pPr>
+            <a:r>
+              <a:rPr lang="en-US" dirty="0"/>
+              <a:t>Precision: 0.70 (class 1), 0.89 (class 0)</a:t>
+            </a:r>
+          </a:p>
+          <a:p>
+            <a:pPr marL="171450" indent="-171450">
+              <a:spcAft>
+                <a:spcPts val="600"/>
+              </a:spcAft>
+              <a:buFont typeface="Arial" panose="020B0604020202020204" pitchFamily="34" charset="0"/>
+              <a:buChar char="•"/>
+            </a:pPr>
+            <a:r>
+              <a:rPr lang="en-US" dirty="0"/>
+              <a:t>Recall: 0.61 (class 1), 0.92 (class 0)</a:t>
+            </a:r>
+          </a:p>
+        </p:txBody>
+      </p:sp>
+      <p:sp>
+        <p:nvSpPr>
+          <p:cNvPr id="252" name="Google Shape;252;p32"/>
+          <p:cNvSpPr txBox="1">
+            <a:spLocks noGrp="1"/>
+          </p:cNvSpPr>
+          <p:nvPr>
+            <p:ph type="subTitle" idx="6"/>
+          </p:nvPr>
+        </p:nvSpPr>
+        <p:spPr>
+          <a:xfrm>
+            <a:off x="8324290" y="1612143"/>
+            <a:ext cx="2907710" cy="763602"/>
+          </a:xfrm>
+          <a:prstGeom prst="rect">
+            <a:avLst/>
+          </a:prstGeom>
+          <a:ln>
+            <a:solidFill>
+              <a:schemeClr val="tx1"/>
+            </a:solidFill>
+          </a:ln>
+        </p:spPr>
+        <p:txBody>
+          <a:bodyPr spcFirstLastPara="1" wrap="square" lIns="121900" tIns="121900" rIns="121900" bIns="121900" anchor="b" anchorCtr="0">
+            <a:noAutofit/>
+          </a:bodyPr>
+          <a:lstStyle/>
+          <a:p>
+            <a:pPr marL="0" indent="0"/>
+            <a:r>
+              <a:rPr lang="en" sz="2400" dirty="0"/>
+              <a:t>Results</a:t>
+            </a:r>
+            <a:endParaRPr sz="2400" dirty="0"/>
+          </a:p>
+        </p:txBody>
+      </p:sp>
+    </p:spTree>
+    <p:extLst>
+      <p:ext uri="{BB962C8B-B14F-4D97-AF65-F5344CB8AC3E}">
+        <p14:creationId xmlns:p14="http://schemas.microsoft.com/office/powerpoint/2010/main" val="1213768795"/>
+      </p:ext>
+    </p:extLst>
+  </p:cSld>
+  <p:clrMapOvr>
+    <a:masterClrMapping/>
+  </p:clrMapOvr>
+</p:sld>
+</file>
+
+<file path=ppt/slides/slide13.xml><?xml version="1.0" encoding="utf-8"?>
+<p:sld xmlns:a="http://schemas.openxmlformats.org/drawingml/2006/main" xmlns:r="http://schemas.openxmlformats.org/officeDocument/2006/relationships" xmlns:p="http://schemas.openxmlformats.org/presentationml/2006/main">
+  <p:cSld>
+    <p:spTree>
+      <p:nvGrpSpPr>
+        <p:cNvPr id="1" name=""/>
+        <p:cNvGrpSpPr/>
+        <p:nvPr/>
+      </p:nvGrpSpPr>
+      <p:grpSpPr>
+        <a:xfrm>
+          <a:off x="0" y="0"/>
+          <a:ext cx="0" cy="0"/>
+          <a:chOff x="0" y="0"/>
+          <a:chExt cx="0" cy="0"/>
+        </a:xfrm>
+      </p:grpSpPr>
+      <p:sp>
+        <p:nvSpPr>
+          <p:cNvPr id="7" name="Title 6">
+            <a:extLst>
+              <a:ext uri="{FF2B5EF4-FFF2-40B4-BE49-F238E27FC236}">
+                <a16:creationId xmlns:a16="http://schemas.microsoft.com/office/drawing/2014/main" id="{CFDADD71-D303-D397-7315-F704CFB3FC3A}"/>
+              </a:ext>
+            </a:extLst>
+          </p:cNvPr>
+          <p:cNvSpPr>
+            <a:spLocks noGrp="1"/>
+          </p:cNvSpPr>
+          <p:nvPr>
+            <p:ph type="title"/>
+          </p:nvPr>
+        </p:nvSpPr>
+        <p:spPr>
+          <a:xfrm>
+            <a:off x="611083" y="160230"/>
+            <a:ext cx="7534295" cy="763600"/>
+          </a:xfrm>
+        </p:spPr>
+        <p:txBody>
+          <a:bodyPr/>
+          <a:lstStyle/>
+          <a:p>
+            <a:r>
+              <a:rPr lang="en-US" dirty="0"/>
+              <a:t>Logistic Regression Decision Boundaries</a:t>
+            </a:r>
+          </a:p>
+        </p:txBody>
+      </p:sp>
+      <p:grpSp>
+        <p:nvGrpSpPr>
+          <p:cNvPr id="13" name="Group 12">
+            <a:extLst>
+              <a:ext uri="{FF2B5EF4-FFF2-40B4-BE49-F238E27FC236}">
+                <a16:creationId xmlns:a16="http://schemas.microsoft.com/office/drawing/2014/main" id="{E9F85C75-589A-3CB0-E951-818D29EC07A6}"/>
+              </a:ext>
+            </a:extLst>
+          </p:cNvPr>
+          <p:cNvGrpSpPr/>
+          <p:nvPr/>
+        </p:nvGrpSpPr>
+        <p:grpSpPr>
+          <a:xfrm>
+            <a:off x="120321" y="733083"/>
+            <a:ext cx="11032958" cy="5824127"/>
+            <a:chOff x="514831" y="721049"/>
+            <a:chExt cx="10722664" cy="5415901"/>
+          </a:xfrm>
+        </p:grpSpPr>
+        <p:pic>
+          <p:nvPicPr>
+            <p:cNvPr id="10" name="Picture 9" descr="A screenshot of a graph&#10;&#10;AI-generated content may be incorrect.">
+              <a:extLst>
+                <a:ext uri="{FF2B5EF4-FFF2-40B4-BE49-F238E27FC236}">
+                  <a16:creationId xmlns:a16="http://schemas.microsoft.com/office/drawing/2014/main" id="{95F80B24-4846-17C8-F5D9-C4D8B14F9147}"/>
+                </a:ext>
+              </a:extLst>
+            </p:cNvPr>
+            <p:cNvPicPr>
+              <a:picLocks noChangeAspect="1"/>
+            </p:cNvPicPr>
+            <p:nvPr/>
+          </p:nvPicPr>
+          <p:blipFill>
+            <a:blip r:embed="rId2">
+              <a:extLst>
+                <a:ext uri="{28A0092B-C50C-407E-A947-70E740481C1C}">
+                  <a14:useLocalDpi xmlns:a14="http://schemas.microsoft.com/office/drawing/2010/main" val="0"/>
+                </a:ext>
+              </a:extLst>
+            </a:blip>
+            <a:srcRect t="5087" b="23740"/>
+            <a:stretch>
+              <a:fillRect/>
+            </a:stretch>
+          </p:blipFill>
+          <p:spPr>
+            <a:xfrm>
+              <a:off x="514831" y="721049"/>
+              <a:ext cx="7197412" cy="5415901"/>
+            </a:xfrm>
+            <a:prstGeom prst="rect">
+              <a:avLst/>
+            </a:prstGeom>
+          </p:spPr>
+        </p:pic>
+        <p:pic>
+          <p:nvPicPr>
+            <p:cNvPr id="11" name="Picture 10" descr="A screenshot of a graph&#10;&#10;AI-generated content may be incorrect.">
+              <a:extLst>
+                <a:ext uri="{FF2B5EF4-FFF2-40B4-BE49-F238E27FC236}">
+                  <a16:creationId xmlns:a16="http://schemas.microsoft.com/office/drawing/2014/main" id="{D5216189-8E00-4194-9D24-FF527AC06361}"/>
+                </a:ext>
+              </a:extLst>
+            </p:cNvPr>
+            <p:cNvPicPr>
+              <a:picLocks noChangeAspect="1"/>
+            </p:cNvPicPr>
+            <p:nvPr/>
+          </p:nvPicPr>
+          <p:blipFill rotWithShape="1">
+            <a:blip r:embed="rId2">
+              <a:extLst>
+                <a:ext uri="{28A0092B-C50C-407E-A947-70E740481C1C}">
+                  <a14:useLocalDpi xmlns:a14="http://schemas.microsoft.com/office/drawing/2010/main" val="0"/>
+                </a:ext>
+              </a:extLst>
+            </a:blip>
+            <a:srcRect t="76460" r="50185"/>
+            <a:stretch>
+              <a:fillRect/>
+            </a:stretch>
+          </p:blipFill>
+          <p:spPr>
+            <a:xfrm>
+              <a:off x="7652083" y="771234"/>
+              <a:ext cx="3585412" cy="1791309"/>
+            </a:xfrm>
+            <a:prstGeom prst="rect">
+              <a:avLst/>
+            </a:prstGeom>
+          </p:spPr>
+        </p:pic>
+        <p:pic>
+          <p:nvPicPr>
+            <p:cNvPr id="12" name="Picture 11" descr="A screenshot of a graph&#10;&#10;AI-generated content may be incorrect.">
+              <a:extLst>
+                <a:ext uri="{FF2B5EF4-FFF2-40B4-BE49-F238E27FC236}">
+                  <a16:creationId xmlns:a16="http://schemas.microsoft.com/office/drawing/2014/main" id="{44EA859F-DC97-5D23-3F60-F47D1A836A28}"/>
+                </a:ext>
+              </a:extLst>
+            </p:cNvPr>
+            <p:cNvPicPr>
+              <a:picLocks noChangeAspect="1"/>
+            </p:cNvPicPr>
+            <p:nvPr/>
+          </p:nvPicPr>
+          <p:blipFill rotWithShape="1">
+            <a:blip r:embed="rId2">
+              <a:extLst>
+                <a:ext uri="{28A0092B-C50C-407E-A947-70E740481C1C}">
+                  <a14:useLocalDpi xmlns:a14="http://schemas.microsoft.com/office/drawing/2010/main" val="0"/>
+                </a:ext>
+              </a:extLst>
+            </a:blip>
+            <a:srcRect l="50150" t="76460" r="24943"/>
+            <a:stretch>
+              <a:fillRect/>
+            </a:stretch>
+          </p:blipFill>
+          <p:spPr>
+            <a:xfrm>
+              <a:off x="7688179" y="2574575"/>
+              <a:ext cx="1792707" cy="1791309"/>
+            </a:xfrm>
+            <a:prstGeom prst="rect">
+              <a:avLst/>
+            </a:prstGeom>
+          </p:spPr>
+        </p:pic>
+      </p:grpSp>
+    </p:spTree>
+    <p:extLst>
+      <p:ext uri="{BB962C8B-B14F-4D97-AF65-F5344CB8AC3E}">
+        <p14:creationId xmlns:p14="http://schemas.microsoft.com/office/powerpoint/2010/main" val="3869113735"/>
+      </p:ext>
+    </p:extLst>
+  </p:cSld>
+  <p:clrMapOvr>
+    <a:masterClrMapping/>
+  </p:clrMapOvr>
+</p:sld>
+</file>
+
+<file path=ppt/slides/slide14.xml><?xml version="1.0" encoding="utf-8"?>
+<p:sld xmlns:a="http://schemas.openxmlformats.org/drawingml/2006/main" xmlns:r="http://schemas.openxmlformats.org/officeDocument/2006/relationships" xmlns:p="http://schemas.openxmlformats.org/presentationml/2006/main">
+  <p:cSld>
+    <p:spTree>
+      <p:nvGrpSpPr>
         <p:cNvPr id="1" name="Shape 245">
           <a:extLst>
             <a:ext uri="{FF2B5EF4-FFF2-40B4-BE49-F238E27FC236}">
@@ -47318,12 +48301,18 @@
 </p:sld>
 </file>
 
-<file path=ppt/slides/slide11.xml><?xml version="1.0" encoding="utf-8"?>
+<file path=ppt/slides/slide15.xml><?xml version="1.0" encoding="utf-8"?>
 <p:sld xmlns:a="http://schemas.openxmlformats.org/drawingml/2006/main" xmlns:r="http://schemas.openxmlformats.org/officeDocument/2006/relationships" xmlns:p="http://schemas.openxmlformats.org/presentationml/2006/main">
   <p:cSld>
     <p:spTree>
       <p:nvGrpSpPr>
-        <p:cNvPr id="1" name=""/>
+        <p:cNvPr id="1" name="">
+          <a:extLst>
+            <a:ext uri="{FF2B5EF4-FFF2-40B4-BE49-F238E27FC236}">
+              <a16:creationId xmlns:a16="http://schemas.microsoft.com/office/drawing/2014/main" id="{030B6EFD-0000-2E30-F3D1-38F09D64EA30}"/>
+            </a:ext>
+          </a:extLst>
+        </p:cNvPr>
         <p:cNvGrpSpPr/>
         <p:nvPr/>
       </p:nvGrpSpPr>
@@ -47340,7 +48329,7 @@
           <p:cNvPr id="7" name="Title 6">
             <a:extLst>
               <a:ext uri="{FF2B5EF4-FFF2-40B4-BE49-F238E27FC236}">
-                <a16:creationId xmlns:a16="http://schemas.microsoft.com/office/drawing/2014/main" id="{CFDADD71-D303-D397-7315-F704CFB3FC3A}"/>
+                <a16:creationId xmlns:a16="http://schemas.microsoft.com/office/drawing/2014/main" id="{9A89758E-29E1-4F29-669D-654041DAD8DE}"/>
               </a:ext>
             </a:extLst>
           </p:cNvPr>
@@ -47351,22 +48340,63 @@
             <p:ph type="title"/>
           </p:nvPr>
         </p:nvSpPr>
-        <p:spPr/>
+        <p:spPr>
+          <a:xfrm>
+            <a:off x="671242" y="244451"/>
+            <a:ext cx="10272000" cy="763600"/>
+          </a:xfrm>
+        </p:spPr>
         <p:txBody>
           <a:bodyPr/>
           <a:lstStyle/>
           <a:p>
             <a:r>
               <a:rPr lang="en-US" dirty="0"/>
-              <a:t>Pictures??</a:t>
+              <a:t>SVM Decision Boundaries</a:t>
             </a:r>
           </a:p>
         </p:txBody>
       </p:sp>
+      <p:pic>
+        <p:nvPicPr>
+          <p:cNvPr id="3" name="Picture 2" descr="A comparison of a graph&#10;&#10;AI-generated content may be incorrect.">
+            <a:extLst>
+              <a:ext uri="{FF2B5EF4-FFF2-40B4-BE49-F238E27FC236}">
+                <a16:creationId xmlns:a16="http://schemas.microsoft.com/office/drawing/2014/main" id="{E7BB2844-6D50-508F-5CBE-D6169C75F2A6}"/>
+              </a:ext>
+            </a:extLst>
+          </p:cNvPr>
+          <p:cNvPicPr>
+            <a:picLocks noChangeAspect="1"/>
+          </p:cNvPicPr>
+          <p:nvPr/>
+        </p:nvPicPr>
+        <p:blipFill>
+          <a:blip r:embed="rId2">
+            <a:extLst>
+              <a:ext uri="{28A0092B-C50C-407E-A947-70E740481C1C}">
+                <a14:useLocalDpi xmlns:a14="http://schemas.microsoft.com/office/drawing/2010/main" val="0"/>
+              </a:ext>
+            </a:extLst>
+          </a:blip>
+          <a:stretch>
+            <a:fillRect/>
+          </a:stretch>
+        </p:blipFill>
+        <p:spPr>
+          <a:xfrm>
+            <a:off x="329687" y="1325311"/>
+            <a:ext cx="10613555" cy="4472071"/>
+          </a:xfrm>
+          <a:prstGeom prst="rect">
+            <a:avLst/>
+          </a:prstGeom>
+        </p:spPr>
+      </p:pic>
     </p:spTree>
     <p:extLst>
       <p:ext uri="{BB962C8B-B14F-4D97-AF65-F5344CB8AC3E}">
-        <p14:creationId xmlns:p14="http://schemas.microsoft.com/office/powerpoint/2010/main" val="3869113735"/>
+        <p14:creationId xmlns:p14="http://schemas.microsoft.com/office/powerpoint/2010/main" val="8447125"/>
       </p:ext>
     </p:extLst>
   </p:cSld>
@@ -47376,7 +48406,7 @@
 </p:sld>
 </file>
 
-<file path=ppt/slides/slide12.xml><?xml version="1.0" encoding="utf-8"?>
+<file path=ppt/slides/slide16.xml><?xml version="1.0" encoding="utf-8"?>
 <p:sld xmlns:a="http://schemas.openxmlformats.org/drawingml/2006/main" xmlns:r="http://schemas.openxmlformats.org/officeDocument/2006/relationships" xmlns:p="http://schemas.openxmlformats.org/presentationml/2006/main">
   <p:cSld>
     <p:spTree>
@@ -47646,7 +48676,7 @@
 </p:sld>
 </file>
 
-<file path=ppt/slides/slide13.xml><?xml version="1.0" encoding="utf-8"?>
+<file path=ppt/slides/slide17.xml><?xml version="1.0" encoding="utf-8"?>
 <p:sld xmlns:a="http://schemas.openxmlformats.org/drawingml/2006/main" xmlns:r="http://schemas.openxmlformats.org/officeDocument/2006/relationships" xmlns:p="http://schemas.openxmlformats.org/presentationml/2006/main">
   <p:cSld>
     <p:spTree>
@@ -47809,7 +48839,7 @@
 </p:sld>
 </file>
 
-<file path=ppt/slides/slide14.xml><?xml version="1.0" encoding="utf-8"?>
+<file path=ppt/slides/slide18.xml><?xml version="1.0" encoding="utf-8"?>
 <p:sld xmlns:a="http://schemas.openxmlformats.org/drawingml/2006/main" xmlns:r="http://schemas.openxmlformats.org/officeDocument/2006/relationships" xmlns:p="http://schemas.openxmlformats.org/presentationml/2006/main">
   <p:cSld>
     <p:spTree>
@@ -47903,7 +48933,7 @@
 </p:sld>
 </file>
 
-<file path=ppt/slides/slide15.xml><?xml version="1.0" encoding="utf-8"?>
+<file path=ppt/slides/slide19.xml><?xml version="1.0" encoding="utf-8"?>
 <p:sld xmlns:a="http://schemas.openxmlformats.org/drawingml/2006/main" xmlns:r="http://schemas.openxmlformats.org/officeDocument/2006/relationships" xmlns:p="http://schemas.openxmlformats.org/presentationml/2006/main">
   <p:cSld>
     <p:spTree>
@@ -48002,7 +49032,170 @@
 </p:sld>
 </file>
 
-<file path=ppt/slides/slide16.xml><?xml version="1.0" encoding="utf-8"?>
+<file path=ppt/slides/slide2.xml><?xml version="1.0" encoding="utf-8"?>
+<p:sld xmlns:a="http://schemas.openxmlformats.org/drawingml/2006/main" xmlns:r="http://schemas.openxmlformats.org/officeDocument/2006/relationships" xmlns:p="http://schemas.openxmlformats.org/presentationml/2006/main">
+  <p:cSld>
+    <p:spTree>
+      <p:nvGrpSpPr>
+        <p:cNvPr id="1" name="Shape 259"/>
+        <p:cNvGrpSpPr/>
+        <p:nvPr/>
+      </p:nvGrpSpPr>
+      <p:grpSpPr>
+        <a:xfrm>
+          <a:off x="0" y="0"/>
+          <a:ext cx="0" cy="0"/>
+          <a:chOff x="0" y="0"/>
+          <a:chExt cx="0" cy="0"/>
+        </a:xfrm>
+      </p:grpSpPr>
+      <p:sp>
+        <p:nvSpPr>
+          <p:cNvPr id="260" name="Google Shape;260;p33"/>
+          <p:cNvSpPr txBox="1">
+            <a:spLocks noGrp="1"/>
+          </p:cNvSpPr>
+          <p:nvPr>
+            <p:ph type="title"/>
+          </p:nvPr>
+        </p:nvSpPr>
+        <p:spPr>
+          <a:xfrm>
+            <a:off x="970741" y="3590626"/>
+            <a:ext cx="5766390" cy="1122400"/>
+          </a:xfrm>
+          <a:prstGeom prst="rect">
+            <a:avLst/>
+          </a:prstGeom>
+        </p:spPr>
+        <p:txBody>
+          <a:bodyPr spcFirstLastPara="1" wrap="square" lIns="121900" tIns="121900" rIns="121900" bIns="121900" anchor="t" anchorCtr="0">
+            <a:noAutofit/>
+          </a:bodyPr>
+          <a:lstStyle/>
+          <a:p>
+            <a:r>
+              <a:rPr lang="en" sz="4400" dirty="0"/>
+              <a:t>Preprocessing the Data</a:t>
+            </a:r>
+            <a:endParaRPr sz="4400" dirty="0"/>
+          </a:p>
+        </p:txBody>
+      </p:sp>
+      <p:sp>
+        <p:nvSpPr>
+          <p:cNvPr id="261" name="Google Shape;261;p33"/>
+          <p:cNvSpPr txBox="1">
+            <a:spLocks noGrp="1"/>
+          </p:cNvSpPr>
+          <p:nvPr>
+            <p:ph type="title" idx="2"/>
+          </p:nvPr>
+        </p:nvSpPr>
+        <p:spPr>
+          <a:xfrm>
+            <a:off x="970741" y="2125238"/>
+            <a:ext cx="3913700" cy="1122400"/>
+          </a:xfrm>
+          <a:prstGeom prst="rect">
+            <a:avLst/>
+          </a:prstGeom>
+        </p:spPr>
+        <p:txBody>
+          <a:bodyPr spcFirstLastPara="1" wrap="square" lIns="121900" tIns="121900" rIns="121900" bIns="121900" anchor="b" anchorCtr="0">
+            <a:noAutofit/>
+          </a:bodyPr>
+          <a:lstStyle/>
+          <a:p>
+            <a:r>
+              <a:rPr lang="en" dirty="0"/>
+              <a:t>Part 1</a:t>
+            </a:r>
+            <a:endParaRPr dirty="0"/>
+          </a:p>
+        </p:txBody>
+      </p:sp>
+      <p:grpSp>
+        <p:nvGrpSpPr>
+          <p:cNvPr id="262" name="Google Shape;262;p33"/>
+          <p:cNvGrpSpPr/>
+          <p:nvPr/>
+        </p:nvGrpSpPr>
+        <p:grpSpPr>
+          <a:xfrm flipH="1">
+            <a:off x="-124833" y="3361967"/>
+            <a:ext cx="6658000" cy="0"/>
+            <a:chOff x="2220050" y="1547100"/>
+            <a:chExt cx="4993500" cy="0"/>
+          </a:xfrm>
+        </p:grpSpPr>
+        <p:cxnSp>
+          <p:nvCxnSpPr>
+            <p:cNvPr id="263" name="Google Shape;263;p33"/>
+            <p:cNvCxnSpPr/>
+            <p:nvPr/>
+          </p:nvCxnSpPr>
+          <p:spPr>
+            <a:xfrm>
+              <a:off x="2220050" y="1547100"/>
+              <a:ext cx="464400" cy="0"/>
+            </a:xfrm>
+            <a:prstGeom prst="straightConnector1">
+              <a:avLst/>
+            </a:prstGeom>
+            <a:noFill/>
+            <a:ln w="114300" cap="flat" cmpd="sng">
+              <a:solidFill>
+                <a:schemeClr val="dk1"/>
+              </a:solidFill>
+              <a:prstDash val="solid"/>
+              <a:round/>
+              <a:headEnd type="none" w="med" len="med"/>
+              <a:tailEnd type="none" w="med" len="med"/>
+            </a:ln>
+          </p:spPr>
+        </p:cxnSp>
+        <p:cxnSp>
+          <p:nvCxnSpPr>
+            <p:cNvPr id="264" name="Google Shape;264;p33"/>
+            <p:cNvCxnSpPr/>
+            <p:nvPr/>
+          </p:nvCxnSpPr>
+          <p:spPr>
+            <a:xfrm>
+              <a:off x="2684450" y="1547100"/>
+              <a:ext cx="4529100" cy="0"/>
+            </a:xfrm>
+            <a:prstGeom prst="straightConnector1">
+              <a:avLst/>
+            </a:prstGeom>
+            <a:noFill/>
+            <a:ln w="9525" cap="flat" cmpd="sng">
+              <a:solidFill>
+                <a:schemeClr val="dk1"/>
+              </a:solidFill>
+              <a:prstDash val="solid"/>
+              <a:round/>
+              <a:headEnd type="none" w="med" len="med"/>
+              <a:tailEnd type="none" w="med" len="med"/>
+            </a:ln>
+          </p:spPr>
+        </p:cxnSp>
+      </p:grpSp>
+    </p:spTree>
+    <p:extLst>
+      <p:ext uri="{BB962C8B-B14F-4D97-AF65-F5344CB8AC3E}">
+        <p14:creationId xmlns:p14="http://schemas.microsoft.com/office/powerpoint/2010/main" val="3399869354"/>
+      </p:ext>
+    </p:extLst>
+  </p:cSld>
+  <p:clrMapOvr>
+    <a:masterClrMapping/>
+  </p:clrMapOvr>
+</p:sld>
+</file>
+
+<file path=ppt/slides/slide20.xml><?xml version="1.0" encoding="utf-8"?>
 <p:sld xmlns:a="http://schemas.openxmlformats.org/drawingml/2006/main" xmlns:r="http://schemas.openxmlformats.org/officeDocument/2006/relationships" xmlns:p="http://schemas.openxmlformats.org/presentationml/2006/main">
   <p:cSld>
     <p:spTree>
@@ -48108,7 +49301,7 @@
 </p:sld>
 </file>
 
-<file path=ppt/slides/slide17.xml><?xml version="1.0" encoding="utf-8"?>
+<file path=ppt/slides/slide21.xml><?xml version="1.0" encoding="utf-8"?>
 <p:sld xmlns:a="http://schemas.openxmlformats.org/drawingml/2006/main" xmlns:r="http://schemas.openxmlformats.org/officeDocument/2006/relationships" xmlns:p="http://schemas.openxmlformats.org/presentationml/2006/main">
   <p:cSld>
     <p:spTree>
@@ -48214,7 +49407,7 @@
 </p:sld>
 </file>
 
-<file path=ppt/slides/slide18.xml><?xml version="1.0" encoding="utf-8"?>
+<file path=ppt/slides/slide22.xml><?xml version="1.0" encoding="utf-8"?>
 <p:sld xmlns:a="http://schemas.openxmlformats.org/drawingml/2006/main" xmlns:r="http://schemas.openxmlformats.org/officeDocument/2006/relationships" xmlns:p="http://schemas.openxmlformats.org/presentationml/2006/main">
   <p:cSld>
     <p:spTree>
@@ -48313,7 +49506,7 @@
 </p:sld>
 </file>
 
-<file path=ppt/slides/slide19.xml><?xml version="1.0" encoding="utf-8"?>
+<file path=ppt/slides/slide23.xml><?xml version="1.0" encoding="utf-8"?>
 <p:sld xmlns:a="http://schemas.openxmlformats.org/drawingml/2006/main" xmlns:r="http://schemas.openxmlformats.org/officeDocument/2006/relationships" xmlns:p="http://schemas.openxmlformats.org/presentationml/2006/main">
   <p:cSld>
     <p:spTree>
@@ -48935,170 +50128,7 @@
 </p:sld>
 </file>
 
-<file path=ppt/slides/slide2.xml><?xml version="1.0" encoding="utf-8"?>
-<p:sld xmlns:a="http://schemas.openxmlformats.org/drawingml/2006/main" xmlns:r="http://schemas.openxmlformats.org/officeDocument/2006/relationships" xmlns:p="http://schemas.openxmlformats.org/presentationml/2006/main">
-  <p:cSld>
-    <p:spTree>
-      <p:nvGrpSpPr>
-        <p:cNvPr id="1" name="Shape 259"/>
-        <p:cNvGrpSpPr/>
-        <p:nvPr/>
-      </p:nvGrpSpPr>
-      <p:grpSpPr>
-        <a:xfrm>
-          <a:off x="0" y="0"/>
-          <a:ext cx="0" cy="0"/>
-          <a:chOff x="0" y="0"/>
-          <a:chExt cx="0" cy="0"/>
-        </a:xfrm>
-      </p:grpSpPr>
-      <p:sp>
-        <p:nvSpPr>
-          <p:cNvPr id="260" name="Google Shape;260;p33"/>
-          <p:cNvSpPr txBox="1">
-            <a:spLocks noGrp="1"/>
-          </p:cNvSpPr>
-          <p:nvPr>
-            <p:ph type="title"/>
-          </p:nvPr>
-        </p:nvSpPr>
-        <p:spPr>
-          <a:xfrm>
-            <a:off x="970741" y="3590626"/>
-            <a:ext cx="5766390" cy="1122400"/>
-          </a:xfrm>
-          <a:prstGeom prst="rect">
-            <a:avLst/>
-          </a:prstGeom>
-        </p:spPr>
-        <p:txBody>
-          <a:bodyPr spcFirstLastPara="1" wrap="square" lIns="121900" tIns="121900" rIns="121900" bIns="121900" anchor="t" anchorCtr="0">
-            <a:noAutofit/>
-          </a:bodyPr>
-          <a:lstStyle/>
-          <a:p>
-            <a:r>
-              <a:rPr lang="en" sz="4400" dirty="0"/>
-              <a:t>Preprocessing the Data</a:t>
-            </a:r>
-            <a:endParaRPr sz="4400" dirty="0"/>
-          </a:p>
-        </p:txBody>
-      </p:sp>
-      <p:sp>
-        <p:nvSpPr>
-          <p:cNvPr id="261" name="Google Shape;261;p33"/>
-          <p:cNvSpPr txBox="1">
-            <a:spLocks noGrp="1"/>
-          </p:cNvSpPr>
-          <p:nvPr>
-            <p:ph type="title" idx="2"/>
-          </p:nvPr>
-        </p:nvSpPr>
-        <p:spPr>
-          <a:xfrm>
-            <a:off x="970741" y="2125238"/>
-            <a:ext cx="3913700" cy="1122400"/>
-          </a:xfrm>
-          <a:prstGeom prst="rect">
-            <a:avLst/>
-          </a:prstGeom>
-        </p:spPr>
-        <p:txBody>
-          <a:bodyPr spcFirstLastPara="1" wrap="square" lIns="121900" tIns="121900" rIns="121900" bIns="121900" anchor="b" anchorCtr="0">
-            <a:noAutofit/>
-          </a:bodyPr>
-          <a:lstStyle/>
-          <a:p>
-            <a:r>
-              <a:rPr lang="en" dirty="0"/>
-              <a:t>Part 1</a:t>
-            </a:r>
-            <a:endParaRPr dirty="0"/>
-          </a:p>
-        </p:txBody>
-      </p:sp>
-      <p:grpSp>
-        <p:nvGrpSpPr>
-          <p:cNvPr id="262" name="Google Shape;262;p33"/>
-          <p:cNvGrpSpPr/>
-          <p:nvPr/>
-        </p:nvGrpSpPr>
-        <p:grpSpPr>
-          <a:xfrm flipH="1">
-            <a:off x="-124833" y="3361967"/>
-            <a:ext cx="6658000" cy="0"/>
-            <a:chOff x="2220050" y="1547100"/>
-            <a:chExt cx="4993500" cy="0"/>
-          </a:xfrm>
-        </p:grpSpPr>
-        <p:cxnSp>
-          <p:nvCxnSpPr>
-            <p:cNvPr id="263" name="Google Shape;263;p33"/>
-            <p:cNvCxnSpPr/>
-            <p:nvPr/>
-          </p:nvCxnSpPr>
-          <p:spPr>
-            <a:xfrm>
-              <a:off x="2220050" y="1547100"/>
-              <a:ext cx="464400" cy="0"/>
-            </a:xfrm>
-            <a:prstGeom prst="straightConnector1">
-              <a:avLst/>
-            </a:prstGeom>
-            <a:noFill/>
-            <a:ln w="114300" cap="flat" cmpd="sng">
-              <a:solidFill>
-                <a:schemeClr val="dk1"/>
-              </a:solidFill>
-              <a:prstDash val="solid"/>
-              <a:round/>
-              <a:headEnd type="none" w="med" len="med"/>
-              <a:tailEnd type="none" w="med" len="med"/>
-            </a:ln>
-          </p:spPr>
-        </p:cxnSp>
-        <p:cxnSp>
-          <p:nvCxnSpPr>
-            <p:cNvPr id="264" name="Google Shape;264;p33"/>
-            <p:cNvCxnSpPr/>
-            <p:nvPr/>
-          </p:nvCxnSpPr>
-          <p:spPr>
-            <a:xfrm>
-              <a:off x="2684450" y="1547100"/>
-              <a:ext cx="4529100" cy="0"/>
-            </a:xfrm>
-            <a:prstGeom prst="straightConnector1">
-              <a:avLst/>
-            </a:prstGeom>
-            <a:noFill/>
-            <a:ln w="9525" cap="flat" cmpd="sng">
-              <a:solidFill>
-                <a:schemeClr val="dk1"/>
-              </a:solidFill>
-              <a:prstDash val="solid"/>
-              <a:round/>
-              <a:headEnd type="none" w="med" len="med"/>
-              <a:tailEnd type="none" w="med" len="med"/>
-            </a:ln>
-          </p:spPr>
-        </p:cxnSp>
-      </p:grpSp>
-    </p:spTree>
-    <p:extLst>
-      <p:ext uri="{BB962C8B-B14F-4D97-AF65-F5344CB8AC3E}">
-        <p14:creationId xmlns:p14="http://schemas.microsoft.com/office/powerpoint/2010/main" val="3399869354"/>
-      </p:ext>
-    </p:extLst>
-  </p:cSld>
-  <p:clrMapOvr>
-    <a:masterClrMapping/>
-  </p:clrMapOvr>
-</p:sld>
-</file>
-
-<file path=ppt/slides/slide20.xml><?xml version="1.0" encoding="utf-8"?>
+<file path=ppt/slides/slide24.xml><?xml version="1.0" encoding="utf-8"?>
 <p:sld xmlns:a="http://schemas.openxmlformats.org/drawingml/2006/main" xmlns:r="http://schemas.openxmlformats.org/officeDocument/2006/relationships" xmlns:p="http://schemas.openxmlformats.org/presentationml/2006/main">
   <p:cSld>
     <p:spTree>
@@ -50668,18 +51698,60 @@
             <p:ph type="title"/>
           </p:nvPr>
         </p:nvSpPr>
-        <p:spPr/>
+        <p:spPr>
+          <a:xfrm>
+            <a:off x="605590" y="165940"/>
+            <a:ext cx="10272000" cy="763600"/>
+          </a:xfrm>
+        </p:spPr>
         <p:txBody>
           <a:bodyPr/>
           <a:lstStyle/>
           <a:p>
             <a:r>
               <a:rPr lang="en-US" dirty="0"/>
-              <a:t>Pictures??</a:t>
+              <a:t>Adaline SGD (5 / 10 / 15 epochs)</a:t>
             </a:r>
           </a:p>
         </p:txBody>
       </p:sp>
+      <p:pic>
+        <p:nvPicPr>
+          <p:cNvPr id="6" name="Picture 5" descr="A screenshot of a graph&#10;&#10;AI-generated content may be incorrect.">
+            <a:extLst>
+              <a:ext uri="{FF2B5EF4-FFF2-40B4-BE49-F238E27FC236}">
+                <a16:creationId xmlns:a16="http://schemas.microsoft.com/office/drawing/2014/main" id="{0C95D219-0C51-1AF7-B081-A1EABBFBA0A0}"/>
+              </a:ext>
+            </a:extLst>
+          </p:cNvPr>
+          <p:cNvPicPr>
+            <a:picLocks noChangeAspect="1"/>
+          </p:cNvPicPr>
+          <p:nvPr/>
+        </p:nvPicPr>
+        <p:blipFill>
+          <a:blip r:embed="rId2">
+            <a:extLst>
+              <a:ext uri="{28A0092B-C50C-407E-A947-70E740481C1C}">
+                <a14:useLocalDpi xmlns:a14="http://schemas.microsoft.com/office/drawing/2010/main" val="0"/>
+              </a:ext>
+            </a:extLst>
+          </a:blip>
+          <a:srcRect b="40176"/>
+          <a:stretch>
+            <a:fillRect/>
+          </a:stretch>
+        </p:blipFill>
+        <p:spPr>
+          <a:xfrm>
+            <a:off x="605590" y="708257"/>
+            <a:ext cx="10002253" cy="5983803"/>
+          </a:xfrm>
+          <a:prstGeom prst="rect">
+            <a:avLst/>
+          </a:prstGeom>
+        </p:spPr>
+      </p:pic>
     </p:spTree>
     <p:extLst>
       <p:ext uri="{BB962C8B-B14F-4D97-AF65-F5344CB8AC3E}">
@@ -50698,7 +51770,13 @@
   <p:cSld>
     <p:spTree>
       <p:nvGrpSpPr>
-        <p:cNvPr id="1" name="Shape 259"/>
+        <p:cNvPr id="1" name="">
+          <a:extLst>
+            <a:ext uri="{FF2B5EF4-FFF2-40B4-BE49-F238E27FC236}">
+              <a16:creationId xmlns:a16="http://schemas.microsoft.com/office/drawing/2014/main" id="{CD20001D-508A-F188-F6D3-0E9159FEBB15}"/>
+            </a:ext>
+          </a:extLst>
+        </p:cNvPr>
         <p:cNvGrpSpPr/>
         <p:nvPr/>
       </p:nvGrpSpPr>
@@ -50712,8 +51790,14 @@
       </p:grpSpPr>
       <p:sp>
         <p:nvSpPr>
-          <p:cNvPr id="260" name="Google Shape;260;p33"/>
-          <p:cNvSpPr txBox="1">
+          <p:cNvPr id="7" name="Title 6">
+            <a:extLst>
+              <a:ext uri="{FF2B5EF4-FFF2-40B4-BE49-F238E27FC236}">
+                <a16:creationId xmlns:a16="http://schemas.microsoft.com/office/drawing/2014/main" id="{2400C23B-8B63-99E9-A73B-D5D9E1342EB4}"/>
+              </a:ext>
+            </a:extLst>
+          </p:cNvPr>
+          <p:cNvSpPr>
             <a:spLocks noGrp="1"/>
           </p:cNvSpPr>
           <p:nvPr>
@@ -50722,131 +51806,62 @@
         </p:nvSpPr>
         <p:spPr>
           <a:xfrm>
-            <a:off x="970741" y="3590626"/>
-            <a:ext cx="5766390" cy="1122400"/>
+            <a:off x="605590" y="165940"/>
+            <a:ext cx="10272000" cy="763600"/>
+          </a:xfrm>
+        </p:spPr>
+        <p:txBody>
+          <a:bodyPr/>
+          <a:lstStyle/>
+          <a:p>
+            <a:r>
+              <a:rPr lang="en-US" dirty="0"/>
+              <a:t>Adaline SGD (20 / 25 epochs)</a:t>
+            </a:r>
+          </a:p>
+        </p:txBody>
+      </p:sp>
+      <p:pic>
+        <p:nvPicPr>
+          <p:cNvPr id="3" name="Picture 2" descr="A screenshot of a graph&#10;&#10;AI-generated content may be incorrect.">
+            <a:extLst>
+              <a:ext uri="{FF2B5EF4-FFF2-40B4-BE49-F238E27FC236}">
+                <a16:creationId xmlns:a16="http://schemas.microsoft.com/office/drawing/2014/main" id="{1EE2CAE3-4F0A-DE5B-AEB3-C6D38779CD32}"/>
+              </a:ext>
+            </a:extLst>
+          </p:cNvPr>
+          <p:cNvPicPr>
+            <a:picLocks noChangeAspect="1"/>
+          </p:cNvPicPr>
+          <p:nvPr/>
+        </p:nvPicPr>
+        <p:blipFill>
+          <a:blip r:embed="rId2">
+            <a:extLst>
+              <a:ext uri="{28A0092B-C50C-407E-A947-70E740481C1C}">
+                <a14:useLocalDpi xmlns:a14="http://schemas.microsoft.com/office/drawing/2010/main" val="0"/>
+              </a:ext>
+            </a:extLst>
+          </a:blip>
+          <a:srcRect t="60000"/>
+          <a:stretch>
+            <a:fillRect/>
+          </a:stretch>
+        </p:blipFill>
+        <p:spPr>
+          <a:xfrm>
+            <a:off x="269747" y="1264870"/>
+            <a:ext cx="10820649" cy="4328260"/>
           </a:xfrm>
           <a:prstGeom prst="rect">
             <a:avLst/>
           </a:prstGeom>
         </p:spPr>
-        <p:txBody>
-          <a:bodyPr spcFirstLastPara="1" wrap="square" lIns="121900" tIns="121900" rIns="121900" bIns="121900" anchor="t" anchorCtr="0">
-            <a:noAutofit/>
-          </a:bodyPr>
-          <a:lstStyle/>
-          <a:p>
-            <a:r>
-              <a:rPr lang="en" sz="4400" dirty="0"/>
-              <a:t>Logistic Regression &amp; SVM</a:t>
-            </a:r>
-            <a:endParaRPr sz="4400" dirty="0"/>
-          </a:p>
-        </p:txBody>
-      </p:sp>
-      <p:sp>
-        <p:nvSpPr>
-          <p:cNvPr id="261" name="Google Shape;261;p33"/>
-          <p:cNvSpPr txBox="1">
-            <a:spLocks noGrp="1"/>
-          </p:cNvSpPr>
-          <p:nvPr>
-            <p:ph type="title" idx="2"/>
-          </p:nvPr>
-        </p:nvSpPr>
-        <p:spPr>
-          <a:xfrm>
-            <a:off x="970741" y="2125238"/>
-            <a:ext cx="3913700" cy="1122400"/>
-          </a:xfrm>
-          <a:prstGeom prst="rect">
-            <a:avLst/>
-          </a:prstGeom>
-        </p:spPr>
-        <p:txBody>
-          <a:bodyPr spcFirstLastPara="1" wrap="square" lIns="121900" tIns="121900" rIns="121900" bIns="121900" anchor="b" anchorCtr="0">
-            <a:noAutofit/>
-          </a:bodyPr>
-          <a:lstStyle/>
-          <a:p>
-            <a:r>
-              <a:rPr lang="en" dirty="0"/>
-              <a:t>Part 3</a:t>
-            </a:r>
-            <a:endParaRPr dirty="0"/>
-          </a:p>
-        </p:txBody>
-      </p:sp>
-      <p:grpSp>
-        <p:nvGrpSpPr>
-          <p:cNvPr id="262" name="Google Shape;262;p33"/>
-          <p:cNvGrpSpPr/>
-          <p:nvPr/>
-        </p:nvGrpSpPr>
-        <p:grpSpPr>
-          <a:xfrm flipH="1">
-            <a:off x="-124833" y="3361967"/>
-            <a:ext cx="6658000" cy="0"/>
-            <a:chOff x="2220050" y="1547100"/>
-            <a:chExt cx="4993500" cy="0"/>
-          </a:xfrm>
-        </p:grpSpPr>
-        <p:cxnSp>
-          <p:nvCxnSpPr>
-            <p:cNvPr id="263" name="Google Shape;263;p33"/>
-            <p:cNvCxnSpPr/>
-            <p:nvPr/>
-          </p:nvCxnSpPr>
-          <p:spPr>
-            <a:xfrm>
-              <a:off x="2220050" y="1547100"/>
-              <a:ext cx="464400" cy="0"/>
-            </a:xfrm>
-            <a:prstGeom prst="straightConnector1">
-              <a:avLst/>
-            </a:prstGeom>
-            <a:noFill/>
-            <a:ln w="114300" cap="flat" cmpd="sng">
-              <a:solidFill>
-                <a:schemeClr val="dk1"/>
-              </a:solidFill>
-              <a:prstDash val="solid"/>
-              <a:round/>
-              <a:headEnd type="none" w="med" len="med"/>
-              <a:tailEnd type="none" w="med" len="med"/>
-            </a:ln>
-          </p:spPr>
-        </p:cxnSp>
-        <p:cxnSp>
-          <p:nvCxnSpPr>
-            <p:cNvPr id="264" name="Google Shape;264;p33"/>
-            <p:cNvCxnSpPr/>
-            <p:nvPr/>
-          </p:nvCxnSpPr>
-          <p:spPr>
-            <a:xfrm>
-              <a:off x="2684450" y="1547100"/>
-              <a:ext cx="4529100" cy="0"/>
-            </a:xfrm>
-            <a:prstGeom prst="straightConnector1">
-              <a:avLst/>
-            </a:prstGeom>
-            <a:noFill/>
-            <a:ln w="9525" cap="flat" cmpd="sng">
-              <a:solidFill>
-                <a:schemeClr val="dk1"/>
-              </a:solidFill>
-              <a:prstDash val="solid"/>
-              <a:round/>
-              <a:headEnd type="none" w="med" len="med"/>
-              <a:tailEnd type="none" w="med" len="med"/>
-            </a:ln>
-          </p:spPr>
-        </p:cxnSp>
-      </p:grpSp>
+      </p:pic>
     </p:spTree>
     <p:extLst>
       <p:ext uri="{BB962C8B-B14F-4D97-AF65-F5344CB8AC3E}">
-        <p14:creationId xmlns:p14="http://schemas.microsoft.com/office/powerpoint/2010/main" val="3316156399"/>
+        <p14:creationId xmlns:p14="http://schemas.microsoft.com/office/powerpoint/2010/main" val="2288487160"/>
       </p:ext>
     </p:extLst>
   </p:cSld>
@@ -50861,7 +51876,13 @@
   <p:cSld>
     <p:spTree>
       <p:nvGrpSpPr>
-        <p:cNvPr id="1" name="Shape 245"/>
+        <p:cNvPr id="1" name="">
+          <a:extLst>
+            <a:ext uri="{FF2B5EF4-FFF2-40B4-BE49-F238E27FC236}">
+              <a16:creationId xmlns:a16="http://schemas.microsoft.com/office/drawing/2014/main" id="{4EA4AC43-D84B-950B-CA93-9B8CBC2E979C}"/>
+            </a:ext>
+          </a:extLst>
+        </p:cNvPr>
         <p:cNvGrpSpPr/>
         <p:nvPr/>
       </p:nvGrpSpPr>
@@ -50875,8 +51896,14 @@
       </p:grpSpPr>
       <p:sp>
         <p:nvSpPr>
-          <p:cNvPr id="246" name="Google Shape;246;p32"/>
-          <p:cNvSpPr txBox="1">
+          <p:cNvPr id="7" name="Title 6">
+            <a:extLst>
+              <a:ext uri="{FF2B5EF4-FFF2-40B4-BE49-F238E27FC236}">
+                <a16:creationId xmlns:a16="http://schemas.microsoft.com/office/drawing/2014/main" id="{F335A929-FE4C-C748-325B-F928706486D3}"/>
+              </a:ext>
+            </a:extLst>
+          </p:cNvPr>
+          <p:cNvSpPr>
             <a:spLocks noGrp="1"/>
           </p:cNvSpPr>
           <p:nvPr>
@@ -50885,483 +51912,62 @@
         </p:nvSpPr>
         <p:spPr>
           <a:xfrm>
-            <a:off x="960000" y="593367"/>
+            <a:off x="605590" y="165940"/>
             <a:ext cx="10272000" cy="763600"/>
+          </a:xfrm>
+        </p:spPr>
+        <p:txBody>
+          <a:bodyPr/>
+          <a:lstStyle/>
+          <a:p>
+            <a:r>
+              <a:rPr lang="en-US" dirty="0"/>
+              <a:t>Perceptron (5 / 10 / 15 epochs)</a:t>
+            </a:r>
+          </a:p>
+        </p:txBody>
+      </p:sp>
+      <p:pic>
+        <p:nvPicPr>
+          <p:cNvPr id="4" name="Picture 3" descr="A screenshot of a graph&#10;&#10;AI-generated content may be incorrect.">
+            <a:extLst>
+              <a:ext uri="{FF2B5EF4-FFF2-40B4-BE49-F238E27FC236}">
+                <a16:creationId xmlns:a16="http://schemas.microsoft.com/office/drawing/2014/main" id="{EA3AF310-5411-9F03-209F-9E483EB472A1}"/>
+              </a:ext>
+            </a:extLst>
+          </p:cNvPr>
+          <p:cNvPicPr>
+            <a:picLocks noChangeAspect="1"/>
+          </p:cNvPicPr>
+          <p:nvPr/>
+        </p:nvPicPr>
+        <p:blipFill>
+          <a:blip r:embed="rId2">
+            <a:extLst>
+              <a:ext uri="{28A0092B-C50C-407E-A947-70E740481C1C}">
+                <a14:useLocalDpi xmlns:a14="http://schemas.microsoft.com/office/drawing/2010/main" val="0"/>
+              </a:ext>
+            </a:extLst>
+          </a:blip>
+          <a:srcRect t="4134" b="38829"/>
+          <a:stretch>
+            <a:fillRect/>
+          </a:stretch>
+        </p:blipFill>
+        <p:spPr>
+          <a:xfrm>
+            <a:off x="605590" y="648454"/>
+            <a:ext cx="10272000" cy="6012412"/>
           </a:xfrm>
           <a:prstGeom prst="rect">
             <a:avLst/>
           </a:prstGeom>
         </p:spPr>
-        <p:txBody>
-          <a:bodyPr spcFirstLastPara="1" wrap="square" lIns="121900" tIns="121900" rIns="121900" bIns="121900" anchor="t" anchorCtr="0">
-            <a:noAutofit/>
-          </a:bodyPr>
-          <a:lstStyle/>
-          <a:p>
-            <a:r>
-              <a:rPr lang="en" dirty="0"/>
-              <a:t>Logistic Regression</a:t>
-            </a:r>
-            <a:endParaRPr dirty="0"/>
-          </a:p>
-        </p:txBody>
-      </p:sp>
-      <p:sp>
-        <p:nvSpPr>
-          <p:cNvPr id="247" name="Google Shape;247;p32"/>
-          <p:cNvSpPr txBox="1">
-            <a:spLocks noGrp="1"/>
-          </p:cNvSpPr>
-          <p:nvPr>
-            <p:ph type="subTitle" idx="4"/>
-          </p:nvPr>
-        </p:nvSpPr>
-        <p:spPr>
-          <a:xfrm>
-            <a:off x="959917" y="1612143"/>
-            <a:ext cx="2907710" cy="763600"/>
-          </a:xfrm>
-          <a:prstGeom prst="rect">
-            <a:avLst/>
-          </a:prstGeom>
-          <a:ln>
-            <a:solidFill>
-              <a:schemeClr val="tx1"/>
-            </a:solidFill>
-          </a:ln>
-        </p:spPr>
-        <p:txBody>
-          <a:bodyPr spcFirstLastPara="1" wrap="square" lIns="121900" tIns="121900" rIns="121900" bIns="121900" anchor="b" anchorCtr="0">
-            <a:noAutofit/>
-          </a:bodyPr>
-          <a:lstStyle/>
-          <a:p>
-            <a:pPr marL="0" indent="0"/>
-            <a:r>
-              <a:rPr lang="en" sz="2400" dirty="0"/>
-              <a:t>Methodology</a:t>
-            </a:r>
-            <a:endParaRPr sz="2400" dirty="0"/>
-          </a:p>
-        </p:txBody>
-      </p:sp>
-      <p:sp>
-        <p:nvSpPr>
-          <p:cNvPr id="248" name="Google Shape;248;p32"/>
-          <p:cNvSpPr txBox="1">
-            <a:spLocks noGrp="1"/>
-          </p:cNvSpPr>
-          <p:nvPr>
-            <p:ph type="subTitle" idx="5"/>
-          </p:nvPr>
-        </p:nvSpPr>
-        <p:spPr>
-          <a:xfrm>
-            <a:off x="3867627" y="1612143"/>
-            <a:ext cx="4456658" cy="763601"/>
-          </a:xfrm>
-          <a:prstGeom prst="rect">
-            <a:avLst/>
-          </a:prstGeom>
-          <a:ln>
-            <a:solidFill>
-              <a:schemeClr val="tx1"/>
-            </a:solidFill>
-          </a:ln>
-        </p:spPr>
-        <p:txBody>
-          <a:bodyPr spcFirstLastPara="1" wrap="square" lIns="121900" tIns="121900" rIns="121900" bIns="121900" anchor="b" anchorCtr="0">
-            <a:noAutofit/>
-          </a:bodyPr>
-          <a:lstStyle/>
-          <a:p>
-            <a:pPr marL="0" indent="0"/>
-            <a:r>
-              <a:rPr lang="en" sz="2400" dirty="0"/>
-              <a:t>Challenges</a:t>
-            </a:r>
-            <a:endParaRPr sz="2400" dirty="0"/>
-          </a:p>
-        </p:txBody>
-      </p:sp>
-      <p:sp>
-        <p:nvSpPr>
-          <p:cNvPr id="249" name="Google Shape;249;p32"/>
-          <p:cNvSpPr txBox="1">
-            <a:spLocks noGrp="1"/>
-          </p:cNvSpPr>
-          <p:nvPr>
-            <p:ph type="subTitle" idx="1"/>
-          </p:nvPr>
-        </p:nvSpPr>
-        <p:spPr>
-          <a:xfrm>
-            <a:off x="959920" y="2375743"/>
-            <a:ext cx="2907711" cy="3218543"/>
-          </a:xfrm>
-          <a:prstGeom prst="rect">
-            <a:avLst/>
-          </a:prstGeom>
-          <a:ln>
-            <a:solidFill>
-              <a:schemeClr val="tx1"/>
-            </a:solidFill>
-          </a:ln>
-        </p:spPr>
-        <p:txBody>
-          <a:bodyPr spcFirstLastPara="1" wrap="square" lIns="121900" tIns="121900" rIns="121900" bIns="121900" anchor="t" anchorCtr="0">
-            <a:noAutofit/>
-          </a:bodyPr>
-          <a:lstStyle/>
-          <a:p>
-            <a:pPr marL="171450" indent="-171450">
-              <a:spcAft>
-                <a:spcPts val="600"/>
-              </a:spcAft>
-              <a:buFont typeface="Arial" panose="020B0604020202020204" pitchFamily="34" charset="0"/>
-              <a:buChar char="•"/>
-            </a:pPr>
-            <a:r>
-              <a:rPr lang="en-US" dirty="0"/>
-              <a:t>- L-BFGS solver for convergence optimization</a:t>
-            </a:r>
-          </a:p>
-          <a:p>
-            <a:pPr marL="171450" indent="-171450">
-              <a:spcAft>
-                <a:spcPts val="600"/>
-              </a:spcAft>
-              <a:buFont typeface="Arial" panose="020B0604020202020204" pitchFamily="34" charset="0"/>
-              <a:buChar char="•"/>
-            </a:pPr>
-            <a:r>
-              <a:rPr lang="en-US" dirty="0"/>
-              <a:t>  - L2 regularization with C parameter tuning</a:t>
-            </a:r>
-          </a:p>
-          <a:p>
-            <a:pPr marL="171450" indent="-171450">
-              <a:spcAft>
-                <a:spcPts val="600"/>
-              </a:spcAft>
-              <a:buFont typeface="Arial" panose="020B0604020202020204" pitchFamily="34" charset="0"/>
-              <a:buChar char="•"/>
-            </a:pPr>
-            <a:r>
-              <a:rPr lang="en-US" dirty="0"/>
-              <a:t>  - </a:t>
-            </a:r>
-            <a:r>
-              <a:rPr lang="en-US" dirty="0" err="1"/>
-              <a:t>GridSearchCV</a:t>
-            </a:r>
-            <a:r>
-              <a:rPr lang="en-US" dirty="0"/>
-              <a:t> with 5-fold cross-validation</a:t>
-            </a:r>
-          </a:p>
-          <a:p>
-            <a:pPr marL="171450" indent="-171450">
-              <a:spcAft>
-                <a:spcPts val="600"/>
-              </a:spcAft>
-              <a:buFont typeface="Arial" panose="020B0604020202020204" pitchFamily="34" charset="0"/>
-              <a:buChar char="•"/>
-            </a:pPr>
-            <a:r>
-              <a:rPr lang="en-US" dirty="0"/>
-              <a:t>  - C values from 0.01 to 100 (logarithmic scale)</a:t>
-            </a:r>
-          </a:p>
-          <a:p>
-            <a:pPr marL="171450" indent="-171450">
-              <a:spcAft>
-                <a:spcPts val="600"/>
-              </a:spcAft>
-              <a:buFont typeface="Arial" panose="020B0604020202020204" pitchFamily="34" charset="0"/>
-              <a:buChar char="•"/>
-            </a:pPr>
-            <a:r>
-              <a:rPr lang="en-US" dirty="0"/>
-              <a:t>  - Required </a:t>
-            </a:r>
-            <a:r>
-              <a:rPr lang="en-US" dirty="0" err="1"/>
-              <a:t>max_iter</a:t>
-            </a:r>
-            <a:r>
-              <a:rPr lang="en-US" dirty="0"/>
-              <a:t>=300 for stable convergence</a:t>
-            </a:r>
-          </a:p>
-          <a:p>
-            <a:pPr marL="171450" indent="-171450">
-              <a:spcAft>
-                <a:spcPts val="600"/>
-              </a:spcAft>
-              <a:buFont typeface="Arial" panose="020B0604020202020204" pitchFamily="34" charset="0"/>
-              <a:buChar char="•"/>
-            </a:pPr>
-            <a:r>
-              <a:rPr lang="en-US" dirty="0"/>
-              <a:t>  - Decision boundary visualization for all numerical feature pairs</a:t>
-            </a:r>
-            <a:endParaRPr dirty="0"/>
-          </a:p>
-        </p:txBody>
-      </p:sp>
-      <p:sp>
-        <p:nvSpPr>
-          <p:cNvPr id="250" name="Google Shape;250;p32"/>
-          <p:cNvSpPr txBox="1">
-            <a:spLocks noGrp="1"/>
-          </p:cNvSpPr>
-          <p:nvPr>
-            <p:ph type="subTitle" idx="2"/>
-          </p:nvPr>
-        </p:nvSpPr>
-        <p:spPr>
-          <a:xfrm>
-            <a:off x="3867632" y="2375743"/>
-            <a:ext cx="4456667" cy="3218548"/>
-          </a:xfrm>
-          <a:prstGeom prst="rect">
-            <a:avLst/>
-          </a:prstGeom>
-          <a:ln>
-            <a:solidFill>
-              <a:schemeClr val="tx1"/>
-            </a:solidFill>
-          </a:ln>
-        </p:spPr>
-        <p:txBody>
-          <a:bodyPr spcFirstLastPara="1" wrap="square" lIns="121900" tIns="121900" rIns="121900" bIns="121900" anchor="t" anchorCtr="0">
-            <a:noAutofit/>
-          </a:bodyPr>
-          <a:lstStyle/>
-          <a:p>
-            <a:pPr marL="323850" indent="-171450">
-              <a:spcAft>
-                <a:spcPts val="600"/>
-              </a:spcAft>
-              <a:buFont typeface="Arial" panose="020B0604020202020204" pitchFamily="34" charset="0"/>
-              <a:buChar char="•"/>
-            </a:pPr>
-            <a:r>
-              <a:rPr lang="en-US" dirty="0"/>
-              <a:t>Convergence issues requiring increased </a:t>
-            </a:r>
-            <a:r>
-              <a:rPr lang="en-US" dirty="0" err="1"/>
-              <a:t>max_iter</a:t>
-            </a:r>
-            <a:r>
-              <a:rPr lang="en-US" dirty="0"/>
-              <a:t> to 300</a:t>
-            </a:r>
-          </a:p>
-          <a:p>
-            <a:pPr marL="323850" indent="-171450">
-              <a:spcAft>
-                <a:spcPts val="600"/>
-              </a:spcAft>
-              <a:buFont typeface="Arial" panose="020B0604020202020204" pitchFamily="34" charset="0"/>
-              <a:buChar char="•"/>
-            </a:pPr>
-            <a:r>
-              <a:rPr lang="en-US" dirty="0"/>
-              <a:t>Large parameter search space (20 C values)</a:t>
-            </a:r>
-          </a:p>
-          <a:p>
-            <a:pPr marL="323850" indent="-171450">
-              <a:spcAft>
-                <a:spcPts val="600"/>
-              </a:spcAft>
-              <a:buFont typeface="Arial" panose="020B0604020202020204" pitchFamily="34" charset="0"/>
-              <a:buChar char="•"/>
-            </a:pPr>
-            <a:r>
-              <a:rPr lang="en-US" dirty="0"/>
-              <a:t>Computational time for </a:t>
-            </a:r>
-            <a:r>
-              <a:rPr lang="en-US" dirty="0" err="1"/>
-              <a:t>GridSearchCV</a:t>
-            </a:r>
-            <a:r>
-              <a:rPr lang="en-US" dirty="0"/>
-              <a:t> (100 total fits)</a:t>
-            </a:r>
-          </a:p>
-          <a:p>
-            <a:pPr marL="323850" indent="-171450">
-              <a:spcAft>
-                <a:spcPts val="600"/>
-              </a:spcAft>
-              <a:buFont typeface="Arial" panose="020B0604020202020204" pitchFamily="34" charset="0"/>
-              <a:buChar char="•"/>
-            </a:pPr>
-            <a:r>
-              <a:rPr lang="en-US" dirty="0"/>
-              <a:t>Linear decision boundary limitations for complex patterns</a:t>
-            </a:r>
-            <a:endParaRPr dirty="0"/>
-          </a:p>
-        </p:txBody>
-      </p:sp>
-      <p:sp>
-        <p:nvSpPr>
-          <p:cNvPr id="251" name="Google Shape;251;p32"/>
-          <p:cNvSpPr txBox="1">
-            <a:spLocks noGrp="1"/>
-          </p:cNvSpPr>
-          <p:nvPr>
-            <p:ph type="subTitle" idx="3"/>
-          </p:nvPr>
-        </p:nvSpPr>
-        <p:spPr>
-          <a:xfrm>
-            <a:off x="8324299" y="2375742"/>
-            <a:ext cx="2907701" cy="3218535"/>
-          </a:xfrm>
-          <a:prstGeom prst="rect">
-            <a:avLst/>
-          </a:prstGeom>
-          <a:ln>
-            <a:solidFill>
-              <a:schemeClr val="tx1"/>
-            </a:solidFill>
-          </a:ln>
-        </p:spPr>
-        <p:txBody>
-          <a:bodyPr spcFirstLastPara="1" wrap="square" lIns="121900" tIns="121900" rIns="121900" bIns="121900" anchor="t" anchorCtr="0">
-            <a:noAutofit/>
-          </a:bodyPr>
-          <a:lstStyle/>
-          <a:p>
-            <a:pPr marL="171450" indent="-171450">
-              <a:spcAft>
-                <a:spcPts val="600"/>
-              </a:spcAft>
-              <a:buFont typeface="Arial" panose="020B0604020202020204" pitchFamily="34" charset="0"/>
-              <a:buChar char="•"/>
-            </a:pPr>
-            <a:r>
-              <a:rPr lang="en-US" dirty="0"/>
-              <a:t>Best Cross-validation Accuracy: 85.09%</a:t>
-            </a:r>
-          </a:p>
-          <a:p>
-            <a:pPr marL="171450" indent="-171450">
-              <a:spcAft>
-                <a:spcPts val="600"/>
-              </a:spcAft>
-              <a:buFont typeface="Arial" panose="020B0604020202020204" pitchFamily="34" charset="0"/>
-              <a:buChar char="•"/>
-            </a:pPr>
-            <a:r>
-              <a:rPr lang="en-US" dirty="0"/>
-              <a:t>Test Set Accuracy: 84.89%</a:t>
-            </a:r>
-          </a:p>
-          <a:p>
-            <a:pPr marL="171450" indent="-171450">
-              <a:spcAft>
-                <a:spcPts val="600"/>
-              </a:spcAft>
-              <a:buFont typeface="Arial" panose="020B0604020202020204" pitchFamily="34" charset="0"/>
-              <a:buChar char="•"/>
-            </a:pPr>
-            <a:r>
-              <a:rPr lang="en-US" dirty="0"/>
-              <a:t>Optimal Parameters: C = 0.785</a:t>
-            </a:r>
-          </a:p>
-          <a:p>
-            <a:pPr marL="171450" indent="-171450">
-              <a:spcAft>
-                <a:spcPts val="600"/>
-              </a:spcAft>
-              <a:buFont typeface="Arial" panose="020B0604020202020204" pitchFamily="34" charset="0"/>
-              <a:buChar char="•"/>
-            </a:pPr>
-            <a:r>
-              <a:rPr lang="en-US" dirty="0"/>
-              <a:t>Confusion Matrix: 3,693 TN, 311 FP, 476 FN, 730 TP</a:t>
-            </a:r>
-          </a:p>
-          <a:p>
-            <a:pPr marL="171450" indent="-171450">
-              <a:spcAft>
-                <a:spcPts val="600"/>
-              </a:spcAft>
-              <a:buFont typeface="Arial" panose="020B0604020202020204" pitchFamily="34" charset="0"/>
-              <a:buChar char="•"/>
-            </a:pPr>
-            <a:r>
-              <a:rPr lang="en-US" dirty="0"/>
-              <a:t>Precision: 0.70 (class 1), 0.89 (class 0)</a:t>
-            </a:r>
-          </a:p>
-          <a:p>
-            <a:pPr marL="171450" indent="-171450">
-              <a:spcAft>
-                <a:spcPts val="600"/>
-              </a:spcAft>
-              <a:buFont typeface="Arial" panose="020B0604020202020204" pitchFamily="34" charset="0"/>
-              <a:buChar char="•"/>
-            </a:pPr>
-            <a:r>
-              <a:rPr lang="en-US" dirty="0"/>
-              <a:t>Recall: 0.61 (class 1), 0.92 (class 0)</a:t>
-            </a:r>
-          </a:p>
-        </p:txBody>
-      </p:sp>
-      <p:sp>
-        <p:nvSpPr>
-          <p:cNvPr id="252" name="Google Shape;252;p32"/>
-          <p:cNvSpPr txBox="1">
-            <a:spLocks noGrp="1"/>
-          </p:cNvSpPr>
-          <p:nvPr>
-            <p:ph type="subTitle" idx="6"/>
-          </p:nvPr>
-        </p:nvSpPr>
-        <p:spPr>
-          <a:xfrm>
-            <a:off x="8324290" y="1612143"/>
-            <a:ext cx="2907710" cy="763602"/>
-          </a:xfrm>
-          <a:prstGeom prst="rect">
-            <a:avLst/>
-          </a:prstGeom>
-          <a:ln>
-            <a:solidFill>
-              <a:schemeClr val="tx1"/>
-            </a:solidFill>
-          </a:ln>
-        </p:spPr>
-        <p:txBody>
-          <a:bodyPr spcFirstLastPara="1" wrap="square" lIns="121900" tIns="121900" rIns="121900" bIns="121900" anchor="b" anchorCtr="0">
-            <a:noAutofit/>
-          </a:bodyPr>
-          <a:lstStyle/>
-          <a:p>
-            <a:pPr marL="0" indent="0"/>
-            <a:r>
-              <a:rPr lang="en" sz="2400" dirty="0"/>
-              <a:t>Results</a:t>
-            </a:r>
-            <a:endParaRPr sz="2400" dirty="0"/>
-          </a:p>
-        </p:txBody>
-      </p:sp>
+      </p:pic>
     </p:spTree>
     <p:extLst>
       <p:ext uri="{BB962C8B-B14F-4D97-AF65-F5344CB8AC3E}">
-        <p14:creationId xmlns:p14="http://schemas.microsoft.com/office/powerpoint/2010/main" val="1213768795"/>
+        <p14:creationId xmlns:p14="http://schemas.microsoft.com/office/powerpoint/2010/main" val="2685461797"/>
       </p:ext>
     </p:extLst>
   </p:cSld>
@@ -52510,12 +53116,6 @@
 </file>
 
 <file path=customXml/item1.xml><?xml version="1.0" encoding="utf-8"?>
-<p:properties xmlns:p="http://schemas.microsoft.com/office/2006/metadata/properties" xmlns:xsi="http://www.w3.org/2001/XMLSchema-instance" xmlns:pc="http://schemas.microsoft.com/office/infopath/2007/PartnerControls">
-  <documentManagement/>
-</p:properties>
-</file>
-
-<file path=customXml/item2.xml><?xml version="1.0" encoding="utf-8"?>
 <?mso-contentType ?>
 <FormTemplates xmlns="http://schemas.microsoft.com/sharepoint/v3/contenttype/forms">
   <Display>DocumentLibraryForm</Display>
@@ -52524,7 +53124,7 @@
 </FormTemplates>
 </file>
 
-<file path=customXml/item3.xml><?xml version="1.0" encoding="utf-8"?>
+<file path=customXml/item2.xml><?xml version="1.0" encoding="utf-8"?>
 <ct:contentTypeSchema xmlns:ct="http://schemas.microsoft.com/office/2006/metadata/contentType" xmlns:ma="http://schemas.microsoft.com/office/2006/metadata/properties/metaAttributes" ct:_="" ma:_="" ma:contentTypeName="Document" ma:contentTypeID="0x010100A2980AF668775C489F286D3ACC930043" ma:contentTypeVersion="3" ma:contentTypeDescription="Create a new document." ma:contentTypeScope="" ma:versionID="7c5c9651b1cc8a4dcfd74fcd40ef1255">
   <xsd:schema xmlns:xsd="http://www.w3.org/2001/XMLSchema" xmlns:xs="http://www.w3.org/2001/XMLSchema" xmlns:p="http://schemas.microsoft.com/office/2006/metadata/properties" xmlns:ns2="1f16dbf7-1624-42b0-94f0-c170d6d8c99c" targetNamespace="http://schemas.microsoft.com/office/2006/metadata/properties" ma:root="true" ma:fieldsID="3a6ed51a2a70db089d9b560b51ffe8cc" ns2:_="">
     <xsd:import namespace="1f16dbf7-1624-42b0-94f0-c170d6d8c99c"/>
@@ -52662,23 +53262,13 @@
 </ct:contentTypeSchema>
 </file>
 
-<file path=customXml/itemProps1.xml><?xml version="1.0" encoding="utf-8"?>
-<ds:datastoreItem xmlns:ds="http://schemas.openxmlformats.org/officeDocument/2006/customXml" ds:itemID="{CBC51F0B-AD1D-429D-8DF3-FC6ABB1F1DD6}">
-  <ds:schemaRefs>
-    <ds:schemaRef ds:uri="http://purl.org/dc/terms/"/>
-    <ds:schemaRef ds:uri="http://purl.org/dc/dcmitype/"/>
-    <ds:schemaRef ds:uri="http://schemas.microsoft.com/office/2006/documentManagement/types"/>
-    <ds:schemaRef ds:uri="http://www.w3.org/XML/1998/namespace"/>
-    <ds:schemaRef ds:uri="http://schemas.microsoft.com/office/infopath/2007/PartnerControls"/>
-    <ds:schemaRef ds:uri="http://schemas.openxmlformats.org/package/2006/metadata/core-properties"/>
-    <ds:schemaRef ds:uri="1f16dbf7-1624-42b0-94f0-c170d6d8c99c"/>
-    <ds:schemaRef ds:uri="http://schemas.microsoft.com/office/2006/metadata/properties"/>
-    <ds:schemaRef ds:uri="http://purl.org/dc/elements/1.1/"/>
-  </ds:schemaRefs>
-</ds:datastoreItem>
+<file path=customXml/item3.xml><?xml version="1.0" encoding="utf-8"?>
+<p:properties xmlns:p="http://schemas.microsoft.com/office/2006/metadata/properties" xmlns:xsi="http://www.w3.org/2001/XMLSchema-instance" xmlns:pc="http://schemas.microsoft.com/office/infopath/2007/PartnerControls">
+  <documentManagement/>
+</p:properties>
 </file>
 
-<file path=customXml/itemProps2.xml><?xml version="1.0" encoding="utf-8"?>
+<file path=customXml/itemProps1.xml><?xml version="1.0" encoding="utf-8"?>
 <ds:datastoreItem xmlns:ds="http://schemas.openxmlformats.org/officeDocument/2006/customXml" ds:itemID="{476E9091-9C02-40F7-8824-5283B494FEC7}">
   <ds:schemaRefs>
     <ds:schemaRef ds:uri="http://schemas.microsoft.com/sharepoint/v3/contenttype/forms"/>
@@ -52686,7 +53276,7 @@
 </ds:datastoreItem>
 </file>
 
-<file path=customXml/itemProps3.xml><?xml version="1.0" encoding="utf-8"?>
+<file path=customXml/itemProps2.xml><?xml version="1.0" encoding="utf-8"?>
 <ds:datastoreItem xmlns:ds="http://schemas.openxmlformats.org/officeDocument/2006/customXml" ds:itemID="{58F29B6A-6356-441D-8343-7E25C4B84F9B}">
   <ds:schemaRefs>
     <ds:schemaRef ds:uri="http://schemas.microsoft.com/office/2006/metadata/contentType"/>
@@ -52702,4 +53292,20 @@
     <ds:schemaRef ds:uri="http://schemas.microsoft.com/internal/obd"/>
   </ds:schemaRefs>
 </ds:datastoreItem>
+</file>
+
+<file path=customXml/itemProps3.xml><?xml version="1.0" encoding="utf-8"?>
+<ds:datastoreItem xmlns:ds="http://schemas.openxmlformats.org/officeDocument/2006/customXml" ds:itemID="{CBC51F0B-AD1D-429D-8DF3-FC6ABB1F1DD6}">
+  <ds:schemaRefs>
+    <ds:schemaRef ds:uri="http://purl.org/dc/terms/"/>
+    <ds:schemaRef ds:uri="http://purl.org/dc/dcmitype/"/>
+    <ds:schemaRef ds:uri="http://schemas.microsoft.com/office/2006/documentManagement/types"/>
+    <ds:schemaRef ds:uri="http://www.w3.org/XML/1998/namespace"/>
+    <ds:schemaRef ds:uri="http://schemas.microsoft.com/office/infopath/2007/PartnerControls"/>
+    <ds:schemaRef ds:uri="http://schemas.openxmlformats.org/package/2006/metadata/core-properties"/>
+    <ds:schemaRef ds:uri="1f16dbf7-1624-42b0-94f0-c170d6d8c99c"/>
+    <ds:schemaRef ds:uri="http://schemas.microsoft.com/office/2006/metadata/properties"/>
+    <ds:schemaRef ds:uri="http://purl.org/dc/elements/1.1/"/>
+  </ds:schemaRefs>
+</ds:datastoreItem>
 </file>
--- a/projects/project_1/results/Project_1_Presentation.pptx
+++ b/projects/project_1/results/Project_1_Presentation.pptx
@@ -13,7 +13,7 @@
     <p:sldId id="261" r:id="rId7"/>
     <p:sldId id="264" r:id="rId8"/>
     <p:sldId id="274" r:id="rId9"/>
-    <p:sldId id="277" r:id="rId10"/>
+    <p:sldId id="289" r:id="rId10"/>
     <p:sldId id="265" r:id="rId11"/>
     <p:sldId id="281" r:id="rId12"/>
     <p:sldId id="278" r:id="rId13"/>
@@ -1233,7 +1233,7 @@
           <a:p>
             <a:fld id="{B6FD6BE2-EA2E-6E41-9967-AB7622447780}" type="datetimeFigureOut">
               <a:rPr lang="en-US" smtClean="0"/>
-              <a:t>9/27/25</a:t>
+              <a:t>9/28/25</a:t>
             </a:fld>
             <a:endParaRPr lang="en-US"/>
           </a:p>
@@ -46858,6 +46858,64 @@
           </a:prstGeom>
         </p:spPr>
       </p:pic>
+      <p:sp>
+        <p:nvSpPr>
+          <p:cNvPr id="2" name="Rectangle 1">
+            <a:extLst>
+              <a:ext uri="{FF2B5EF4-FFF2-40B4-BE49-F238E27FC236}">
+                <a16:creationId xmlns:a16="http://schemas.microsoft.com/office/drawing/2014/main" id="{C237452E-FD04-B2D1-B3AF-6CAB6BE4D573}"/>
+              </a:ext>
+            </a:extLst>
+          </p:cNvPr>
+          <p:cNvSpPr/>
+          <p:nvPr/>
+        </p:nvSpPr>
+        <p:spPr>
+          <a:xfrm>
+            <a:off x="2623457" y="3526970"/>
+            <a:ext cx="1872343" cy="1839687"/>
+          </a:xfrm>
+          <a:prstGeom prst="rect">
+            <a:avLst/>
+          </a:prstGeom>
+          <a:solidFill>
+            <a:schemeClr val="bg2">
+              <a:lumMod val="60000"/>
+              <a:lumOff val="40000"/>
+              <a:alpha val="23137"/>
+            </a:schemeClr>
+          </a:solidFill>
+          <a:ln>
+            <a:solidFill>
+              <a:schemeClr val="bg2"/>
+            </a:solidFill>
+          </a:ln>
+        </p:spPr>
+        <p:style>
+          <a:lnRef idx="2">
+            <a:schemeClr val="accent1">
+              <a:shade val="15000"/>
+            </a:schemeClr>
+          </a:lnRef>
+          <a:fillRef idx="1">
+            <a:schemeClr val="accent1"/>
+          </a:fillRef>
+          <a:effectRef idx="0">
+            <a:schemeClr val="accent1"/>
+          </a:effectRef>
+          <a:fontRef idx="minor">
+            <a:schemeClr val="lt1"/>
+          </a:fontRef>
+        </p:style>
+        <p:txBody>
+          <a:bodyPr rtlCol="0" anchor="ctr"/>
+          <a:lstStyle/>
+          <a:p>
+            <a:pPr algn="ctr"/>
+            <a:endParaRPr lang="en-US"/>
+          </a:p>
+        </p:txBody>
+      </p:sp>
     </p:spTree>
     <p:extLst>
       <p:ext uri="{BB962C8B-B14F-4D97-AF65-F5344CB8AC3E}">
@@ -47914,8 +47972,8 @@
         </p:nvSpPr>
         <p:spPr>
           <a:xfrm>
-            <a:off x="959920" y="2375743"/>
-            <a:ext cx="2907711" cy="3543794"/>
+            <a:off x="959920" y="2375742"/>
+            <a:ext cx="2907711" cy="3888889"/>
           </a:xfrm>
           <a:prstGeom prst="rect">
             <a:avLst/>
@@ -48044,7 +48102,7 @@
         <p:spPr>
           <a:xfrm>
             <a:off x="3867632" y="2375743"/>
-            <a:ext cx="4456667" cy="3543794"/>
+            <a:ext cx="4456667" cy="3888890"/>
           </a:xfrm>
           <a:prstGeom prst="rect">
             <a:avLst/>
@@ -48061,6 +48119,17 @@
           </a:bodyPr>
           <a:lstStyle/>
           <a:p>
+            <a:pPr marL="152400" indent="0">
+              <a:spcAft>
+                <a:spcPts val="600"/>
+              </a:spcAft>
+            </a:pPr>
+            <a:r>
+              <a:rPr lang="en-US" b="1" dirty="0"/>
+              <a:t>Kernel tuning done separately: </a:t>
+            </a:r>
+          </a:p>
+          <a:p>
             <a:pPr marL="323850" indent="-171450">
               <a:spcAft>
                 <a:spcPts val="600"/>
@@ -48070,7 +48139,7 @@
             </a:pPr>
             <a:r>
               <a:rPr lang="en-US" dirty="0"/>
-              <a:t>Multiple kernel selection and parameter tuning</a:t>
+              <a:t>Full grid search avoided due to long run times</a:t>
             </a:r>
           </a:p>
           <a:p>
@@ -48083,7 +48152,22 @@
             </a:pPr>
             <a:r>
               <a:rPr lang="en-US" dirty="0"/>
-              <a:t>Computational complexity with RBF kernel</a:t>
+              <a:t>Each kernel was tuned in its own cross-validation loop</a:t>
+            </a:r>
+          </a:p>
+          <a:p>
+            <a:pPr marL="152400" indent="0">
+              <a:spcAft>
+                <a:spcPts val="600"/>
+              </a:spcAft>
+            </a:pPr>
+            <a:r>
+              <a:rPr lang="en-US" b="1" dirty="0"/>
+              <a:t>Poly kernel was most computationally expensive</a:t>
+            </a:r>
+            <a:r>
+              <a:rPr lang="en-US" dirty="0"/>
+              <a:t>:</a:t>
             </a:r>
           </a:p>
           <a:p>
@@ -48096,7 +48180,22 @@
             </a:pPr>
             <a:r>
               <a:rPr lang="en-US" dirty="0"/>
-              <a:t>Cross-validation time for multiple parameter combinations</a:t>
+              <a:t>Especially with gamma='auto', it was excluded due to excessive training time</a:t>
+            </a:r>
+          </a:p>
+          <a:p>
+            <a:pPr marL="152400" indent="0">
+              <a:spcAft>
+                <a:spcPts val="600"/>
+              </a:spcAft>
+            </a:pPr>
+            <a:r>
+              <a:rPr lang="en-US" b="1" dirty="0"/>
+              <a:t>RBF kernel complexity</a:t>
+            </a:r>
+            <a:r>
+              <a:rPr lang="en-US" dirty="0"/>
+              <a:t>: </a:t>
             </a:r>
           </a:p>
           <a:p>
@@ -48109,7 +48208,22 @@
             </a:pPr>
             <a:r>
               <a:rPr lang="en-US" dirty="0"/>
-              <a:t>Feature dimensionality (95 features) affecting performance</a:t>
+              <a:t>Still computationally intensive, but more manageable than poly in high-dimensional space</a:t>
+            </a:r>
+          </a:p>
+          <a:p>
+            <a:pPr marL="152400" indent="0">
+              <a:spcAft>
+                <a:spcPts val="600"/>
+              </a:spcAft>
+            </a:pPr>
+            <a:r>
+              <a:rPr lang="en-US" b="1" dirty="0"/>
+              <a:t>High feature dimensionality</a:t>
+            </a:r>
+            <a:r>
+              <a:rPr lang="en-US" dirty="0"/>
+              <a:t> (&gt;100 features):</a:t>
             </a:r>
           </a:p>
           <a:p>
@@ -48122,9 +48236,47 @@
             </a:pPr>
             <a:r>
               <a:rPr lang="en-US" dirty="0"/>
-              <a:t>Balancing model complexity vs. interpretability</a:t>
+              <a:t>Increased training time and impacted kernel performance</a:t>
             </a:r>
-            <a:endParaRPr dirty="0"/>
+          </a:p>
+          <a:p>
+            <a:pPr marL="152400" indent="0">
+              <a:spcAft>
+                <a:spcPts val="600"/>
+              </a:spcAft>
+            </a:pPr>
+            <a:r>
+              <a:rPr lang="en-US" b="1" dirty="0"/>
+              <a:t>Graphing</a:t>
+            </a:r>
+            <a:r>
+              <a:rPr lang="en-US" dirty="0"/>
+              <a:t>: </a:t>
+            </a:r>
+          </a:p>
+          <a:p>
+            <a:pPr marL="323850" indent="-171450">
+              <a:spcAft>
+                <a:spcPts val="600"/>
+              </a:spcAft>
+              <a:buFont typeface="Arial" panose="020B0604020202020204" pitchFamily="34" charset="0"/>
+              <a:buChar char="•"/>
+            </a:pPr>
+            <a:r>
+              <a:rPr lang="en-US" b="0" i="0" u="none" strike="noStrike" dirty="0">
+                <a:solidFill>
+                  <a:srgbClr val="000000"/>
+                </a:solidFill>
+                <a:effectLst/>
+                <a:latin typeface="Poppins" pitchFamily="2" charset="77"/>
+                <a:cs typeface="Poppins" pitchFamily="2" charset="77"/>
+              </a:rPr>
+              <a:t>Only graphed decision boundaries for two features using 2 kernels due to runtime constraints</a:t>
+            </a:r>
+            <a:endParaRPr dirty="0">
+              <a:latin typeface="Poppins" pitchFamily="2" charset="77"/>
+              <a:cs typeface="Poppins" pitchFamily="2" charset="77"/>
+            </a:endParaRPr>
           </a:p>
         </p:txBody>
       </p:sp>
@@ -48147,7 +48299,7 @@
         <p:spPr>
           <a:xfrm>
             <a:off x="8324299" y="2375742"/>
-            <a:ext cx="2907701" cy="3543795"/>
+            <a:ext cx="2907701" cy="3888889"/>
           </a:xfrm>
           <a:prstGeom prst="rect">
             <a:avLst/>
@@ -48185,8 +48337,12 @@
               <a:buChar char="•"/>
             </a:pPr>
             <a:r>
+              <a:rPr lang="en-US" b="1" dirty="0"/>
+              <a:t>RBF Kernel</a:t>
+            </a:r>
+            <a:r>
               <a:rPr lang="en-US" dirty="0"/>
-              <a:t>RBF Kernel: 85.49% CV accuracy (C=1, gamma='scale'), 85.00% test accuracy</a:t>
+              <a:t>: 85.49% CV accuracy (C=1, gamma='scale'), 85.00% test accuracy</a:t>
             </a:r>
           </a:p>
           <a:p>
@@ -48211,8 +48367,12 @@
               <a:buChar char="•"/>
             </a:pPr>
             <a:r>
+              <a:rPr lang="en-US" b="1" dirty="0"/>
+              <a:t>Best Overall</a:t>
+            </a:r>
+            <a:r>
               <a:rPr lang="en-US" dirty="0"/>
-              <a:t>Best Overall: RBF kernel with C=1, gamma='scale'</a:t>
+              <a:t>: RBF kernel with C=1, gamma='scale'</a:t>
             </a:r>
           </a:p>
           <a:p>
@@ -50589,7 +50749,7 @@
             </a:pPr>
             <a:r>
               <a:rPr lang="en-US" dirty="0"/>
-              <a:t>Started with one-hot encoding</a:t>
+              <a:t>One-hot encoding increased feature count​</a:t>
             </a:r>
           </a:p>
           <a:p>
@@ -50602,7 +50762,7 @@
             </a:pPr>
             <a:r>
               <a:rPr lang="en-US" dirty="0"/>
-              <a:t>Switched to label encoding for simplicity and to preserve original column structure</a:t>
+              <a:t>Column mismatch between test and validation sets​</a:t>
             </a:r>
           </a:p>
           <a:p>
@@ -50615,15 +50775,7 @@
             </a:pPr>
             <a:r>
               <a:rPr lang="en-US" dirty="0"/>
-              <a:t>Saved </a:t>
-            </a:r>
-            <a:r>
-              <a:rPr lang="en-US" dirty="0" err="1"/>
-              <a:t>LabelEncoder</a:t>
-            </a:r>
-            <a:r>
-              <a:rPr lang="en-US" dirty="0"/>
-              <a:t> instances in a dictionary to ensure consistent encoding across training and validation datasets</a:t>
+              <a:t>Dropped 3 test-only columns to align datasets​</a:t>
             </a:r>
           </a:p>
           <a:p>
@@ -50752,19 +50904,6 @@
             <a:r>
               <a:rPr lang="en" dirty="0"/>
               <a:t>Original index for reference</a:t>
-            </a:r>
-          </a:p>
-          <a:p>
-            <a:pPr marL="171450" indent="-171450">
-              <a:spcAft>
-                <a:spcPts val="600"/>
-              </a:spcAft>
-              <a:buFont typeface="Arial" panose="020B0604020202020204" pitchFamily="34" charset="0"/>
-              <a:buChar char="•"/>
-            </a:pPr>
-            <a:r>
-              <a:rPr lang="en" dirty="0"/>
-              <a:t>Original column names and structure for readability</a:t>
             </a:r>
           </a:p>
           <a:p>
@@ -50868,22 +51007,737 @@
             <p:ph type="title"/>
           </p:nvPr>
         </p:nvSpPr>
-        <p:spPr/>
+        <p:spPr>
+          <a:xfrm>
+            <a:off x="760052" y="409321"/>
+            <a:ext cx="10272000" cy="763600"/>
+          </a:xfrm>
+        </p:spPr>
         <p:txBody>
           <a:bodyPr/>
           <a:lstStyle/>
           <a:p>
             <a:r>
               <a:rPr lang="en-US" dirty="0"/>
-              <a:t>Pictures??</a:t>
+              <a:t>Preprocessing the Data</a:t>
             </a:r>
           </a:p>
         </p:txBody>
       </p:sp>
+      <p:grpSp>
+        <p:nvGrpSpPr>
+          <p:cNvPr id="22" name="Group 21">
+            <a:extLst>
+              <a:ext uri="{FF2B5EF4-FFF2-40B4-BE49-F238E27FC236}">
+                <a16:creationId xmlns:a16="http://schemas.microsoft.com/office/drawing/2014/main" id="{1BAF416C-9CAD-041F-BA6C-690836518ADE}"/>
+              </a:ext>
+            </a:extLst>
+          </p:cNvPr>
+          <p:cNvGrpSpPr/>
+          <p:nvPr/>
+        </p:nvGrpSpPr>
+        <p:grpSpPr>
+          <a:xfrm>
+            <a:off x="748985" y="1162932"/>
+            <a:ext cx="10202200" cy="2272056"/>
+            <a:chOff x="748985" y="1067902"/>
+            <a:chExt cx="10202200" cy="2272056"/>
+          </a:xfrm>
+        </p:grpSpPr>
+        <p:grpSp>
+          <p:nvGrpSpPr>
+            <p:cNvPr id="12" name="Group 11">
+              <a:extLst>
+                <a:ext uri="{FF2B5EF4-FFF2-40B4-BE49-F238E27FC236}">
+                  <a16:creationId xmlns:a16="http://schemas.microsoft.com/office/drawing/2014/main" id="{A391FC99-E13C-F9AE-62BC-9C397C25D698}"/>
+                </a:ext>
+              </a:extLst>
+            </p:cNvPr>
+            <p:cNvGrpSpPr>
+              <a:grpSpLocks noChangeAspect="1"/>
+            </p:cNvGrpSpPr>
+            <p:nvPr/>
+          </p:nvGrpSpPr>
+          <p:grpSpPr>
+            <a:xfrm>
+              <a:off x="840920" y="1579362"/>
+              <a:ext cx="10110265" cy="1760596"/>
+              <a:chOff x="326571" y="1540073"/>
+              <a:chExt cx="9790303" cy="1704878"/>
+            </a:xfrm>
+          </p:grpSpPr>
+          <p:pic>
+            <p:nvPicPr>
+              <p:cNvPr id="9" name="Picture 8" descr="A screenshot of a graph&#10;&#10;Description automatically generated">
+                <a:extLst>
+                  <a:ext uri="{FF2B5EF4-FFF2-40B4-BE49-F238E27FC236}">
+                    <a16:creationId xmlns:a16="http://schemas.microsoft.com/office/drawing/2014/main" id="{60A7D276-E1DB-1FE0-15D3-A1EC9E52AA9D}"/>
+                  </a:ext>
+                </a:extLst>
+              </p:cNvPr>
+              <p:cNvPicPr>
+                <a:picLocks noChangeAspect="1"/>
+              </p:cNvPicPr>
+              <p:nvPr/>
+            </p:nvPicPr>
+            <p:blipFill rotWithShape="1">
+              <a:blip r:embed="rId2">
+                <a:extLst>
+                  <a:ext uri="{28A0092B-C50C-407E-A947-70E740481C1C}">
+                    <a14:useLocalDpi xmlns:a14="http://schemas.microsoft.com/office/drawing/2010/main" val="0"/>
+                  </a:ext>
+                </a:extLst>
+              </a:blip>
+              <a:srcRect t="2790"/>
+              <a:stretch/>
+            </p:blipFill>
+            <p:spPr>
+              <a:xfrm>
+                <a:off x="326571" y="1540073"/>
+                <a:ext cx="9307285" cy="1704878"/>
+              </a:xfrm>
+              <a:prstGeom prst="rect">
+                <a:avLst/>
+              </a:prstGeom>
+            </p:spPr>
+          </p:pic>
+          <p:pic>
+            <p:nvPicPr>
+              <p:cNvPr id="11" name="Picture 10" descr="A screenshot of a black screen&#10;&#10;Description automatically generated">
+                <a:extLst>
+                  <a:ext uri="{FF2B5EF4-FFF2-40B4-BE49-F238E27FC236}">
+                    <a16:creationId xmlns:a16="http://schemas.microsoft.com/office/drawing/2014/main" id="{D9765030-D52E-E6D0-4762-74DA815CDFDF}"/>
+                  </a:ext>
+                </a:extLst>
+              </p:cNvPr>
+              <p:cNvPicPr>
+                <a:picLocks noChangeAspect="1"/>
+              </p:cNvPicPr>
+              <p:nvPr/>
+            </p:nvPicPr>
+            <p:blipFill rotWithShape="1">
+              <a:blip r:embed="rId3">
+                <a:extLst>
+                  <a:ext uri="{28A0092B-C50C-407E-A947-70E740481C1C}">
+                    <a14:useLocalDpi xmlns:a14="http://schemas.microsoft.com/office/drawing/2010/main" val="0"/>
+                  </a:ext>
+                </a:extLst>
+              </a:blip>
+              <a:srcRect l="95292" t="4660"/>
+              <a:stretch/>
+            </p:blipFill>
+            <p:spPr>
+              <a:xfrm>
+                <a:off x="9633856" y="1540073"/>
+                <a:ext cx="483018" cy="1704878"/>
+              </a:xfrm>
+              <a:prstGeom prst="rect">
+                <a:avLst/>
+              </a:prstGeom>
+            </p:spPr>
+          </p:pic>
+        </p:grpSp>
+        <p:sp>
+          <p:nvSpPr>
+            <p:cNvPr id="20" name="Google Shape;296;p35">
+              <a:extLst>
+                <a:ext uri="{FF2B5EF4-FFF2-40B4-BE49-F238E27FC236}">
+                  <a16:creationId xmlns:a16="http://schemas.microsoft.com/office/drawing/2014/main" id="{7A1EF8C1-B72A-081C-EF23-BDFF1804C5E9}"/>
+                </a:ext>
+              </a:extLst>
+            </p:cNvPr>
+            <p:cNvSpPr txBox="1">
+              <a:spLocks/>
+            </p:cNvSpPr>
+            <p:nvPr/>
+          </p:nvSpPr>
+          <p:spPr>
+            <a:xfrm>
+              <a:off x="748985" y="1067902"/>
+              <a:ext cx="2687726" cy="578129"/>
+            </a:xfrm>
+            <a:prstGeom prst="rect">
+              <a:avLst/>
+            </a:prstGeom>
+            <a:ln>
+              <a:noFill/>
+            </a:ln>
+          </p:spPr>
+          <p:txBody>
+            <a:bodyPr spcFirstLastPara="1" wrap="square" lIns="121900" tIns="121900" rIns="121900" bIns="121900" anchor="b" anchorCtr="0">
+              <a:noAutofit/>
+            </a:bodyPr>
+            <a:lstStyle>
+              <a:defPPr marR="0" lvl="0" algn="l" rtl="0">
+                <a:lnSpc>
+                  <a:spcPct val="100000"/>
+                </a:lnSpc>
+                <a:spcBef>
+                  <a:spcPts val="0"/>
+                </a:spcBef>
+                <a:spcAft>
+                  <a:spcPts val="0"/>
+                </a:spcAft>
+              </a:defPPr>
+              <a:lvl1pPr marR="0" lvl="0" algn="l" rtl="0">
+                <a:lnSpc>
+                  <a:spcPct val="100000"/>
+                </a:lnSpc>
+                <a:spcBef>
+                  <a:spcPts val="0"/>
+                </a:spcBef>
+                <a:spcAft>
+                  <a:spcPts val="0"/>
+                </a:spcAft>
+                <a:buClr>
+                  <a:srgbClr val="000000"/>
+                </a:buClr>
+                <a:buFont typeface="Arial"/>
+                <a:defRPr sz="1867" b="0" i="0" u="none" strike="noStrike" cap="none">
+                  <a:solidFill>
+                    <a:srgbClr val="000000"/>
+                  </a:solidFill>
+                  <a:latin typeface="Arial"/>
+                  <a:ea typeface="Arial"/>
+                  <a:cs typeface="Arial"/>
+                  <a:sym typeface="Arial"/>
+                </a:defRPr>
+              </a:lvl1pPr>
+              <a:lvl2pPr marR="0" lvl="1" algn="l" rtl="0">
+                <a:lnSpc>
+                  <a:spcPct val="100000"/>
+                </a:lnSpc>
+                <a:spcBef>
+                  <a:spcPts val="0"/>
+                </a:spcBef>
+                <a:spcAft>
+                  <a:spcPts val="0"/>
+                </a:spcAft>
+                <a:buClr>
+                  <a:srgbClr val="000000"/>
+                </a:buClr>
+                <a:buFont typeface="Arial"/>
+                <a:defRPr sz="1867" b="0" i="0" u="none" strike="noStrike" cap="none">
+                  <a:solidFill>
+                    <a:srgbClr val="000000"/>
+                  </a:solidFill>
+                  <a:latin typeface="Arial"/>
+                  <a:ea typeface="Arial"/>
+                  <a:cs typeface="Arial"/>
+                  <a:sym typeface="Arial"/>
+                </a:defRPr>
+              </a:lvl2pPr>
+              <a:lvl3pPr marR="0" lvl="2" algn="l" rtl="0">
+                <a:lnSpc>
+                  <a:spcPct val="100000"/>
+                </a:lnSpc>
+                <a:spcBef>
+                  <a:spcPts val="0"/>
+                </a:spcBef>
+                <a:spcAft>
+                  <a:spcPts val="0"/>
+                </a:spcAft>
+                <a:buClr>
+                  <a:srgbClr val="000000"/>
+                </a:buClr>
+                <a:buFont typeface="Arial"/>
+                <a:defRPr sz="1867" b="0" i="0" u="none" strike="noStrike" cap="none">
+                  <a:solidFill>
+                    <a:srgbClr val="000000"/>
+                  </a:solidFill>
+                  <a:latin typeface="Arial"/>
+                  <a:ea typeface="Arial"/>
+                  <a:cs typeface="Arial"/>
+                  <a:sym typeface="Arial"/>
+                </a:defRPr>
+              </a:lvl3pPr>
+              <a:lvl4pPr marR="0" lvl="3" algn="l" rtl="0">
+                <a:lnSpc>
+                  <a:spcPct val="100000"/>
+                </a:lnSpc>
+                <a:spcBef>
+                  <a:spcPts val="0"/>
+                </a:spcBef>
+                <a:spcAft>
+                  <a:spcPts val="0"/>
+                </a:spcAft>
+                <a:buClr>
+                  <a:srgbClr val="000000"/>
+                </a:buClr>
+                <a:buFont typeface="Arial"/>
+                <a:defRPr sz="1867" b="0" i="0" u="none" strike="noStrike" cap="none">
+                  <a:solidFill>
+                    <a:srgbClr val="000000"/>
+                  </a:solidFill>
+                  <a:latin typeface="Arial"/>
+                  <a:ea typeface="Arial"/>
+                  <a:cs typeface="Arial"/>
+                  <a:sym typeface="Arial"/>
+                </a:defRPr>
+              </a:lvl4pPr>
+              <a:lvl5pPr marR="0" lvl="4" algn="l" rtl="0">
+                <a:lnSpc>
+                  <a:spcPct val="100000"/>
+                </a:lnSpc>
+                <a:spcBef>
+                  <a:spcPts val="0"/>
+                </a:spcBef>
+                <a:spcAft>
+                  <a:spcPts val="0"/>
+                </a:spcAft>
+                <a:buClr>
+                  <a:srgbClr val="000000"/>
+                </a:buClr>
+                <a:buFont typeface="Arial"/>
+                <a:defRPr sz="1867" b="0" i="0" u="none" strike="noStrike" cap="none">
+                  <a:solidFill>
+                    <a:srgbClr val="000000"/>
+                  </a:solidFill>
+                  <a:latin typeface="Arial"/>
+                  <a:ea typeface="Arial"/>
+                  <a:cs typeface="Arial"/>
+                  <a:sym typeface="Arial"/>
+                </a:defRPr>
+              </a:lvl5pPr>
+              <a:lvl6pPr marR="0" lvl="5" algn="l" rtl="0">
+                <a:lnSpc>
+                  <a:spcPct val="100000"/>
+                </a:lnSpc>
+                <a:spcBef>
+                  <a:spcPts val="0"/>
+                </a:spcBef>
+                <a:spcAft>
+                  <a:spcPts val="0"/>
+                </a:spcAft>
+                <a:buClr>
+                  <a:srgbClr val="000000"/>
+                </a:buClr>
+                <a:buFont typeface="Arial"/>
+                <a:defRPr sz="1867" b="0" i="0" u="none" strike="noStrike" cap="none">
+                  <a:solidFill>
+                    <a:srgbClr val="000000"/>
+                  </a:solidFill>
+                  <a:latin typeface="Arial"/>
+                  <a:ea typeface="Arial"/>
+                  <a:cs typeface="Arial"/>
+                  <a:sym typeface="Arial"/>
+                </a:defRPr>
+              </a:lvl6pPr>
+              <a:lvl7pPr marR="0" lvl="6" algn="l" rtl="0">
+                <a:lnSpc>
+                  <a:spcPct val="100000"/>
+                </a:lnSpc>
+                <a:spcBef>
+                  <a:spcPts val="0"/>
+                </a:spcBef>
+                <a:spcAft>
+                  <a:spcPts val="0"/>
+                </a:spcAft>
+                <a:buClr>
+                  <a:srgbClr val="000000"/>
+                </a:buClr>
+                <a:buFont typeface="Arial"/>
+                <a:defRPr sz="1867" b="0" i="0" u="none" strike="noStrike" cap="none">
+                  <a:solidFill>
+                    <a:srgbClr val="000000"/>
+                  </a:solidFill>
+                  <a:latin typeface="Arial"/>
+                  <a:ea typeface="Arial"/>
+                  <a:cs typeface="Arial"/>
+                  <a:sym typeface="Arial"/>
+                </a:defRPr>
+              </a:lvl7pPr>
+              <a:lvl8pPr marR="0" lvl="7" algn="l" rtl="0">
+                <a:lnSpc>
+                  <a:spcPct val="100000"/>
+                </a:lnSpc>
+                <a:spcBef>
+                  <a:spcPts val="0"/>
+                </a:spcBef>
+                <a:spcAft>
+                  <a:spcPts val="0"/>
+                </a:spcAft>
+                <a:buClr>
+                  <a:srgbClr val="000000"/>
+                </a:buClr>
+                <a:buFont typeface="Arial"/>
+                <a:defRPr sz="1867" b="0" i="0" u="none" strike="noStrike" cap="none">
+                  <a:solidFill>
+                    <a:srgbClr val="000000"/>
+                  </a:solidFill>
+                  <a:latin typeface="Arial"/>
+                  <a:ea typeface="Arial"/>
+                  <a:cs typeface="Arial"/>
+                  <a:sym typeface="Arial"/>
+                </a:defRPr>
+              </a:lvl8pPr>
+              <a:lvl9pPr marR="0" lvl="8" algn="l" rtl="0">
+                <a:lnSpc>
+                  <a:spcPct val="100000"/>
+                </a:lnSpc>
+                <a:spcBef>
+                  <a:spcPts val="0"/>
+                </a:spcBef>
+                <a:spcAft>
+                  <a:spcPts val="0"/>
+                </a:spcAft>
+                <a:buClr>
+                  <a:srgbClr val="000000"/>
+                </a:buClr>
+                <a:buFont typeface="Arial"/>
+                <a:defRPr sz="1867" b="0" i="0" u="none" strike="noStrike" cap="none">
+                  <a:solidFill>
+                    <a:srgbClr val="000000"/>
+                  </a:solidFill>
+                  <a:latin typeface="Arial"/>
+                  <a:ea typeface="Arial"/>
+                  <a:cs typeface="Arial"/>
+                  <a:sym typeface="Arial"/>
+                </a:defRPr>
+              </a:lvl9pPr>
+            </a:lstStyle>
+            <a:p>
+              <a:r>
+                <a:rPr lang="en-US" sz="1600" kern="0" dirty="0">
+                  <a:latin typeface="Poppins" pitchFamily="2" charset="77"/>
+                  <a:cs typeface="Poppins" pitchFamily="2" charset="77"/>
+                </a:rPr>
+                <a:t>Test/Train Dataset</a:t>
+              </a:r>
+            </a:p>
+          </p:txBody>
+        </p:sp>
+      </p:grpSp>
+      <p:grpSp>
+        <p:nvGrpSpPr>
+          <p:cNvPr id="23" name="Group 22">
+            <a:extLst>
+              <a:ext uri="{FF2B5EF4-FFF2-40B4-BE49-F238E27FC236}">
+                <a16:creationId xmlns:a16="http://schemas.microsoft.com/office/drawing/2014/main" id="{84C25FE6-C470-A381-3E3E-5108BB022F3C}"/>
+              </a:ext>
+            </a:extLst>
+          </p:cNvPr>
+          <p:cNvGrpSpPr/>
+          <p:nvPr/>
+        </p:nvGrpSpPr>
+        <p:grpSpPr>
+          <a:xfrm>
+            <a:off x="748985" y="3674330"/>
+            <a:ext cx="10202200" cy="2462114"/>
+            <a:chOff x="748985" y="3275745"/>
+            <a:chExt cx="10202200" cy="2462114"/>
+          </a:xfrm>
+        </p:grpSpPr>
+        <p:pic>
+          <p:nvPicPr>
+            <p:cNvPr id="18" name="Picture 17" descr="A screenshot of a graph&#10;&#10;Description automatically generated">
+              <a:extLst>
+                <a:ext uri="{FF2B5EF4-FFF2-40B4-BE49-F238E27FC236}">
+                  <a16:creationId xmlns:a16="http://schemas.microsoft.com/office/drawing/2014/main" id="{E610BC95-28FE-797C-F368-775ABE0BF159}"/>
+                </a:ext>
+              </a:extLst>
+            </p:cNvPr>
+            <p:cNvPicPr>
+              <a:picLocks noChangeAspect="1"/>
+            </p:cNvPicPr>
+            <p:nvPr/>
+          </p:nvPicPr>
+          <p:blipFill rotWithShape="1">
+            <a:blip r:embed="rId4">
+              <a:extLst>
+                <a:ext uri="{28A0092B-C50C-407E-A947-70E740481C1C}">
+                  <a14:useLocalDpi xmlns:a14="http://schemas.microsoft.com/office/drawing/2010/main" val="0"/>
+                </a:ext>
+              </a:extLst>
+            </a:blip>
+            <a:srcRect t="2680"/>
+            <a:stretch/>
+          </p:blipFill>
+          <p:spPr>
+            <a:xfrm>
+              <a:off x="840920" y="3789660"/>
+              <a:ext cx="10110265" cy="1948199"/>
+            </a:xfrm>
+            <a:prstGeom prst="rect">
+              <a:avLst/>
+            </a:prstGeom>
+          </p:spPr>
+        </p:pic>
+        <p:sp>
+          <p:nvSpPr>
+            <p:cNvPr id="21" name="Google Shape;296;p35">
+              <a:extLst>
+                <a:ext uri="{FF2B5EF4-FFF2-40B4-BE49-F238E27FC236}">
+                  <a16:creationId xmlns:a16="http://schemas.microsoft.com/office/drawing/2014/main" id="{4A15378A-F09D-966A-48CF-964EE02337BB}"/>
+                </a:ext>
+              </a:extLst>
+            </p:cNvPr>
+            <p:cNvSpPr txBox="1">
+              <a:spLocks/>
+            </p:cNvSpPr>
+            <p:nvPr/>
+          </p:nvSpPr>
+          <p:spPr>
+            <a:xfrm>
+              <a:off x="748985" y="3275745"/>
+              <a:ext cx="2687726" cy="578129"/>
+            </a:xfrm>
+            <a:prstGeom prst="rect">
+              <a:avLst/>
+            </a:prstGeom>
+            <a:ln>
+              <a:noFill/>
+            </a:ln>
+          </p:spPr>
+          <p:txBody>
+            <a:bodyPr spcFirstLastPara="1" wrap="square" lIns="121900" tIns="121900" rIns="121900" bIns="121900" anchor="b" anchorCtr="0">
+              <a:noAutofit/>
+            </a:bodyPr>
+            <a:lstStyle>
+              <a:defPPr marR="0" lvl="0" algn="l" rtl="0">
+                <a:lnSpc>
+                  <a:spcPct val="100000"/>
+                </a:lnSpc>
+                <a:spcBef>
+                  <a:spcPts val="0"/>
+                </a:spcBef>
+                <a:spcAft>
+                  <a:spcPts val="0"/>
+                </a:spcAft>
+              </a:defPPr>
+              <a:lvl1pPr marR="0" lvl="0" algn="l" rtl="0">
+                <a:lnSpc>
+                  <a:spcPct val="100000"/>
+                </a:lnSpc>
+                <a:spcBef>
+                  <a:spcPts val="0"/>
+                </a:spcBef>
+                <a:spcAft>
+                  <a:spcPts val="0"/>
+                </a:spcAft>
+                <a:buClr>
+                  <a:srgbClr val="000000"/>
+                </a:buClr>
+                <a:buFont typeface="Arial"/>
+                <a:defRPr sz="1867" b="0" i="0" u="none" strike="noStrike" cap="none">
+                  <a:solidFill>
+                    <a:srgbClr val="000000"/>
+                  </a:solidFill>
+                  <a:latin typeface="Arial"/>
+                  <a:ea typeface="Arial"/>
+                  <a:cs typeface="Arial"/>
+                  <a:sym typeface="Arial"/>
+                </a:defRPr>
+              </a:lvl1pPr>
+              <a:lvl2pPr marR="0" lvl="1" algn="l" rtl="0">
+                <a:lnSpc>
+                  <a:spcPct val="100000"/>
+                </a:lnSpc>
+                <a:spcBef>
+                  <a:spcPts val="0"/>
+                </a:spcBef>
+                <a:spcAft>
+                  <a:spcPts val="0"/>
+                </a:spcAft>
+                <a:buClr>
+                  <a:srgbClr val="000000"/>
+                </a:buClr>
+                <a:buFont typeface="Arial"/>
+                <a:defRPr sz="1867" b="0" i="0" u="none" strike="noStrike" cap="none">
+                  <a:solidFill>
+                    <a:srgbClr val="000000"/>
+                  </a:solidFill>
+                  <a:latin typeface="Arial"/>
+                  <a:ea typeface="Arial"/>
+                  <a:cs typeface="Arial"/>
+                  <a:sym typeface="Arial"/>
+                </a:defRPr>
+              </a:lvl2pPr>
+              <a:lvl3pPr marR="0" lvl="2" algn="l" rtl="0">
+                <a:lnSpc>
+                  <a:spcPct val="100000"/>
+                </a:lnSpc>
+                <a:spcBef>
+                  <a:spcPts val="0"/>
+                </a:spcBef>
+                <a:spcAft>
+                  <a:spcPts val="0"/>
+                </a:spcAft>
+                <a:buClr>
+                  <a:srgbClr val="000000"/>
+                </a:buClr>
+                <a:buFont typeface="Arial"/>
+                <a:defRPr sz="1867" b="0" i="0" u="none" strike="noStrike" cap="none">
+                  <a:solidFill>
+                    <a:srgbClr val="000000"/>
+                  </a:solidFill>
+                  <a:latin typeface="Arial"/>
+                  <a:ea typeface="Arial"/>
+                  <a:cs typeface="Arial"/>
+                  <a:sym typeface="Arial"/>
+                </a:defRPr>
+              </a:lvl3pPr>
+              <a:lvl4pPr marR="0" lvl="3" algn="l" rtl="0">
+                <a:lnSpc>
+                  <a:spcPct val="100000"/>
+                </a:lnSpc>
+                <a:spcBef>
+                  <a:spcPts val="0"/>
+                </a:spcBef>
+                <a:spcAft>
+                  <a:spcPts val="0"/>
+                </a:spcAft>
+                <a:buClr>
+                  <a:srgbClr val="000000"/>
+                </a:buClr>
+                <a:buFont typeface="Arial"/>
+                <a:defRPr sz="1867" b="0" i="0" u="none" strike="noStrike" cap="none">
+                  <a:solidFill>
+                    <a:srgbClr val="000000"/>
+                  </a:solidFill>
+                  <a:latin typeface="Arial"/>
+                  <a:ea typeface="Arial"/>
+                  <a:cs typeface="Arial"/>
+                  <a:sym typeface="Arial"/>
+                </a:defRPr>
+              </a:lvl4pPr>
+              <a:lvl5pPr marR="0" lvl="4" algn="l" rtl="0">
+                <a:lnSpc>
+                  <a:spcPct val="100000"/>
+                </a:lnSpc>
+                <a:spcBef>
+                  <a:spcPts val="0"/>
+                </a:spcBef>
+                <a:spcAft>
+                  <a:spcPts val="0"/>
+                </a:spcAft>
+                <a:buClr>
+                  <a:srgbClr val="000000"/>
+                </a:buClr>
+                <a:buFont typeface="Arial"/>
+                <a:defRPr sz="1867" b="0" i="0" u="none" strike="noStrike" cap="none">
+                  <a:solidFill>
+                    <a:srgbClr val="000000"/>
+                  </a:solidFill>
+                  <a:latin typeface="Arial"/>
+                  <a:ea typeface="Arial"/>
+                  <a:cs typeface="Arial"/>
+                  <a:sym typeface="Arial"/>
+                </a:defRPr>
+              </a:lvl5pPr>
+              <a:lvl6pPr marR="0" lvl="5" algn="l" rtl="0">
+                <a:lnSpc>
+                  <a:spcPct val="100000"/>
+                </a:lnSpc>
+                <a:spcBef>
+                  <a:spcPts val="0"/>
+                </a:spcBef>
+                <a:spcAft>
+                  <a:spcPts val="0"/>
+                </a:spcAft>
+                <a:buClr>
+                  <a:srgbClr val="000000"/>
+                </a:buClr>
+                <a:buFont typeface="Arial"/>
+                <a:defRPr sz="1867" b="0" i="0" u="none" strike="noStrike" cap="none">
+                  <a:solidFill>
+                    <a:srgbClr val="000000"/>
+                  </a:solidFill>
+                  <a:latin typeface="Arial"/>
+                  <a:ea typeface="Arial"/>
+                  <a:cs typeface="Arial"/>
+                  <a:sym typeface="Arial"/>
+                </a:defRPr>
+              </a:lvl6pPr>
+              <a:lvl7pPr marR="0" lvl="6" algn="l" rtl="0">
+                <a:lnSpc>
+                  <a:spcPct val="100000"/>
+                </a:lnSpc>
+                <a:spcBef>
+                  <a:spcPts val="0"/>
+                </a:spcBef>
+                <a:spcAft>
+                  <a:spcPts val="0"/>
+                </a:spcAft>
+                <a:buClr>
+                  <a:srgbClr val="000000"/>
+                </a:buClr>
+                <a:buFont typeface="Arial"/>
+                <a:defRPr sz="1867" b="0" i="0" u="none" strike="noStrike" cap="none">
+                  <a:solidFill>
+                    <a:srgbClr val="000000"/>
+                  </a:solidFill>
+                  <a:latin typeface="Arial"/>
+                  <a:ea typeface="Arial"/>
+                  <a:cs typeface="Arial"/>
+                  <a:sym typeface="Arial"/>
+                </a:defRPr>
+              </a:lvl7pPr>
+              <a:lvl8pPr marR="0" lvl="7" algn="l" rtl="0">
+                <a:lnSpc>
+                  <a:spcPct val="100000"/>
+                </a:lnSpc>
+                <a:spcBef>
+                  <a:spcPts val="0"/>
+                </a:spcBef>
+                <a:spcAft>
+                  <a:spcPts val="0"/>
+                </a:spcAft>
+                <a:buClr>
+                  <a:srgbClr val="000000"/>
+                </a:buClr>
+                <a:buFont typeface="Arial"/>
+                <a:defRPr sz="1867" b="0" i="0" u="none" strike="noStrike" cap="none">
+                  <a:solidFill>
+                    <a:srgbClr val="000000"/>
+                  </a:solidFill>
+                  <a:latin typeface="Arial"/>
+                  <a:ea typeface="Arial"/>
+                  <a:cs typeface="Arial"/>
+                  <a:sym typeface="Arial"/>
+                </a:defRPr>
+              </a:lvl8pPr>
+              <a:lvl9pPr marR="0" lvl="8" algn="l" rtl="0">
+                <a:lnSpc>
+                  <a:spcPct val="100000"/>
+                </a:lnSpc>
+                <a:spcBef>
+                  <a:spcPts val="0"/>
+                </a:spcBef>
+                <a:spcAft>
+                  <a:spcPts val="0"/>
+                </a:spcAft>
+                <a:buClr>
+                  <a:srgbClr val="000000"/>
+                </a:buClr>
+                <a:buFont typeface="Arial"/>
+                <a:defRPr sz="1867" b="0" i="0" u="none" strike="noStrike" cap="none">
+                  <a:solidFill>
+                    <a:srgbClr val="000000"/>
+                  </a:solidFill>
+                  <a:latin typeface="Arial"/>
+                  <a:ea typeface="Arial"/>
+                  <a:cs typeface="Arial"/>
+                  <a:sym typeface="Arial"/>
+                </a:defRPr>
+              </a:lvl9pPr>
+            </a:lstStyle>
+            <a:p>
+              <a:r>
+                <a:rPr lang="en-US" sz="1600" kern="0" dirty="0">
+                  <a:latin typeface="Poppins" pitchFamily="2" charset="77"/>
+                  <a:cs typeface="Poppins" pitchFamily="2" charset="77"/>
+                </a:rPr>
+                <a:t>Validation Dataset</a:t>
+              </a:r>
+            </a:p>
+          </p:txBody>
+        </p:sp>
+      </p:grpSp>
     </p:spTree>
     <p:extLst>
       <p:ext uri="{BB962C8B-B14F-4D97-AF65-F5344CB8AC3E}">
-        <p14:creationId xmlns:p14="http://schemas.microsoft.com/office/powerpoint/2010/main" val="3682108917"/>
+        <p14:creationId xmlns:p14="http://schemas.microsoft.com/office/powerpoint/2010/main" val="3936872360"/>
       </p:ext>
     </p:extLst>
   </p:cSld>
@@ -51417,7 +52271,7 @@
             </a:pPr>
             <a:r>
               <a:rPr lang="en-US" dirty="0"/>
-              <a:t>Modified loops to suppress excessive warning messages</a:t>
+              <a:t>Tuned eta and max_iter to avoid models that didn’t converge </a:t>
             </a:r>
           </a:p>
           <a:p>
@@ -51464,7 +52318,7 @@
               <a:buChar char="•"/>
             </a:pPr>
             <a:r>
-              <a:rPr lang="en-US" b="1" dirty="0"/>
+              <a:rPr lang="en-US" dirty="0"/>
               <a:t>Manual Perceptron</a:t>
             </a:r>
           </a:p>
@@ -51478,7 +52332,7 @@
             </a:pPr>
             <a:r>
               <a:rPr lang="en-US" dirty="0"/>
-              <a:t>eta 0.0003 and n_iter 20</a:t>
+              <a:t>eta 0.001 and n_iter 25</a:t>
             </a:r>
           </a:p>
           <a:p>
@@ -51491,7 +52345,7 @@
             </a:pPr>
             <a:r>
               <a:rPr lang="en-US" dirty="0"/>
-              <a:t>Accuracy: 0.8298</a:t>
+              <a:t>Accuracy: 82.07%</a:t>
             </a:r>
           </a:p>
           <a:p>
@@ -51517,7 +52371,7 @@
             </a:pPr>
             <a:r>
               <a:rPr lang="en-US" dirty="0"/>
-              <a:t>eta 0.00005 and n_iter 10</a:t>
+              <a:t>eta 0.0001 and n_iter 10</a:t>
             </a:r>
           </a:p>
           <a:p>
@@ -51530,11 +52384,24 @@
             </a:pPr>
             <a:r>
               <a:rPr lang="en-US" dirty="0"/>
-              <a:t>Accuracy: 0.8215</a:t>
+              <a:t>Accuracy: 84.30%</a:t>
             </a:r>
           </a:p>
           <a:p>
             <a:pPr marL="171450" indent="-171450">
+              <a:spcAft>
+                <a:spcPts val="600"/>
+              </a:spcAft>
+              <a:buFont typeface="Arial" panose="020B0604020202020204" pitchFamily="34" charset="0"/>
+              <a:buChar char="•"/>
+            </a:pPr>
+            <a:r>
+              <a:rPr lang="en-US" b="1" dirty="0"/>
+              <a:t>Sklearn Perceptron</a:t>
+            </a:r>
+          </a:p>
+          <a:p>
+            <a:pPr marL="628650" lvl="1" indent="-171450" algn="l">
               <a:spcAft>
                 <a:spcPts val="600"/>
               </a:spcAft>
@@ -51543,7 +52410,7 @@
             </a:pPr>
             <a:r>
               <a:rPr lang="en-US" dirty="0"/>
-              <a:t>Sklearn Perceptron</a:t>
+              <a:t>eta 0.01 and max_iter 20</a:t>
             </a:r>
           </a:p>
           <a:p>
@@ -51556,20 +52423,7 @@
             </a:pPr>
             <a:r>
               <a:rPr lang="en-US" dirty="0"/>
-              <a:t>eta 0.01 and max_iter 12</a:t>
-            </a:r>
-          </a:p>
-          <a:p>
-            <a:pPr marL="628650" lvl="1" indent="-171450" algn="l">
-              <a:spcAft>
-                <a:spcPts val="600"/>
-              </a:spcAft>
-              <a:buFont typeface="Arial" panose="020B0604020202020204" pitchFamily="34" charset="0"/>
-              <a:buChar char="•"/>
-            </a:pPr>
-            <a:r>
-              <a:rPr lang="en-US" dirty="0"/>
-              <a:t>Accuracy: 0.8138</a:t>
+              <a:t>Accuracy: 82.80%</a:t>
             </a:r>
           </a:p>
           <a:p>
@@ -51595,7 +52449,7 @@
             </a:pPr>
             <a:r>
               <a:rPr lang="en-US" dirty="0"/>
-              <a:t>eta 0.01 and max_iter 12</a:t>
+              <a:t>eta 1e-05 and max_iter 20</a:t>
             </a:r>
           </a:p>
           <a:p>
@@ -51608,7 +52462,7 @@
             </a:pPr>
             <a:r>
               <a:rPr lang="en-US" dirty="0"/>
-              <a:t>Accuracy: 0.8221</a:t>
+              <a:t>Accuracy: 83.55%</a:t>
             </a:r>
           </a:p>
         </p:txBody>
@@ -51752,6 +52606,64 @@
           </a:prstGeom>
         </p:spPr>
       </p:pic>
+      <p:sp>
+        <p:nvSpPr>
+          <p:cNvPr id="2" name="Rectangle 1">
+            <a:extLst>
+              <a:ext uri="{FF2B5EF4-FFF2-40B4-BE49-F238E27FC236}">
+                <a16:creationId xmlns:a16="http://schemas.microsoft.com/office/drawing/2014/main" id="{D437B3DE-7EA3-B68B-A110-7E01FC10A4C8}"/>
+              </a:ext>
+            </a:extLst>
+          </p:cNvPr>
+          <p:cNvSpPr/>
+          <p:nvPr/>
+        </p:nvSpPr>
+        <p:spPr>
+          <a:xfrm>
+            <a:off x="4876799" y="2830286"/>
+            <a:ext cx="1654629" cy="1676400"/>
+          </a:xfrm>
+          <a:prstGeom prst="rect">
+            <a:avLst/>
+          </a:prstGeom>
+          <a:solidFill>
+            <a:schemeClr val="bg2">
+              <a:lumMod val="60000"/>
+              <a:lumOff val="40000"/>
+              <a:alpha val="23137"/>
+            </a:schemeClr>
+          </a:solidFill>
+          <a:ln>
+            <a:solidFill>
+              <a:schemeClr val="bg2"/>
+            </a:solidFill>
+          </a:ln>
+        </p:spPr>
+        <p:style>
+          <a:lnRef idx="2">
+            <a:schemeClr val="accent1">
+              <a:shade val="15000"/>
+            </a:schemeClr>
+          </a:lnRef>
+          <a:fillRef idx="1">
+            <a:schemeClr val="accent1"/>
+          </a:fillRef>
+          <a:effectRef idx="0">
+            <a:schemeClr val="accent1"/>
+          </a:effectRef>
+          <a:fontRef idx="minor">
+            <a:schemeClr val="lt1"/>
+          </a:fontRef>
+        </p:style>
+        <p:txBody>
+          <a:bodyPr rtlCol="0" anchor="ctr"/>
+          <a:lstStyle/>
+          <a:p>
+            <a:pPr algn="ctr"/>
+            <a:endParaRPr lang="en-US"/>
+          </a:p>
+        </p:txBody>
+      </p:sp>
     </p:spTree>
     <p:extLst>
       <p:ext uri="{BB962C8B-B14F-4D97-AF65-F5344CB8AC3E}">
@@ -53116,15 +54028,6 @@
 </file>
 
 <file path=customXml/item1.xml><?xml version="1.0" encoding="utf-8"?>
-<?mso-contentType ?>
-<FormTemplates xmlns="http://schemas.microsoft.com/sharepoint/v3/contenttype/forms">
-  <Display>DocumentLibraryForm</Display>
-  <Edit>DocumentLibraryForm</Edit>
-  <New>DocumentLibraryForm</New>
-</FormTemplates>
-</file>
-
-<file path=customXml/item2.xml><?xml version="1.0" encoding="utf-8"?>
 <ct:contentTypeSchema xmlns:ct="http://schemas.microsoft.com/office/2006/metadata/contentType" xmlns:ma="http://schemas.microsoft.com/office/2006/metadata/properties/metaAttributes" ct:_="" ma:_="" ma:contentTypeName="Document" ma:contentTypeID="0x010100A2980AF668775C489F286D3ACC930043" ma:contentTypeVersion="3" ma:contentTypeDescription="Create a new document." ma:contentTypeScope="" ma:versionID="7c5c9651b1cc8a4dcfd74fcd40ef1255">
   <xsd:schema xmlns:xsd="http://www.w3.org/2001/XMLSchema" xmlns:xs="http://www.w3.org/2001/XMLSchema" xmlns:p="http://schemas.microsoft.com/office/2006/metadata/properties" xmlns:ns2="1f16dbf7-1624-42b0-94f0-c170d6d8c99c" targetNamespace="http://schemas.microsoft.com/office/2006/metadata/properties" ma:root="true" ma:fieldsID="3a6ed51a2a70db089d9b560b51ffe8cc" ns2:_="">
     <xsd:import namespace="1f16dbf7-1624-42b0-94f0-c170d6d8c99c"/>
@@ -53262,6 +54165,15 @@
 </ct:contentTypeSchema>
 </file>
 
+<file path=customXml/item2.xml><?xml version="1.0" encoding="utf-8"?>
+<?mso-contentType ?>
+<FormTemplates xmlns="http://schemas.microsoft.com/sharepoint/v3/contenttype/forms">
+  <Display>DocumentLibraryForm</Display>
+  <Edit>DocumentLibraryForm</Edit>
+  <New>DocumentLibraryForm</New>
+</FormTemplates>
+</file>
+
 <file path=customXml/item3.xml><?xml version="1.0" encoding="utf-8"?>
 <p:properties xmlns:p="http://schemas.microsoft.com/office/2006/metadata/properties" xmlns:xsi="http://www.w3.org/2001/XMLSchema-instance" xmlns:pc="http://schemas.microsoft.com/office/infopath/2007/PartnerControls">
   <documentManagement/>
@@ -53269,14 +54181,6 @@
 </file>
 
 <file path=customXml/itemProps1.xml><?xml version="1.0" encoding="utf-8"?>
-<ds:datastoreItem xmlns:ds="http://schemas.openxmlformats.org/officeDocument/2006/customXml" ds:itemID="{476E9091-9C02-40F7-8824-5283B494FEC7}">
-  <ds:schemaRefs>
-    <ds:schemaRef ds:uri="http://schemas.microsoft.com/sharepoint/v3/contenttype/forms"/>
-  </ds:schemaRefs>
-</ds:datastoreItem>
-</file>
-
-<file path=customXml/itemProps2.xml><?xml version="1.0" encoding="utf-8"?>
 <ds:datastoreItem xmlns:ds="http://schemas.openxmlformats.org/officeDocument/2006/customXml" ds:itemID="{58F29B6A-6356-441D-8343-7E25C4B84F9B}">
   <ds:schemaRefs>
     <ds:schemaRef ds:uri="http://schemas.microsoft.com/office/2006/metadata/contentType"/>
@@ -53290,6 +54194,14 @@
     <ds:schemaRef ds:uri="http://purl.org/dc/elements/1.1/"/>
     <ds:schemaRef ds:uri="http://purl.org/dc/terms/"/>
     <ds:schemaRef ds:uri="http://schemas.microsoft.com/internal/obd"/>
+  </ds:schemaRefs>
+</ds:datastoreItem>
+</file>
+
+<file path=customXml/itemProps2.xml><?xml version="1.0" encoding="utf-8"?>
+<ds:datastoreItem xmlns:ds="http://schemas.openxmlformats.org/officeDocument/2006/customXml" ds:itemID="{476E9091-9C02-40F7-8824-5283B494FEC7}">
+  <ds:schemaRefs>
+    <ds:schemaRef ds:uri="http://schemas.microsoft.com/sharepoint/v3/contenttype/forms"/>
   </ds:schemaRefs>
 </ds:datastoreItem>
 </file>

--- a/projects/project_1/results/Project_1_Presentation.pptx
+++ b/projects/project_1/results/Project_1_Presentation.pptx
@@ -16,10 +16,10 @@
     <p:sldId id="289" r:id="rId10"/>
     <p:sldId id="265" r:id="rId11"/>
     <p:sldId id="281" r:id="rId12"/>
-    <p:sldId id="278" r:id="rId13"/>
-    <p:sldId id="287" r:id="rId14"/>
-    <p:sldId id="286" r:id="rId15"/>
-    <p:sldId id="285" r:id="rId16"/>
+    <p:sldId id="286" r:id="rId13"/>
+    <p:sldId id="285" r:id="rId14"/>
+    <p:sldId id="278" r:id="rId15"/>
+    <p:sldId id="287" r:id="rId16"/>
     <p:sldId id="266" r:id="rId17"/>
     <p:sldId id="282" r:id="rId18"/>
     <p:sldId id="279" r:id="rId19"/>
@@ -33,7 +33,7 @@
     <p:sldId id="271" r:id="rId27"/>
     <p:sldId id="272" r:id="rId28"/>
     <p:sldId id="263" r:id="rId29"/>
-    <p:sldId id="280" r:id="rId30"/>
+    <p:sldId id="290" r:id="rId30"/>
   </p:sldIdLst>
   <p:sldSz cx="12192000" cy="6858000"/>
   <p:notesSz cx="6858000" cy="9144000"/>
@@ -143,8 +143,8 @@
 <file path=ppt/revisionInfo.xml><?xml version="1.0" encoding="utf-8"?>
 <p1510:revInfo xmlns:a="http://schemas.openxmlformats.org/drawingml/2006/main" xmlns:r="http://schemas.openxmlformats.org/officeDocument/2006/relationships" xmlns:p1510="http://schemas.microsoft.com/office/powerpoint/2015/10/main">
   <p1510:revLst>
-    <p1510:client id="{459EA6AE-5A33-654C-A82B-4E2BB881E3FC}" v="34" dt="2025-09-24T19:29:32.363"/>
-    <p1510:client id="{AF7C66C4-BC8B-9F7E-ED75-B6C5D1D935B5}" v="62" dt="2025-09-24T15:30:48.934"/>
+    <p1510:client id="{459EA6AE-5A33-654C-A82B-4E2BB881E3FC}" v="108" dt="2025-09-28T19:49:25.122"/>
+    <p1510:client id="{5E84CB9F-75DF-C037-D800-E58F2374BD34}" v="38" dt="2025-09-28T19:37:44.070"/>
   </p1510:revLst>
 </p1510:revInfo>
 </file>
@@ -152,102 +152,73 @@
 <file path=ppt/changesInfos/changesInfo1.xml><?xml version="1.0" encoding="utf-8"?>
 <pc:chgInfo xmlns:a="http://schemas.openxmlformats.org/drawingml/2006/main" xmlns:r="http://schemas.openxmlformats.org/officeDocument/2006/relationships" xmlns:ac="http://schemas.microsoft.com/office/drawing/2013/main/command" xmlns:pc="http://schemas.microsoft.com/office/powerpoint/2013/main/command">
   <pc:docChgLst>
+    <pc:chgData name="Benjamin Anderson" userId="S::bma015@uark.edu::f80f56bf-987d-4a89-9e11-d146ca2b90a1" providerId="AD" clId="Web-{5E84CB9F-75DF-C037-D800-E58F2374BD34}"/>
+    <pc:docChg chg="modSld">
+      <pc:chgData name="Benjamin Anderson" userId="S::bma015@uark.edu::f80f56bf-987d-4a89-9e11-d146ca2b90a1" providerId="AD" clId="Web-{5E84CB9F-75DF-C037-D800-E58F2374BD34}" dt="2025-09-28T19:37:43.913" v="37" actId="20577"/>
+      <pc:docMkLst>
+        <pc:docMk/>
+      </pc:docMkLst>
+      <pc:sldChg chg="modSp">
+        <pc:chgData name="Benjamin Anderson" userId="S::bma015@uark.edu::f80f56bf-987d-4a89-9e11-d146ca2b90a1" providerId="AD" clId="Web-{5E84CB9F-75DF-C037-D800-E58F2374BD34}" dt="2025-09-28T19:37:43.913" v="37" actId="20577"/>
+        <pc:sldMkLst>
+          <pc:docMk/>
+          <pc:sldMk cId="3474230749" sldId="270"/>
+        </pc:sldMkLst>
+        <pc:spChg chg="mod">
+          <ac:chgData name="Benjamin Anderson" userId="S::bma015@uark.edu::f80f56bf-987d-4a89-9e11-d146ca2b90a1" providerId="AD" clId="Web-{5E84CB9F-75DF-C037-D800-E58F2374BD34}" dt="2025-09-28T19:37:43.913" v="37" actId="20577"/>
+          <ac:spMkLst>
+            <pc:docMk/>
+            <pc:sldMk cId="3474230749" sldId="270"/>
+            <ac:spMk id="241" creationId="{00000000-0000-0000-0000-000000000000}"/>
+          </ac:spMkLst>
+        </pc:spChg>
+      </pc:sldChg>
+      <pc:sldChg chg="addSp delSp modSp">
+        <pc:chgData name="Benjamin Anderson" userId="S::bma015@uark.edu::f80f56bf-987d-4a89-9e11-d146ca2b90a1" providerId="AD" clId="Web-{5E84CB9F-75DF-C037-D800-E58F2374BD34}" dt="2025-09-28T18:52:35.008" v="8" actId="14100"/>
+        <pc:sldMkLst>
+          <pc:docMk/>
+          <pc:sldMk cId="8447125" sldId="288"/>
+        </pc:sldMkLst>
+        <pc:picChg chg="add del mod">
+          <ac:chgData name="Benjamin Anderson" userId="S::bma015@uark.edu::f80f56bf-987d-4a89-9e11-d146ca2b90a1" providerId="AD" clId="Web-{5E84CB9F-75DF-C037-D800-E58F2374BD34}" dt="2025-09-28T18:52:20.258" v="6"/>
+          <ac:picMkLst>
+            <pc:docMk/>
+            <pc:sldMk cId="8447125" sldId="288"/>
+            <ac:picMk id="2" creationId="{DB272F95-14D2-93F2-9A58-34491960259F}"/>
+          </ac:picMkLst>
+        </pc:picChg>
+        <pc:picChg chg="add mod">
+          <ac:chgData name="Benjamin Anderson" userId="S::bma015@uark.edu::f80f56bf-987d-4a89-9e11-d146ca2b90a1" providerId="AD" clId="Web-{5E84CB9F-75DF-C037-D800-E58F2374BD34}" dt="2025-09-28T18:52:35.008" v="8" actId="14100"/>
+          <ac:picMkLst>
+            <pc:docMk/>
+            <pc:sldMk cId="8447125" sldId="288"/>
+            <ac:picMk id="3" creationId="{B55EF3C5-92B9-FB8B-F9A6-C6C326AD0674}"/>
+          </ac:picMkLst>
+        </pc:picChg>
+        <pc:picChg chg="del">
+          <ac:chgData name="Benjamin Anderson" userId="S::bma015@uark.edu::f80f56bf-987d-4a89-9e11-d146ca2b90a1" providerId="AD" clId="Web-{5E84CB9F-75DF-C037-D800-E58F2374BD34}" dt="2025-09-28T18:23:25.738" v="0"/>
+          <ac:picMkLst>
+            <pc:docMk/>
+            <pc:sldMk cId="8447125" sldId="288"/>
+            <ac:picMk id="3" creationId="{E7BB2844-6D50-508F-5CBE-D6169C75F2A6}"/>
+          </ac:picMkLst>
+        </pc:picChg>
+      </pc:sldChg>
+    </pc:docChg>
+  </pc:docChgLst>
+  <pc:docChgLst>
     <pc:chgData name="Stella Shipman" userId="S::stellas@uark.edu::19288fed-0e4e-472d-9b56-f595db8c85c2" providerId="AD" clId="Web-{AF7C66C4-BC8B-9F7E-ED75-B6C5D1D935B5}"/>
     <pc:docChg chg="addSld modSld">
       <pc:chgData name="Stella Shipman" userId="S::stellas@uark.edu::19288fed-0e4e-472d-9b56-f595db8c85c2" providerId="AD" clId="Web-{AF7C66C4-BC8B-9F7E-ED75-B6C5D1D935B5}" dt="2025-09-24T15:30:39.058" v="54"/>
       <pc:docMkLst>
         <pc:docMk/>
       </pc:docMkLst>
-      <pc:sldChg chg="modSp new mod modClrScheme chgLayout">
-        <pc:chgData name="Stella Shipman" userId="S::stellas@uark.edu::19288fed-0e4e-472d-9b56-f595db8c85c2" providerId="AD" clId="Web-{AF7C66C4-BC8B-9F7E-ED75-B6C5D1D935B5}" dt="2025-09-24T15:30:07.480" v="45" actId="20577"/>
-        <pc:sldMkLst>
-          <pc:docMk/>
-          <pc:sldMk cId="3487192070" sldId="257"/>
-        </pc:sldMkLst>
-        <pc:spChg chg="mod ord">
-          <ac:chgData name="Stella Shipman" userId="S::stellas@uark.edu::19288fed-0e4e-472d-9b56-f595db8c85c2" providerId="AD" clId="Web-{AF7C66C4-BC8B-9F7E-ED75-B6C5D1D935B5}" dt="2025-09-24T15:30:04.823" v="44" actId="20577"/>
-          <ac:spMkLst>
-            <pc:docMk/>
-            <pc:sldMk cId="3487192070" sldId="257"/>
-            <ac:spMk id="2" creationId="{C51D0663-0E40-9189-1518-08880C4902D7}"/>
-          </ac:spMkLst>
-        </pc:spChg>
-        <pc:spChg chg="mod ord">
-          <ac:chgData name="Stella Shipman" userId="S::stellas@uark.edu::19288fed-0e4e-472d-9b56-f595db8c85c2" providerId="AD" clId="Web-{AF7C66C4-BC8B-9F7E-ED75-B6C5D1D935B5}" dt="2025-09-24T15:30:07.480" v="45" actId="20577"/>
-          <ac:spMkLst>
-            <pc:docMk/>
-            <pc:sldMk cId="3487192070" sldId="257"/>
-            <ac:spMk id="3" creationId="{01BC890E-4234-8CC9-D9EC-0A1C6EAE87F6}"/>
-          </ac:spMkLst>
-        </pc:spChg>
-      </pc:sldChg>
-      <pc:sldChg chg="modSp new mod modClrScheme chgLayout">
-        <pc:chgData name="Stella Shipman" userId="S::stellas@uark.edu::19288fed-0e4e-472d-9b56-f595db8c85c2" providerId="AD" clId="Web-{AF7C66C4-BC8B-9F7E-ED75-B6C5D1D935B5}" dt="2025-09-24T15:30:39.058" v="54"/>
-        <pc:sldMkLst>
-          <pc:docMk/>
-          <pc:sldMk cId="2332700531" sldId="258"/>
-        </pc:sldMkLst>
-        <pc:spChg chg="mod ord">
-          <ac:chgData name="Stella Shipman" userId="S::stellas@uark.edu::19288fed-0e4e-472d-9b56-f595db8c85c2" providerId="AD" clId="Web-{AF7C66C4-BC8B-9F7E-ED75-B6C5D1D935B5}" dt="2025-09-24T15:30:39.058" v="54"/>
-          <ac:spMkLst>
-            <pc:docMk/>
-            <pc:sldMk cId="2332700531" sldId="258"/>
-            <ac:spMk id="2" creationId="{E62AA2DA-2475-9071-EA8B-2CC55A45282D}"/>
-          </ac:spMkLst>
-        </pc:spChg>
-        <pc:spChg chg="mod ord">
-          <ac:chgData name="Stella Shipman" userId="S::stellas@uark.edu::19288fed-0e4e-472d-9b56-f595db8c85c2" providerId="AD" clId="Web-{AF7C66C4-BC8B-9F7E-ED75-B6C5D1D935B5}" dt="2025-09-24T15:30:39.058" v="54"/>
-          <ac:spMkLst>
-            <pc:docMk/>
-            <pc:sldMk cId="2332700531" sldId="258"/>
-            <ac:spMk id="3" creationId="{5E8AB31D-771F-1140-4AFB-7AEAB8C8997E}"/>
-          </ac:spMkLst>
-        </pc:spChg>
-      </pc:sldChg>
-      <pc:sldChg chg="modSp new">
-        <pc:chgData name="Stella Shipman" userId="S::stellas@uark.edu::19288fed-0e4e-472d-9b56-f595db8c85c2" providerId="AD" clId="Web-{AF7C66C4-BC8B-9F7E-ED75-B6C5D1D935B5}" dt="2025-09-24T15:28:24.368" v="13" actId="20577"/>
-        <pc:sldMkLst>
-          <pc:docMk/>
-          <pc:sldMk cId="2966071690" sldId="259"/>
-        </pc:sldMkLst>
-        <pc:spChg chg="mod">
-          <ac:chgData name="Stella Shipman" userId="S::stellas@uark.edu::19288fed-0e4e-472d-9b56-f595db8c85c2" providerId="AD" clId="Web-{AF7C66C4-BC8B-9F7E-ED75-B6C5D1D935B5}" dt="2025-09-24T15:28:24.368" v="13" actId="20577"/>
-          <ac:spMkLst>
-            <pc:docMk/>
-            <pc:sldMk cId="2966071690" sldId="259"/>
-            <ac:spMk id="2" creationId="{1DFFEE40-842A-F6AB-CEDD-E30F23F60961}"/>
-          </ac:spMkLst>
-        </pc:spChg>
-      </pc:sldChg>
-      <pc:sldChg chg="modSp new mod modClrScheme chgLayout">
-        <pc:chgData name="Stella Shipman" userId="S::stellas@uark.edu::19288fed-0e4e-472d-9b56-f595db8c85c2" providerId="AD" clId="Web-{AF7C66C4-BC8B-9F7E-ED75-B6C5D1D935B5}" dt="2025-09-24T15:30:34.199" v="53" actId="20577"/>
-        <pc:sldMkLst>
-          <pc:docMk/>
-          <pc:sldMk cId="254802907" sldId="260"/>
-        </pc:sldMkLst>
-        <pc:spChg chg="mod ord">
-          <ac:chgData name="Stella Shipman" userId="S::stellas@uark.edu::19288fed-0e4e-472d-9b56-f595db8c85c2" providerId="AD" clId="Web-{AF7C66C4-BC8B-9F7E-ED75-B6C5D1D935B5}" dt="2025-09-24T15:30:34.199" v="53" actId="20577"/>
-          <ac:spMkLst>
-            <pc:docMk/>
-            <pc:sldMk cId="254802907" sldId="260"/>
-            <ac:spMk id="2" creationId="{81F2035C-7BED-07B6-0870-63227422D000}"/>
-          </ac:spMkLst>
-        </pc:spChg>
-        <pc:spChg chg="mod ord">
-          <ac:chgData name="Stella Shipman" userId="S::stellas@uark.edu::19288fed-0e4e-472d-9b56-f595db8c85c2" providerId="AD" clId="Web-{AF7C66C4-BC8B-9F7E-ED75-B6C5D1D935B5}" dt="2025-09-24T15:29:47.104" v="28" actId="20577"/>
-          <ac:spMkLst>
-            <pc:docMk/>
-            <pc:sldMk cId="254802907" sldId="260"/>
-            <ac:spMk id="3" creationId="{B2DA8CFA-5DF1-B4B9-1C6B-1A323037DE39}"/>
-          </ac:spMkLst>
-        </pc:spChg>
-      </pc:sldChg>
     </pc:docChg>
   </pc:docChgLst>
   <pc:docChgLst>
     <pc:chgData name="Stella Shipman" userId="19288fed-0e4e-472d-9b56-f595db8c85c2" providerId="ADAL" clId="{459EA6AE-5A33-654C-A82B-4E2BB881E3FC}"/>
     <pc:docChg chg="undo custSel addSld delSld modSld sldOrd delMainMaster">
-      <pc:chgData name="Stella Shipman" userId="19288fed-0e4e-472d-9b56-f595db8c85c2" providerId="ADAL" clId="{459EA6AE-5A33-654C-A82B-4E2BB881E3FC}" dt="2025-09-24T20:04:57.591" v="5397" actId="14100"/>
+      <pc:chgData name="Stella Shipman" userId="19288fed-0e4e-472d-9b56-f595db8c85c2" providerId="ADAL" clId="{459EA6AE-5A33-654C-A82B-4E2BB881E3FC}" dt="2025-09-28T19:49:25.122" v="6090" actId="2696"/>
       <pc:docMkLst>
         <pc:docMk/>
       </pc:docMkLst>
@@ -546,23 +517,87 @@
           </ac:spMkLst>
         </pc:spChg>
       </pc:sldChg>
-      <pc:sldChg chg="modSp add mod">
-        <pc:chgData name="Stella Shipman" userId="19288fed-0e4e-472d-9b56-f595db8c85c2" providerId="ADAL" clId="{459EA6AE-5A33-654C-A82B-4E2BB881E3FC}" dt="2025-09-24T16:00:57.169" v="674" actId="20577"/>
+      <pc:sldChg chg="addSp delSp modSp add mod modClrScheme chgLayout">
+        <pc:chgData name="Stella Shipman" userId="19288fed-0e4e-472d-9b56-f595db8c85c2" providerId="ADAL" clId="{459EA6AE-5A33-654C-A82B-4E2BB881E3FC}" dt="2025-09-28T19:19:30.589" v="5975" actId="478"/>
         <pc:sldMkLst>
           <pc:docMk/>
           <pc:sldMk cId="2183353082" sldId="271"/>
         </pc:sldMkLst>
-        <pc:spChg chg="mod">
-          <ac:chgData name="Stella Shipman" userId="19288fed-0e4e-472d-9b56-f595db8c85c2" providerId="ADAL" clId="{459EA6AE-5A33-654C-A82B-4E2BB881E3FC}" dt="2025-09-24T16:00:57.169" v="674" actId="20577"/>
+        <pc:spChg chg="add del">
+          <ac:chgData name="Stella Shipman" userId="19288fed-0e4e-472d-9b56-f595db8c85c2" providerId="ADAL" clId="{459EA6AE-5A33-654C-A82B-4E2BB881E3FC}" dt="2025-09-28T19:06:57.578" v="5846" actId="22"/>
+          <ac:spMkLst>
+            <pc:docMk/>
+            <pc:sldMk cId="2183353082" sldId="271"/>
+            <ac:spMk id="3" creationId="{924F5E99-AFA0-9D7B-0ECF-C5E75AA7A99E}"/>
+          </ac:spMkLst>
+        </pc:spChg>
+        <pc:spChg chg="add del mod">
+          <ac:chgData name="Stella Shipman" userId="19288fed-0e4e-472d-9b56-f595db8c85c2" providerId="ADAL" clId="{459EA6AE-5A33-654C-A82B-4E2BB881E3FC}" dt="2025-09-28T19:10:06.408" v="5886"/>
+          <ac:spMkLst>
+            <pc:docMk/>
+            <pc:sldMk cId="2183353082" sldId="271"/>
+            <ac:spMk id="8" creationId="{D0023908-AAB1-C7FE-33B7-6A4078A4A017}"/>
+          </ac:spMkLst>
+        </pc:spChg>
+        <pc:spChg chg="add mod">
+          <ac:chgData name="Stella Shipman" userId="19288fed-0e4e-472d-9b56-f595db8c85c2" providerId="ADAL" clId="{459EA6AE-5A33-654C-A82B-4E2BB881E3FC}" dt="2025-09-28T19:10:49.909" v="5891" actId="167"/>
+          <ac:spMkLst>
+            <pc:docMk/>
+            <pc:sldMk cId="2183353082" sldId="271"/>
+            <ac:spMk id="9" creationId="{3E37CBAA-8296-0C69-99F8-FD0AB4589CE9}"/>
+          </ac:spMkLst>
+        </pc:spChg>
+        <pc:spChg chg="add del mod">
+          <ac:chgData name="Stella Shipman" userId="19288fed-0e4e-472d-9b56-f595db8c85c2" providerId="ADAL" clId="{459EA6AE-5A33-654C-A82B-4E2BB881E3FC}" dt="2025-09-28T19:19:30.589" v="5975" actId="478"/>
+          <ac:spMkLst>
+            <pc:docMk/>
+            <pc:sldMk cId="2183353082" sldId="271"/>
+            <ac:spMk id="10" creationId="{7A012406-2ED6-970F-EE09-4E2AB3D1D93A}"/>
+          </ac:spMkLst>
+        </pc:spChg>
+        <pc:spChg chg="mod ord">
+          <ac:chgData name="Stella Shipman" userId="19288fed-0e4e-472d-9b56-f595db8c85c2" providerId="ADAL" clId="{459EA6AE-5A33-654C-A82B-4E2BB881E3FC}" dt="2025-09-28T19:16:37.025" v="5946" actId="404"/>
           <ac:spMkLst>
             <pc:docMk/>
             <pc:sldMk cId="2183353082" sldId="271"/>
             <ac:spMk id="240" creationId="{00000000-0000-0000-0000-000000000000}"/>
           </ac:spMkLst>
         </pc:spChg>
+        <pc:spChg chg="mod ord">
+          <ac:chgData name="Stella Shipman" userId="19288fed-0e4e-472d-9b56-f595db8c85c2" providerId="ADAL" clId="{459EA6AE-5A33-654C-A82B-4E2BB881E3FC}" dt="2025-09-28T19:17:36.802" v="5963" actId="1076"/>
+          <ac:spMkLst>
+            <pc:docMk/>
+            <pc:sldMk cId="2183353082" sldId="271"/>
+            <ac:spMk id="241" creationId="{00000000-0000-0000-0000-000000000000}"/>
+          </ac:spMkLst>
+        </pc:spChg>
+        <pc:picChg chg="add mod modCrop">
+          <ac:chgData name="Stella Shipman" userId="19288fed-0e4e-472d-9b56-f595db8c85c2" providerId="ADAL" clId="{459EA6AE-5A33-654C-A82B-4E2BB881E3FC}" dt="2025-09-28T19:19:23.853" v="5973" actId="1076"/>
+          <ac:picMkLst>
+            <pc:docMk/>
+            <pc:sldMk cId="2183353082" sldId="271"/>
+            <ac:picMk id="5" creationId="{D80A65E2-E9AA-8363-4239-595C44143AC4}"/>
+          </ac:picMkLst>
+        </pc:picChg>
+        <pc:picChg chg="add mod modCrop">
+          <ac:chgData name="Stella Shipman" userId="19288fed-0e4e-472d-9b56-f595db8c85c2" providerId="ADAL" clId="{459EA6AE-5A33-654C-A82B-4E2BB881E3FC}" dt="2025-09-28T19:15:43.057" v="5928" actId="14100"/>
+          <ac:picMkLst>
+            <pc:docMk/>
+            <pc:sldMk cId="2183353082" sldId="271"/>
+            <ac:picMk id="6" creationId="{13CC1D82-2B02-E31D-A804-B7079167D58D}"/>
+          </ac:picMkLst>
+        </pc:picChg>
+        <pc:picChg chg="add mod modCrop">
+          <ac:chgData name="Stella Shipman" userId="19288fed-0e4e-472d-9b56-f595db8c85c2" providerId="ADAL" clId="{459EA6AE-5A33-654C-A82B-4E2BB881E3FC}" dt="2025-09-28T19:16:15.676" v="5939" actId="1076"/>
+          <ac:picMkLst>
+            <pc:docMk/>
+            <pc:sldMk cId="2183353082" sldId="271"/>
+            <ac:picMk id="7" creationId="{798F8DF9-6440-355A-7F0D-A8B8C06A9C2E}"/>
+          </ac:picMkLst>
+        </pc:picChg>
       </pc:sldChg>
       <pc:sldChg chg="modSp add mod">
-        <pc:chgData name="Stella Shipman" userId="19288fed-0e4e-472d-9b56-f595db8c85c2" providerId="ADAL" clId="{459EA6AE-5A33-654C-A82B-4E2BB881E3FC}" dt="2025-09-24T15:58:17.485" v="593" actId="404"/>
+        <pc:chgData name="Stella Shipman" userId="19288fed-0e4e-472d-9b56-f595db8c85c2" providerId="ADAL" clId="{459EA6AE-5A33-654C-A82B-4E2BB881E3FC}" dt="2025-09-28T19:40:39.370" v="6069" actId="113"/>
         <pc:sldMkLst>
           <pc:docMk/>
           <pc:sldMk cId="1351329635" sldId="272"/>
@@ -573,6 +608,14 @@
             <pc:docMk/>
             <pc:sldMk cId="1351329635" sldId="272"/>
             <ac:spMk id="240" creationId="{00000000-0000-0000-0000-000000000000}"/>
+          </ac:spMkLst>
+        </pc:spChg>
+        <pc:spChg chg="mod">
+          <ac:chgData name="Stella Shipman" userId="19288fed-0e4e-472d-9b56-f595db8c85c2" providerId="ADAL" clId="{459EA6AE-5A33-654C-A82B-4E2BB881E3FC}" dt="2025-09-28T19:40:39.370" v="6069" actId="113"/>
+          <ac:spMkLst>
+            <pc:docMk/>
+            <pc:sldMk cId="1351329635" sldId="272"/>
+            <ac:spMk id="241" creationId="{00000000-0000-0000-0000-000000000000}"/>
           </ac:spMkLst>
         </pc:spChg>
       </pc:sldChg>
@@ -592,7 +635,7 @@
         </pc:spChg>
       </pc:sldChg>
       <pc:sldChg chg="addSp delSp modSp add mod">
-        <pc:chgData name="Stella Shipman" userId="19288fed-0e4e-472d-9b56-f595db8c85c2" providerId="ADAL" clId="{459EA6AE-5A33-654C-A82B-4E2BB881E3FC}" dt="2025-09-24T20:04:57.591" v="5397" actId="14100"/>
+        <pc:chgData name="Stella Shipman" userId="19288fed-0e4e-472d-9b56-f595db8c85c2" providerId="ADAL" clId="{459EA6AE-5A33-654C-A82B-4E2BB881E3FC}" dt="2025-09-26T19:43:07.371" v="5624" actId="20577"/>
         <pc:sldMkLst>
           <pc:docMk/>
           <pc:sldMk cId="282738015" sldId="274"/>
@@ -638,7 +681,7 @@
           </ac:spMkLst>
         </pc:spChg>
         <pc:spChg chg="mod">
-          <ac:chgData name="Stella Shipman" userId="19288fed-0e4e-472d-9b56-f595db8c85c2" providerId="ADAL" clId="{459EA6AE-5A33-654C-A82B-4E2BB881E3FC}" dt="2025-09-24T20:04:51.113" v="5395" actId="14100"/>
+          <ac:chgData name="Stella Shipman" userId="19288fed-0e4e-472d-9b56-f595db8c85c2" providerId="ADAL" clId="{459EA6AE-5A33-654C-A82B-4E2BB881E3FC}" dt="2025-09-26T04:34:03.465" v="5584" actId="948"/>
           <ac:spMkLst>
             <pc:docMk/>
             <pc:sldMk cId="282738015" sldId="274"/>
@@ -646,7 +689,7 @@
           </ac:spMkLst>
         </pc:spChg>
         <pc:spChg chg="mod">
-          <ac:chgData name="Stella Shipman" userId="19288fed-0e4e-472d-9b56-f595db8c85c2" providerId="ADAL" clId="{459EA6AE-5A33-654C-A82B-4E2BB881E3FC}" dt="2025-09-24T20:04:57.591" v="5397" actId="14100"/>
+          <ac:chgData name="Stella Shipman" userId="19288fed-0e4e-472d-9b56-f595db8c85c2" providerId="ADAL" clId="{459EA6AE-5A33-654C-A82B-4E2BB881E3FC}" dt="2025-09-26T19:43:07.371" v="5624" actId="20577"/>
           <ac:spMkLst>
             <pc:docMk/>
             <pc:sldMk cId="282738015" sldId="274"/>
@@ -708,8 +751,8 @@
           </ac:spMkLst>
         </pc:spChg>
       </pc:sldChg>
-      <pc:sldChg chg="addSp delSp modSp new mod modClrScheme chgLayout">
-        <pc:chgData name="Stella Shipman" userId="19288fed-0e4e-472d-9b56-f595db8c85c2" providerId="ADAL" clId="{459EA6AE-5A33-654C-A82B-4E2BB881E3FC}" dt="2025-09-24T16:06:04.340" v="846" actId="20577"/>
+      <pc:sldChg chg="addSp delSp modSp new del mod modClrScheme chgLayout">
+        <pc:chgData name="Stella Shipman" userId="19288fed-0e4e-472d-9b56-f595db8c85c2" providerId="ADAL" clId="{459EA6AE-5A33-654C-A82B-4E2BB881E3FC}" dt="2025-09-28T19:49:25.122" v="6090" actId="2696"/>
         <pc:sldMkLst>
           <pc:docMk/>
           <pc:sldMk cId="3682108917" sldId="277"/>
@@ -755,13 +798,101 @@
           </ac:spMkLst>
         </pc:spChg>
         <pc:spChg chg="add mod">
-          <ac:chgData name="Stella Shipman" userId="19288fed-0e4e-472d-9b56-f595db8c85c2" providerId="ADAL" clId="{459EA6AE-5A33-654C-A82B-4E2BB881E3FC}" dt="2025-09-24T16:06:04.340" v="846" actId="20577"/>
+          <ac:chgData name="Stella Shipman" userId="19288fed-0e4e-472d-9b56-f595db8c85c2" providerId="ADAL" clId="{459EA6AE-5A33-654C-A82B-4E2BB881E3FC}" dt="2025-09-26T19:57:04.683" v="5820" actId="1076"/>
           <ac:spMkLst>
             <pc:docMk/>
             <pc:sldMk cId="3682108917" sldId="277"/>
             <ac:spMk id="7" creationId="{CFDADD71-D303-D397-7315-F704CFB3FC3A}"/>
           </ac:spMkLst>
         </pc:spChg>
+        <pc:spChg chg="add del">
+          <ac:chgData name="Stella Shipman" userId="19288fed-0e4e-472d-9b56-f595db8c85c2" providerId="ADAL" clId="{459EA6AE-5A33-654C-A82B-4E2BB881E3FC}" dt="2025-09-26T19:51:35.192" v="5684" actId="22"/>
+          <ac:spMkLst>
+            <pc:docMk/>
+            <pc:sldMk cId="3682108917" sldId="277"/>
+            <ac:spMk id="14" creationId="{30E775C3-61A5-7FFE-EAD5-2BE43FECAB62}"/>
+          </ac:spMkLst>
+        </pc:spChg>
+        <pc:spChg chg="add del mod">
+          <ac:chgData name="Stella Shipman" userId="19288fed-0e4e-472d-9b56-f595db8c85c2" providerId="ADAL" clId="{459EA6AE-5A33-654C-A82B-4E2BB881E3FC}" dt="2025-09-26T19:55:10.536" v="5755" actId="767"/>
+          <ac:spMkLst>
+            <pc:docMk/>
+            <pc:sldMk cId="3682108917" sldId="277"/>
+            <ac:spMk id="19" creationId="{F0E92D88-05C4-9BBE-5BE9-33F787A26F11}"/>
+          </ac:spMkLst>
+        </pc:spChg>
+        <pc:spChg chg="add mod">
+          <ac:chgData name="Stella Shipman" userId="19288fed-0e4e-472d-9b56-f595db8c85c2" providerId="ADAL" clId="{459EA6AE-5A33-654C-A82B-4E2BB881E3FC}" dt="2025-09-26T19:56:31.588" v="5815" actId="1076"/>
+          <ac:spMkLst>
+            <pc:docMk/>
+            <pc:sldMk cId="3682108917" sldId="277"/>
+            <ac:spMk id="20" creationId="{7A1EF8C1-B72A-081C-EF23-BDFF1804C5E9}"/>
+          </ac:spMkLst>
+        </pc:spChg>
+        <pc:spChg chg="add mod">
+          <ac:chgData name="Stella Shipman" userId="19288fed-0e4e-472d-9b56-f595db8c85c2" providerId="ADAL" clId="{459EA6AE-5A33-654C-A82B-4E2BB881E3FC}" dt="2025-09-26T19:56:27.562" v="5814" actId="1076"/>
+          <ac:spMkLst>
+            <pc:docMk/>
+            <pc:sldMk cId="3682108917" sldId="277"/>
+            <ac:spMk id="21" creationId="{4A15378A-F09D-966A-48CF-964EE02337BB}"/>
+          </ac:spMkLst>
+        </pc:spChg>
+        <pc:grpChg chg="add mod">
+          <ac:chgData name="Stella Shipman" userId="19288fed-0e4e-472d-9b56-f595db8c85c2" providerId="ADAL" clId="{459EA6AE-5A33-654C-A82B-4E2BB881E3FC}" dt="2025-09-26T19:54:37.597" v="5753" actId="1076"/>
+          <ac:grpSpMkLst>
+            <pc:docMk/>
+            <pc:sldMk cId="3682108917" sldId="277"/>
+            <ac:grpSpMk id="12" creationId="{A391FC99-E13C-F9AE-62BC-9C397C25D698}"/>
+          </ac:grpSpMkLst>
+        </pc:grpChg>
+        <pc:grpChg chg="add mod">
+          <ac:chgData name="Stella Shipman" userId="19288fed-0e4e-472d-9b56-f595db8c85c2" providerId="ADAL" clId="{459EA6AE-5A33-654C-A82B-4E2BB881E3FC}" dt="2025-09-26T19:57:00.041" v="5819" actId="1076"/>
+          <ac:grpSpMkLst>
+            <pc:docMk/>
+            <pc:sldMk cId="3682108917" sldId="277"/>
+            <ac:grpSpMk id="22" creationId="{1BAF416C-9CAD-041F-BA6C-690836518ADE}"/>
+          </ac:grpSpMkLst>
+        </pc:grpChg>
+        <pc:grpChg chg="add mod">
+          <ac:chgData name="Stella Shipman" userId="19288fed-0e4e-472d-9b56-f595db8c85c2" providerId="ADAL" clId="{459EA6AE-5A33-654C-A82B-4E2BB881E3FC}" dt="2025-09-26T19:56:55.774" v="5818" actId="1076"/>
+          <ac:grpSpMkLst>
+            <pc:docMk/>
+            <pc:sldMk cId="3682108917" sldId="277"/>
+            <ac:grpSpMk id="23" creationId="{84C25FE6-C470-A381-3E3E-5108BB022F3C}"/>
+          </ac:grpSpMkLst>
+        </pc:grpChg>
+        <pc:picChg chg="add mod modCrop">
+          <ac:chgData name="Stella Shipman" userId="19288fed-0e4e-472d-9b56-f595db8c85c2" providerId="ADAL" clId="{459EA6AE-5A33-654C-A82B-4E2BB881E3FC}" dt="2025-09-26T19:47:51.680" v="5659" actId="1076"/>
+          <ac:picMkLst>
+            <pc:docMk/>
+            <pc:sldMk cId="3682108917" sldId="277"/>
+            <ac:picMk id="9" creationId="{60A7D276-E1DB-1FE0-15D3-A1EC9E52AA9D}"/>
+          </ac:picMkLst>
+        </pc:picChg>
+        <pc:picChg chg="add mod modCrop">
+          <ac:chgData name="Stella Shipman" userId="19288fed-0e4e-472d-9b56-f595db8c85c2" providerId="ADAL" clId="{459EA6AE-5A33-654C-A82B-4E2BB881E3FC}" dt="2025-09-26T19:52:35.806" v="5696" actId="1076"/>
+          <ac:picMkLst>
+            <pc:docMk/>
+            <pc:sldMk cId="3682108917" sldId="277"/>
+            <ac:picMk id="11" creationId="{D9765030-D52E-E6D0-4762-74DA815CDFDF}"/>
+          </ac:picMkLst>
+        </pc:picChg>
+        <pc:picChg chg="add del mod">
+          <ac:chgData name="Stella Shipman" userId="19288fed-0e4e-472d-9b56-f595db8c85c2" providerId="ADAL" clId="{459EA6AE-5A33-654C-A82B-4E2BB881E3FC}" dt="2025-09-26T19:51:49.704" v="5689" actId="478"/>
+          <ac:picMkLst>
+            <pc:docMk/>
+            <pc:sldMk cId="3682108917" sldId="277"/>
+            <ac:picMk id="16" creationId="{BAE20658-4597-BA94-5DF7-C1EFAC6BD413}"/>
+          </ac:picMkLst>
+        </pc:picChg>
+        <pc:picChg chg="add mod modCrop">
+          <ac:chgData name="Stella Shipman" userId="19288fed-0e4e-472d-9b56-f595db8c85c2" providerId="ADAL" clId="{459EA6AE-5A33-654C-A82B-4E2BB881E3FC}" dt="2025-09-26T19:54:16.957" v="5714" actId="14100"/>
+          <ac:picMkLst>
+            <pc:docMk/>
+            <pc:sldMk cId="3682108917" sldId="277"/>
+            <ac:picMk id="18" creationId="{E610BC95-28FE-797C-F368-775ABE0BF159}"/>
+          </ac:picMkLst>
+        </pc:picChg>
       </pc:sldChg>
       <pc:sldChg chg="add">
         <pc:chgData name="Stella Shipman" userId="19288fed-0e4e-472d-9b56-f595db8c85c2" providerId="ADAL" clId="{459EA6AE-5A33-654C-A82B-4E2BB881E3FC}" dt="2025-09-24T16:06:16.149" v="847"/>
@@ -777,8 +908,8 @@
           <pc:sldMk cId="3869113735" sldId="279"/>
         </pc:sldMkLst>
       </pc:sldChg>
-      <pc:sldChg chg="modSp add mod modNotes">
-        <pc:chgData name="Stella Shipman" userId="19288fed-0e4e-472d-9b56-f595db8c85c2" providerId="ADAL" clId="{459EA6AE-5A33-654C-A82B-4E2BB881E3FC}" dt="2025-09-24T16:23:56.020" v="918" actId="20577"/>
+      <pc:sldChg chg="modSp add del mod modNotes">
+        <pc:chgData name="Stella Shipman" userId="19288fed-0e4e-472d-9b56-f595db8c85c2" providerId="ADAL" clId="{459EA6AE-5A33-654C-A82B-4E2BB881E3FC}" dt="2025-09-28T19:48:02.272" v="6071" actId="2696"/>
         <pc:sldMkLst>
           <pc:docMk/>
           <pc:sldMk cId="0" sldId="280"/>
@@ -800,12 +931,20 @@
           </ac:spMkLst>
         </pc:spChg>
       </pc:sldChg>
-      <pc:sldChg chg="delSp modSp add mod">
-        <pc:chgData name="Stella Shipman" userId="19288fed-0e4e-472d-9b56-f595db8c85c2" providerId="ADAL" clId="{459EA6AE-5A33-654C-A82B-4E2BB881E3FC}" dt="2025-09-24T19:23:44.094" v="5282" actId="404"/>
+      <pc:sldChg chg="addSp delSp modSp add mod">
+        <pc:chgData name="Stella Shipman" userId="19288fed-0e4e-472d-9b56-f595db8c85c2" providerId="ADAL" clId="{459EA6AE-5A33-654C-A82B-4E2BB881E3FC}" dt="2025-09-26T04:35:17.052" v="5622" actId="207"/>
         <pc:sldMkLst>
           <pc:docMk/>
           <pc:sldMk cId="427667390" sldId="281"/>
         </pc:sldMkLst>
+        <pc:spChg chg="add mod">
+          <ac:chgData name="Stella Shipman" userId="19288fed-0e4e-472d-9b56-f595db8c85c2" providerId="ADAL" clId="{459EA6AE-5A33-654C-A82B-4E2BB881E3FC}" dt="2025-09-26T04:35:17.052" v="5622" actId="207"/>
+          <ac:spMkLst>
+            <pc:docMk/>
+            <pc:sldMk cId="427667390" sldId="281"/>
+            <ac:spMk id="2" creationId="{F00F60CA-B33C-A378-086A-3BF44DBF6B59}"/>
+          </ac:spMkLst>
+        </pc:spChg>
         <pc:spChg chg="mod">
           <ac:chgData name="Stella Shipman" userId="19288fed-0e4e-472d-9b56-f595db8c85c2" providerId="ADAL" clId="{459EA6AE-5A33-654C-A82B-4E2BB881E3FC}" dt="2025-09-24T18:20:22.609" v="3384"/>
           <ac:spMkLst>
@@ -847,7 +986,7 @@
           </ac:spMkLst>
         </pc:spChg>
         <pc:spChg chg="mod">
-          <ac:chgData name="Stella Shipman" userId="19288fed-0e4e-472d-9b56-f595db8c85c2" providerId="ADAL" clId="{459EA6AE-5A33-654C-A82B-4E2BB881E3FC}" dt="2025-09-24T19:23:19.344" v="5279" actId="20577"/>
+          <ac:chgData name="Stella Shipman" userId="19288fed-0e4e-472d-9b56-f595db8c85c2" providerId="ADAL" clId="{459EA6AE-5A33-654C-A82B-4E2BB881E3FC}" dt="2025-09-26T04:34:26.764" v="5586" actId="113"/>
           <ac:spMkLst>
             <pc:docMk/>
             <pc:sldMk cId="427667390" sldId="281"/>
@@ -872,7 +1011,7 @@
         </pc:grpChg>
       </pc:sldChg>
       <pc:sldChg chg="delSp modSp add mod">
-        <pc:chgData name="Stella Shipman" userId="19288fed-0e4e-472d-9b56-f595db8c85c2" providerId="ADAL" clId="{459EA6AE-5A33-654C-A82B-4E2BB881E3FC}" dt="2025-09-24T19:23:59.942" v="5286" actId="404"/>
+        <pc:chgData name="Stella Shipman" userId="19288fed-0e4e-472d-9b56-f595db8c85c2" providerId="ADAL" clId="{459EA6AE-5A33-654C-A82B-4E2BB881E3FC}" dt="2025-09-28T19:06:05.935" v="5844" actId="20577"/>
         <pc:sldMkLst>
           <pc:docMk/>
           <pc:sldMk cId="1213768795" sldId="282"/>
@@ -899,6 +1038,14 @@
             <pc:docMk/>
             <pc:sldMk cId="1213768795" sldId="282"/>
             <ac:spMk id="248" creationId="{00000000-0000-0000-0000-000000000000}"/>
+          </ac:spMkLst>
+        </pc:spChg>
+        <pc:spChg chg="mod">
+          <ac:chgData name="Stella Shipman" userId="19288fed-0e4e-472d-9b56-f595db8c85c2" providerId="ADAL" clId="{459EA6AE-5A33-654C-A82B-4E2BB881E3FC}" dt="2025-09-28T19:06:05.935" v="5844" actId="20577"/>
+          <ac:spMkLst>
+            <pc:docMk/>
+            <pc:sldMk cId="1213768795" sldId="282"/>
+            <ac:spMk id="249" creationId="{00000000-0000-0000-0000-000000000000}"/>
           </ac:spMkLst>
         </pc:spChg>
         <pc:spChg chg="mod">
@@ -996,6 +1143,51 @@
             <ac:graphicFrameMk id="6" creationId="{B53ED4AB-C469-2B82-A281-478B0987BB91}"/>
           </ac:graphicFrameMkLst>
         </pc:graphicFrameChg>
+      </pc:sldChg>
+      <pc:sldChg chg="ord">
+        <pc:chgData name="Stella Shipman" userId="19288fed-0e4e-472d-9b56-f595db8c85c2" providerId="ADAL" clId="{459EA6AE-5A33-654C-A82B-4E2BB881E3FC}" dt="2025-09-28T19:05:19.510" v="5822" actId="20578"/>
+        <pc:sldMkLst>
+          <pc:docMk/>
+          <pc:sldMk cId="1010025027" sldId="285"/>
+        </pc:sldMkLst>
+      </pc:sldChg>
+      <pc:sldChg chg="ord">
+        <pc:chgData name="Stella Shipman" userId="19288fed-0e4e-472d-9b56-f595db8c85c2" providerId="ADAL" clId="{459EA6AE-5A33-654C-A82B-4E2BB881E3FC}" dt="2025-09-28T19:05:17.676" v="5821" actId="20578"/>
+        <pc:sldMkLst>
+          <pc:docMk/>
+          <pc:sldMk cId="2685461797" sldId="286"/>
+        </pc:sldMkLst>
+      </pc:sldChg>
+      <pc:sldChg chg="addSp delSp modSp add mod">
+        <pc:chgData name="Stella Shipman" userId="19288fed-0e4e-472d-9b56-f595db8c85c2" providerId="ADAL" clId="{459EA6AE-5A33-654C-A82B-4E2BB881E3FC}" dt="2025-09-28T19:48:17.598" v="6089" actId="478"/>
+        <pc:sldMkLst>
+          <pc:docMk/>
+          <pc:sldMk cId="671796279" sldId="290"/>
+        </pc:sldMkLst>
+        <pc:spChg chg="add del mod">
+          <ac:chgData name="Stella Shipman" userId="19288fed-0e4e-472d-9b56-f595db8c85c2" providerId="ADAL" clId="{459EA6AE-5A33-654C-A82B-4E2BB881E3FC}" dt="2025-09-28T19:48:17.598" v="6089" actId="478"/>
+          <ac:spMkLst>
+            <pc:docMk/>
+            <pc:sldMk cId="671796279" sldId="290"/>
+            <ac:spMk id="3" creationId="{E7AB1408-2EC8-DA66-6DB5-332AFCA5721F}"/>
+          </ac:spMkLst>
+        </pc:spChg>
+        <pc:spChg chg="del mod">
+          <ac:chgData name="Stella Shipman" userId="19288fed-0e4e-472d-9b56-f595db8c85c2" providerId="ADAL" clId="{459EA6AE-5A33-654C-A82B-4E2BB881E3FC}" dt="2025-09-28T19:48:14.814" v="6087" actId="478"/>
+          <ac:spMkLst>
+            <pc:docMk/>
+            <pc:sldMk cId="671796279" sldId="290"/>
+            <ac:spMk id="260" creationId="{00000000-0000-0000-0000-000000000000}"/>
+          </ac:spMkLst>
+        </pc:spChg>
+        <pc:spChg chg="mod">
+          <ac:chgData name="Stella Shipman" userId="19288fed-0e4e-472d-9b56-f595db8c85c2" providerId="ADAL" clId="{459EA6AE-5A33-654C-A82B-4E2BB881E3FC}" dt="2025-09-28T19:48:11.486" v="6085" actId="14100"/>
+          <ac:spMkLst>
+            <pc:docMk/>
+            <pc:sldMk cId="671796279" sldId="290"/>
+            <ac:spMk id="261" creationId="{00000000-0000-0000-0000-000000000000}"/>
+          </ac:spMkLst>
+        </pc:spChg>
       </pc:sldChg>
       <pc:sldMasterChg chg="del delSldLayout">
         <pc:chgData name="Stella Shipman" userId="19288fed-0e4e-472d-9b56-f595db8c85c2" providerId="ADAL" clId="{459EA6AE-5A33-654C-A82B-4E2BB881E3FC}" dt="2025-09-24T16:02:35.185" v="764" actId="2696"/>
@@ -1233,7 +1425,7 @@
           <a:p>
             <a:fld id="{B6FD6BE2-EA2E-6E41-9967-AB7622447780}" type="datetimeFigureOut">
               <a:rPr lang="en-US" smtClean="0"/>
-              <a:t>9/28/25</a:t>
+              <a:t>9/28/2025</a:t>
             </a:fld>
             <a:endParaRPr lang="en-US"/>
           </a:p>
@@ -2345,7 +2537,7 @@
               </a:spcAft>
               <a:buNone/>
             </a:pPr>
-            <a:endParaRPr dirty="0"/>
+            <a:endParaRPr/>
           </a:p>
         </p:txBody>
       </p:sp>
@@ -2362,7 +2554,7 @@
   <p:cSld>
     <p:spTree>
       <p:nvGrpSpPr>
-        <p:cNvPr id="1" name="Shape 518"/>
+        <p:cNvPr id="1" name="Shape 256"/>
         <p:cNvGrpSpPr/>
         <p:nvPr/>
       </p:nvGrpSpPr>
@@ -2376,7 +2568,7 @@
       </p:grpSpPr>
       <p:sp>
         <p:nvSpPr>
-          <p:cNvPr id="519" name="Google Shape;519;g51b1a71d38_3_0:notes"/>
+          <p:cNvPr id="257" name="Google Shape;257;g54dda1946d_6_308:notes"/>
           <p:cNvSpPr>
             <a:spLocks noGrp="1" noRot="1" noChangeAspect="1"/>
           </p:cNvSpPr>
@@ -2417,7 +2609,7 @@
       </p:sp>
       <p:sp>
         <p:nvSpPr>
-          <p:cNvPr id="520" name="Google Shape;520;g51b1a71d38_3_0:notes"/>
+          <p:cNvPr id="258" name="Google Shape;258;g54dda1946d_6_308:notes"/>
           <p:cNvSpPr txBox="1">
             <a:spLocks noGrp="1"/>
           </p:cNvSpPr>
@@ -2454,6 +2646,11 @@
         </p:txBody>
       </p:sp>
     </p:spTree>
+    <p:extLst>
+      <p:ext uri="{BB962C8B-B14F-4D97-AF65-F5344CB8AC3E}">
+        <p14:creationId xmlns:p14="http://schemas.microsoft.com/office/powerpoint/2010/main" val="2440089573"/>
+      </p:ext>
+    </p:extLst>
   </p:cSld>
   <p:clrMapOvr>
     <a:masterClrMapping/>
@@ -46642,17 +46839,17 @@
               </a:lnSpc>
             </a:pPr>
             <a:r>
-              <a:rPr lang="en" b="1" dirty="0"/>
+              <a:rPr lang="en" b="1"/>
               <a:t>Project 1 – </a:t>
             </a:r>
             <a:br>
-              <a:rPr lang="en" b="1" dirty="0"/>
+              <a:rPr lang="en" b="1"/>
             </a:br>
             <a:r>
-              <a:rPr lang="en" sz="4400" b="1" dirty="0"/>
+              <a:rPr lang="en" sz="4400" b="1"/>
               <a:t>Classification Algorithms</a:t>
             </a:r>
-            <a:endParaRPr dirty="0"/>
+            <a:endParaRPr/>
           </a:p>
         </p:txBody>
       </p:sp>
@@ -46683,10 +46880,10 @@
           <a:p>
             <a:pPr marL="0" indent="0"/>
             <a:r>
-              <a:rPr lang="en" dirty="0"/>
+              <a:rPr lang="en"/>
               <a:t>Group 2: Stella Shipman &amp; Benjamin Anderson</a:t>
             </a:r>
-            <a:endParaRPr dirty="0"/>
+            <a:endParaRPr/>
           </a:p>
         </p:txBody>
       </p:sp>
@@ -46773,7 +46970,7 @@
         <p:cNvPr id="1" name="">
           <a:extLst>
             <a:ext uri="{FF2B5EF4-FFF2-40B4-BE49-F238E27FC236}">
-              <a16:creationId xmlns:a16="http://schemas.microsoft.com/office/drawing/2014/main" id="{456ACD8F-4EBE-FDCB-6E1B-64362B0273C6}"/>
+              <a16:creationId xmlns:a16="http://schemas.microsoft.com/office/drawing/2014/main" id="{CD20001D-508A-F188-F6D3-0E9159FEBB15}"/>
             </a:ext>
           </a:extLst>
         </p:cNvPr>
@@ -46793,7 +46990,7 @@
           <p:cNvPr id="7" name="Title 6">
             <a:extLst>
               <a:ext uri="{FF2B5EF4-FFF2-40B4-BE49-F238E27FC236}">
-                <a16:creationId xmlns:a16="http://schemas.microsoft.com/office/drawing/2014/main" id="{F035883A-74E5-2F81-40B4-B4DE0E2797E3}"/>
+                <a16:creationId xmlns:a16="http://schemas.microsoft.com/office/drawing/2014/main" id="{2400C23B-8B63-99E9-A73B-D5D9E1342EB4}"/>
               </a:ext>
             </a:extLst>
           </p:cNvPr>
@@ -46806,7 +47003,7 @@
         </p:nvSpPr>
         <p:spPr>
           <a:xfrm>
-            <a:off x="510326" y="334943"/>
+            <a:off x="605590" y="165940"/>
             <a:ext cx="10272000" cy="763600"/>
           </a:xfrm>
         </p:spPr>
@@ -46815,8 +47012,8 @@
           <a:lstStyle/>
           <a:p>
             <a:r>
-              <a:rPr lang="en-US" dirty="0"/>
-              <a:t>Perceptron (20 / 25 epochs)</a:t>
+              <a:rPr lang="en-US"/>
+              <a:t>Adaline SGD (20 / 25 epochs)</a:t>
             </a:r>
           </a:p>
         </p:txBody>
@@ -46826,7 +47023,7 @@
           <p:cNvPr id="3" name="Picture 2" descr="A screenshot of a graph&#10;&#10;AI-generated content may be incorrect.">
             <a:extLst>
               <a:ext uri="{FF2B5EF4-FFF2-40B4-BE49-F238E27FC236}">
-                <a16:creationId xmlns:a16="http://schemas.microsoft.com/office/drawing/2014/main" id="{9382A8FE-E1E5-8947-E98F-7B525C4C4AA7}"/>
+                <a16:creationId xmlns:a16="http://schemas.microsoft.com/office/drawing/2014/main" id="{1EE2CAE3-4F0A-DE5B-AEB3-C6D38779CD32}"/>
               </a:ext>
             </a:extLst>
           </p:cNvPr>
@@ -46843,83 +47040,25 @@
               </a:ext>
             </a:extLst>
           </a:blip>
-          <a:srcRect l="180" t="61821" r="-180"/>
+          <a:srcRect t="60000"/>
           <a:stretch>
             <a:fillRect/>
           </a:stretch>
         </p:blipFill>
         <p:spPr>
           <a:xfrm>
-            <a:off x="84715" y="1249983"/>
-            <a:ext cx="11123222" cy="4358033"/>
+            <a:off x="269747" y="1264870"/>
+            <a:ext cx="10820649" cy="4328260"/>
           </a:xfrm>
           <a:prstGeom prst="rect">
             <a:avLst/>
           </a:prstGeom>
         </p:spPr>
       </p:pic>
-      <p:sp>
-        <p:nvSpPr>
-          <p:cNvPr id="2" name="Rectangle 1">
-            <a:extLst>
-              <a:ext uri="{FF2B5EF4-FFF2-40B4-BE49-F238E27FC236}">
-                <a16:creationId xmlns:a16="http://schemas.microsoft.com/office/drawing/2014/main" id="{C237452E-FD04-B2D1-B3AF-6CAB6BE4D573}"/>
-              </a:ext>
-            </a:extLst>
-          </p:cNvPr>
-          <p:cNvSpPr/>
-          <p:nvPr/>
-        </p:nvSpPr>
-        <p:spPr>
-          <a:xfrm>
-            <a:off x="2623457" y="3526970"/>
-            <a:ext cx="1872343" cy="1839687"/>
-          </a:xfrm>
-          <a:prstGeom prst="rect">
-            <a:avLst/>
-          </a:prstGeom>
-          <a:solidFill>
-            <a:schemeClr val="bg2">
-              <a:lumMod val="60000"/>
-              <a:lumOff val="40000"/>
-              <a:alpha val="23137"/>
-            </a:schemeClr>
-          </a:solidFill>
-          <a:ln>
-            <a:solidFill>
-              <a:schemeClr val="bg2"/>
-            </a:solidFill>
-          </a:ln>
-        </p:spPr>
-        <p:style>
-          <a:lnRef idx="2">
-            <a:schemeClr val="accent1">
-              <a:shade val="15000"/>
-            </a:schemeClr>
-          </a:lnRef>
-          <a:fillRef idx="1">
-            <a:schemeClr val="accent1"/>
-          </a:fillRef>
-          <a:effectRef idx="0">
-            <a:schemeClr val="accent1"/>
-          </a:effectRef>
-          <a:fontRef idx="minor">
-            <a:schemeClr val="lt1"/>
-          </a:fontRef>
-        </p:style>
-        <p:txBody>
-          <a:bodyPr rtlCol="0" anchor="ctr"/>
-          <a:lstStyle/>
-          <a:p>
-            <a:pPr algn="ctr"/>
-            <a:endParaRPr lang="en-US"/>
-          </a:p>
-        </p:txBody>
-      </p:sp>
     </p:spTree>
     <p:extLst>
       <p:ext uri="{BB962C8B-B14F-4D97-AF65-F5344CB8AC3E}">
-        <p14:creationId xmlns:p14="http://schemas.microsoft.com/office/powerpoint/2010/main" val="1010025027"/>
+        <p14:creationId xmlns:p14="http://schemas.microsoft.com/office/powerpoint/2010/main" val="2288487160"/>
       </p:ext>
     </p:extLst>
   </p:cSld>
@@ -46972,10 +47111,10 @@
           <a:lstStyle/>
           <a:p>
             <a:r>
-              <a:rPr lang="en" sz="4400" dirty="0"/>
+              <a:rPr lang="en" sz="4400"/>
               <a:t>Logistic Regression &amp; SVM</a:t>
             </a:r>
-            <a:endParaRPr sz="4400" dirty="0"/>
+            <a:endParaRPr sz="4400"/>
           </a:p>
         </p:txBody>
       </p:sp>
@@ -47005,10 +47144,10 @@
           <a:lstStyle/>
           <a:p>
             <a:r>
-              <a:rPr lang="en" dirty="0"/>
+              <a:rPr lang="en"/>
               <a:t>Part 3</a:t>
             </a:r>
-            <a:endParaRPr dirty="0"/>
+            <a:endParaRPr/>
           </a:p>
         </p:txBody>
       </p:sp>
@@ -47135,10 +47274,10 @@
           <a:lstStyle/>
           <a:p>
             <a:r>
-              <a:rPr lang="en" dirty="0"/>
+              <a:rPr lang="en"/>
               <a:t>Logistic Regression</a:t>
             </a:r>
-            <a:endParaRPr dirty="0"/>
+            <a:endParaRPr/>
           </a:p>
         </p:txBody>
       </p:sp>
@@ -47174,10 +47313,10 @@
           <a:p>
             <a:pPr marL="0" indent="0"/>
             <a:r>
-              <a:rPr lang="en" sz="2400" dirty="0"/>
+              <a:rPr lang="en" sz="2400"/>
               <a:t>Methodology</a:t>
             </a:r>
-            <a:endParaRPr sz="2400" dirty="0"/>
+            <a:endParaRPr sz="2400"/>
           </a:p>
         </p:txBody>
       </p:sp>
@@ -47213,10 +47352,10 @@
           <a:p>
             <a:pPr marL="0" indent="0"/>
             <a:r>
-              <a:rPr lang="en" sz="2400" dirty="0"/>
+              <a:rPr lang="en" sz="2400"/>
               <a:t>Challenges</a:t>
             </a:r>
-            <a:endParaRPr sz="2400" dirty="0"/>
+            <a:endParaRPr sz="2400"/>
           </a:p>
         </p:txBody>
       </p:sp>
@@ -47258,8 +47397,8 @@
               <a:buChar char="•"/>
             </a:pPr>
             <a:r>
-              <a:rPr lang="en-US" dirty="0"/>
-              <a:t>- L-BFGS solver for convergence optimization</a:t>
+              <a:rPr lang="en-US"/>
+              <a:t>L-BFGS solver for convergence optimization</a:t>
             </a:r>
           </a:p>
           <a:p>
@@ -47271,8 +47410,8 @@
               <a:buChar char="•"/>
             </a:pPr>
             <a:r>
-              <a:rPr lang="en-US" dirty="0"/>
-              <a:t>  - L2 regularization with C parameter tuning</a:t>
+              <a:rPr lang="en-US"/>
+              <a:t>L2 regularization with C parameter tuning</a:t>
             </a:r>
           </a:p>
           <a:p>
@@ -47284,15 +47423,11 @@
               <a:buChar char="•"/>
             </a:pPr>
             <a:r>
-              <a:rPr lang="en-US" dirty="0"/>
-              <a:t>  - </a:t>
-            </a:r>
-            <a:r>
-              <a:rPr lang="en-US" dirty="0" err="1"/>
+              <a:rPr lang="en-US" err="1"/>
               <a:t>GridSearchCV</a:t>
             </a:r>
             <a:r>
-              <a:rPr lang="en-US" dirty="0"/>
+              <a:rPr lang="en-US"/>
               <a:t> with 5-fold cross-validation</a:t>
             </a:r>
           </a:p>
@@ -47305,8 +47440,8 @@
               <a:buChar char="•"/>
             </a:pPr>
             <a:r>
-              <a:rPr lang="en-US" dirty="0"/>
-              <a:t>  - C values from 0.01 to 100 (logarithmic scale)</a:t>
+              <a:rPr lang="en-US"/>
+              <a:t>C values from 0.01 to 100 (logarithmic scale)</a:t>
             </a:r>
           </a:p>
           <a:p>
@@ -47318,16 +47453,8 @@
               <a:buChar char="•"/>
             </a:pPr>
             <a:r>
-              <a:rPr lang="en-US" dirty="0"/>
-              <a:t>  - Required </a:t>
-            </a:r>
-            <a:r>
-              <a:rPr lang="en-US" dirty="0" err="1"/>
-              <a:t>max_iter</a:t>
-            </a:r>
-            <a:r>
-              <a:rPr lang="en-US" dirty="0"/>
-              <a:t>=300 for stable convergence</a:t>
+              <a:rPr lang="en-US"/>
+              <a:t>Required max_iter=300 for stable convergence</a:t>
             </a:r>
           </a:p>
           <a:p>
@@ -47339,10 +47466,10 @@
               <a:buChar char="•"/>
             </a:pPr>
             <a:r>
-              <a:rPr lang="en-US" dirty="0"/>
-              <a:t>  - Decision boundary visualization for all numerical feature pairs</a:t>
+              <a:rPr lang="en-US"/>
+              <a:t>Decision boundary visualization for all numerical feature pairs</a:t>
             </a:r>
-            <a:endParaRPr dirty="0"/>
+            <a:endParaRPr/>
           </a:p>
         </p:txBody>
       </p:sp>
@@ -47384,15 +47511,15 @@
               <a:buChar char="•"/>
             </a:pPr>
             <a:r>
-              <a:rPr lang="en-US" dirty="0"/>
+              <a:rPr lang="en-US"/>
               <a:t>Convergence issues requiring increased </a:t>
             </a:r>
             <a:r>
-              <a:rPr lang="en-US" dirty="0" err="1"/>
+              <a:rPr lang="en-US" err="1"/>
               <a:t>max_iter</a:t>
             </a:r>
             <a:r>
-              <a:rPr lang="en-US" dirty="0"/>
+              <a:rPr lang="en-US"/>
               <a:t> to 300</a:t>
             </a:r>
           </a:p>
@@ -47405,7 +47532,7 @@
               <a:buChar char="•"/>
             </a:pPr>
             <a:r>
-              <a:rPr lang="en-US" dirty="0"/>
+              <a:rPr lang="en-US"/>
               <a:t>Large parameter search space (20 C values)</a:t>
             </a:r>
           </a:p>
@@ -47418,15 +47545,15 @@
               <a:buChar char="•"/>
             </a:pPr>
             <a:r>
-              <a:rPr lang="en-US" dirty="0"/>
+              <a:rPr lang="en-US"/>
               <a:t>Computational time for </a:t>
             </a:r>
             <a:r>
-              <a:rPr lang="en-US" dirty="0" err="1"/>
+              <a:rPr lang="en-US" err="1"/>
               <a:t>GridSearchCV</a:t>
             </a:r>
             <a:r>
-              <a:rPr lang="en-US" dirty="0"/>
+              <a:rPr lang="en-US"/>
               <a:t> (100 total fits)</a:t>
             </a:r>
           </a:p>
@@ -47439,10 +47566,9 @@
               <a:buChar char="•"/>
             </a:pPr>
             <a:r>
-              <a:rPr lang="en-US" dirty="0"/>
+              <a:rPr lang="en-US"/>
               <a:t>Linear decision boundary limitations for complex patterns</a:t>
             </a:r>
-            <a:endParaRPr dirty="0"/>
           </a:p>
         </p:txBody>
       </p:sp>
@@ -47484,7 +47610,7 @@
               <a:buChar char="•"/>
             </a:pPr>
             <a:r>
-              <a:rPr lang="en-US" dirty="0"/>
+              <a:rPr lang="en-US"/>
               <a:t>Best Cross-validation Accuracy: 85.09%</a:t>
             </a:r>
           </a:p>
@@ -47497,7 +47623,7 @@
               <a:buChar char="•"/>
             </a:pPr>
             <a:r>
-              <a:rPr lang="en-US" dirty="0"/>
+              <a:rPr lang="en-US"/>
               <a:t>Test Set Accuracy: 84.89%</a:t>
             </a:r>
           </a:p>
@@ -47510,7 +47636,7 @@
               <a:buChar char="•"/>
             </a:pPr>
             <a:r>
-              <a:rPr lang="en-US" dirty="0"/>
+              <a:rPr lang="en-US"/>
               <a:t>Optimal Parameters: C = 0.785</a:t>
             </a:r>
           </a:p>
@@ -47523,7 +47649,7 @@
               <a:buChar char="•"/>
             </a:pPr>
             <a:r>
-              <a:rPr lang="en-US" dirty="0"/>
+              <a:rPr lang="en-US"/>
               <a:t>Confusion Matrix: 3,693 TN, 311 FP, 476 FN, 730 TP</a:t>
             </a:r>
           </a:p>
@@ -47536,7 +47662,7 @@
               <a:buChar char="•"/>
             </a:pPr>
             <a:r>
-              <a:rPr lang="en-US" dirty="0"/>
+              <a:rPr lang="en-US"/>
               <a:t>Precision: 0.70 (class 1), 0.89 (class 0)</a:t>
             </a:r>
           </a:p>
@@ -47549,7 +47675,7 @@
               <a:buChar char="•"/>
             </a:pPr>
             <a:r>
-              <a:rPr lang="en-US" dirty="0"/>
+              <a:rPr lang="en-US"/>
               <a:t>Recall: 0.61 (class 1), 0.92 (class 0)</a:t>
             </a:r>
           </a:p>
@@ -47587,10 +47713,10 @@
           <a:p>
             <a:pPr marL="0" indent="0"/>
             <a:r>
-              <a:rPr lang="en" sz="2400" dirty="0"/>
+              <a:rPr lang="en" sz="2400"/>
               <a:t>Results</a:t>
             </a:r>
-            <a:endParaRPr sz="2400" dirty="0"/>
+            <a:endParaRPr sz="2400"/>
           </a:p>
         </p:txBody>
       </p:sp>
@@ -47651,7 +47777,7 @@
           <a:lstStyle/>
           <a:p>
             <a:r>
-              <a:rPr lang="en-US" dirty="0"/>
+              <a:rPr lang="en-US"/>
               <a:t>Logistic Regression Decision Boundaries</a:t>
             </a:r>
           </a:p>
@@ -47857,10 +47983,10 @@
           <a:lstStyle/>
           <a:p>
             <a:r>
-              <a:rPr lang="en" dirty="0"/>
+              <a:rPr lang="en"/>
               <a:t>Support Vector Machine</a:t>
             </a:r>
-            <a:endParaRPr dirty="0"/>
+            <a:endParaRPr/>
           </a:p>
         </p:txBody>
       </p:sp>
@@ -47902,10 +48028,10 @@
           <a:p>
             <a:pPr marL="0" indent="0"/>
             <a:r>
-              <a:rPr lang="en" sz="2400" dirty="0"/>
+              <a:rPr lang="en" sz="2400"/>
               <a:t>Methodology</a:t>
             </a:r>
-            <a:endParaRPr sz="2400" dirty="0"/>
+            <a:endParaRPr sz="2400"/>
           </a:p>
         </p:txBody>
       </p:sp>
@@ -47947,10 +48073,10 @@
           <a:p>
             <a:pPr marL="0" indent="0"/>
             <a:r>
-              <a:rPr lang="en" sz="2400" dirty="0"/>
+              <a:rPr lang="en" sz="2400"/>
               <a:t>Challenges</a:t>
             </a:r>
-            <a:endParaRPr sz="2400" dirty="0"/>
+            <a:endParaRPr sz="2400"/>
           </a:p>
         </p:txBody>
       </p:sp>
@@ -47998,7 +48124,7 @@
               <a:buChar char="•"/>
             </a:pPr>
             <a:r>
-              <a:rPr lang="en-US" dirty="0"/>
+              <a:rPr lang="en-US"/>
               <a:t>Three kernel types tested: Linear, RBF, Polynomial</a:t>
             </a:r>
           </a:p>
@@ -48011,7 +48137,7 @@
               <a:buChar char="•"/>
             </a:pPr>
             <a:r>
-              <a:rPr lang="en-US" dirty="0"/>
+              <a:rPr lang="en-US"/>
               <a:t> SVC class with different kernel configurations</a:t>
             </a:r>
           </a:p>
@@ -48024,7 +48150,7 @@
               <a:buChar char="•"/>
             </a:pPr>
             <a:r>
-              <a:rPr lang="en-US" dirty="0"/>
+              <a:rPr lang="en-US"/>
               <a:t>Cross-validation for parameter selection (3-fold CV)</a:t>
             </a:r>
           </a:p>
@@ -48037,7 +48163,7 @@
               <a:buChar char="•"/>
             </a:pPr>
             <a:r>
-              <a:rPr lang="en-US" dirty="0"/>
+              <a:rPr lang="en-US"/>
               <a:t>C values tested: [0.1, 1, 10]</a:t>
             </a:r>
           </a:p>
@@ -48050,7 +48176,7 @@
               <a:buChar char="•"/>
             </a:pPr>
             <a:r>
-              <a:rPr lang="en-US" dirty="0"/>
+              <a:rPr lang="en-US"/>
               <a:t>Gamma values: ['scale', 'auto'] for RBF kernel</a:t>
             </a:r>
           </a:p>
@@ -48063,7 +48189,7 @@
               <a:buChar char="•"/>
             </a:pPr>
             <a:r>
-              <a:rPr lang="en-US" dirty="0"/>
+              <a:rPr lang="en-US"/>
               <a:t>Support vector highlighting in decision boundaries</a:t>
             </a:r>
           </a:p>
@@ -48076,10 +48202,10 @@
               <a:buChar char="•"/>
             </a:pPr>
             <a:r>
-              <a:rPr lang="en-US" dirty="0"/>
+              <a:rPr lang="en-US"/>
               <a:t>PCA integration with 32 components (95% variance)</a:t>
             </a:r>
-            <a:endParaRPr dirty="0"/>
+            <a:endParaRPr/>
           </a:p>
         </p:txBody>
       </p:sp>
@@ -48125,7 +48251,7 @@
               </a:spcAft>
             </a:pPr>
             <a:r>
-              <a:rPr lang="en-US" b="1" dirty="0"/>
+              <a:rPr lang="en-US" b="1"/>
               <a:t>Kernel tuning done separately: </a:t>
             </a:r>
           </a:p>
@@ -48138,7 +48264,7 @@
               <a:buChar char="•"/>
             </a:pPr>
             <a:r>
-              <a:rPr lang="en-US" dirty="0"/>
+              <a:rPr lang="en-US"/>
               <a:t>Full grid search avoided due to long run times</a:t>
             </a:r>
           </a:p>
@@ -48151,7 +48277,7 @@
               <a:buChar char="•"/>
             </a:pPr>
             <a:r>
-              <a:rPr lang="en-US" dirty="0"/>
+              <a:rPr lang="en-US"/>
               <a:t>Each kernel was tuned in its own cross-validation loop</a:t>
             </a:r>
           </a:p>
@@ -48162,11 +48288,11 @@
               </a:spcAft>
             </a:pPr>
             <a:r>
-              <a:rPr lang="en-US" b="1" dirty="0"/>
+              <a:rPr lang="en-US" b="1"/>
               <a:t>Poly kernel was most computationally expensive</a:t>
             </a:r>
             <a:r>
-              <a:rPr lang="en-US" dirty="0"/>
+              <a:rPr lang="en-US"/>
               <a:t>:</a:t>
             </a:r>
           </a:p>
@@ -48179,7 +48305,7 @@
               <a:buChar char="•"/>
             </a:pPr>
             <a:r>
-              <a:rPr lang="en-US" dirty="0"/>
+              <a:rPr lang="en-US"/>
               <a:t>Especially with gamma='auto', it was excluded due to excessive training time</a:t>
             </a:r>
           </a:p>
@@ -48190,11 +48316,11 @@
               </a:spcAft>
             </a:pPr>
             <a:r>
-              <a:rPr lang="en-US" b="1" dirty="0"/>
+              <a:rPr lang="en-US" b="1"/>
               <a:t>RBF kernel complexity</a:t>
             </a:r>
             <a:r>
-              <a:rPr lang="en-US" dirty="0"/>
+              <a:rPr lang="en-US"/>
               <a:t>: </a:t>
             </a:r>
           </a:p>
@@ -48207,7 +48333,7 @@
               <a:buChar char="•"/>
             </a:pPr>
             <a:r>
-              <a:rPr lang="en-US" dirty="0"/>
+              <a:rPr lang="en-US"/>
               <a:t>Still computationally intensive, but more manageable than poly in high-dimensional space</a:t>
             </a:r>
           </a:p>
@@ -48218,11 +48344,11 @@
               </a:spcAft>
             </a:pPr>
             <a:r>
-              <a:rPr lang="en-US" b="1" dirty="0"/>
+              <a:rPr lang="en-US" b="1"/>
               <a:t>High feature dimensionality</a:t>
             </a:r>
             <a:r>
-              <a:rPr lang="en-US" dirty="0"/>
+              <a:rPr lang="en-US"/>
               <a:t> (&gt;100 features):</a:t>
             </a:r>
           </a:p>
@@ -48235,7 +48361,7 @@
               <a:buChar char="•"/>
             </a:pPr>
             <a:r>
-              <a:rPr lang="en-US" dirty="0"/>
+              <a:rPr lang="en-US"/>
               <a:t>Increased training time and impacted kernel performance</a:t>
             </a:r>
           </a:p>
@@ -48246,11 +48372,11 @@
               </a:spcAft>
             </a:pPr>
             <a:r>
-              <a:rPr lang="en-US" b="1" dirty="0"/>
+              <a:rPr lang="en-US" b="1"/>
               <a:t>Graphing</a:t>
             </a:r>
             <a:r>
-              <a:rPr lang="en-US" dirty="0"/>
+              <a:rPr lang="en-US"/>
               <a:t>: </a:t>
             </a:r>
           </a:p>
@@ -48263,7 +48389,7 @@
               <a:buChar char="•"/>
             </a:pPr>
             <a:r>
-              <a:rPr lang="en-US" b="0" i="0" u="none" strike="noStrike" dirty="0">
+              <a:rPr lang="en-US" b="0" i="0" u="none" strike="noStrike">
                 <a:solidFill>
                   <a:srgbClr val="000000"/>
                 </a:solidFill>
@@ -48273,7 +48399,7 @@
               </a:rPr>
               <a:t>Only graphed decision boundaries for two features using 2 kernels due to runtime constraints</a:t>
             </a:r>
-            <a:endParaRPr dirty="0">
+            <a:endParaRPr>
               <a:latin typeface="Poppins" pitchFamily="2" charset="77"/>
               <a:cs typeface="Poppins" pitchFamily="2" charset="77"/>
             </a:endParaRPr>
@@ -48324,7 +48450,7 @@
               <a:buChar char="•"/>
             </a:pPr>
             <a:r>
-              <a:rPr lang="en-US" dirty="0"/>
+              <a:rPr lang="en-US"/>
               <a:t>Linear Kernel: 85.15% CV accuracy (C=10), 85.00% test accuracy</a:t>
             </a:r>
           </a:p>
@@ -48337,11 +48463,11 @@
               <a:buChar char="•"/>
             </a:pPr>
             <a:r>
-              <a:rPr lang="en-US" b="1" dirty="0"/>
+              <a:rPr lang="en-US" b="1"/>
               <a:t>RBF Kernel</a:t>
             </a:r>
             <a:r>
-              <a:rPr lang="en-US" dirty="0"/>
+              <a:rPr lang="en-US"/>
               <a:t>: 85.49% CV accuracy (C=1, gamma='scale'), 85.00% test accuracy</a:t>
             </a:r>
           </a:p>
@@ -48354,7 +48480,7 @@
               <a:buChar char="•"/>
             </a:pPr>
             <a:r>
-              <a:rPr lang="en-US" dirty="0"/>
+              <a:rPr lang="en-US"/>
               <a:t>Polynomial Kernel: 85.17% CV accuracy (C=1), 85.00% test accuracy</a:t>
             </a:r>
           </a:p>
@@ -48367,11 +48493,11 @@
               <a:buChar char="•"/>
             </a:pPr>
             <a:r>
-              <a:rPr lang="en-US" b="1" dirty="0"/>
+              <a:rPr lang="en-US" b="1"/>
               <a:t>Best Overall</a:t>
             </a:r>
             <a:r>
-              <a:rPr lang="en-US" dirty="0"/>
+              <a:rPr lang="en-US"/>
               <a:t>: RBF kernel with C=1, gamma='scale'</a:t>
             </a:r>
           </a:p>
@@ -48384,7 +48510,7 @@
               <a:buChar char="•"/>
             </a:pPr>
             <a:r>
-              <a:rPr lang="en-US" dirty="0"/>
+              <a:rPr lang="en-US"/>
               <a:t>PCA Integration: 85.25% accuracy with dimensionality reduction</a:t>
             </a:r>
           </a:p>
@@ -48397,7 +48523,7 @@
               <a:buChar char="•"/>
             </a:pPr>
             <a:r>
-              <a:rPr lang="en-US" dirty="0"/>
+              <a:rPr lang="en-US"/>
               <a:t> Kernel Ranking: RBF &gt; Polynomial &gt; Linear</a:t>
             </a:r>
           </a:p>
@@ -48441,10 +48567,10 @@
           <a:p>
             <a:pPr marL="0" indent="0"/>
             <a:r>
-              <a:rPr lang="en" sz="2400" dirty="0"/>
+              <a:rPr lang="en" sz="2400"/>
               <a:t>Results</a:t>
             </a:r>
-            <a:endParaRPr sz="2400" dirty="0"/>
+            <a:endParaRPr sz="2400"/>
           </a:p>
         </p:txBody>
       </p:sp>
@@ -48511,7 +48637,7 @@
           <a:lstStyle/>
           <a:p>
             <a:r>
-              <a:rPr lang="en-US" dirty="0"/>
+              <a:rPr lang="en-US"/>
               <a:t>SVM Decision Boundaries</a:t>
             </a:r>
           </a:p>
@@ -48519,10 +48645,10 @@
       </p:sp>
       <p:pic>
         <p:nvPicPr>
-          <p:cNvPr id="3" name="Picture 2" descr="A comparison of a graph&#10;&#10;AI-generated content may be incorrect.">
+          <p:cNvPr id="3" name="Picture 2">
             <a:extLst>
               <a:ext uri="{FF2B5EF4-FFF2-40B4-BE49-F238E27FC236}">
-                <a16:creationId xmlns:a16="http://schemas.microsoft.com/office/drawing/2014/main" id="{E7BB2844-6D50-508F-5CBE-D6169C75F2A6}"/>
+                <a16:creationId xmlns:a16="http://schemas.microsoft.com/office/drawing/2014/main" id="{B55EF3C5-92B9-FB8B-F9A6-C6C326AD0674}"/>
               </a:ext>
             </a:extLst>
           </p:cNvPr>
@@ -48532,21 +48658,15 @@
           <p:nvPr/>
         </p:nvPicPr>
         <p:blipFill>
-          <a:blip r:embed="rId2">
-            <a:extLst>
-              <a:ext uri="{28A0092B-C50C-407E-A947-70E740481C1C}">
-                <a14:useLocalDpi xmlns:a14="http://schemas.microsoft.com/office/drawing/2010/main" val="0"/>
-              </a:ext>
-            </a:extLst>
-          </a:blip>
+          <a:blip r:embed="rId2"/>
           <a:stretch>
             <a:fillRect/>
           </a:stretch>
         </p:blipFill>
         <p:spPr>
           <a:xfrm>
-            <a:off x="329687" y="1325311"/>
-            <a:ext cx="10613555" cy="4472071"/>
+            <a:off x="328612" y="1349423"/>
+            <a:ext cx="10688109" cy="4513215"/>
           </a:xfrm>
           <a:prstGeom prst="rect">
             <a:avLst/>
@@ -48621,10 +48741,10 @@
           <a:lstStyle/>
           <a:p>
             <a:r>
-              <a:rPr lang="en" dirty="0"/>
+              <a:rPr lang="en"/>
               <a:t>Logistic Regression &amp; SVM</a:t>
             </a:r>
-            <a:endParaRPr dirty="0"/>
+            <a:endParaRPr/>
           </a:p>
         </p:txBody>
       </p:sp>
@@ -48666,18 +48786,18 @@
           <a:p>
             <a:pPr marL="0" indent="0"/>
             <a:r>
-              <a:rPr lang="en" sz="2400" dirty="0"/>
+              <a:rPr lang="en" sz="2400"/>
               <a:t>K</a:t>
             </a:r>
             <a:r>
-              <a:rPr lang="en-US" sz="2400" dirty="0"/>
+              <a:rPr lang="en-US" sz="2400"/>
               <a:t>e</a:t>
             </a:r>
             <a:r>
-              <a:rPr lang="en" sz="2400" dirty="0"/>
+              <a:rPr lang="en" sz="2400"/>
               <a:t>y Insights</a:t>
             </a:r>
-            <a:endParaRPr sz="2400" dirty="0"/>
+            <a:endParaRPr sz="2400"/>
           </a:p>
         </p:txBody>
       </p:sp>
@@ -48725,7 +48845,7 @@
               <a:buChar char="•"/>
             </a:pPr>
             <a:r>
-              <a:rPr lang="en-US" sz="1400" b="1" dirty="0"/>
+              <a:rPr lang="en-US" sz="1400" b="1"/>
               <a:t>SVM with RBF kernel achieved highest overall performance </a:t>
             </a:r>
           </a:p>
@@ -48738,7 +48858,7 @@
               <a:buChar char="•"/>
             </a:pPr>
             <a:r>
-              <a:rPr lang="en-US" sz="1400" dirty="0"/>
+              <a:rPr lang="en-US" sz="1400"/>
               <a:t>The RBF kernel delivered the best cross-validation accuracy of 85.49% and maintained 85.00% test accuracy, outperforming both linear and polynomial kernels.</a:t>
             </a:r>
           </a:p>
@@ -48751,7 +48871,7 @@
               <a:buChar char="•"/>
             </a:pPr>
             <a:r>
-              <a:rPr lang="en-US" sz="1400" b="1" dirty="0"/>
+              <a:rPr lang="en-US" sz="1400" b="1"/>
               <a:t>Non-linear kernels captured complex feature relationships </a:t>
             </a:r>
           </a:p>
@@ -48764,7 +48884,7 @@
               <a:buChar char="•"/>
             </a:pPr>
             <a:r>
-              <a:rPr lang="en-US" sz="1400" dirty="0"/>
+              <a:rPr lang="en-US" sz="1400"/>
               <a:t>Both RBF and polynomial kernels significantly outperformed the linear kernel, demonstrating that the underlying data relationships are non-linear. </a:t>
             </a:r>
           </a:p>
@@ -48777,7 +48897,7 @@
               <a:buChar char="•"/>
             </a:pPr>
             <a:r>
-              <a:rPr lang="en-US" sz="1400" b="1" dirty="0"/>
+              <a:rPr lang="en-US" sz="1400" b="1"/>
               <a:t>PCA integration slightly improved SVM performance </a:t>
             </a:r>
           </a:p>
@@ -48790,7 +48910,7 @@
               <a:buChar char="•"/>
             </a:pPr>
             <a:r>
-              <a:rPr lang="en-US" sz="1400" dirty="0"/>
+              <a:rPr lang="en-US" sz="1400"/>
               <a:t>Dimensionality reduction from 95 original features to 32 principal components resulted in 85.25% accuracy, which was an improvement. This suggests that while some features contained noise, many patterns were preserved in the reduced dimensional space.</a:t>
             </a:r>
           </a:p>
@@ -48803,7 +48923,7 @@
               <a:buChar char="•"/>
             </a:pPr>
             <a:r>
-              <a:rPr lang="en-US" sz="1400" b="1" dirty="0"/>
+              <a:rPr lang="en-US" sz="1400" b="1"/>
               <a:t>Support vectors highlighted critical decision points</a:t>
             </a:r>
           </a:p>
@@ -48816,10 +48936,10 @@
               <a:buChar char="•"/>
             </a:pPr>
             <a:r>
-              <a:rPr lang="en-US" sz="1400" dirty="0"/>
+              <a:rPr lang="en-US" sz="1400"/>
               <a:t> The SVM models identified key data points that define the decision boundaries as seen in the decision boundary plots.</a:t>
             </a:r>
-            <a:endParaRPr sz="1400" dirty="0"/>
+            <a:endParaRPr sz="1400"/>
           </a:p>
         </p:txBody>
       </p:sp>
@@ -48879,10 +48999,10 @@
           <a:lstStyle/>
           <a:p>
             <a:r>
-              <a:rPr lang="en" sz="4400" dirty="0"/>
+              <a:rPr lang="en" sz="4400"/>
               <a:t>Reflection &amp; Questions</a:t>
             </a:r>
-            <a:endParaRPr sz="4400" dirty="0"/>
+            <a:endParaRPr sz="4400"/>
           </a:p>
         </p:txBody>
       </p:sp>
@@ -48912,10 +49032,10 @@
           <a:lstStyle/>
           <a:p>
             <a:r>
-              <a:rPr lang="en" dirty="0"/>
+              <a:rPr lang="en"/>
               <a:t>Part 4</a:t>
             </a:r>
-            <a:endParaRPr dirty="0"/>
+            <a:endParaRPr/>
           </a:p>
         </p:txBody>
       </p:sp>
@@ -49042,10 +49162,10 @@
           <a:lstStyle/>
           <a:p>
             <a:r>
-              <a:rPr lang="en-US" sz="3200" dirty="0"/>
+              <a:rPr lang="en-US" sz="3200"/>
               <a:t>Importance of Feature Scaling in Gradient-Based Algorithms</a:t>
             </a:r>
-            <a:endParaRPr sz="3200" dirty="0"/>
+            <a:endParaRPr sz="3200"/>
           </a:p>
         </p:txBody>
       </p:sp>
@@ -49062,7 +49182,7 @@
         <p:spPr>
           <a:xfrm>
             <a:off x="960000" y="1884500"/>
-            <a:ext cx="6950400" cy="3566000"/>
+            <a:ext cx="6950400" cy="4124414"/>
           </a:xfrm>
           <a:prstGeom prst="rect">
             <a:avLst/>
@@ -49074,14 +49194,129 @@
           </a:bodyPr>
           <a:lstStyle/>
           <a:p>
-            <a:pPr marL="0" indent="0">
-              <a:buNone/>
+            <a:pPr>
+              <a:spcAft>
+                <a:spcPts val="600"/>
+              </a:spcAft>
             </a:pPr>
             <a:r>
-              <a:rPr lang="en-US" sz="1600" dirty="0"/>
-              <a:t>answer</a:t>
+              <a:rPr lang="en-US" sz="1400" b="1"/>
+              <a:t>Prevents Uneven Weight Updates:</a:t>
             </a:r>
-            <a:endParaRPr dirty="0"/>
+          </a:p>
+          <a:p>
+            <a:pPr lvl="1" algn="l">
+              <a:spcBef>
+                <a:spcPts val="0"/>
+              </a:spcBef>
+              <a:spcAft>
+                <a:spcPts val="600"/>
+              </a:spcAft>
+            </a:pPr>
+            <a:r>
+              <a:rPr lang="en-US" sz="1400"/>
+              <a:t>Without scaling, features with larger ranges produce larger gradients, causing unstable or slow learning</a:t>
+            </a:r>
+          </a:p>
+          <a:p>
+            <a:pPr>
+              <a:spcAft>
+                <a:spcPts val="600"/>
+              </a:spcAft>
+            </a:pPr>
+            <a:r>
+              <a:rPr lang="en-US" sz="1400" b="1"/>
+              <a:t>Improves Convergence Speed:</a:t>
+            </a:r>
+          </a:p>
+          <a:p>
+            <a:pPr lvl="1" algn="l">
+              <a:spcBef>
+                <a:spcPts val="0"/>
+              </a:spcBef>
+              <a:spcAft>
+                <a:spcPts val="600"/>
+              </a:spcAft>
+            </a:pPr>
+            <a:r>
+              <a:rPr lang="en-US" sz="1400"/>
+              <a:t>Gradient descent may zigzag or take inefficient paths when features are on different scales, requiring more iterations</a:t>
+            </a:r>
+          </a:p>
+          <a:p>
+            <a:pPr>
+              <a:spcAft>
+                <a:spcPts val="600"/>
+              </a:spcAft>
+            </a:pPr>
+            <a:r>
+              <a:rPr lang="en-US" sz="1400" b="1"/>
+              <a:t>Avoids Skewed Model Behavior:</a:t>
+            </a:r>
+          </a:p>
+          <a:p>
+            <a:pPr lvl="1" algn="l">
+              <a:spcBef>
+                <a:spcPts val="0"/>
+              </a:spcBef>
+              <a:spcAft>
+                <a:spcPts val="600"/>
+              </a:spcAft>
+            </a:pPr>
+            <a:r>
+              <a:rPr lang="en-US" sz="1400"/>
+              <a:t>High-magnitude features dominate updates, leading to biased decision boundaries and poor generalization</a:t>
+            </a:r>
+          </a:p>
+          <a:p>
+            <a:pPr>
+              <a:spcAft>
+                <a:spcPts val="600"/>
+              </a:spcAft>
+            </a:pPr>
+            <a:r>
+              <a:rPr lang="en-US" sz="1400" b="1"/>
+              <a:t>Preserves Optimization Geometry:</a:t>
+            </a:r>
+          </a:p>
+          <a:p>
+            <a:pPr lvl="1" algn="l">
+              <a:spcBef>
+                <a:spcPts val="0"/>
+              </a:spcBef>
+              <a:spcAft>
+                <a:spcPts val="600"/>
+              </a:spcAft>
+            </a:pPr>
+            <a:r>
+              <a:rPr lang="en-US" sz="1400"/>
+              <a:t>Scaling ensures a smoother loss surface, helping algorithms like Logistic Regression and SVM find better solutions</a:t>
+            </a:r>
+          </a:p>
+          <a:p>
+            <a:pPr>
+              <a:spcAft>
+                <a:spcPts val="600"/>
+              </a:spcAft>
+            </a:pPr>
+            <a:r>
+              <a:rPr lang="en-US" sz="1400" b="1"/>
+              <a:t>Essential for Kernel-Based SVMs:</a:t>
+            </a:r>
+          </a:p>
+          <a:p>
+            <a:pPr lvl="1" algn="l">
+              <a:spcBef>
+                <a:spcPts val="0"/>
+              </a:spcBef>
+              <a:spcAft>
+                <a:spcPts val="600"/>
+              </a:spcAft>
+            </a:pPr>
+            <a:r>
+              <a:rPr lang="en-US" sz="1400"/>
+              <a:t>Kernels such as RBF rely on distance metrics, unscaled features distort these, reducing classification accuracy</a:t>
+            </a:r>
           </a:p>
         </p:txBody>
       </p:sp>
@@ -49136,10 +49371,10 @@
           <a:lstStyle/>
           <a:p>
             <a:r>
-              <a:rPr lang="en-US" sz="3200" dirty="0"/>
+              <a:rPr lang="en-US" sz="3200"/>
               <a:t>Batch vs. Stochastic Gradient Descent</a:t>
             </a:r>
-            <a:endParaRPr sz="3200" dirty="0"/>
+            <a:endParaRPr sz="3200"/>
           </a:p>
         </p:txBody>
       </p:sp>
@@ -49168,14 +49403,151 @@
           </a:bodyPr>
           <a:lstStyle/>
           <a:p>
-            <a:pPr marL="0" indent="0">
-              <a:buNone/>
+            <a:pPr marL="285750" indent="-285750">
+              <a:spcAft>
+                <a:spcPts val="600"/>
+              </a:spcAft>
             </a:pPr>
             <a:r>
-              <a:rPr lang="en-US" sz="1600" dirty="0"/>
-              <a:t>answer</a:t>
+              <a:rPr lang="en-US" sz="1400" b="1"/>
+              <a:t>Batch Gradient Descent:</a:t>
             </a:r>
-            <a:endParaRPr dirty="0"/>
+          </a:p>
+          <a:p>
+            <a:pPr marL="742950" lvl="1" indent="-285750" algn="l">
+              <a:spcBef>
+                <a:spcPts val="0"/>
+              </a:spcBef>
+              <a:spcAft>
+                <a:spcPts val="600"/>
+              </a:spcAft>
+            </a:pPr>
+            <a:r>
+              <a:rPr lang="en-US" sz="1400"/>
+              <a:t>Uses the entire training set to compute gradients</a:t>
+            </a:r>
+          </a:p>
+          <a:p>
+            <a:pPr marL="742950" lvl="1" indent="-285750" algn="l">
+              <a:spcBef>
+                <a:spcPts val="0"/>
+              </a:spcBef>
+              <a:spcAft>
+                <a:spcPts val="600"/>
+              </a:spcAft>
+            </a:pPr>
+            <a:r>
+              <a:rPr lang="en-US" sz="1400"/>
+              <a:t>One update per epoch</a:t>
+            </a:r>
+          </a:p>
+          <a:p>
+            <a:pPr marL="742950" lvl="1" indent="-285750" algn="l">
+              <a:spcBef>
+                <a:spcPts val="0"/>
+              </a:spcBef>
+              <a:spcAft>
+                <a:spcPts val="600"/>
+              </a:spcAft>
+            </a:pPr>
+            <a:r>
+              <a:rPr lang="en-US" sz="1400"/>
+              <a:t>More stable and accurate, but computationally expensive</a:t>
+            </a:r>
+          </a:p>
+          <a:p>
+            <a:pPr marL="742950" lvl="1" indent="-285750" algn="l">
+              <a:spcBef>
+                <a:spcPts val="0"/>
+              </a:spcBef>
+              <a:spcAft>
+                <a:spcPts val="600"/>
+              </a:spcAft>
+            </a:pPr>
+            <a:r>
+              <a:rPr lang="en-US" sz="1400"/>
+              <a:t>Slower for large datasets</a:t>
+            </a:r>
+          </a:p>
+          <a:p>
+            <a:pPr marL="457200" lvl="1" indent="0" algn="l">
+              <a:spcBef>
+                <a:spcPts val="0"/>
+              </a:spcBef>
+              <a:spcAft>
+                <a:spcPts val="600"/>
+              </a:spcAft>
+              <a:buNone/>
+            </a:pPr>
+            <a:endParaRPr lang="en-US" sz="1400"/>
+          </a:p>
+          <a:p>
+            <a:pPr marL="285750" indent="-285750">
+              <a:spcAft>
+                <a:spcPts val="600"/>
+              </a:spcAft>
+            </a:pPr>
+            <a:r>
+              <a:rPr lang="en-US" sz="1400" b="1"/>
+              <a:t>Stochastic Gradient Descent (SGD):</a:t>
+            </a:r>
+          </a:p>
+          <a:p>
+            <a:pPr marL="742950" lvl="1" indent="-285750" algn="l">
+              <a:spcBef>
+                <a:spcPts val="0"/>
+              </a:spcBef>
+              <a:spcAft>
+                <a:spcPts val="600"/>
+              </a:spcAft>
+            </a:pPr>
+            <a:r>
+              <a:rPr lang="en-US" sz="1400"/>
+              <a:t>Uses one training example at a time</a:t>
+            </a:r>
+          </a:p>
+          <a:p>
+            <a:pPr marL="742950" lvl="1" indent="-285750" algn="l">
+              <a:spcBef>
+                <a:spcPts val="0"/>
+              </a:spcBef>
+              <a:spcAft>
+                <a:spcPts val="600"/>
+              </a:spcAft>
+            </a:pPr>
+            <a:r>
+              <a:rPr lang="en-US" sz="1400"/>
+              <a:t>Updates weights after each sample</a:t>
+            </a:r>
+          </a:p>
+          <a:p>
+            <a:pPr marL="742950" lvl="1" indent="-285750" algn="l">
+              <a:spcBef>
+                <a:spcPts val="0"/>
+              </a:spcBef>
+              <a:spcAft>
+                <a:spcPts val="600"/>
+              </a:spcAft>
+            </a:pPr>
+            <a:r>
+              <a:rPr lang="en-US" sz="1400"/>
+              <a:t>Faster and more memory-efficient</a:t>
+            </a:r>
+          </a:p>
+          <a:p>
+            <a:pPr marL="742950" lvl="1" indent="-285750" algn="l">
+              <a:spcBef>
+                <a:spcPts val="0"/>
+              </a:spcBef>
+              <a:spcAft>
+                <a:spcPts val="600"/>
+              </a:spcAft>
+            </a:pPr>
+            <a:r>
+              <a:rPr lang="en-US" sz="1400"/>
+              <a:t>Converges noisily, may oscillate around the minimum</a:t>
+            </a:r>
+            <a:endParaRPr lang="en-US" sz="1600"/>
           </a:p>
         </p:txBody>
       </p:sp>
@@ -49235,10 +49607,10 @@
           <a:lstStyle/>
           <a:p>
             <a:r>
-              <a:rPr lang="en" sz="4400" dirty="0"/>
+              <a:rPr lang="en" sz="4400"/>
               <a:t>Preprocessing the Data</a:t>
             </a:r>
-            <a:endParaRPr sz="4400" dirty="0"/>
+            <a:endParaRPr sz="4400"/>
           </a:p>
         </p:txBody>
       </p:sp>
@@ -49268,10 +49640,10 @@
           <a:lstStyle/>
           <a:p>
             <a:r>
-              <a:rPr lang="en" dirty="0"/>
+              <a:rPr lang="en"/>
               <a:t>Part 1</a:t>
             </a:r>
-            <a:endParaRPr dirty="0"/>
+            <a:endParaRPr/>
           </a:p>
         </p:txBody>
       </p:sp>
@@ -49398,17 +49770,17 @@
           <a:lstStyle/>
           <a:p>
             <a:r>
-              <a:rPr lang="en-US" sz="3200" dirty="0"/>
+              <a:rPr lang="en-US" sz="3200"/>
               <a:t>Perceptron &amp; Adaline: </a:t>
             </a:r>
             <a:br>
-              <a:rPr lang="en-US" sz="3200" dirty="0"/>
+              <a:rPr lang="en-US" sz="3200"/>
             </a:br>
             <a:r>
-              <a:rPr lang="en-US" sz="2400" dirty="0"/>
+              <a:rPr lang="en-US" sz="2400"/>
               <a:t>Scikit-Learn vs Textbook Implementations</a:t>
             </a:r>
-            <a:endParaRPr sz="3200" dirty="0"/>
+            <a:endParaRPr sz="3200"/>
           </a:p>
         </p:txBody>
       </p:sp>
@@ -49441,10 +49813,106 @@
               <a:buNone/>
             </a:pPr>
             <a:r>
-              <a:rPr lang="en-US" sz="1600" dirty="0"/>
-              <a:t>answer</a:t>
+              <a:rPr lang="en-US" sz="1600"/>
+              <a:t>Scikit-learn adds regularization and optimization to construct perceptron and </a:t>
             </a:r>
-            <a:endParaRPr dirty="0"/>
+            <a:r>
+              <a:rPr lang="en-US" sz="1600" err="1"/>
+              <a:t>adaline</a:t>
+            </a:r>
+            <a:r>
+              <a:rPr lang="en-US" sz="1600"/>
+              <a:t> models that are more efficient and robust than our book code. </a:t>
+            </a:r>
+            <a:endParaRPr lang="en-US"/>
+          </a:p>
+          <a:p>
+            <a:pPr marL="0" indent="0">
+              <a:buNone/>
+            </a:pPr>
+            <a:endParaRPr lang="en-US" sz="1600"/>
+          </a:p>
+          <a:p>
+            <a:pPr marL="0" indent="0">
+              <a:buNone/>
+            </a:pPr>
+            <a:r>
+              <a:rPr lang="en-US" sz="1600"/>
+              <a:t>Scikit-learn has:</a:t>
+            </a:r>
+            <a:endParaRPr lang="en-US"/>
+          </a:p>
+          <a:p>
+            <a:pPr marL="285750" indent="-285750">
+              <a:buFont typeface="Calibri"/>
+              <a:buChar char="-"/>
+            </a:pPr>
+            <a:r>
+              <a:rPr lang="en-US" sz="1600"/>
+              <a:t>Faster convergence: shuffle + adaptive learning rate + </a:t>
+            </a:r>
+            <a:r>
+              <a:rPr lang="en-US" sz="1600" err="1"/>
+              <a:t>tol</a:t>
+            </a:r>
+            <a:r>
+              <a:rPr lang="en-US" sz="1600"/>
+              <a:t>-based stopping.</a:t>
+            </a:r>
+          </a:p>
+          <a:p>
+            <a:pPr marL="285750" indent="-285750">
+              <a:buFont typeface="Calibri"/>
+              <a:buChar char="-"/>
+            </a:pPr>
+            <a:r>
+              <a:rPr lang="en-US" sz="1600"/>
+              <a:t>Better generalization: built-in regularization.</a:t>
+            </a:r>
+          </a:p>
+          <a:p>
+            <a:pPr marL="285750" indent="-285750">
+              <a:buFont typeface="Calibri"/>
+              <a:buChar char="-"/>
+            </a:pPr>
+            <a:r>
+              <a:rPr lang="en-US" sz="1600"/>
+              <a:t>Numerical stability: vectorized linear algebra vs Python loops.</a:t>
+            </a:r>
+          </a:p>
+          <a:p>
+            <a:pPr marL="285750" indent="-285750">
+              <a:buFont typeface="Calibri"/>
+              <a:buChar char="-"/>
+            </a:pPr>
+            <a:r>
+              <a:rPr lang="en-US" sz="1600"/>
+              <a:t>Scalability: efficient on large, sparse datasets.</a:t>
+            </a:r>
+          </a:p>
+          <a:p>
+            <a:pPr marL="285750" indent="-285750">
+              <a:buFont typeface="Calibri"/>
+              <a:buChar char="-"/>
+            </a:pPr>
+            <a:r>
+              <a:rPr lang="en-US" sz="1600"/>
+              <a:t>Ease of tuning: integrates with </a:t>
+            </a:r>
+            <a:r>
+              <a:rPr lang="en-US" sz="1600" err="1"/>
+              <a:t>GridSearchCV</a:t>
+            </a:r>
+            <a:r>
+              <a:rPr lang="en-US" sz="1600"/>
+              <a:t> to systematically optimize parameters.</a:t>
+            </a:r>
+          </a:p>
+          <a:p>
+            <a:pPr marL="0" indent="0">
+              <a:buNone/>
+            </a:pPr>
+            <a:endParaRPr lang="en-US" sz="1600"/>
           </a:p>
         </p:txBody>
       </p:sp>
@@ -49480,6 +49948,55 @@
       </p:grpSpPr>
       <p:sp>
         <p:nvSpPr>
+          <p:cNvPr id="9" name="Rectangle 8">
+            <a:extLst>
+              <a:ext uri="{FF2B5EF4-FFF2-40B4-BE49-F238E27FC236}">
+                <a16:creationId xmlns:a16="http://schemas.microsoft.com/office/drawing/2014/main" id="{3E37CBAA-8296-0C69-99F8-FD0AB4589CE9}"/>
+              </a:ext>
+            </a:extLst>
+          </p:cNvPr>
+          <p:cNvSpPr/>
+          <p:nvPr/>
+        </p:nvSpPr>
+        <p:spPr>
+          <a:xfrm>
+            <a:off x="-81023" y="5940542"/>
+            <a:ext cx="11157995" cy="324091"/>
+          </a:xfrm>
+          <a:prstGeom prst="rect">
+            <a:avLst/>
+          </a:prstGeom>
+          <a:ln>
+            <a:noFill/>
+          </a:ln>
+        </p:spPr>
+        <p:style>
+          <a:lnRef idx="2">
+            <a:schemeClr val="accent1">
+              <a:shade val="15000"/>
+            </a:schemeClr>
+          </a:lnRef>
+          <a:fillRef idx="1">
+            <a:schemeClr val="accent1"/>
+          </a:fillRef>
+          <a:effectRef idx="0">
+            <a:schemeClr val="accent1"/>
+          </a:effectRef>
+          <a:fontRef idx="minor">
+            <a:schemeClr val="lt1"/>
+          </a:fontRef>
+        </p:style>
+        <p:txBody>
+          <a:bodyPr rtlCol="0" anchor="ctr"/>
+          <a:lstStyle/>
+          <a:p>
+            <a:pPr algn="ctr"/>
+            <a:endParaRPr lang="en-US"/>
+          </a:p>
+        </p:txBody>
+      </p:sp>
+      <p:sp>
+        <p:nvSpPr>
           <p:cNvPr id="240" name="Google Shape;240;p31"/>
           <p:cNvSpPr txBox="1">
             <a:spLocks noGrp="1"/>
@@ -49490,8 +50007,8 @@
         </p:nvSpPr>
         <p:spPr>
           <a:xfrm>
-            <a:off x="960000" y="593367"/>
-            <a:ext cx="6950400" cy="763600"/>
+            <a:off x="960000" y="387256"/>
+            <a:ext cx="10272000" cy="763600"/>
           </a:xfrm>
           <a:prstGeom prst="rect">
             <a:avLst/>
@@ -49504,17 +50021,9 @@
           <a:lstStyle/>
           <a:p>
             <a:r>
-              <a:rPr lang="en-US" sz="3200" dirty="0"/>
-              <a:t>Decision Boundaries: </a:t>
+              <a:rPr lang="en-US"/>
+              <a:t>Decision Boundaries:  Logistic Regression vs. SVM</a:t>
             </a:r>
-            <a:br>
-              <a:rPr lang="en-US" sz="3200" dirty="0"/>
-            </a:br>
-            <a:r>
-              <a:rPr lang="en-US" sz="2400" dirty="0"/>
-              <a:t>Logistic Regression vs. SVM</a:t>
-            </a:r>
-            <a:endParaRPr sz="3200" dirty="0"/>
           </a:p>
         </p:txBody>
       </p:sp>
@@ -49525,13 +50034,13 @@
             <a:spLocks noGrp="1"/>
           </p:cNvSpPr>
           <p:nvPr>
-            <p:ph type="subTitle" idx="1"/>
+            <p:ph type="body" idx="1"/>
           </p:nvPr>
         </p:nvSpPr>
         <p:spPr>
           <a:xfrm>
-            <a:off x="960000" y="1884500"/>
-            <a:ext cx="6950400" cy="3566000"/>
+            <a:off x="960000" y="1199444"/>
+            <a:ext cx="10272000" cy="3029838"/>
           </a:xfrm>
           <a:prstGeom prst="rect">
             <a:avLst/>
@@ -49547,13 +50056,186 @@
               <a:buNone/>
             </a:pPr>
             <a:r>
-              <a:rPr lang="en-US" sz="1600" dirty="0"/>
-              <a:t>answer</a:t>
+              <a:rPr lang="en-US" sz="1400" b="1"/>
+              <a:t>Logistic Regression </a:t>
             </a:r>
-            <a:endParaRPr dirty="0"/>
+          </a:p>
+          <a:p>
+            <a:pPr marL="285750" indent="-285750"/>
+            <a:r>
+              <a:rPr lang="en-US" sz="1400"/>
+              <a:t>Shows a clear linear decision boundary</a:t>
+            </a:r>
+          </a:p>
+          <a:p>
+            <a:pPr marL="285750" indent="-285750"/>
+            <a:r>
+              <a:rPr lang="en-US" sz="1400"/>
+              <a:t>Even when classes overlap, it fits a boundary based on predicted probabilities</a:t>
+            </a:r>
+          </a:p>
+          <a:p>
+            <a:pPr marL="285750" indent="-285750"/>
+            <a:r>
+              <a:rPr lang="en-US" sz="1400"/>
+              <a:t>Always tries to separate classes as best as possible using a straight line</a:t>
+            </a:r>
+          </a:p>
+          <a:p>
+            <a:pPr marL="0" indent="0">
+              <a:buNone/>
+            </a:pPr>
+            <a:r>
+              <a:rPr lang="en-US" sz="1400" b="1"/>
+              <a:t>Linear SVM </a:t>
+            </a:r>
+          </a:p>
+          <a:p>
+            <a:pPr marL="285750" indent="-285750"/>
+            <a:r>
+              <a:rPr lang="en-US" sz="1400"/>
+              <a:t>No visible boundary, model predicts one class</a:t>
+            </a:r>
+          </a:p>
+          <a:p>
+            <a:pPr marL="285750" indent="-285750"/>
+            <a:r>
+              <a:rPr lang="en-US" sz="1400"/>
+              <a:t>If the two features don’t allow for linear separation, SVM may fail to find a meaningful dividing line</a:t>
+            </a:r>
+          </a:p>
+          <a:p>
+            <a:pPr marL="285750" indent="-285750"/>
+            <a:r>
+              <a:rPr lang="en-US" sz="1400"/>
+              <a:t>This is likely why the graph shows only one dominant class region</a:t>
+            </a:r>
+          </a:p>
+          <a:p>
+            <a:pPr marL="0" indent="0">
+              <a:buNone/>
+            </a:pPr>
+            <a:r>
+              <a:rPr lang="en-US" sz="1400" b="1"/>
+              <a:t>RBF SVM </a:t>
+            </a:r>
+          </a:p>
+          <a:p>
+            <a:pPr marL="285750" indent="-285750"/>
+            <a:r>
+              <a:rPr lang="en-US" sz="1400"/>
+              <a:t>Displays a visible, curved decision boundary.</a:t>
+            </a:r>
+          </a:p>
+          <a:p>
+            <a:pPr marL="285750" indent="-285750"/>
+            <a:r>
+              <a:rPr lang="en-US" sz="1400"/>
+              <a:t>Uses Euclidean distance to measure similarity between points</a:t>
+            </a:r>
+          </a:p>
+          <a:p>
+            <a:pPr marL="285750" indent="-285750"/>
+            <a:r>
+              <a:rPr lang="en-US" sz="1400"/>
+              <a:t>Can capture complex, non-linear patterns, better suited for overlapping like in this case  </a:t>
+            </a:r>
           </a:p>
         </p:txBody>
       </p:sp>
+      <p:pic>
+        <p:nvPicPr>
+          <p:cNvPr id="5" name="Picture 4" descr="A diagram of a graph&#10;&#10;Description automatically generated with medium confidence">
+            <a:extLst>
+              <a:ext uri="{FF2B5EF4-FFF2-40B4-BE49-F238E27FC236}">
+                <a16:creationId xmlns:a16="http://schemas.microsoft.com/office/drawing/2014/main" id="{D80A65E2-E9AA-8363-4239-595C44143AC4}"/>
+              </a:ext>
+            </a:extLst>
+          </p:cNvPr>
+          <p:cNvPicPr>
+            <a:picLocks noChangeAspect="1"/>
+          </p:cNvPicPr>
+          <p:nvPr/>
+        </p:nvPicPr>
+        <p:blipFill rotWithShape="1">
+          <a:blip r:embed="rId3">
+            <a:extLst>
+              <a:ext uri="{28A0092B-C50C-407E-A947-70E740481C1C}">
+                <a14:useLocalDpi xmlns:a14="http://schemas.microsoft.com/office/drawing/2010/main" val="0"/>
+              </a:ext>
+            </a:extLst>
+          </a:blip>
+          <a:srcRect l="2394" t="5966" r="4452" b="1461"/>
+          <a:stretch/>
+        </p:blipFill>
+        <p:spPr>
+          <a:xfrm>
+            <a:off x="1296364" y="4296470"/>
+            <a:ext cx="2452461" cy="2463928"/>
+          </a:xfrm>
+          <a:prstGeom prst="rect">
+            <a:avLst/>
+          </a:prstGeom>
+        </p:spPr>
+      </p:pic>
+      <p:pic>
+        <p:nvPicPr>
+          <p:cNvPr id="6" name="Picture 5">
+            <a:extLst>
+              <a:ext uri="{FF2B5EF4-FFF2-40B4-BE49-F238E27FC236}">
+                <a16:creationId xmlns:a16="http://schemas.microsoft.com/office/drawing/2014/main" id="{13CC1D82-2B02-E31D-A804-B7079167D58D}"/>
+              </a:ext>
+            </a:extLst>
+          </p:cNvPr>
+          <p:cNvPicPr>
+            <a:picLocks noChangeAspect="1"/>
+          </p:cNvPicPr>
+          <p:nvPr/>
+        </p:nvPicPr>
+        <p:blipFill rotWithShape="1">
+          <a:blip r:embed="rId4"/>
+          <a:srcRect l="50098"/>
+          <a:stretch/>
+        </p:blipFill>
+        <p:spPr>
+          <a:xfrm>
+            <a:off x="8318080" y="4294659"/>
+            <a:ext cx="2913920" cy="2465739"/>
+          </a:xfrm>
+          <a:prstGeom prst="rect">
+            <a:avLst/>
+          </a:prstGeom>
+        </p:spPr>
+      </p:pic>
+      <p:pic>
+        <p:nvPicPr>
+          <p:cNvPr id="7" name="Picture 6">
+            <a:extLst>
+              <a:ext uri="{FF2B5EF4-FFF2-40B4-BE49-F238E27FC236}">
+                <a16:creationId xmlns:a16="http://schemas.microsoft.com/office/drawing/2014/main" id="{798F8DF9-6440-355A-7F0D-A8B8C06A9C2E}"/>
+              </a:ext>
+            </a:extLst>
+          </p:cNvPr>
+          <p:cNvPicPr>
+            <a:picLocks noChangeAspect="1"/>
+          </p:cNvPicPr>
+          <p:nvPr/>
+        </p:nvPicPr>
+        <p:blipFill rotWithShape="1">
+          <a:blip r:embed="rId4"/>
+          <a:srcRect l="-1" r="50099"/>
+          <a:stretch/>
+        </p:blipFill>
+        <p:spPr>
+          <a:xfrm>
+            <a:off x="4639040" y="4294659"/>
+            <a:ext cx="2913920" cy="2465739"/>
+          </a:xfrm>
+          <a:prstGeom prst="rect">
+            <a:avLst/>
+          </a:prstGeom>
+        </p:spPr>
+      </p:pic>
     </p:spTree>
     <p:extLst>
       <p:ext uri="{BB962C8B-B14F-4D97-AF65-F5344CB8AC3E}">
@@ -49610,10 +50292,10 @@
           <a:lstStyle/>
           <a:p>
             <a:r>
-              <a:rPr lang="en-US" sz="3200" dirty="0"/>
+              <a:rPr lang="en-US" sz="3200"/>
               <a:t>Regularization for Overfitting</a:t>
             </a:r>
-            <a:endParaRPr sz="3200" dirty="0"/>
+            <a:endParaRPr sz="3200"/>
           </a:p>
         </p:txBody>
       </p:sp>
@@ -49642,14 +50324,101 @@
           </a:bodyPr>
           <a:lstStyle/>
           <a:p>
-            <a:pPr marL="0" indent="0">
-              <a:buNone/>
+            <a:pPr marL="285750" indent="-285750">
+              <a:spcAft>
+                <a:spcPts val="600"/>
+              </a:spcAft>
             </a:pPr>
             <a:r>
-              <a:rPr lang="en-US" sz="1600" dirty="0"/>
-              <a:t>answer</a:t>
+              <a:rPr lang="en-US" sz="1400" b="1"/>
+              <a:t>Overfitting</a:t>
             </a:r>
-            <a:endParaRPr dirty="0"/>
+            <a:r>
+              <a:rPr lang="en-US" sz="1400"/>
+              <a:t> happens when a model learns the training data too closely, so it performs poorly on new, unseen data</a:t>
+            </a:r>
+          </a:p>
+          <a:p>
+            <a:pPr marL="285750" indent="-285750">
+              <a:spcAft>
+                <a:spcPts val="600"/>
+              </a:spcAft>
+            </a:pPr>
+            <a:r>
+              <a:rPr lang="en-US" sz="1400" b="1"/>
+              <a:t>Regularization</a:t>
+            </a:r>
+            <a:r>
+              <a:rPr lang="en-US" sz="1400"/>
+              <a:t> helps by adding a penalty</a:t>
+            </a:r>
+            <a:r>
+              <a:rPr lang="en-US" sz="1400" b="1"/>
+              <a:t> </a:t>
+            </a:r>
+            <a:r>
+              <a:rPr lang="en-US" sz="1400"/>
+              <a:t>to the model’s complexity during training</a:t>
+            </a:r>
+          </a:p>
+          <a:p>
+            <a:pPr marL="742950" lvl="1" indent="-285750" algn="l">
+              <a:spcBef>
+                <a:spcPts val="0"/>
+              </a:spcBef>
+              <a:spcAft>
+                <a:spcPts val="600"/>
+              </a:spcAft>
+            </a:pPr>
+            <a:r>
+              <a:rPr lang="en-US" sz="1400"/>
+              <a:t>This discourages the model from relying too heavily on any one feature or from fitting the data too precisely</a:t>
+            </a:r>
+          </a:p>
+          <a:p>
+            <a:pPr marL="285750" indent="-285750">
+              <a:spcAft>
+                <a:spcPts val="600"/>
+              </a:spcAft>
+            </a:pPr>
+            <a:r>
+              <a:rPr lang="en-US" sz="1400"/>
+              <a:t>Instead of just minimizing the error on the training set, regularization also tries to keep the model simpler and more generalizable</a:t>
+            </a:r>
+          </a:p>
+          <a:p>
+            <a:pPr marL="742950" lvl="1" indent="-285750" algn="l">
+              <a:spcBef>
+                <a:spcPts val="0"/>
+              </a:spcBef>
+              <a:spcAft>
+                <a:spcPts val="600"/>
+              </a:spcAft>
+            </a:pPr>
+            <a:r>
+              <a:rPr lang="en-US" sz="1400"/>
+              <a:t>This is done by shrinking the weights of less important features, which reduces the risk of the model being overly tuned to the training data</a:t>
+            </a:r>
+          </a:p>
+          <a:p>
+            <a:pPr marL="285750" indent="-285750">
+              <a:spcAft>
+                <a:spcPts val="600"/>
+              </a:spcAft>
+            </a:pPr>
+            <a:r>
+              <a:rPr lang="en-US" sz="1400"/>
+              <a:t>The </a:t>
+            </a:r>
+            <a:r>
+              <a:rPr lang="en-US" sz="1400" b="1"/>
+              <a:t>result</a:t>
+            </a:r>
+            <a:r>
+              <a:rPr lang="en-US" sz="1400"/>
+              <a:t> is a model that may not fit the training data perfectly, but is more likely to perform well on new data</a:t>
+            </a:r>
+            <a:endParaRPr lang="en-US" sz="1100"/>
           </a:p>
         </p:txBody>
       </p:sp>
@@ -49685,45 +50454,6 @@
       </p:grpSpPr>
       <p:sp>
         <p:nvSpPr>
-          <p:cNvPr id="296" name="Google Shape;296;p35"/>
-          <p:cNvSpPr txBox="1">
-            <a:spLocks noGrp="1"/>
-          </p:cNvSpPr>
-          <p:nvPr>
-            <p:ph type="subTitle" idx="4"/>
-          </p:nvPr>
-        </p:nvSpPr>
-        <p:spPr>
-          <a:xfrm>
-            <a:off x="5165175" y="2535924"/>
-            <a:ext cx="4205173" cy="578129"/>
-          </a:xfrm>
-          <a:prstGeom prst="rect">
-            <a:avLst/>
-          </a:prstGeom>
-          <a:ln>
-            <a:solidFill>
-              <a:schemeClr val="tx1"/>
-            </a:solidFill>
-          </a:ln>
-        </p:spPr>
-        <p:txBody>
-          <a:bodyPr spcFirstLastPara="1" wrap="square" lIns="121900" tIns="121900" rIns="121900" bIns="121900" anchor="b" anchorCtr="0">
-            <a:noAutofit/>
-          </a:bodyPr>
-          <a:lstStyle/>
-          <a:p>
-            <a:pPr marL="0" indent="0"/>
-            <a:r>
-              <a:rPr lang="en-US" sz="1800" dirty="0"/>
-              <a:t>SVC</a:t>
-            </a:r>
-            <a:endParaRPr sz="1800" dirty="0"/>
-          </a:p>
-        </p:txBody>
-      </p:sp>
-      <p:sp>
-        <p:nvSpPr>
           <p:cNvPr id="297" name="Google Shape;297;p35"/>
           <p:cNvSpPr txBox="1">
             <a:spLocks noGrp="1"/>
@@ -49748,66 +50478,14 @@
           <a:lstStyle/>
           <a:p>
             <a:r>
-              <a:rPr lang="en-US" sz="3600" dirty="0"/>
+              <a:rPr lang="en-US" sz="3600"/>
               <a:t>Impact of Varying C Values: </a:t>
             </a:r>
             <a:r>
-              <a:rPr lang="en-US" sz="2800" dirty="0"/>
+              <a:rPr lang="en-US" sz="2800"/>
               <a:t>Logistic Regression &amp; Linear SVC</a:t>
             </a:r>
-            <a:endParaRPr dirty="0"/>
-          </a:p>
-        </p:txBody>
-      </p:sp>
-      <p:sp>
-        <p:nvSpPr>
-          <p:cNvPr id="298" name="Google Shape;298;p35"/>
-          <p:cNvSpPr txBox="1">
-            <a:spLocks noGrp="1"/>
-          </p:cNvSpPr>
-          <p:nvPr>
-            <p:ph type="subTitle" idx="1"/>
-          </p:nvPr>
-        </p:nvSpPr>
-        <p:spPr>
-          <a:xfrm>
-            <a:off x="5165174" y="3114068"/>
-            <a:ext cx="4205175" cy="2622694"/>
-          </a:xfrm>
-          <a:prstGeom prst="rect">
-            <a:avLst/>
-          </a:prstGeom>
-          <a:ln>
-            <a:solidFill>
-              <a:schemeClr val="tx1"/>
-            </a:solidFill>
-          </a:ln>
-        </p:spPr>
-        <p:txBody>
-          <a:bodyPr spcFirstLastPara="1" wrap="square" lIns="121900" tIns="121900" rIns="121900" bIns="121900" anchor="t" anchorCtr="0">
-            <a:noAutofit/>
-          </a:bodyPr>
-          <a:lstStyle/>
-          <a:p>
-            <a:pPr marL="171450" indent="-171450">
-              <a:buFont typeface="Arial" panose="020B0604020202020204" pitchFamily="34" charset="0"/>
-              <a:buChar char="•"/>
-            </a:pPr>
-            <a:r>
-              <a:rPr lang="en" dirty="0"/>
-              <a:t>Result:</a:t>
-            </a:r>
-          </a:p>
-          <a:p>
-            <a:pPr marL="171450" indent="-171450">
-              <a:buFont typeface="Arial" panose="020B0604020202020204" pitchFamily="34" charset="0"/>
-              <a:buChar char="•"/>
-            </a:pPr>
-            <a:r>
-              <a:rPr lang="en" dirty="0"/>
-              <a:t>Why:</a:t>
-            </a:r>
-            <a:endParaRPr dirty="0"/>
+            <a:endParaRPr/>
           </a:p>
         </p:txBody>
       </p:sp>
@@ -49823,16 +50501,14 @@
         </p:nvSpPr>
         <p:spPr>
           <a:xfrm>
-            <a:off x="959999" y="3114075"/>
-            <a:ext cx="4205176" cy="2622695"/>
+            <a:off x="959999" y="2689533"/>
+            <a:ext cx="9065744" cy="2960153"/>
           </a:xfrm>
           <a:prstGeom prst="rect">
             <a:avLst/>
           </a:prstGeom>
           <a:ln>
-            <a:solidFill>
-              <a:schemeClr val="tx1"/>
-            </a:solidFill>
+            <a:noFill/>
           </a:ln>
         </p:spPr>
         <p:txBody>
@@ -49842,154 +50518,119 @@
           <a:lstStyle/>
           <a:p>
             <a:pPr marL="171450" indent="-171450">
+              <a:spcAft>
+                <a:spcPts val="600"/>
+              </a:spcAft>
               <a:buFont typeface="Arial" panose="020B0604020202020204" pitchFamily="34" charset="0"/>
               <a:buChar char="•"/>
             </a:pPr>
             <a:r>
-              <a:rPr lang="en-US" dirty="0"/>
-              <a:t>Result: </a:t>
+              <a:rPr lang="en-US" sz="1400" b="1"/>
+              <a:t>Both models show consistent trends as C increases</a:t>
+            </a:r>
+            <a:r>
+              <a:rPr lang="en-US" sz="1400"/>
+              <a:t> (less regularization):</a:t>
             </a:r>
           </a:p>
           <a:p>
             <a:pPr marL="628650" lvl="1" indent="-171450" algn="l">
+              <a:spcAft>
+                <a:spcPts val="600"/>
+              </a:spcAft>
               <a:buFont typeface="Arial" panose="020B0604020202020204" pitchFamily="34" charset="0"/>
               <a:buChar char="•"/>
             </a:pPr>
             <a:r>
-              <a:rPr lang="en-US" dirty="0"/>
-              <a:t>Accuracy was 0.83 for all three C values</a:t>
+              <a:rPr lang="en-US" sz="1400"/>
+              <a:t>Recall for the minority class (1) improves from ~0.57 to ~0.60–0.61</a:t>
             </a:r>
           </a:p>
           <a:p>
             <a:pPr marL="628650" lvl="1" indent="-171450" algn="l">
+              <a:spcAft>
+                <a:spcPts val="600"/>
+              </a:spcAft>
               <a:buFont typeface="Arial" panose="020B0604020202020204" pitchFamily="34" charset="0"/>
               <a:buChar char="•"/>
             </a:pPr>
             <a:r>
-              <a:rPr lang="en-US" dirty="0"/>
-              <a:t>Precision, recall, and F1 scores were very consistent</a:t>
+              <a:rPr lang="en-US" sz="1400"/>
+              <a:t>Precision for the minority class slightly decreases from ~0.72–0.73 to ~0.70–0.71</a:t>
+            </a:r>
+          </a:p>
+          <a:p>
+            <a:pPr marL="171450" indent="-171450">
+              <a:spcAft>
+                <a:spcPts val="600"/>
+              </a:spcAft>
+              <a:buFont typeface="Arial" panose="020B0604020202020204" pitchFamily="34" charset="0"/>
+              <a:buChar char="•"/>
+            </a:pPr>
+            <a:r>
+              <a:rPr lang="en-US" sz="1400" b="1"/>
+              <a:t>Majority class (0) performance remains strong across all settings </a:t>
             </a:r>
           </a:p>
           <a:p>
             <a:pPr marL="628650" lvl="1" indent="-171450" algn="l">
+              <a:spcAft>
+                <a:spcPts val="600"/>
+              </a:spcAft>
               <a:buFont typeface="Arial" panose="020B0604020202020204" pitchFamily="34" charset="0"/>
               <a:buChar char="•"/>
             </a:pPr>
             <a:r>
-              <a:rPr lang="en-US" dirty="0"/>
-              <a:t>Confusion matrices very consistent</a:t>
+              <a:rPr lang="en-US" sz="1400"/>
+              <a:t>precision ~0.88–0.89, recall ~0.92–0.94</a:t>
             </a:r>
           </a:p>
           <a:p>
-            <a:pPr marL="457200" lvl="1" indent="0" algn="l"/>
-            <a:endParaRPr lang="en-US" dirty="0"/>
-          </a:p>
-          <a:p>
             <a:pPr marL="171450" indent="-171450">
+              <a:spcAft>
+                <a:spcPts val="600"/>
+              </a:spcAft>
               <a:buFont typeface="Arial" panose="020B0604020202020204" pitchFamily="34" charset="0"/>
               <a:buChar char="•"/>
             </a:pPr>
             <a:r>
-              <a:rPr lang="en-US" i="0" u="none" strike="noStrike" dirty="0">
-                <a:solidFill>
-                  <a:srgbClr val="000000"/>
-                </a:solidFill>
-                <a:effectLst/>
-              </a:rPr>
-              <a:t>Why C had little </a:t>
-            </a:r>
-            <a:r>
-              <a:rPr lang="en-US" dirty="0">
-                <a:solidFill>
-                  <a:srgbClr val="000000"/>
-                </a:solidFill>
-              </a:rPr>
-              <a:t>i</a:t>
-            </a:r>
-            <a:r>
-              <a:rPr lang="en-US" i="0" u="none" strike="noStrike" dirty="0">
-                <a:solidFill>
-                  <a:srgbClr val="000000"/>
-                </a:solidFill>
-                <a:effectLst/>
-              </a:rPr>
-              <a:t>mpact:</a:t>
+              <a:rPr lang="en-US" sz="1400"/>
+              <a:t>Overall accuracy stays stable at ~85%, driven by class imbalance</a:t>
             </a:r>
           </a:p>
           <a:p>
-            <a:pPr marL="628650" lvl="1" indent="-171450" algn="l">
+            <a:pPr marL="171450" indent="-171450">
+              <a:spcAft>
+                <a:spcPts val="600"/>
+              </a:spcAft>
               <a:buFont typeface="Arial" panose="020B0604020202020204" pitchFamily="34" charset="0"/>
               <a:buChar char="•"/>
             </a:pPr>
             <a:r>
-              <a:rPr lang="en-US" dirty="0"/>
-              <a:t>Preprocessing reduced sensitivity to regularization</a:t>
+              <a:rPr lang="en-US" sz="1400" b="1"/>
+              <a:t>Trade-off</a:t>
+            </a:r>
+            <a:r>
+              <a:rPr lang="en-US" sz="1400"/>
+              <a:t>: Increasing C allows the models to better detect minority class instances (higher recall), but at the cost of slightly more false positives (lower precision)</a:t>
             </a:r>
           </a:p>
           <a:p>
-            <a:pPr marL="628650" lvl="1" indent="-171450" algn="l">
+            <a:pPr marL="171450" indent="-171450">
+              <a:spcAft>
+                <a:spcPts val="600"/>
+              </a:spcAft>
               <a:buFont typeface="Arial" panose="020B0604020202020204" pitchFamily="34" charset="0"/>
               <a:buChar char="•"/>
             </a:pPr>
             <a:r>
-              <a:rPr lang="en-US" dirty="0"/>
-              <a:t>Model learned a stable decision boundary, not reliant on extreme coefficients</a:t>
+              <a:rPr lang="en-US" sz="1400" b="1"/>
+              <a:t>Conclusion</a:t>
             </a:r>
-          </a:p>
-          <a:p>
-            <a:pPr marL="628650" lvl="1" indent="-171450" algn="l">
-              <a:buFont typeface="Arial" panose="020B0604020202020204" pitchFamily="34" charset="0"/>
-              <a:buChar char="•"/>
-            </a:pPr>
             <a:r>
-              <a:rPr lang="en-US" dirty="0"/>
-              <a:t>Class imbalance dominated performance, limiting the effect of C on minority class</a:t>
+              <a:rPr lang="en-US" sz="1400"/>
+              <a:t>: Logistic Regression and Linear SVC behave similarly under varying regularization, with performance gains for the minority class as C increases</a:t>
             </a:r>
-            <a:endParaRPr lang="en-US" b="0" i="0" u="none" strike="noStrike" dirty="0">
-              <a:solidFill>
-                <a:srgbClr val="000000"/>
-              </a:solidFill>
-              <a:effectLst/>
-            </a:endParaRPr>
-          </a:p>
-        </p:txBody>
-      </p:sp>
-      <p:sp>
-        <p:nvSpPr>
-          <p:cNvPr id="300" name="Google Shape;300;p35"/>
-          <p:cNvSpPr txBox="1">
-            <a:spLocks noGrp="1"/>
-          </p:cNvSpPr>
-          <p:nvPr>
-            <p:ph type="subTitle" idx="3"/>
-          </p:nvPr>
-        </p:nvSpPr>
-        <p:spPr>
-          <a:xfrm>
-            <a:off x="960000" y="2535936"/>
-            <a:ext cx="4205174" cy="578128"/>
-          </a:xfrm>
-          <a:prstGeom prst="rect">
-            <a:avLst/>
-          </a:prstGeom>
-          <a:ln>
-            <a:solidFill>
-              <a:schemeClr val="tx1"/>
-            </a:solidFill>
-          </a:ln>
-        </p:spPr>
-        <p:txBody>
-          <a:bodyPr spcFirstLastPara="1" wrap="square" lIns="121900" tIns="121900" rIns="121900" bIns="121900" anchor="b" anchorCtr="0">
-            <a:noAutofit/>
-          </a:bodyPr>
-          <a:lstStyle/>
-          <a:p>
-            <a:pPr marL="0" indent="0"/>
-            <a:r>
-              <a:rPr lang="en" sz="1800" dirty="0"/>
-              <a:t>Logistic Regression</a:t>
-            </a:r>
-            <a:endParaRPr sz="1800" dirty="0"/>
           </a:p>
         </p:txBody>
       </p:sp>
@@ -50274,7 +50915,7 @@
           <a:p>
             <a:pPr marL="0" indent="0"/>
             <a:r>
-              <a:rPr lang="en-US" sz="2000" kern="0" dirty="0"/>
+              <a:rPr lang="en-US" sz="2000" kern="0"/>
               <a:t>Impact of varying C values: [0.01, 1.0, 100.0]</a:t>
             </a:r>
           </a:p>
@@ -50293,7 +50934,7 @@
   <p:cSld>
     <p:spTree>
       <p:nvGrpSpPr>
-        <p:cNvPr id="1" name="Shape 521"/>
+        <p:cNvPr id="1" name="Shape 259"/>
         <p:cNvGrpSpPr/>
         <p:nvPr/>
       </p:nvGrpSpPr>
@@ -50307,108 +50948,110 @@
       </p:grpSpPr>
       <p:sp>
         <p:nvSpPr>
-          <p:cNvPr id="522" name="Google Shape;522;p49"/>
+          <p:cNvPr id="261" name="Google Shape;261;p33"/>
           <p:cNvSpPr txBox="1">
             <a:spLocks noGrp="1"/>
           </p:cNvSpPr>
           <p:nvPr>
-            <p:ph type="body" idx="1"/>
+            <p:ph type="title" idx="2"/>
           </p:nvPr>
         </p:nvSpPr>
         <p:spPr>
           <a:xfrm>
-            <a:off x="960000" y="1356967"/>
-            <a:ext cx="10272000" cy="4781600"/>
+            <a:off x="970741" y="2125238"/>
+            <a:ext cx="6460206" cy="1122400"/>
           </a:xfrm>
           <a:prstGeom prst="rect">
             <a:avLst/>
           </a:prstGeom>
         </p:spPr>
         <p:txBody>
-          <a:bodyPr spcFirstLastPara="1" wrap="square" lIns="121900" tIns="121900" rIns="121900" bIns="121900" anchor="t" anchorCtr="0">
-            <a:noAutofit/>
-          </a:bodyPr>
-          <a:lstStyle/>
-          <a:p>
-            <a:pPr marL="0" indent="0">
-              <a:spcBef>
-                <a:spcPts val="1333"/>
-              </a:spcBef>
-              <a:buNone/>
-            </a:pPr>
-            <a:r>
-              <a:rPr lang="en" b="1" dirty="0"/>
-              <a:t>words</a:t>
-            </a:r>
-            <a:endParaRPr b="1" dirty="0"/>
-          </a:p>
-          <a:p>
-            <a:pPr>
-              <a:buFont typeface="Poppins Light"/>
-              <a:buChar char="●"/>
-            </a:pPr>
-            <a:r>
-              <a:rPr lang="en-US" u="sng" dirty="0">
-                <a:solidFill>
-                  <a:schemeClr val="hlink"/>
-                </a:solidFill>
-              </a:rPr>
-              <a:t>website</a:t>
-            </a:r>
-            <a:endParaRPr dirty="0"/>
-          </a:p>
-        </p:txBody>
-      </p:sp>
-      <p:sp>
-        <p:nvSpPr>
-          <p:cNvPr id="523" name="Google Shape;523;p49"/>
-          <p:cNvSpPr txBox="1">
-            <a:spLocks noGrp="1"/>
-          </p:cNvSpPr>
-          <p:nvPr>
-            <p:ph type="title"/>
-          </p:nvPr>
-        </p:nvSpPr>
-        <p:spPr>
-          <a:xfrm>
-            <a:off x="960000" y="593367"/>
-            <a:ext cx="10272000" cy="763600"/>
-          </a:xfrm>
-          <a:prstGeom prst="rect">
-            <a:avLst/>
-          </a:prstGeom>
-        </p:spPr>
-        <p:txBody>
-          <a:bodyPr spcFirstLastPara="1" wrap="square" lIns="121900" tIns="121900" rIns="121900" bIns="121900" anchor="t" anchorCtr="0">
+          <a:bodyPr spcFirstLastPara="1" wrap="square" lIns="121900" tIns="121900" rIns="121900" bIns="121900" anchor="b" anchorCtr="0">
             <a:noAutofit/>
           </a:bodyPr>
           <a:lstStyle/>
           <a:p>
             <a:r>
-              <a:rPr lang="en" dirty="0"/>
-              <a:t>SOURCES?? </a:t>
+              <a:rPr lang="en"/>
+              <a:t>Thank you!</a:t>
             </a:r>
-            <a:r>
-              <a:rPr lang="en-US" dirty="0"/>
-              <a:t>I</a:t>
-            </a:r>
-            <a:r>
-              <a:rPr lang="en" dirty="0"/>
-              <a:t>dk </a:t>
-            </a:r>
-            <a:r>
-              <a:rPr lang="en-US" dirty="0"/>
-              <a:t>I</a:t>
-            </a:r>
-            <a:r>
-              <a:rPr lang="en" dirty="0"/>
-              <a:t> don’t think we need to cite</a:t>
-            </a:r>
-            <a:endParaRPr dirty="0"/>
+            <a:endParaRPr/>
           </a:p>
         </p:txBody>
       </p:sp>
+      <p:grpSp>
+        <p:nvGrpSpPr>
+          <p:cNvPr id="262" name="Google Shape;262;p33"/>
+          <p:cNvGrpSpPr/>
+          <p:nvPr/>
+        </p:nvGrpSpPr>
+        <p:grpSpPr>
+          <a:xfrm flipH="1">
+            <a:off x="-124833" y="3361967"/>
+            <a:ext cx="6658000" cy="0"/>
+            <a:chOff x="2220050" y="1547100"/>
+            <a:chExt cx="4993500" cy="0"/>
+          </a:xfrm>
+        </p:grpSpPr>
+        <p:cxnSp>
+          <p:nvCxnSpPr>
+            <p:cNvPr id="263" name="Google Shape;263;p33"/>
+            <p:cNvCxnSpPr/>
+            <p:nvPr/>
+          </p:nvCxnSpPr>
+          <p:spPr>
+            <a:xfrm>
+              <a:off x="2220050" y="1547100"/>
+              <a:ext cx="464400" cy="0"/>
+            </a:xfrm>
+            <a:prstGeom prst="straightConnector1">
+              <a:avLst/>
+            </a:prstGeom>
+            <a:noFill/>
+            <a:ln w="114300" cap="flat" cmpd="sng">
+              <a:solidFill>
+                <a:schemeClr val="dk1"/>
+              </a:solidFill>
+              <a:prstDash val="solid"/>
+              <a:round/>
+              <a:headEnd type="none" w="med" len="med"/>
+              <a:tailEnd type="none" w="med" len="med"/>
+            </a:ln>
+          </p:spPr>
+        </p:cxnSp>
+        <p:cxnSp>
+          <p:nvCxnSpPr>
+            <p:cNvPr id="264" name="Google Shape;264;p33"/>
+            <p:cNvCxnSpPr/>
+            <p:nvPr/>
+          </p:nvCxnSpPr>
+          <p:spPr>
+            <a:xfrm>
+              <a:off x="2684450" y="1547100"/>
+              <a:ext cx="4529100" cy="0"/>
+            </a:xfrm>
+            <a:prstGeom prst="straightConnector1">
+              <a:avLst/>
+            </a:prstGeom>
+            <a:noFill/>
+            <a:ln w="9525" cap="flat" cmpd="sng">
+              <a:solidFill>
+                <a:schemeClr val="dk1"/>
+              </a:solidFill>
+              <a:prstDash val="solid"/>
+              <a:round/>
+              <a:headEnd type="none" w="med" len="med"/>
+              <a:tailEnd type="none" w="med" len="med"/>
+            </a:ln>
+          </p:spPr>
+        </p:cxnSp>
+      </p:grpSp>
     </p:spTree>
+    <p:extLst>
+      <p:ext uri="{BB962C8B-B14F-4D97-AF65-F5344CB8AC3E}">
+        <p14:creationId xmlns:p14="http://schemas.microsoft.com/office/powerpoint/2010/main" val="671796279"/>
+      </p:ext>
+    </p:extLst>
   </p:cSld>
   <p:clrMapOvr>
     <a:masterClrMapping/>
@@ -50459,10 +51102,10 @@
           <a:lstStyle/>
           <a:p>
             <a:r>
-              <a:rPr lang="en" dirty="0"/>
+              <a:rPr lang="en"/>
               <a:t>Preprocessing the Data</a:t>
             </a:r>
-            <a:endParaRPr dirty="0"/>
+            <a:endParaRPr/>
           </a:p>
         </p:txBody>
       </p:sp>
@@ -50498,10 +51141,10 @@
           <a:p>
             <a:pPr marL="0" indent="0"/>
             <a:r>
-              <a:rPr lang="en" sz="2400" dirty="0"/>
+              <a:rPr lang="en" sz="2400"/>
               <a:t>Methodology</a:t>
             </a:r>
-            <a:endParaRPr sz="2400" dirty="0"/>
+            <a:endParaRPr sz="2400"/>
           </a:p>
         </p:txBody>
       </p:sp>
@@ -50537,10 +51180,10 @@
           <a:p>
             <a:pPr marL="0" indent="0"/>
             <a:r>
-              <a:rPr lang="en" sz="2400" dirty="0"/>
+              <a:rPr lang="en" sz="2400"/>
               <a:t>Challenges</a:t>
             </a:r>
-            <a:endParaRPr sz="2400" dirty="0"/>
+            <a:endParaRPr sz="2400"/>
           </a:p>
         </p:txBody>
       </p:sp>
@@ -50582,7 +51225,7 @@
               <a:buChar char="•"/>
             </a:pPr>
             <a:r>
-              <a:rPr lang="en-US" dirty="0"/>
+              <a:rPr lang="en-US"/>
               <a:t>Used class activity code to read data and build initial preprocessing function</a:t>
             </a:r>
           </a:p>
@@ -50595,7 +51238,7 @@
               <a:buChar char="•"/>
             </a:pPr>
             <a:r>
-              <a:rPr lang="en-US" dirty="0"/>
+              <a:rPr lang="en-US"/>
               <a:t>Handled missing values</a:t>
             </a:r>
           </a:p>
@@ -50608,7 +51251,7 @@
               <a:buChar char="•"/>
             </a:pPr>
             <a:r>
-              <a:rPr lang="en-US" dirty="0"/>
+              <a:rPr lang="en-US"/>
               <a:t>Binarized income variable</a:t>
             </a:r>
           </a:p>
@@ -50621,7 +51264,7 @@
               <a:buChar char="•"/>
             </a:pPr>
             <a:r>
-              <a:rPr lang="en-US" dirty="0"/>
+              <a:rPr lang="en-US"/>
               <a:t>Encoded categorical features</a:t>
             </a:r>
           </a:p>
@@ -50634,7 +51277,7 @@
               <a:buChar char="•"/>
             </a:pPr>
             <a:r>
-              <a:rPr lang="en-US" dirty="0"/>
+              <a:rPr lang="en-US"/>
               <a:t>Ensured all columns were numeric</a:t>
             </a:r>
           </a:p>
@@ -50647,10 +51290,10 @@
               <a:buChar char="•"/>
             </a:pPr>
             <a:r>
-              <a:rPr lang="en-US" dirty="0"/>
+              <a:rPr lang="en-US"/>
               <a:t>Standardized numerical features</a:t>
             </a:r>
-            <a:endParaRPr dirty="0"/>
+            <a:endParaRPr/>
           </a:p>
         </p:txBody>
       </p:sp>
@@ -50690,11 +51333,11 @@
               </a:spcAft>
             </a:pPr>
             <a:r>
-              <a:rPr lang="en-US" b="1" dirty="0"/>
+              <a:rPr lang="en-US" b="1"/>
               <a:t>Missing Values</a:t>
             </a:r>
             <a:r>
-              <a:rPr lang="en-US" dirty="0"/>
+              <a:rPr lang="en-US"/>
               <a:t>:</a:t>
             </a:r>
           </a:p>
@@ -50707,7 +51350,7 @@
               <a:buChar char="•"/>
             </a:pPr>
             <a:r>
-              <a:rPr lang="en-US" dirty="0"/>
+              <a:rPr lang="en-US"/>
               <a:t>Represented as '?', making them hard to detect</a:t>
             </a:r>
           </a:p>
@@ -50720,7 +51363,7 @@
               <a:buChar char="•"/>
             </a:pPr>
             <a:r>
-              <a:rPr lang="en-US" dirty="0"/>
+              <a:rPr lang="en-US"/>
               <a:t>Resolved by treating them as a separate category (only appeared in categorical columns)</a:t>
             </a:r>
           </a:p>
@@ -50731,11 +51374,11 @@
               </a:spcAft>
             </a:pPr>
             <a:r>
-              <a:rPr lang="en-US" b="1" dirty="0"/>
+              <a:rPr lang="en-US" b="1"/>
               <a:t>Encoding</a:t>
             </a:r>
             <a:r>
-              <a:rPr lang="en-US" dirty="0"/>
+              <a:rPr lang="en-US"/>
               <a:t>:</a:t>
             </a:r>
           </a:p>
@@ -50748,7 +51391,7 @@
               <a:buChar char="•"/>
             </a:pPr>
             <a:r>
-              <a:rPr lang="en-US" dirty="0"/>
+              <a:rPr lang="en-US"/>
               <a:t>One-hot encoding increased feature count​</a:t>
             </a:r>
           </a:p>
@@ -50761,7 +51404,7 @@
               <a:buChar char="•"/>
             </a:pPr>
             <a:r>
-              <a:rPr lang="en-US" dirty="0"/>
+              <a:rPr lang="en-US"/>
               <a:t>Column mismatch between test and validation sets​</a:t>
             </a:r>
           </a:p>
@@ -50774,7 +51417,7 @@
               <a:buChar char="•"/>
             </a:pPr>
             <a:r>
-              <a:rPr lang="en-US" dirty="0"/>
+              <a:rPr lang="en-US"/>
               <a:t>Dropped 3 test-only columns to align datasets​</a:t>
             </a:r>
           </a:p>
@@ -50785,11 +51428,11 @@
               </a:spcAft>
             </a:pPr>
             <a:r>
-              <a:rPr lang="en-US" b="1" dirty="0"/>
+              <a:rPr lang="en-US" b="1"/>
               <a:t>Data Format Issues</a:t>
             </a:r>
             <a:r>
-              <a:rPr lang="en-US" dirty="0"/>
+              <a:rPr lang="en-US"/>
               <a:t>:</a:t>
             </a:r>
           </a:p>
@@ -50802,7 +51445,7 @@
               <a:buChar char="•"/>
             </a:pPr>
             <a:r>
-              <a:rPr lang="en-US" dirty="0"/>
+              <a:rPr lang="en-US"/>
               <a:t>Encountered mismatches between preprocessing output and model input</a:t>
             </a:r>
           </a:p>
@@ -50815,13 +51458,13 @@
               <a:buChar char="•"/>
             </a:pPr>
             <a:r>
-              <a:rPr lang="en-US" dirty="0"/>
+              <a:rPr lang="en-US"/>
               <a:t>Fixed by explicitly specifying columns and using .values() for compatibility</a:t>
             </a:r>
           </a:p>
           <a:p>
             <a:pPr marL="0" indent="0"/>
-            <a:endParaRPr dirty="0"/>
+            <a:endParaRPr/>
           </a:p>
         </p:txBody>
       </p:sp>
@@ -50863,7 +51506,7 @@
               <a:buChar char="•"/>
             </a:pPr>
             <a:r>
-              <a:rPr lang="en" dirty="0"/>
+              <a:rPr lang="en"/>
               <a:t>Standardized numerical features</a:t>
             </a:r>
           </a:p>
@@ -50876,7 +51519,7 @@
               <a:buChar char="•"/>
             </a:pPr>
             <a:r>
-              <a:rPr lang="en" dirty="0"/>
+              <a:rPr lang="en"/>
               <a:t>Encoded categorical features</a:t>
             </a:r>
           </a:p>
@@ -50889,7 +51532,7 @@
               <a:buChar char="•"/>
             </a:pPr>
             <a:r>
-              <a:rPr lang="en" dirty="0"/>
+              <a:rPr lang="en"/>
               <a:t>Binary target variable</a:t>
             </a:r>
           </a:p>
@@ -50902,7 +51545,7 @@
               <a:buChar char="•"/>
             </a:pPr>
             <a:r>
-              <a:rPr lang="en" dirty="0"/>
+              <a:rPr lang="en"/>
               <a:t>Original index for reference</a:t>
             </a:r>
           </a:p>
@@ -50915,10 +51558,10 @@
               <a:buChar char="•"/>
             </a:pPr>
             <a:r>
-              <a:rPr lang="en" dirty="0"/>
+              <a:rPr lang="en"/>
               <a:t>Data ready to be used in any of our models</a:t>
             </a:r>
-            <a:endParaRPr dirty="0"/>
+            <a:endParaRPr lang="en-US"/>
           </a:p>
         </p:txBody>
       </p:sp>
@@ -50954,10 +51597,10 @@
           <a:p>
             <a:pPr marL="0" indent="0"/>
             <a:r>
-              <a:rPr lang="en" sz="2400" dirty="0"/>
+              <a:rPr lang="en" sz="2400"/>
               <a:t>Results</a:t>
             </a:r>
-            <a:endParaRPr sz="2400" dirty="0"/>
+            <a:endParaRPr sz="2400"/>
           </a:p>
         </p:txBody>
       </p:sp>
@@ -51018,7 +51661,7 @@
           <a:lstStyle/>
           <a:p>
             <a:r>
-              <a:rPr lang="en-US" dirty="0"/>
+              <a:rPr lang="en-US"/>
               <a:t>Preprocessing the Data</a:t>
             </a:r>
           </a:p>
@@ -51398,7 +52041,7 @@
             </a:lstStyle>
             <a:p>
               <a:r>
-                <a:rPr lang="en-US" sz="1600" kern="0" dirty="0">
+                <a:rPr lang="en-US" sz="1600" kern="0">
                   <a:latin typeface="Poppins" pitchFamily="2" charset="77"/>
                   <a:cs typeface="Poppins" pitchFamily="2" charset="77"/>
                 </a:rPr>
@@ -51724,7 +52367,7 @@
             </a:lstStyle>
             <a:p>
               <a:r>
-                <a:rPr lang="en-US" sz="1600" kern="0" dirty="0">
+                <a:rPr lang="en-US" sz="1600" kern="0">
                   <a:latin typeface="Poppins" pitchFamily="2" charset="77"/>
                   <a:cs typeface="Poppins" pitchFamily="2" charset="77"/>
                 </a:rPr>
@@ -51790,10 +52433,10 @@
           <a:lstStyle/>
           <a:p>
             <a:r>
-              <a:rPr lang="en" sz="4400" dirty="0"/>
+              <a:rPr lang="en" sz="4400"/>
               <a:t>Perceptron &amp; Adaline</a:t>
             </a:r>
-            <a:endParaRPr sz="4400" dirty="0"/>
+            <a:endParaRPr sz="4400"/>
           </a:p>
         </p:txBody>
       </p:sp>
@@ -51823,10 +52466,10 @@
           <a:lstStyle/>
           <a:p>
             <a:r>
-              <a:rPr lang="en" dirty="0"/>
+              <a:rPr lang="en"/>
               <a:t>Part 2</a:t>
             </a:r>
-            <a:endParaRPr dirty="0"/>
+            <a:endParaRPr/>
           </a:p>
         </p:txBody>
       </p:sp>
@@ -51953,10 +52596,10 @@
           <a:lstStyle/>
           <a:p>
             <a:r>
-              <a:rPr lang="en" dirty="0"/>
+              <a:rPr lang="en"/>
               <a:t>Perceptron &amp; Adaline</a:t>
             </a:r>
-            <a:endParaRPr dirty="0"/>
+            <a:endParaRPr/>
           </a:p>
         </p:txBody>
       </p:sp>
@@ -51992,10 +52635,10 @@
           <a:p>
             <a:pPr marL="0" indent="0"/>
             <a:r>
-              <a:rPr lang="en" sz="2400" dirty="0"/>
+              <a:rPr lang="en" sz="2400"/>
               <a:t>Methodology</a:t>
             </a:r>
-            <a:endParaRPr dirty="0"/>
+            <a:endParaRPr/>
           </a:p>
         </p:txBody>
       </p:sp>
@@ -52031,10 +52674,10 @@
           <a:p>
             <a:pPr marL="0" indent="0"/>
             <a:r>
-              <a:rPr lang="en" sz="2400" dirty="0"/>
+              <a:rPr lang="en" sz="2400"/>
               <a:t>Challenges</a:t>
             </a:r>
-            <a:endParaRPr sz="2400" dirty="0"/>
+            <a:endParaRPr sz="2400"/>
           </a:p>
         </p:txBody>
       </p:sp>
@@ -52076,7 +52719,7 @@
               <a:buChar char="•"/>
             </a:pPr>
             <a:r>
-              <a:rPr lang="en-US" dirty="0"/>
+              <a:rPr lang="en-US"/>
               <a:t>Adapted manual implementations from class activities</a:t>
             </a:r>
           </a:p>
@@ -52089,7 +52732,7 @@
               <a:buChar char="•"/>
             </a:pPr>
             <a:r>
-              <a:rPr lang="en-US" dirty="0"/>
+              <a:rPr lang="en-US"/>
               <a:t>Used scikit-learn versions to mirror manual loops and compare performance</a:t>
             </a:r>
           </a:p>
@@ -52102,7 +52745,7 @@
               <a:buChar char="•"/>
             </a:pPr>
             <a:r>
-              <a:rPr lang="en-US" dirty="0"/>
+              <a:rPr lang="en-US"/>
               <a:t>Tuned hyperparameters of each model for best accuracy</a:t>
             </a:r>
           </a:p>
@@ -52115,10 +52758,10 @@
               <a:buChar char="•"/>
             </a:pPr>
             <a:r>
-              <a:rPr lang="en-US" dirty="0"/>
+              <a:rPr lang="en-US"/>
               <a:t>Verified results using cross-validation on scikit-learn models</a:t>
             </a:r>
-            <a:endParaRPr dirty="0"/>
+            <a:endParaRPr/>
           </a:p>
         </p:txBody>
       </p:sp>
@@ -52158,11 +52801,11 @@
               </a:spcAft>
             </a:pPr>
             <a:r>
-              <a:rPr lang="en-US" b="1" dirty="0"/>
+              <a:rPr lang="en-US" b="1"/>
               <a:t>Adaline Convergence</a:t>
             </a:r>
             <a:r>
-              <a:rPr lang="en-US" dirty="0"/>
+              <a:rPr lang="en-US"/>
               <a:t>:</a:t>
             </a:r>
           </a:p>
@@ -52175,7 +52818,7 @@
               <a:buChar char="•"/>
             </a:pPr>
             <a:r>
-              <a:rPr lang="en-US" dirty="0"/>
+              <a:rPr lang="en-US"/>
               <a:t>Required extremely small learning rates to converge</a:t>
             </a:r>
           </a:p>
@@ -52188,7 +52831,7 @@
               <a:buChar char="•"/>
             </a:pPr>
             <a:r>
-              <a:rPr lang="en-US" dirty="0"/>
+              <a:rPr lang="en-US"/>
               <a:t>Traced issue to data formatting; resolved by refining preprocessing and column selection</a:t>
             </a:r>
           </a:p>
@@ -52199,11 +52842,11 @@
               </a:spcAft>
             </a:pPr>
             <a:r>
-              <a:rPr lang="en-US" b="1" dirty="0"/>
+              <a:rPr lang="en-US" b="1"/>
               <a:t>Hyperparameter Tuning</a:t>
             </a:r>
             <a:r>
-              <a:rPr lang="en-US" dirty="0"/>
+              <a:rPr lang="en-US"/>
               <a:t>:</a:t>
             </a:r>
           </a:p>
@@ -52216,7 +52859,7 @@
               <a:buChar char="•"/>
             </a:pPr>
             <a:r>
-              <a:rPr lang="en-US" dirty="0"/>
+              <a:rPr lang="en-US"/>
               <a:t>Extensive trial and error to find optimal learning rate and iteration combinations</a:t>
             </a:r>
           </a:p>
@@ -52229,7 +52872,7 @@
               <a:buChar char="•"/>
             </a:pPr>
             <a:r>
-              <a:rPr lang="en-US" dirty="0"/>
+              <a:rPr lang="en-US"/>
               <a:t>Some scikit-learn models showed high accuracy despite not fully converging</a:t>
             </a:r>
           </a:p>
@@ -52240,11 +52883,11 @@
               </a:spcAft>
             </a:pPr>
             <a:r>
-              <a:rPr lang="en-US" b="1" dirty="0"/>
+              <a:rPr lang="en-US" b="1"/>
               <a:t>Warnings</a:t>
             </a:r>
             <a:r>
-              <a:rPr lang="en-US" dirty="0"/>
+              <a:rPr lang="en-US"/>
               <a:t>:</a:t>
             </a:r>
           </a:p>
@@ -52257,7 +52900,7 @@
               <a:buChar char="•"/>
             </a:pPr>
             <a:r>
-              <a:rPr lang="en-US" dirty="0"/>
+              <a:rPr lang="en-US"/>
               <a:t>Frequent convergence warnings cluttered output</a:t>
             </a:r>
           </a:p>
@@ -52270,13 +52913,13 @@
               <a:buChar char="•"/>
             </a:pPr>
             <a:r>
-              <a:rPr lang="en-US" dirty="0"/>
+              <a:rPr lang="en-US"/>
               <a:t>Tuned eta and max_iter to avoid models that didn’t converge </a:t>
             </a:r>
           </a:p>
           <a:p>
             <a:pPr marL="0" indent="0"/>
-            <a:endParaRPr dirty="0"/>
+            <a:endParaRPr/>
           </a:p>
         </p:txBody>
       </p:sp>
@@ -52318,7 +52961,7 @@
               <a:buChar char="•"/>
             </a:pPr>
             <a:r>
-              <a:rPr lang="en-US" dirty="0"/>
+              <a:rPr lang="en-US"/>
               <a:t>Manual Perceptron</a:t>
             </a:r>
           </a:p>
@@ -52331,7 +52974,7 @@
               <a:buChar char="•"/>
             </a:pPr>
             <a:r>
-              <a:rPr lang="en-US" dirty="0"/>
+              <a:rPr lang="en-US"/>
               <a:t>eta 0.001 and n_iter 25</a:t>
             </a:r>
           </a:p>
@@ -52344,7 +52987,7 @@
               <a:buChar char="•"/>
             </a:pPr>
             <a:r>
-              <a:rPr lang="en-US" dirty="0"/>
+              <a:rPr lang="en-US"/>
               <a:t>Accuracy: 82.07%</a:t>
             </a:r>
           </a:p>
@@ -52357,7 +53000,7 @@
               <a:buChar char="•"/>
             </a:pPr>
             <a:r>
-              <a:rPr lang="en-US" dirty="0"/>
+              <a:rPr lang="en-US"/>
               <a:t>Manual Adaline</a:t>
             </a:r>
           </a:p>
@@ -52370,7 +53013,7 @@
               <a:buChar char="•"/>
             </a:pPr>
             <a:r>
-              <a:rPr lang="en-US" dirty="0"/>
+              <a:rPr lang="en-US"/>
               <a:t>eta 0.0001 and n_iter 10</a:t>
             </a:r>
           </a:p>
@@ -52383,7 +53026,7 @@
               <a:buChar char="•"/>
             </a:pPr>
             <a:r>
-              <a:rPr lang="en-US" dirty="0"/>
+              <a:rPr lang="en-US"/>
               <a:t>Accuracy: 84.30%</a:t>
             </a:r>
           </a:p>
@@ -52396,7 +53039,7 @@
               <a:buChar char="•"/>
             </a:pPr>
             <a:r>
-              <a:rPr lang="en-US" b="1" dirty="0"/>
+              <a:rPr lang="en-US" b="1"/>
               <a:t>Sklearn Perceptron</a:t>
             </a:r>
           </a:p>
@@ -52409,7 +53052,7 @@
               <a:buChar char="•"/>
             </a:pPr>
             <a:r>
-              <a:rPr lang="en-US" dirty="0"/>
+              <a:rPr lang="en-US"/>
               <a:t>eta 0.01 and max_iter 20</a:t>
             </a:r>
           </a:p>
@@ -52422,7 +53065,7 @@
               <a:buChar char="•"/>
             </a:pPr>
             <a:r>
-              <a:rPr lang="en-US" dirty="0"/>
+              <a:rPr lang="en-US"/>
               <a:t>Accuracy: 82.80%</a:t>
             </a:r>
           </a:p>
@@ -52435,7 +53078,7 @@
               <a:buChar char="•"/>
             </a:pPr>
             <a:r>
-              <a:rPr lang="en-US" b="1" dirty="0"/>
+              <a:rPr lang="en-US" b="1"/>
               <a:t>Sklearn Adaline</a:t>
             </a:r>
           </a:p>
@@ -52448,7 +53091,7 @@
               <a:buChar char="•"/>
             </a:pPr>
             <a:r>
-              <a:rPr lang="en-US" dirty="0"/>
+              <a:rPr lang="en-US"/>
               <a:t>eta 1e-05 and max_iter 20</a:t>
             </a:r>
           </a:p>
@@ -52461,7 +53104,7 @@
               <a:buChar char="•"/>
             </a:pPr>
             <a:r>
-              <a:rPr lang="en-US" dirty="0"/>
+              <a:rPr lang="en-US"/>
               <a:t>Accuracy: 83.55%</a:t>
             </a:r>
           </a:p>
@@ -52499,10 +53142,10 @@
           <a:p>
             <a:pPr marL="0" indent="0"/>
             <a:r>
-              <a:rPr lang="en" sz="2400" dirty="0"/>
+              <a:rPr lang="en" sz="2400"/>
               <a:t>Results</a:t>
             </a:r>
-            <a:endParaRPr sz="2400" dirty="0"/>
+            <a:endParaRPr sz="2400"/>
           </a:p>
         </p:txBody>
       </p:sp>
@@ -52520,6 +53163,276 @@
 </file>
 
 <file path=ppt/slides/slide7.xml><?xml version="1.0" encoding="utf-8"?>
+<p:sld xmlns:a="http://schemas.openxmlformats.org/drawingml/2006/main" xmlns:r="http://schemas.openxmlformats.org/officeDocument/2006/relationships" xmlns:p="http://schemas.openxmlformats.org/presentationml/2006/main">
+  <p:cSld>
+    <p:spTree>
+      <p:nvGrpSpPr>
+        <p:cNvPr id="1" name="">
+          <a:extLst>
+            <a:ext uri="{FF2B5EF4-FFF2-40B4-BE49-F238E27FC236}">
+              <a16:creationId xmlns:a16="http://schemas.microsoft.com/office/drawing/2014/main" id="{4EA4AC43-D84B-950B-CA93-9B8CBC2E979C}"/>
+            </a:ext>
+          </a:extLst>
+        </p:cNvPr>
+        <p:cNvGrpSpPr/>
+        <p:nvPr/>
+      </p:nvGrpSpPr>
+      <p:grpSpPr>
+        <a:xfrm>
+          <a:off x="0" y="0"/>
+          <a:ext cx="0" cy="0"/>
+          <a:chOff x="0" y="0"/>
+          <a:chExt cx="0" cy="0"/>
+        </a:xfrm>
+      </p:grpSpPr>
+      <p:sp>
+        <p:nvSpPr>
+          <p:cNvPr id="7" name="Title 6">
+            <a:extLst>
+              <a:ext uri="{FF2B5EF4-FFF2-40B4-BE49-F238E27FC236}">
+                <a16:creationId xmlns:a16="http://schemas.microsoft.com/office/drawing/2014/main" id="{F335A929-FE4C-C748-325B-F928706486D3}"/>
+              </a:ext>
+            </a:extLst>
+          </p:cNvPr>
+          <p:cNvSpPr>
+            <a:spLocks noGrp="1"/>
+          </p:cNvSpPr>
+          <p:nvPr>
+            <p:ph type="title"/>
+          </p:nvPr>
+        </p:nvSpPr>
+        <p:spPr>
+          <a:xfrm>
+            <a:off x="605590" y="165940"/>
+            <a:ext cx="10272000" cy="763600"/>
+          </a:xfrm>
+        </p:spPr>
+        <p:txBody>
+          <a:bodyPr/>
+          <a:lstStyle/>
+          <a:p>
+            <a:r>
+              <a:rPr lang="en-US"/>
+              <a:t>Perceptron (5 / 10 / 15 epochs)</a:t>
+            </a:r>
+          </a:p>
+        </p:txBody>
+      </p:sp>
+      <p:pic>
+        <p:nvPicPr>
+          <p:cNvPr id="4" name="Picture 3" descr="A screenshot of a graph&#10;&#10;AI-generated content may be incorrect.">
+            <a:extLst>
+              <a:ext uri="{FF2B5EF4-FFF2-40B4-BE49-F238E27FC236}">
+                <a16:creationId xmlns:a16="http://schemas.microsoft.com/office/drawing/2014/main" id="{EA3AF310-5411-9F03-209F-9E483EB472A1}"/>
+              </a:ext>
+            </a:extLst>
+          </p:cNvPr>
+          <p:cNvPicPr>
+            <a:picLocks noChangeAspect="1"/>
+          </p:cNvPicPr>
+          <p:nvPr/>
+        </p:nvPicPr>
+        <p:blipFill>
+          <a:blip r:embed="rId2">
+            <a:extLst>
+              <a:ext uri="{28A0092B-C50C-407E-A947-70E740481C1C}">
+                <a14:useLocalDpi xmlns:a14="http://schemas.microsoft.com/office/drawing/2010/main" val="0"/>
+              </a:ext>
+            </a:extLst>
+          </a:blip>
+          <a:srcRect t="4134" b="38829"/>
+          <a:stretch>
+            <a:fillRect/>
+          </a:stretch>
+        </p:blipFill>
+        <p:spPr>
+          <a:xfrm>
+            <a:off x="605590" y="648454"/>
+            <a:ext cx="10272000" cy="6012412"/>
+          </a:xfrm>
+          <a:prstGeom prst="rect">
+            <a:avLst/>
+          </a:prstGeom>
+        </p:spPr>
+      </p:pic>
+    </p:spTree>
+    <p:extLst>
+      <p:ext uri="{BB962C8B-B14F-4D97-AF65-F5344CB8AC3E}">
+        <p14:creationId xmlns:p14="http://schemas.microsoft.com/office/powerpoint/2010/main" val="2685461797"/>
+      </p:ext>
+    </p:extLst>
+  </p:cSld>
+  <p:clrMapOvr>
+    <a:masterClrMapping/>
+  </p:clrMapOvr>
+</p:sld>
+</file>
+
+<file path=ppt/slides/slide8.xml><?xml version="1.0" encoding="utf-8"?>
+<p:sld xmlns:a="http://schemas.openxmlformats.org/drawingml/2006/main" xmlns:r="http://schemas.openxmlformats.org/officeDocument/2006/relationships" xmlns:p="http://schemas.openxmlformats.org/presentationml/2006/main">
+  <p:cSld>
+    <p:spTree>
+      <p:nvGrpSpPr>
+        <p:cNvPr id="1" name="">
+          <a:extLst>
+            <a:ext uri="{FF2B5EF4-FFF2-40B4-BE49-F238E27FC236}">
+              <a16:creationId xmlns:a16="http://schemas.microsoft.com/office/drawing/2014/main" id="{456ACD8F-4EBE-FDCB-6E1B-64362B0273C6}"/>
+            </a:ext>
+          </a:extLst>
+        </p:cNvPr>
+        <p:cNvGrpSpPr/>
+        <p:nvPr/>
+      </p:nvGrpSpPr>
+      <p:grpSpPr>
+        <a:xfrm>
+          <a:off x="0" y="0"/>
+          <a:ext cx="0" cy="0"/>
+          <a:chOff x="0" y="0"/>
+          <a:chExt cx="0" cy="0"/>
+        </a:xfrm>
+      </p:grpSpPr>
+      <p:sp>
+        <p:nvSpPr>
+          <p:cNvPr id="7" name="Title 6">
+            <a:extLst>
+              <a:ext uri="{FF2B5EF4-FFF2-40B4-BE49-F238E27FC236}">
+                <a16:creationId xmlns:a16="http://schemas.microsoft.com/office/drawing/2014/main" id="{F035883A-74E5-2F81-40B4-B4DE0E2797E3}"/>
+              </a:ext>
+            </a:extLst>
+          </p:cNvPr>
+          <p:cNvSpPr>
+            <a:spLocks noGrp="1"/>
+          </p:cNvSpPr>
+          <p:nvPr>
+            <p:ph type="title"/>
+          </p:nvPr>
+        </p:nvSpPr>
+        <p:spPr>
+          <a:xfrm>
+            <a:off x="510326" y="334943"/>
+            <a:ext cx="10272000" cy="763600"/>
+          </a:xfrm>
+        </p:spPr>
+        <p:txBody>
+          <a:bodyPr/>
+          <a:lstStyle/>
+          <a:p>
+            <a:r>
+              <a:rPr lang="en-US"/>
+              <a:t>Perceptron (20 / 25 epochs)</a:t>
+            </a:r>
+          </a:p>
+        </p:txBody>
+      </p:sp>
+      <p:pic>
+        <p:nvPicPr>
+          <p:cNvPr id="3" name="Picture 2" descr="A screenshot of a graph&#10;&#10;AI-generated content may be incorrect.">
+            <a:extLst>
+              <a:ext uri="{FF2B5EF4-FFF2-40B4-BE49-F238E27FC236}">
+                <a16:creationId xmlns:a16="http://schemas.microsoft.com/office/drawing/2014/main" id="{9382A8FE-E1E5-8947-E98F-7B525C4C4AA7}"/>
+              </a:ext>
+            </a:extLst>
+          </p:cNvPr>
+          <p:cNvPicPr>
+            <a:picLocks noChangeAspect="1"/>
+          </p:cNvPicPr>
+          <p:nvPr/>
+        </p:nvPicPr>
+        <p:blipFill>
+          <a:blip r:embed="rId2">
+            <a:extLst>
+              <a:ext uri="{28A0092B-C50C-407E-A947-70E740481C1C}">
+                <a14:useLocalDpi xmlns:a14="http://schemas.microsoft.com/office/drawing/2010/main" val="0"/>
+              </a:ext>
+            </a:extLst>
+          </a:blip>
+          <a:srcRect l="180" t="61821" r="-180"/>
+          <a:stretch>
+            <a:fillRect/>
+          </a:stretch>
+        </p:blipFill>
+        <p:spPr>
+          <a:xfrm>
+            <a:off x="84715" y="1249983"/>
+            <a:ext cx="11123222" cy="4358033"/>
+          </a:xfrm>
+          <a:prstGeom prst="rect">
+            <a:avLst/>
+          </a:prstGeom>
+        </p:spPr>
+      </p:pic>
+      <p:sp>
+        <p:nvSpPr>
+          <p:cNvPr id="2" name="Rectangle 1">
+            <a:extLst>
+              <a:ext uri="{FF2B5EF4-FFF2-40B4-BE49-F238E27FC236}">
+                <a16:creationId xmlns:a16="http://schemas.microsoft.com/office/drawing/2014/main" id="{C237452E-FD04-B2D1-B3AF-6CAB6BE4D573}"/>
+              </a:ext>
+            </a:extLst>
+          </p:cNvPr>
+          <p:cNvSpPr/>
+          <p:nvPr/>
+        </p:nvSpPr>
+        <p:spPr>
+          <a:xfrm>
+            <a:off x="2623457" y="3526970"/>
+            <a:ext cx="1872343" cy="1839687"/>
+          </a:xfrm>
+          <a:prstGeom prst="rect">
+            <a:avLst/>
+          </a:prstGeom>
+          <a:solidFill>
+            <a:schemeClr val="bg2">
+              <a:lumMod val="60000"/>
+              <a:lumOff val="40000"/>
+              <a:alpha val="23137"/>
+            </a:schemeClr>
+          </a:solidFill>
+          <a:ln>
+            <a:solidFill>
+              <a:schemeClr val="bg2"/>
+            </a:solidFill>
+          </a:ln>
+        </p:spPr>
+        <p:style>
+          <a:lnRef idx="2">
+            <a:schemeClr val="accent1">
+              <a:shade val="15000"/>
+            </a:schemeClr>
+          </a:lnRef>
+          <a:fillRef idx="1">
+            <a:schemeClr val="accent1"/>
+          </a:fillRef>
+          <a:effectRef idx="0">
+            <a:schemeClr val="accent1"/>
+          </a:effectRef>
+          <a:fontRef idx="minor">
+            <a:schemeClr val="lt1"/>
+          </a:fontRef>
+        </p:style>
+        <p:txBody>
+          <a:bodyPr rtlCol="0" anchor="ctr"/>
+          <a:lstStyle/>
+          <a:p>
+            <a:pPr algn="ctr"/>
+            <a:endParaRPr lang="en-US"/>
+          </a:p>
+        </p:txBody>
+      </p:sp>
+    </p:spTree>
+    <p:extLst>
+      <p:ext uri="{BB962C8B-B14F-4D97-AF65-F5344CB8AC3E}">
+        <p14:creationId xmlns:p14="http://schemas.microsoft.com/office/powerpoint/2010/main" val="1010025027"/>
+      </p:ext>
+    </p:extLst>
+  </p:cSld>
+  <p:clrMapOvr>
+    <a:masterClrMapping/>
+  </p:clrMapOvr>
+</p:sld>
+</file>
+
+<file path=ppt/slides/slide9.xml><?xml version="1.0" encoding="utf-8"?>
 <p:sld xmlns:a="http://schemas.openxmlformats.org/drawingml/2006/main" xmlns:r="http://schemas.openxmlformats.org/officeDocument/2006/relationships" xmlns:p="http://schemas.openxmlformats.org/presentationml/2006/main">
   <p:cSld>
     <p:spTree>
@@ -52563,7 +53476,7 @@
           <a:lstStyle/>
           <a:p>
             <a:r>
-              <a:rPr lang="en-US" dirty="0"/>
+              <a:rPr lang="en-US"/>
               <a:t>Adaline SGD (5 / 10 / 15 epochs)</a:t>
             </a:r>
           </a:p>
@@ -52668,218 +53581,6 @@
     <p:extLst>
       <p:ext uri="{BB962C8B-B14F-4D97-AF65-F5344CB8AC3E}">
         <p14:creationId xmlns:p14="http://schemas.microsoft.com/office/powerpoint/2010/main" val="3986624624"/>
-      </p:ext>
-    </p:extLst>
-  </p:cSld>
-  <p:clrMapOvr>
-    <a:masterClrMapping/>
-  </p:clrMapOvr>
-</p:sld>
-</file>
-
-<file path=ppt/slides/slide8.xml><?xml version="1.0" encoding="utf-8"?>
-<p:sld xmlns:a="http://schemas.openxmlformats.org/drawingml/2006/main" xmlns:r="http://schemas.openxmlformats.org/officeDocument/2006/relationships" xmlns:p="http://schemas.openxmlformats.org/presentationml/2006/main">
-  <p:cSld>
-    <p:spTree>
-      <p:nvGrpSpPr>
-        <p:cNvPr id="1" name="">
-          <a:extLst>
-            <a:ext uri="{FF2B5EF4-FFF2-40B4-BE49-F238E27FC236}">
-              <a16:creationId xmlns:a16="http://schemas.microsoft.com/office/drawing/2014/main" id="{CD20001D-508A-F188-F6D3-0E9159FEBB15}"/>
-            </a:ext>
-          </a:extLst>
-        </p:cNvPr>
-        <p:cNvGrpSpPr/>
-        <p:nvPr/>
-      </p:nvGrpSpPr>
-      <p:grpSpPr>
-        <a:xfrm>
-          <a:off x="0" y="0"/>
-          <a:ext cx="0" cy="0"/>
-          <a:chOff x="0" y="0"/>
-          <a:chExt cx="0" cy="0"/>
-        </a:xfrm>
-      </p:grpSpPr>
-      <p:sp>
-        <p:nvSpPr>
-          <p:cNvPr id="7" name="Title 6">
-            <a:extLst>
-              <a:ext uri="{FF2B5EF4-FFF2-40B4-BE49-F238E27FC236}">
-                <a16:creationId xmlns:a16="http://schemas.microsoft.com/office/drawing/2014/main" id="{2400C23B-8B63-99E9-A73B-D5D9E1342EB4}"/>
-              </a:ext>
-            </a:extLst>
-          </p:cNvPr>
-          <p:cNvSpPr>
-            <a:spLocks noGrp="1"/>
-          </p:cNvSpPr>
-          <p:nvPr>
-            <p:ph type="title"/>
-          </p:nvPr>
-        </p:nvSpPr>
-        <p:spPr>
-          <a:xfrm>
-            <a:off x="605590" y="165940"/>
-            <a:ext cx="10272000" cy="763600"/>
-          </a:xfrm>
-        </p:spPr>
-        <p:txBody>
-          <a:bodyPr/>
-          <a:lstStyle/>
-          <a:p>
-            <a:r>
-              <a:rPr lang="en-US" dirty="0"/>
-              <a:t>Adaline SGD (20 / 25 epochs)</a:t>
-            </a:r>
-          </a:p>
-        </p:txBody>
-      </p:sp>
-      <p:pic>
-        <p:nvPicPr>
-          <p:cNvPr id="3" name="Picture 2" descr="A screenshot of a graph&#10;&#10;AI-generated content may be incorrect.">
-            <a:extLst>
-              <a:ext uri="{FF2B5EF4-FFF2-40B4-BE49-F238E27FC236}">
-                <a16:creationId xmlns:a16="http://schemas.microsoft.com/office/drawing/2014/main" id="{1EE2CAE3-4F0A-DE5B-AEB3-C6D38779CD32}"/>
-              </a:ext>
-            </a:extLst>
-          </p:cNvPr>
-          <p:cNvPicPr>
-            <a:picLocks noChangeAspect="1"/>
-          </p:cNvPicPr>
-          <p:nvPr/>
-        </p:nvPicPr>
-        <p:blipFill>
-          <a:blip r:embed="rId2">
-            <a:extLst>
-              <a:ext uri="{28A0092B-C50C-407E-A947-70E740481C1C}">
-                <a14:useLocalDpi xmlns:a14="http://schemas.microsoft.com/office/drawing/2010/main" val="0"/>
-              </a:ext>
-            </a:extLst>
-          </a:blip>
-          <a:srcRect t="60000"/>
-          <a:stretch>
-            <a:fillRect/>
-          </a:stretch>
-        </p:blipFill>
-        <p:spPr>
-          <a:xfrm>
-            <a:off x="269747" y="1264870"/>
-            <a:ext cx="10820649" cy="4328260"/>
-          </a:xfrm>
-          <a:prstGeom prst="rect">
-            <a:avLst/>
-          </a:prstGeom>
-        </p:spPr>
-      </p:pic>
-    </p:spTree>
-    <p:extLst>
-      <p:ext uri="{BB962C8B-B14F-4D97-AF65-F5344CB8AC3E}">
-        <p14:creationId xmlns:p14="http://schemas.microsoft.com/office/powerpoint/2010/main" val="2288487160"/>
-      </p:ext>
-    </p:extLst>
-  </p:cSld>
-  <p:clrMapOvr>
-    <a:masterClrMapping/>
-  </p:clrMapOvr>
-</p:sld>
-</file>
-
-<file path=ppt/slides/slide9.xml><?xml version="1.0" encoding="utf-8"?>
-<p:sld xmlns:a="http://schemas.openxmlformats.org/drawingml/2006/main" xmlns:r="http://schemas.openxmlformats.org/officeDocument/2006/relationships" xmlns:p="http://schemas.openxmlformats.org/presentationml/2006/main">
-  <p:cSld>
-    <p:spTree>
-      <p:nvGrpSpPr>
-        <p:cNvPr id="1" name="">
-          <a:extLst>
-            <a:ext uri="{FF2B5EF4-FFF2-40B4-BE49-F238E27FC236}">
-              <a16:creationId xmlns:a16="http://schemas.microsoft.com/office/drawing/2014/main" id="{4EA4AC43-D84B-950B-CA93-9B8CBC2E979C}"/>
-            </a:ext>
-          </a:extLst>
-        </p:cNvPr>
-        <p:cNvGrpSpPr/>
-        <p:nvPr/>
-      </p:nvGrpSpPr>
-      <p:grpSpPr>
-        <a:xfrm>
-          <a:off x="0" y="0"/>
-          <a:ext cx="0" cy="0"/>
-          <a:chOff x="0" y="0"/>
-          <a:chExt cx="0" cy="0"/>
-        </a:xfrm>
-      </p:grpSpPr>
-      <p:sp>
-        <p:nvSpPr>
-          <p:cNvPr id="7" name="Title 6">
-            <a:extLst>
-              <a:ext uri="{FF2B5EF4-FFF2-40B4-BE49-F238E27FC236}">
-                <a16:creationId xmlns:a16="http://schemas.microsoft.com/office/drawing/2014/main" id="{F335A929-FE4C-C748-325B-F928706486D3}"/>
-              </a:ext>
-            </a:extLst>
-          </p:cNvPr>
-          <p:cNvSpPr>
-            <a:spLocks noGrp="1"/>
-          </p:cNvSpPr>
-          <p:nvPr>
-            <p:ph type="title"/>
-          </p:nvPr>
-        </p:nvSpPr>
-        <p:spPr>
-          <a:xfrm>
-            <a:off x="605590" y="165940"/>
-            <a:ext cx="10272000" cy="763600"/>
-          </a:xfrm>
-        </p:spPr>
-        <p:txBody>
-          <a:bodyPr/>
-          <a:lstStyle/>
-          <a:p>
-            <a:r>
-              <a:rPr lang="en-US" dirty="0"/>
-              <a:t>Perceptron (5 / 10 / 15 epochs)</a:t>
-            </a:r>
-          </a:p>
-        </p:txBody>
-      </p:sp>
-      <p:pic>
-        <p:nvPicPr>
-          <p:cNvPr id="4" name="Picture 3" descr="A screenshot of a graph&#10;&#10;AI-generated content may be incorrect.">
-            <a:extLst>
-              <a:ext uri="{FF2B5EF4-FFF2-40B4-BE49-F238E27FC236}">
-                <a16:creationId xmlns:a16="http://schemas.microsoft.com/office/drawing/2014/main" id="{EA3AF310-5411-9F03-209F-9E483EB472A1}"/>
-              </a:ext>
-            </a:extLst>
-          </p:cNvPr>
-          <p:cNvPicPr>
-            <a:picLocks noChangeAspect="1"/>
-          </p:cNvPicPr>
-          <p:nvPr/>
-        </p:nvPicPr>
-        <p:blipFill>
-          <a:blip r:embed="rId2">
-            <a:extLst>
-              <a:ext uri="{28A0092B-C50C-407E-A947-70E740481C1C}">
-                <a14:useLocalDpi xmlns:a14="http://schemas.microsoft.com/office/drawing/2010/main" val="0"/>
-              </a:ext>
-            </a:extLst>
-          </a:blip>
-          <a:srcRect t="4134" b="38829"/>
-          <a:stretch>
-            <a:fillRect/>
-          </a:stretch>
-        </p:blipFill>
-        <p:spPr>
-          <a:xfrm>
-            <a:off x="605590" y="648454"/>
-            <a:ext cx="10272000" cy="6012412"/>
-          </a:xfrm>
-          <a:prstGeom prst="rect">
-            <a:avLst/>
-          </a:prstGeom>
-        </p:spPr>
-      </p:pic>
-    </p:spTree>
-    <p:extLst>
-      <p:ext uri="{BB962C8B-B14F-4D97-AF65-F5344CB8AC3E}">
-        <p14:creationId xmlns:p14="http://schemas.microsoft.com/office/powerpoint/2010/main" val="2685461797"/>
       </p:ext>
     </p:extLst>
   </p:cSld>
@@ -54183,17 +54884,17 @@
 <file path=customXml/itemProps1.xml><?xml version="1.0" encoding="utf-8"?>
 <ds:datastoreItem xmlns:ds="http://schemas.openxmlformats.org/officeDocument/2006/customXml" ds:itemID="{58F29B6A-6356-441D-8343-7E25C4B84F9B}">
   <ds:schemaRefs>
-    <ds:schemaRef ds:uri="http://schemas.microsoft.com/office/2006/metadata/contentType"/>
-    <ds:schemaRef ds:uri="http://schemas.microsoft.com/office/2006/metadata/properties/metaAttributes"/>
-    <ds:schemaRef ds:uri="http://www.w3.org/2001/XMLSchema"/>
-    <ds:schemaRef ds:uri="http://schemas.microsoft.com/office/2006/metadata/properties"/>
     <ds:schemaRef ds:uri="1f16dbf7-1624-42b0-94f0-c170d6d8c99c"/>
-    <ds:schemaRef ds:uri="http://schemas.microsoft.com/office/2006/documentManagement/types"/>
-    <ds:schemaRef ds:uri="http://schemas.microsoft.com/office/infopath/2007/PartnerControls"/>
-    <ds:schemaRef ds:uri="http://schemas.openxmlformats.org/package/2006/metadata/core-properties"/>
     <ds:schemaRef ds:uri="http://purl.org/dc/elements/1.1/"/>
     <ds:schemaRef ds:uri="http://purl.org/dc/terms/"/>
     <ds:schemaRef ds:uri="http://schemas.microsoft.com/internal/obd"/>
+    <ds:schemaRef ds:uri="http://schemas.microsoft.com/office/2006/documentManagement/types"/>
+    <ds:schemaRef ds:uri="http://schemas.microsoft.com/office/2006/metadata/contentType"/>
+    <ds:schemaRef ds:uri="http://schemas.microsoft.com/office/2006/metadata/properties"/>
+    <ds:schemaRef ds:uri="http://schemas.microsoft.com/office/2006/metadata/properties/metaAttributes"/>
+    <ds:schemaRef ds:uri="http://schemas.microsoft.com/office/infopath/2007/PartnerControls"/>
+    <ds:schemaRef ds:uri="http://schemas.openxmlformats.org/package/2006/metadata/core-properties"/>
+    <ds:schemaRef ds:uri="http://www.w3.org/2001/XMLSchema"/>
   </ds:schemaRefs>
 </ds:datastoreItem>
 </file>
@@ -54209,15 +54910,15 @@
 <file path=customXml/itemProps3.xml><?xml version="1.0" encoding="utf-8"?>
 <ds:datastoreItem xmlns:ds="http://schemas.openxmlformats.org/officeDocument/2006/customXml" ds:itemID="{CBC51F0B-AD1D-429D-8DF3-FC6ABB1F1DD6}">
   <ds:schemaRefs>
+    <ds:schemaRef ds:uri="1f16dbf7-1624-42b0-94f0-c170d6d8c99c"/>
+    <ds:schemaRef ds:uri="http://purl.org/dc/dcmitype/"/>
+    <ds:schemaRef ds:uri="http://purl.org/dc/elements/1.1/"/>
     <ds:schemaRef ds:uri="http://purl.org/dc/terms/"/>
-    <ds:schemaRef ds:uri="http://purl.org/dc/dcmitype/"/>
     <ds:schemaRef ds:uri="http://schemas.microsoft.com/office/2006/documentManagement/types"/>
-    <ds:schemaRef ds:uri="http://www.w3.org/XML/1998/namespace"/>
+    <ds:schemaRef ds:uri="http://schemas.microsoft.com/office/2006/metadata/properties"/>
     <ds:schemaRef ds:uri="http://schemas.microsoft.com/office/infopath/2007/PartnerControls"/>
     <ds:schemaRef ds:uri="http://schemas.openxmlformats.org/package/2006/metadata/core-properties"/>
-    <ds:schemaRef ds:uri="1f16dbf7-1624-42b0-94f0-c170d6d8c99c"/>
-    <ds:schemaRef ds:uri="http://schemas.microsoft.com/office/2006/metadata/properties"/>
-    <ds:schemaRef ds:uri="http://purl.org/dc/elements/1.1/"/>
+    <ds:schemaRef ds:uri="http://www.w3.org/XML/1998/namespace"/>
   </ds:schemaRefs>
 </ds:datastoreItem>
 </file>